--- a/Presentation.pptx
+++ b/Presentation.pptx
@@ -137,6 +137,9 @@
         </p14:section>
       </p14:sectionLst>
     </p:ext>
+    <p:ext uri="{EFAFB233-063F-42B5-8137-9DF3F51BA10A}">
+      <p15:sldGuideLst xmlns:p15="http://schemas.microsoft.com/office/powerpoint/2012/main"/>
+    </p:ext>
   </p:extLst>
 </p:presentation>
 </file>
@@ -952,7 +955,7 @@
         <a:p>
           <a:r>
             <a:rPr lang="en-US" dirty="0"/>
-            <a:t>Happy User</a:t>
+            <a:t>Happy User*</a:t>
           </a:r>
         </a:p>
       </dgm:t>
@@ -1441,7 +1444,7 @@
           </a:pPr>
           <a:r>
             <a:rPr lang="en-US" sz="1200" kern="1200" dirty="0"/>
-            <a:t>Happy User</a:t>
+            <a:t>Happy User*</a:t>
           </a:r>
         </a:p>
       </dsp:txBody>
@@ -3892,6 +3895,37 @@
           <a:bodyPr/>
           <a:lstStyle/>
           <a:p>
+            <a:pPr marL="457200" marR="0" lvl="1" indent="0" algn="l" defTabSz="914400" rtl="0" eaLnBrk="1" fontAlgn="auto" latinLnBrk="0" hangingPunct="1">
+              <a:lnSpc>
+                <a:spcPct val="100000"/>
+              </a:lnSpc>
+              <a:spcBef>
+                <a:spcPts val="0"/>
+              </a:spcBef>
+              <a:spcAft>
+                <a:spcPts val="0"/>
+              </a:spcAft>
+              <a:buClrTx/>
+              <a:buSzTx/>
+              <a:buFontTx/>
+              <a:buNone/>
+              <a:tabLst/>
+              <a:defRPr/>
+            </a:pPr>
+            <a:r>
+              <a:rPr lang="en-US" dirty="0"/>
+              <a:t>Communication:  Maybe most important attribute a team can have is good communication. If people don’t know what is going on, morale decreases and mistakes are made. Documentation and modelling can help with this, which leads to…</a:t>
+            </a:r>
+          </a:p>
+          <a:p>
+            <a:pPr lvl="1"/>
+            <a:endParaRPr lang="en-US" dirty="0"/>
+          </a:p>
+          <a:p>
+            <a:pPr lvl="1"/>
+            <a:endParaRPr lang="en-US" dirty="0"/>
+          </a:p>
+          <a:p>
             <a:pPr lvl="1"/>
             <a:r>
               <a:rPr lang="en-US" dirty="0"/>
@@ -3906,7 +3940,7 @@
             <a:pPr lvl="1"/>
             <a:r>
               <a:rPr lang="en-US" dirty="0"/>
-              <a:t>Communication:  Maybe most important attribute a team can have is good communication. If people don’t know what is going on, morale decreases and mistakes are made. Documentation and modelling can help with this</a:t>
+              <a:t>Work hard: Have a good attitude, and pull your weight. </a:t>
             </a:r>
           </a:p>
           <a:p>
@@ -8247,7 +8281,7 @@
             <p:ph sz="half" idx="2"/>
             <p:extLst>
               <p:ext uri="{D42A27DB-BD31-4B8C-83A1-F6EECF244321}">
-                <p14:modId xmlns:p14="http://schemas.microsoft.com/office/powerpoint/2010/main" val="3797990576"/>
+                <p14:modId xmlns:p14="http://schemas.microsoft.com/office/powerpoint/2010/main" val="3306055410"/>
               </p:ext>
             </p:extLst>
           </p:nvPr>
@@ -8322,6 +8356,41 @@
           </a:prstGeom>
         </p:spPr>
       </p:pic>
+      <p:sp>
+        <p:nvSpPr>
+          <p:cNvPr id="4" name="Rectangle 3">
+            <a:extLst>
+              <a:ext uri="{FF2B5EF4-FFF2-40B4-BE49-F238E27FC236}">
+                <a16:creationId xmlns:a16="http://schemas.microsoft.com/office/drawing/2014/main" id="{8BE81DA4-5F02-43DC-B6E7-7670CDC77DFF}"/>
+              </a:ext>
+            </a:extLst>
+          </p:cNvPr>
+          <p:cNvSpPr/>
+          <p:nvPr/>
+        </p:nvSpPr>
+        <p:spPr>
+          <a:xfrm>
+            <a:off x="0" y="6308209"/>
+            <a:ext cx="6019800" cy="307777"/>
+          </a:xfrm>
+          <a:prstGeom prst="rect">
+            <a:avLst/>
+          </a:prstGeom>
+        </p:spPr>
+        <p:txBody>
+          <a:bodyPr wrap="square">
+            <a:spAutoFit/>
+          </a:bodyPr>
+          <a:lstStyle/>
+          <a:p>
+            <a:pPr lvl="1"/>
+            <a:r>
+              <a:rPr lang="en-US" sz="1400" dirty="0"/>
+              <a:t>*Results may vary</a:t>
+            </a:r>
+          </a:p>
+        </p:txBody>
+      </p:sp>
     </p:spTree>
     <p:extLst>
       <p:ext uri="{BB962C8B-B14F-4D97-AF65-F5344CB8AC3E}">
@@ -8415,26 +8484,25 @@
           <a:p>
             <a:r>
               <a:rPr lang="en-US" dirty="0"/>
+              <a:t>Communication is key</a:t>
+            </a:r>
+          </a:p>
+          <a:p>
+            <a:endParaRPr lang="en-US" dirty="0"/>
+          </a:p>
+          <a:p>
+            <a:r>
+              <a:rPr lang="en-US" dirty="0"/>
               <a:t>Work smarter, not harder</a:t>
             </a:r>
           </a:p>
           <a:p>
-            <a:pPr lvl="1"/>
             <a:endParaRPr lang="en-US" dirty="0"/>
           </a:p>
           <a:p>
             <a:r>
               <a:rPr lang="en-US" dirty="0"/>
-              <a:t>Communication is key</a:t>
-            </a:r>
-          </a:p>
-          <a:p>
-            <a:endParaRPr lang="en-US" dirty="0"/>
-          </a:p>
-          <a:p>
-            <a:r>
-              <a:rPr lang="en-US" dirty="0"/>
-              <a:t>[Serious: Insert something here]</a:t>
+              <a:t>…But still work hard</a:t>
             </a:r>
           </a:p>
           <a:p>

--- a/Presentation.pptx
+++ b/Presentation.pptx
@@ -2,21 +2,27 @@
 <file path=ppt/presentation.xml><?xml version="1.0" encoding="utf-8"?>
 <p:presentation xmlns:a="http://schemas.openxmlformats.org/drawingml/2006/main" xmlns:r="http://schemas.openxmlformats.org/officeDocument/2006/relationships" xmlns:p="http://schemas.openxmlformats.org/presentationml/2006/main" saveSubsetFonts="1">
   <p:sldMasterIdLst>
-    <p:sldMasterId id="2147483648" r:id="rId1"/>
+    <p:sldMasterId id="2147483719" r:id="rId1"/>
   </p:sldMasterIdLst>
   <p:notesMasterIdLst>
-    <p:notesMasterId r:id="rId11"/>
+    <p:notesMasterId r:id="rId17"/>
   </p:notesMasterIdLst>
   <p:sldIdLst>
     <p:sldId id="256" r:id="rId2"/>
-    <p:sldId id="257" r:id="rId3"/>
-    <p:sldId id="258" r:id="rId4"/>
-    <p:sldId id="268" r:id="rId5"/>
-    <p:sldId id="259" r:id="rId6"/>
-    <p:sldId id="260" r:id="rId7"/>
-    <p:sldId id="266" r:id="rId8"/>
-    <p:sldId id="267" r:id="rId9"/>
-    <p:sldId id="265" r:id="rId10"/>
+    <p:sldId id="274" r:id="rId3"/>
+    <p:sldId id="257" r:id="rId4"/>
+    <p:sldId id="258" r:id="rId5"/>
+    <p:sldId id="268" r:id="rId6"/>
+    <p:sldId id="270" r:id="rId7"/>
+    <p:sldId id="259" r:id="rId8"/>
+    <p:sldId id="260" r:id="rId9"/>
+    <p:sldId id="266" r:id="rId10"/>
+    <p:sldId id="267" r:id="rId11"/>
+    <p:sldId id="271" r:id="rId12"/>
+    <p:sldId id="273" r:id="rId13"/>
+    <p:sldId id="272" r:id="rId14"/>
+    <p:sldId id="269" r:id="rId15"/>
+    <p:sldId id="265" r:id="rId16"/>
   </p:sldIdLst>
   <p:sldSz cx="12192000" cy="6858000"/>
   <p:notesSz cx="6858000" cy="9144000"/>
@@ -24,7 +30,7 @@
     <a:defPPr>
       <a:defRPr lang="en-US"/>
     </a:defPPr>
-    <a:lvl1pPr marL="0" algn="l" defTabSz="914400" rtl="0" eaLnBrk="1" latinLnBrk="0" hangingPunct="1">
+    <a:lvl1pPr marL="0" algn="l" defTabSz="457200" rtl="0" eaLnBrk="1" latinLnBrk="0" hangingPunct="1">
       <a:defRPr sz="1800" kern="1200">
         <a:solidFill>
           <a:schemeClr val="tx1"/>
@@ -34,7 +40,7 @@
         <a:cs typeface="+mn-cs"/>
       </a:defRPr>
     </a:lvl1pPr>
-    <a:lvl2pPr marL="457200" algn="l" defTabSz="914400" rtl="0" eaLnBrk="1" latinLnBrk="0" hangingPunct="1">
+    <a:lvl2pPr marL="457200" algn="l" defTabSz="457200" rtl="0" eaLnBrk="1" latinLnBrk="0" hangingPunct="1">
       <a:defRPr sz="1800" kern="1200">
         <a:solidFill>
           <a:schemeClr val="tx1"/>
@@ -44,7 +50,7 @@
         <a:cs typeface="+mn-cs"/>
       </a:defRPr>
     </a:lvl2pPr>
-    <a:lvl3pPr marL="914400" algn="l" defTabSz="914400" rtl="0" eaLnBrk="1" latinLnBrk="0" hangingPunct="1">
+    <a:lvl3pPr marL="914400" algn="l" defTabSz="457200" rtl="0" eaLnBrk="1" latinLnBrk="0" hangingPunct="1">
       <a:defRPr sz="1800" kern="1200">
         <a:solidFill>
           <a:schemeClr val="tx1"/>
@@ -54,7 +60,7 @@
         <a:cs typeface="+mn-cs"/>
       </a:defRPr>
     </a:lvl3pPr>
-    <a:lvl4pPr marL="1371600" algn="l" defTabSz="914400" rtl="0" eaLnBrk="1" latinLnBrk="0" hangingPunct="1">
+    <a:lvl4pPr marL="1371600" algn="l" defTabSz="457200" rtl="0" eaLnBrk="1" latinLnBrk="0" hangingPunct="1">
       <a:defRPr sz="1800" kern="1200">
         <a:solidFill>
           <a:schemeClr val="tx1"/>
@@ -64,7 +70,7 @@
         <a:cs typeface="+mn-cs"/>
       </a:defRPr>
     </a:lvl4pPr>
-    <a:lvl5pPr marL="1828800" algn="l" defTabSz="914400" rtl="0" eaLnBrk="1" latinLnBrk="0" hangingPunct="1">
+    <a:lvl5pPr marL="1828800" algn="l" defTabSz="457200" rtl="0" eaLnBrk="1" latinLnBrk="0" hangingPunct="1">
       <a:defRPr sz="1800" kern="1200">
         <a:solidFill>
           <a:schemeClr val="tx1"/>
@@ -74,7 +80,7 @@
         <a:cs typeface="+mn-cs"/>
       </a:defRPr>
     </a:lvl5pPr>
-    <a:lvl6pPr marL="2286000" algn="l" defTabSz="914400" rtl="0" eaLnBrk="1" latinLnBrk="0" hangingPunct="1">
+    <a:lvl6pPr marL="2286000" algn="l" defTabSz="457200" rtl="0" eaLnBrk="1" latinLnBrk="0" hangingPunct="1">
       <a:defRPr sz="1800" kern="1200">
         <a:solidFill>
           <a:schemeClr val="tx1"/>
@@ -84,7 +90,7 @@
         <a:cs typeface="+mn-cs"/>
       </a:defRPr>
     </a:lvl6pPr>
-    <a:lvl7pPr marL="2743200" algn="l" defTabSz="914400" rtl="0" eaLnBrk="1" latinLnBrk="0" hangingPunct="1">
+    <a:lvl7pPr marL="2743200" algn="l" defTabSz="457200" rtl="0" eaLnBrk="1" latinLnBrk="0" hangingPunct="1">
       <a:defRPr sz="1800" kern="1200">
         <a:solidFill>
           <a:schemeClr val="tx1"/>
@@ -94,7 +100,7 @@
         <a:cs typeface="+mn-cs"/>
       </a:defRPr>
     </a:lvl7pPr>
-    <a:lvl8pPr marL="3200400" algn="l" defTabSz="914400" rtl="0" eaLnBrk="1" latinLnBrk="0" hangingPunct="1">
+    <a:lvl8pPr marL="3200400" algn="l" defTabSz="457200" rtl="0" eaLnBrk="1" latinLnBrk="0" hangingPunct="1">
       <a:defRPr sz="1800" kern="1200">
         <a:solidFill>
           <a:schemeClr val="tx1"/>
@@ -104,7 +110,7 @@
         <a:cs typeface="+mn-cs"/>
       </a:defRPr>
     </a:lvl8pPr>
-    <a:lvl9pPr marL="3657600" algn="l" defTabSz="914400" rtl="0" eaLnBrk="1" latinLnBrk="0" hangingPunct="1">
+    <a:lvl9pPr marL="3657600" algn="l" defTabSz="457200" rtl="0" eaLnBrk="1" latinLnBrk="0" hangingPunct="1">
       <a:defRPr sz="1800" kern="1200">
         <a:solidFill>
           <a:schemeClr val="tx1"/>
@@ -121,6 +127,7 @@
         <p14:section name="Default Section" id="{940CC05B-DB49-41AC-B64E-0D735391CCC8}">
           <p14:sldIdLst>
             <p14:sldId id="256"/>
+            <p14:sldId id="274"/>
           </p14:sldIdLst>
         </p14:section>
         <p14:section name="Untitled Section" id="{38368EC6-6F15-4BE1-8E07-934FA7868676}">
@@ -128,10 +135,15 @@
             <p14:sldId id="257"/>
             <p14:sldId id="258"/>
             <p14:sldId id="268"/>
+            <p14:sldId id="270"/>
             <p14:sldId id="259"/>
             <p14:sldId id="260"/>
             <p14:sldId id="266"/>
             <p14:sldId id="267"/>
+            <p14:sldId id="271"/>
+            <p14:sldId id="273"/>
+            <p14:sldId id="272"/>
+            <p14:sldId id="269"/>
             <p14:sldId id="265"/>
           </p14:sldIdLst>
         </p14:section>
@@ -917,8 +929,8 @@
             <a:t>User Makes </a:t>
           </a:r>
           <a:r>
-            <a:rPr lang="en-US" dirty="0" err="1"/>
-            <a:t>Reqest</a:t>
+            <a:rPr lang="en-US" dirty="0" smtClean="0"/>
+            <a:t>Request</a:t>
           </a:r>
           <a:endParaRPr lang="en-US" dirty="0"/>
         </a:p>
@@ -1135,6 +1147,13 @@
         </dgm:presLayoutVars>
       </dgm:prSet>
       <dgm:spPr/>
+      <dgm:t>
+        <a:bodyPr/>
+        <a:lstStyle/>
+        <a:p>
+          <a:endParaRPr lang="en-US"/>
+        </a:p>
+      </dgm:t>
     </dgm:pt>
     <dgm:pt modelId="{532E0CCE-5F82-4BC7-8A25-570F92DBF135}" type="pres">
       <dgm:prSet presAssocID="{475DC371-C2ED-45CB-9D2E-99E22BBBD51B}" presName="composite" presStyleCnt="0"/>
@@ -1149,10 +1168,24 @@
         </dgm:presLayoutVars>
       </dgm:prSet>
       <dgm:spPr/>
+      <dgm:t>
+        <a:bodyPr/>
+        <a:lstStyle/>
+        <a:p>
+          <a:endParaRPr lang="en-US"/>
+        </a:p>
+      </dgm:t>
     </dgm:pt>
     <dgm:pt modelId="{545218EE-7CC9-4DD0-A5A0-F5F4095F5719}" type="pres">
       <dgm:prSet presAssocID="{475DC371-C2ED-45CB-9D2E-99E22BBBD51B}" presName="parSh" presStyleLbl="node1" presStyleIdx="0" presStyleCnt="3"/>
       <dgm:spPr/>
+      <dgm:t>
+        <a:bodyPr/>
+        <a:lstStyle/>
+        <a:p>
+          <a:endParaRPr lang="en-US"/>
+        </a:p>
+      </dgm:t>
     </dgm:pt>
     <dgm:pt modelId="{1CAE543C-F70E-4BFB-AE52-769C5DE70113}" type="pres">
       <dgm:prSet presAssocID="{475DC371-C2ED-45CB-9D2E-99E22BBBD51B}" presName="desTx" presStyleLbl="fgAcc1" presStyleIdx="0" presStyleCnt="3">
@@ -1161,14 +1194,35 @@
         </dgm:presLayoutVars>
       </dgm:prSet>
       <dgm:spPr/>
+      <dgm:t>
+        <a:bodyPr/>
+        <a:lstStyle/>
+        <a:p>
+          <a:endParaRPr lang="en-US"/>
+        </a:p>
+      </dgm:t>
     </dgm:pt>
     <dgm:pt modelId="{0D94B108-C23B-4803-8367-8589429A5171}" type="pres">
       <dgm:prSet presAssocID="{A7EC798D-6C3B-4700-8475-F09E5EB63A24}" presName="sibTrans" presStyleLbl="sibTrans2D1" presStyleIdx="0" presStyleCnt="2"/>
       <dgm:spPr/>
+      <dgm:t>
+        <a:bodyPr/>
+        <a:lstStyle/>
+        <a:p>
+          <a:endParaRPr lang="en-US"/>
+        </a:p>
+      </dgm:t>
     </dgm:pt>
     <dgm:pt modelId="{D41C4003-EEBF-4358-9059-3281A877D6B8}" type="pres">
       <dgm:prSet presAssocID="{A7EC798D-6C3B-4700-8475-F09E5EB63A24}" presName="connTx" presStyleLbl="sibTrans2D1" presStyleIdx="0" presStyleCnt="2"/>
       <dgm:spPr/>
+      <dgm:t>
+        <a:bodyPr/>
+        <a:lstStyle/>
+        <a:p>
+          <a:endParaRPr lang="en-US"/>
+        </a:p>
+      </dgm:t>
     </dgm:pt>
     <dgm:pt modelId="{659E5F93-33AA-4782-A9F0-1381C51FBB2A}" type="pres">
       <dgm:prSet presAssocID="{9A911023-A579-4B28-B6F8-1E1E3CD7F58B}" presName="composite" presStyleCnt="0"/>
@@ -1183,10 +1237,24 @@
         </dgm:presLayoutVars>
       </dgm:prSet>
       <dgm:spPr/>
+      <dgm:t>
+        <a:bodyPr/>
+        <a:lstStyle/>
+        <a:p>
+          <a:endParaRPr lang="en-US"/>
+        </a:p>
+      </dgm:t>
     </dgm:pt>
     <dgm:pt modelId="{330F184D-7C08-41C0-AFBD-07B2B951BA1C}" type="pres">
       <dgm:prSet presAssocID="{9A911023-A579-4B28-B6F8-1E1E3CD7F58B}" presName="parSh" presStyleLbl="node1" presStyleIdx="1" presStyleCnt="3"/>
       <dgm:spPr/>
+      <dgm:t>
+        <a:bodyPr/>
+        <a:lstStyle/>
+        <a:p>
+          <a:endParaRPr lang="en-US"/>
+        </a:p>
+      </dgm:t>
     </dgm:pt>
     <dgm:pt modelId="{4618076C-56B7-4E74-9A85-BAF762EB5878}" type="pres">
       <dgm:prSet presAssocID="{9A911023-A579-4B28-B6F8-1E1E3CD7F58B}" presName="desTx" presStyleLbl="fgAcc1" presStyleIdx="1" presStyleCnt="3">
@@ -1195,14 +1263,35 @@
         </dgm:presLayoutVars>
       </dgm:prSet>
       <dgm:spPr/>
+      <dgm:t>
+        <a:bodyPr/>
+        <a:lstStyle/>
+        <a:p>
+          <a:endParaRPr lang="en-US"/>
+        </a:p>
+      </dgm:t>
     </dgm:pt>
     <dgm:pt modelId="{165B04BF-6059-493C-8028-37B3E56307BA}" type="pres">
       <dgm:prSet presAssocID="{96CF53D4-A2F2-45EE-835A-DA5D1D285800}" presName="sibTrans" presStyleLbl="sibTrans2D1" presStyleIdx="1" presStyleCnt="2"/>
       <dgm:spPr/>
+      <dgm:t>
+        <a:bodyPr/>
+        <a:lstStyle/>
+        <a:p>
+          <a:endParaRPr lang="en-US"/>
+        </a:p>
+      </dgm:t>
     </dgm:pt>
     <dgm:pt modelId="{CD9A26DB-C33A-4B0A-8B12-913EC1457A32}" type="pres">
       <dgm:prSet presAssocID="{96CF53D4-A2F2-45EE-835A-DA5D1D285800}" presName="connTx" presStyleLbl="sibTrans2D1" presStyleIdx="1" presStyleCnt="2"/>
       <dgm:spPr/>
+      <dgm:t>
+        <a:bodyPr/>
+        <a:lstStyle/>
+        <a:p>
+          <a:endParaRPr lang="en-US"/>
+        </a:p>
+      </dgm:t>
     </dgm:pt>
     <dgm:pt modelId="{FFBDD959-C84E-4E56-9C5C-B9912FAE0B94}" type="pres">
       <dgm:prSet presAssocID="{AB8E6DB2-AAB0-4168-BC91-1EC4C24C7430}" presName="composite" presStyleCnt="0"/>
@@ -1217,10 +1306,24 @@
         </dgm:presLayoutVars>
       </dgm:prSet>
       <dgm:spPr/>
+      <dgm:t>
+        <a:bodyPr/>
+        <a:lstStyle/>
+        <a:p>
+          <a:endParaRPr lang="en-US"/>
+        </a:p>
+      </dgm:t>
     </dgm:pt>
     <dgm:pt modelId="{15A9482C-095C-4F2A-91BD-D0C338A0AD79}" type="pres">
       <dgm:prSet presAssocID="{AB8E6DB2-AAB0-4168-BC91-1EC4C24C7430}" presName="parSh" presStyleLbl="node1" presStyleIdx="2" presStyleCnt="3"/>
       <dgm:spPr/>
+      <dgm:t>
+        <a:bodyPr/>
+        <a:lstStyle/>
+        <a:p>
+          <a:endParaRPr lang="en-US"/>
+        </a:p>
+      </dgm:t>
     </dgm:pt>
     <dgm:pt modelId="{0F220211-444E-4403-8D5C-F579CBA0A623}" type="pres">
       <dgm:prSet presAssocID="{AB8E6DB2-AAB0-4168-BC91-1EC4C24C7430}" presName="desTx" presStyleLbl="fgAcc1" presStyleIdx="2" presStyleCnt="3">
@@ -1229,29 +1332,36 @@
         </dgm:presLayoutVars>
       </dgm:prSet>
       <dgm:spPr/>
+      <dgm:t>
+        <a:bodyPr/>
+        <a:lstStyle/>
+        <a:p>
+          <a:endParaRPr lang="en-US"/>
+        </a:p>
+      </dgm:t>
     </dgm:pt>
   </dgm:ptLst>
   <dgm:cxnLst>
+    <dgm:cxn modelId="{E04A7710-BBBB-415D-AC8D-38658EC4A80F}" type="presOf" srcId="{9A911023-A579-4B28-B6F8-1E1E3CD7F58B}" destId="{330F184D-7C08-41C0-AFBD-07B2B951BA1C}" srcOrd="1" destOrd="0" presId="urn:microsoft.com/office/officeart/2005/8/layout/process3"/>
+    <dgm:cxn modelId="{B6E90392-26D5-41B9-B706-F331C44662D2}" type="presOf" srcId="{96CF53D4-A2F2-45EE-835A-DA5D1D285800}" destId="{165B04BF-6059-493C-8028-37B3E56307BA}" srcOrd="0" destOrd="0" presId="urn:microsoft.com/office/officeart/2005/8/layout/process3"/>
+    <dgm:cxn modelId="{9177CCC2-ABDF-47F8-A384-A65DF26D37D5}" type="presOf" srcId="{35BBBB64-248A-4B22-B3BF-AEE10CD640AE}" destId="{0F220211-444E-4403-8D5C-F579CBA0A623}" srcOrd="0" destOrd="0" presId="urn:microsoft.com/office/officeart/2005/8/layout/process3"/>
     <dgm:cxn modelId="{7B9B9E00-F005-4FD5-88C3-B9F52A9D7846}" srcId="{160016FC-8D37-4F1F-96F3-82561DBB2EAA}" destId="{AB8E6DB2-AAB0-4168-BC91-1EC4C24C7430}" srcOrd="2" destOrd="0" parTransId="{42E8FFAC-B976-495D-A8D7-2E3ED0362D33}" sibTransId="{190267AC-94F8-43BA-A908-82264349C787}"/>
+    <dgm:cxn modelId="{3FB7B512-2975-4500-A94A-6B0D18C056A5}" type="presOf" srcId="{101D0437-D0DC-424E-90EB-0F14C32DD9CA}" destId="{4618076C-56B7-4E74-9A85-BAF762EB5878}" srcOrd="0" destOrd="0" presId="urn:microsoft.com/office/officeart/2005/8/layout/process3"/>
+    <dgm:cxn modelId="{DB0E1952-56AA-4E13-AE28-7BBE8D4B4C17}" type="presOf" srcId="{AB8E6DB2-AAB0-4168-BC91-1EC4C24C7430}" destId="{39D7F9FE-7379-4AA2-B944-859DB6DA8BEA}" srcOrd="0" destOrd="0" presId="urn:microsoft.com/office/officeart/2005/8/layout/process3"/>
+    <dgm:cxn modelId="{97D9AE39-D324-4762-8AD3-634FA5445423}" type="presOf" srcId="{A7EC798D-6C3B-4700-8475-F09E5EB63A24}" destId="{0D94B108-C23B-4803-8367-8589429A5171}" srcOrd="0" destOrd="0" presId="urn:microsoft.com/office/officeart/2005/8/layout/process3"/>
+    <dgm:cxn modelId="{6EC83FB6-E65E-4F8A-A96D-B330E9D1B5A1}" srcId="{160016FC-8D37-4F1F-96F3-82561DBB2EAA}" destId="{475DC371-C2ED-45CB-9D2E-99E22BBBD51B}" srcOrd="0" destOrd="0" parTransId="{04C98E7F-C407-44A5-B690-F32B4E9D9D96}" sibTransId="{A7EC798D-6C3B-4700-8475-F09E5EB63A24}"/>
+    <dgm:cxn modelId="{C60B9F22-A1EC-4F18-94B2-509C57F684AE}" srcId="{475DC371-C2ED-45CB-9D2E-99E22BBBD51B}" destId="{60BC4E5A-3C84-4B70-8114-7B3A54274060}" srcOrd="0" destOrd="0" parTransId="{4ACD431B-A440-49DC-8CA8-73DDBB5DF0CE}" sibTransId="{304B6B09-19DD-4AD2-AC0B-75EE59A0F566}"/>
+    <dgm:cxn modelId="{4549B75D-71DA-4037-BCDC-31926FD21E39}" type="presOf" srcId="{475DC371-C2ED-45CB-9D2E-99E22BBBD51B}" destId="{545218EE-7CC9-4DD0-A5A0-F5F4095F5719}" srcOrd="1" destOrd="0" presId="urn:microsoft.com/office/officeart/2005/8/layout/process3"/>
+    <dgm:cxn modelId="{267F3439-6F7A-4657-819B-25D678C858C0}" type="presOf" srcId="{475DC371-C2ED-45CB-9D2E-99E22BBBD51B}" destId="{ADDCD194-B4EC-499D-A518-C65FBD78217C}" srcOrd="0" destOrd="0" presId="urn:microsoft.com/office/officeart/2005/8/layout/process3"/>
+    <dgm:cxn modelId="{4C16FF9C-D776-42E0-B5A6-74338949D4A8}" type="presOf" srcId="{60BC4E5A-3C84-4B70-8114-7B3A54274060}" destId="{1CAE543C-F70E-4BFB-AE52-769C5DE70113}" srcOrd="0" destOrd="0" presId="urn:microsoft.com/office/officeart/2005/8/layout/process3"/>
+    <dgm:cxn modelId="{A7E62FC3-DB04-4D6B-A685-CE6C6FE497CD}" srcId="{160016FC-8D37-4F1F-96F3-82561DBB2EAA}" destId="{9A911023-A579-4B28-B6F8-1E1E3CD7F58B}" srcOrd="1" destOrd="0" parTransId="{82800ACA-B6BD-4F0A-9D72-644F333D4705}" sibTransId="{96CF53D4-A2F2-45EE-835A-DA5D1D285800}"/>
     <dgm:cxn modelId="{DBE9C604-078E-46B9-BA2D-9D15A8461FB7}" srcId="{9A911023-A579-4B28-B6F8-1E1E3CD7F58B}" destId="{101D0437-D0DC-424E-90EB-0F14C32DD9CA}" srcOrd="0" destOrd="0" parTransId="{E4DB1137-D8C3-49EF-B811-7B40DE0435D1}" sibTransId="{D213A49E-4D61-42BA-9B0F-5D4CB645B65C}"/>
-    <dgm:cxn modelId="{E04A7710-BBBB-415D-AC8D-38658EC4A80F}" type="presOf" srcId="{9A911023-A579-4B28-B6F8-1E1E3CD7F58B}" destId="{330F184D-7C08-41C0-AFBD-07B2B951BA1C}" srcOrd="1" destOrd="0" presId="urn:microsoft.com/office/officeart/2005/8/layout/process3"/>
-    <dgm:cxn modelId="{3FB7B512-2975-4500-A94A-6B0D18C056A5}" type="presOf" srcId="{101D0437-D0DC-424E-90EB-0F14C32DD9CA}" destId="{4618076C-56B7-4E74-9A85-BAF762EB5878}" srcOrd="0" destOrd="0" presId="urn:microsoft.com/office/officeart/2005/8/layout/process3"/>
+    <dgm:cxn modelId="{FD80B1E0-8638-4A6C-9019-863D3F18D4B3}" type="presOf" srcId="{AB8E6DB2-AAB0-4168-BC91-1EC4C24C7430}" destId="{15A9482C-095C-4F2A-91BD-D0C338A0AD79}" srcOrd="1" destOrd="0" presId="urn:microsoft.com/office/officeart/2005/8/layout/process3"/>
+    <dgm:cxn modelId="{D1F7C9B0-4629-4B8E-9A5F-841C41A0D7B1}" type="presOf" srcId="{9A911023-A579-4B28-B6F8-1E1E3CD7F58B}" destId="{8DAF0FB8-A127-4961-B458-F265828E2CFA}" srcOrd="0" destOrd="0" presId="urn:microsoft.com/office/officeart/2005/8/layout/process3"/>
+    <dgm:cxn modelId="{B12FCDD6-D268-4131-80AA-581FAC7866B8}" type="presOf" srcId="{96CF53D4-A2F2-45EE-835A-DA5D1D285800}" destId="{CD9A26DB-C33A-4B0A-8B12-913EC1457A32}" srcOrd="1" destOrd="0" presId="urn:microsoft.com/office/officeart/2005/8/layout/process3"/>
+    <dgm:cxn modelId="{EDCDA49A-8845-4EC8-99E8-42B17DADC253}" srcId="{AB8E6DB2-AAB0-4168-BC91-1EC4C24C7430}" destId="{35BBBB64-248A-4B22-B3BF-AEE10CD640AE}" srcOrd="0" destOrd="0" parTransId="{1F897D15-BE44-4F94-A22D-59C94BEDD891}" sibTransId="{11A4ABA4-DF58-4160-B411-CCDB1E7043CF}"/>
     <dgm:cxn modelId="{AAB1CE1F-C24B-45B1-8208-DEE71D0721D8}" type="presOf" srcId="{160016FC-8D37-4F1F-96F3-82561DBB2EAA}" destId="{C1FD4A9E-3E36-408E-97C9-5A00CD30DAF4}" srcOrd="0" destOrd="0" presId="urn:microsoft.com/office/officeart/2005/8/layout/process3"/>
-    <dgm:cxn modelId="{C60B9F22-A1EC-4F18-94B2-509C57F684AE}" srcId="{475DC371-C2ED-45CB-9D2E-99E22BBBD51B}" destId="{60BC4E5A-3C84-4B70-8114-7B3A54274060}" srcOrd="0" destOrd="0" parTransId="{4ACD431B-A440-49DC-8CA8-73DDBB5DF0CE}" sibTransId="{304B6B09-19DD-4AD2-AC0B-75EE59A0F566}"/>
-    <dgm:cxn modelId="{267F3439-6F7A-4657-819B-25D678C858C0}" type="presOf" srcId="{475DC371-C2ED-45CB-9D2E-99E22BBBD51B}" destId="{ADDCD194-B4EC-499D-A518-C65FBD78217C}" srcOrd="0" destOrd="0" presId="urn:microsoft.com/office/officeart/2005/8/layout/process3"/>
-    <dgm:cxn modelId="{97D9AE39-D324-4762-8AD3-634FA5445423}" type="presOf" srcId="{A7EC798D-6C3B-4700-8475-F09E5EB63A24}" destId="{0D94B108-C23B-4803-8367-8589429A5171}" srcOrd="0" destOrd="0" presId="urn:microsoft.com/office/officeart/2005/8/layout/process3"/>
-    <dgm:cxn modelId="{4549B75D-71DA-4037-BCDC-31926FD21E39}" type="presOf" srcId="{475DC371-C2ED-45CB-9D2E-99E22BBBD51B}" destId="{545218EE-7CC9-4DD0-A5A0-F5F4095F5719}" srcOrd="1" destOrd="0" presId="urn:microsoft.com/office/officeart/2005/8/layout/process3"/>
-    <dgm:cxn modelId="{DB0E1952-56AA-4E13-AE28-7BBE8D4B4C17}" type="presOf" srcId="{AB8E6DB2-AAB0-4168-BC91-1EC4C24C7430}" destId="{39D7F9FE-7379-4AA2-B944-859DB6DA8BEA}" srcOrd="0" destOrd="0" presId="urn:microsoft.com/office/officeart/2005/8/layout/process3"/>
-    <dgm:cxn modelId="{B6E90392-26D5-41B9-B706-F331C44662D2}" type="presOf" srcId="{96CF53D4-A2F2-45EE-835A-DA5D1D285800}" destId="{165B04BF-6059-493C-8028-37B3E56307BA}" srcOrd="0" destOrd="0" presId="urn:microsoft.com/office/officeart/2005/8/layout/process3"/>
-    <dgm:cxn modelId="{EDCDA49A-8845-4EC8-99E8-42B17DADC253}" srcId="{AB8E6DB2-AAB0-4168-BC91-1EC4C24C7430}" destId="{35BBBB64-248A-4B22-B3BF-AEE10CD640AE}" srcOrd="0" destOrd="0" parTransId="{1F897D15-BE44-4F94-A22D-59C94BEDD891}" sibTransId="{11A4ABA4-DF58-4160-B411-CCDB1E7043CF}"/>
-    <dgm:cxn modelId="{4C16FF9C-D776-42E0-B5A6-74338949D4A8}" type="presOf" srcId="{60BC4E5A-3C84-4B70-8114-7B3A54274060}" destId="{1CAE543C-F70E-4BFB-AE52-769C5DE70113}" srcOrd="0" destOrd="0" presId="urn:microsoft.com/office/officeart/2005/8/layout/process3"/>
-    <dgm:cxn modelId="{D1F7C9B0-4629-4B8E-9A5F-841C41A0D7B1}" type="presOf" srcId="{9A911023-A579-4B28-B6F8-1E1E3CD7F58B}" destId="{8DAF0FB8-A127-4961-B458-F265828E2CFA}" srcOrd="0" destOrd="0" presId="urn:microsoft.com/office/officeart/2005/8/layout/process3"/>
-    <dgm:cxn modelId="{6EC83FB6-E65E-4F8A-A96D-B330E9D1B5A1}" srcId="{160016FC-8D37-4F1F-96F3-82561DBB2EAA}" destId="{475DC371-C2ED-45CB-9D2E-99E22BBBD51B}" srcOrd="0" destOrd="0" parTransId="{04C98E7F-C407-44A5-B690-F32B4E9D9D96}" sibTransId="{A7EC798D-6C3B-4700-8475-F09E5EB63A24}"/>
-    <dgm:cxn modelId="{9177CCC2-ABDF-47F8-A384-A65DF26D37D5}" type="presOf" srcId="{35BBBB64-248A-4B22-B3BF-AEE10CD640AE}" destId="{0F220211-444E-4403-8D5C-F579CBA0A623}" srcOrd="0" destOrd="0" presId="urn:microsoft.com/office/officeart/2005/8/layout/process3"/>
-    <dgm:cxn modelId="{A7E62FC3-DB04-4D6B-A685-CE6C6FE497CD}" srcId="{160016FC-8D37-4F1F-96F3-82561DBB2EAA}" destId="{9A911023-A579-4B28-B6F8-1E1E3CD7F58B}" srcOrd="1" destOrd="0" parTransId="{82800ACA-B6BD-4F0A-9D72-644F333D4705}" sibTransId="{96CF53D4-A2F2-45EE-835A-DA5D1D285800}"/>
     <dgm:cxn modelId="{42FED5C3-085F-4121-9F20-5910DB2F45DC}" type="presOf" srcId="{A7EC798D-6C3B-4700-8475-F09E5EB63A24}" destId="{D41C4003-EEBF-4358-9059-3281A877D6B8}" srcOrd="1" destOrd="0" presId="urn:microsoft.com/office/officeart/2005/8/layout/process3"/>
-    <dgm:cxn modelId="{B12FCDD6-D268-4131-80AA-581FAC7866B8}" type="presOf" srcId="{96CF53D4-A2F2-45EE-835A-DA5D1D285800}" destId="{CD9A26DB-C33A-4B0A-8B12-913EC1457A32}" srcOrd="1" destOrd="0" presId="urn:microsoft.com/office/officeart/2005/8/layout/process3"/>
-    <dgm:cxn modelId="{FD80B1E0-8638-4A6C-9019-863D3F18D4B3}" type="presOf" srcId="{AB8E6DB2-AAB0-4168-BC91-1EC4C24C7430}" destId="{15A9482C-095C-4F2A-91BD-D0C338A0AD79}" srcOrd="1" destOrd="0" presId="urn:microsoft.com/office/officeart/2005/8/layout/process3"/>
     <dgm:cxn modelId="{3B07D7AF-9FED-4399-BF21-9785E9266142}" type="presParOf" srcId="{C1FD4A9E-3E36-408E-97C9-5A00CD30DAF4}" destId="{532E0CCE-5F82-4BC7-8A25-570F92DBF135}" srcOrd="0" destOrd="0" presId="urn:microsoft.com/office/officeart/2005/8/layout/process3"/>
     <dgm:cxn modelId="{49CB9E26-5C26-4EA9-A32F-9EEDCCE451D8}" type="presParOf" srcId="{532E0CCE-5F82-4BC7-8A25-570F92DBF135}" destId="{ADDCD194-B4EC-499D-A518-C65FBD78217C}" srcOrd="0" destOrd="0" presId="urn:microsoft.com/office/officeart/2005/8/layout/process3"/>
     <dgm:cxn modelId="{C528CE48-FA3E-4FDC-9059-417D4BE5DD51}" type="presParOf" srcId="{532E0CCE-5F82-4BC7-8A25-570F92DBF135}" destId="{545218EE-7CC9-4DD0-A5A0-F5F4095F5719}" srcOrd="1" destOrd="0" presId="urn:microsoft.com/office/officeart/2005/8/layout/process3"/>
@@ -1346,7 +1456,7 @@
         </a:bodyPr>
         <a:lstStyle/>
         <a:p>
-          <a:pPr marL="0" lvl="0" indent="0" algn="l" defTabSz="533400">
+          <a:pPr lvl="0" algn="l" defTabSz="533400">
             <a:lnSpc>
               <a:spcPct val="90000"/>
             </a:lnSpc>
@@ -1356,15 +1466,14 @@
             <a:spcAft>
               <a:spcPct val="35000"/>
             </a:spcAft>
-            <a:buNone/>
           </a:pPr>
           <a:r>
             <a:rPr lang="en-US" sz="1200" kern="1200" dirty="0"/>
             <a:t>User Makes </a:t>
           </a:r>
           <a:r>
-            <a:rPr lang="en-US" sz="1200" kern="1200" dirty="0" err="1"/>
-            <a:t>Reqest</a:t>
+            <a:rPr lang="en-US" sz="1200" kern="1200" dirty="0" smtClean="0"/>
+            <a:t>Request</a:t>
           </a:r>
           <a:endParaRPr lang="en-US" sz="1200" kern="1200" dirty="0"/>
         </a:p>
@@ -1440,7 +1549,7 @@
             <a:spcAft>
               <a:spcPct val="15000"/>
             </a:spcAft>
-            <a:buChar char="•"/>
+            <a:buChar char="••"/>
           </a:pPr>
           <a:r>
             <a:rPr lang="en-US" sz="1200" kern="1200" dirty="0"/>
@@ -1503,7 +1612,7 @@
         </a:bodyPr>
         <a:lstStyle/>
         <a:p>
-          <a:pPr marL="0" lvl="0" indent="0" algn="ctr" defTabSz="444500">
+          <a:pPr lvl="0" algn="ctr" defTabSz="444500">
             <a:lnSpc>
               <a:spcPct val="90000"/>
             </a:lnSpc>
@@ -1513,7 +1622,6 @@
             <a:spcAft>
               <a:spcPct val="35000"/>
             </a:spcAft>
-            <a:buNone/>
           </a:pPr>
           <a:endParaRPr lang="en-US" sz="1000" kern="1200"/>
         </a:p>
@@ -1580,7 +1688,7 @@
         </a:bodyPr>
         <a:lstStyle/>
         <a:p>
-          <a:pPr marL="0" lvl="0" indent="0" algn="l" defTabSz="533400">
+          <a:pPr lvl="0" algn="l" defTabSz="533400">
             <a:lnSpc>
               <a:spcPct val="90000"/>
             </a:lnSpc>
@@ -1590,7 +1698,6 @@
             <a:spcAft>
               <a:spcPct val="35000"/>
             </a:spcAft>
-            <a:buNone/>
           </a:pPr>
           <a:r>
             <a:rPr lang="en-US" sz="1200" kern="1200" dirty="0"/>
@@ -1669,7 +1776,7 @@
             <a:spcAft>
               <a:spcPct val="15000"/>
             </a:spcAft>
-            <a:buChar char="•"/>
+            <a:buChar char="••"/>
           </a:pPr>
           <a:r>
             <a:rPr lang="en-US" sz="1200" kern="1200" dirty="0"/>
@@ -1732,7 +1839,7 @@
         </a:bodyPr>
         <a:lstStyle/>
         <a:p>
-          <a:pPr marL="0" lvl="0" indent="0" algn="ctr" defTabSz="444500">
+          <a:pPr lvl="0" algn="ctr" defTabSz="444500">
             <a:lnSpc>
               <a:spcPct val="90000"/>
             </a:lnSpc>
@@ -1742,7 +1849,6 @@
             <a:spcAft>
               <a:spcPct val="35000"/>
             </a:spcAft>
-            <a:buNone/>
           </a:pPr>
           <a:endParaRPr lang="en-US" sz="1000" kern="1200"/>
         </a:p>
@@ -1809,7 +1915,7 @@
         </a:bodyPr>
         <a:lstStyle/>
         <a:p>
-          <a:pPr marL="0" lvl="0" indent="0" algn="l" defTabSz="533400">
+          <a:pPr lvl="0" algn="l" defTabSz="533400">
             <a:lnSpc>
               <a:spcPct val="90000"/>
             </a:lnSpc>
@@ -1819,7 +1925,6 @@
             <a:spcAft>
               <a:spcPct val="35000"/>
             </a:spcAft>
-            <a:buNone/>
           </a:pPr>
           <a:r>
             <a:rPr lang="en-US" sz="1200" kern="1200" dirty="0"/>
@@ -1898,7 +2003,7 @@
             <a:spcAft>
               <a:spcPct val="15000"/>
             </a:spcAft>
-            <a:buChar char="•"/>
+            <a:buChar char="••"/>
           </a:pPr>
           <a:r>
             <a:rPr lang="en-US" sz="1200" kern="1200" dirty="0"/>
@@ -3332,7 +3437,7 @@
           <a:p>
             <a:fld id="{F1CA48F7-AC07-4152-A3F7-1C4CC38024CC}" type="datetimeFigureOut">
               <a:rPr lang="en-US" smtClean="0"/>
-              <a:t>11/28/2018</a:t>
+              <a:t>11/29/2018</a:t>
             </a:fld>
             <a:endParaRPr lang="en-US"/>
           </a:p>
@@ -3643,7 +3748,15 @@
           <a:bodyPr/>
           <a:lstStyle/>
           <a:p>
-            <a:endParaRPr lang="en-US" dirty="0"/>
+            <a:r>
+              <a:rPr lang="en-CA" dirty="0" smtClean="0"/>
+              <a:t>General</a:t>
+            </a:r>
+            <a:r>
+              <a:rPr lang="en-CA" baseline="0" dirty="0" smtClean="0"/>
+              <a:t> since this stores can input their own items they sell into the system</a:t>
+            </a:r>
+            <a:endParaRPr lang="en-CA" dirty="0"/>
           </a:p>
         </p:txBody>
       </p:sp>
@@ -3654,7 +3767,7 @@
             <a:spLocks noGrp="1"/>
           </p:cNvSpPr>
           <p:nvPr>
-            <p:ph type="sldNum" sz="quarter" idx="5"/>
+            <p:ph type="sldNum" sz="quarter" idx="10"/>
           </p:nvPr>
         </p:nvSpPr>
         <p:spPr/>
@@ -3664,7 +3777,7 @@
           <a:p>
             <a:fld id="{F8F4E1B7-D88C-4650-A7F4-D7DE5D5171B7}" type="slidenum">
               <a:rPr lang="en-US" smtClean="0"/>
-              <a:t>5</a:t>
+              <a:t>4</a:t>
             </a:fld>
             <a:endParaRPr lang="en-US"/>
           </a:p>
@@ -3673,7 +3786,7 @@
     </p:spTree>
     <p:extLst>
       <p:ext uri="{BB962C8B-B14F-4D97-AF65-F5344CB8AC3E}">
-        <p14:creationId xmlns:p14="http://schemas.microsoft.com/office/powerpoint/2010/main" val="1830655196"/>
+        <p14:creationId xmlns:p14="http://schemas.microsoft.com/office/powerpoint/2010/main" val="3794480534"/>
       </p:ext>
     </p:extLst>
   </p:cSld>
@@ -3748,7 +3861,7 @@
           <a:p>
             <a:fld id="{F8F4E1B7-D88C-4650-A7F4-D7DE5D5171B7}" type="slidenum">
               <a:rPr lang="en-US" smtClean="0"/>
-              <a:t>6</a:t>
+              <a:t>7</a:t>
             </a:fld>
             <a:endParaRPr lang="en-US"/>
           </a:p>
@@ -3757,7 +3870,7 @@
     </p:spTree>
     <p:extLst>
       <p:ext uri="{BB962C8B-B14F-4D97-AF65-F5344CB8AC3E}">
-        <p14:creationId xmlns:p14="http://schemas.microsoft.com/office/powerpoint/2010/main" val="3226201897"/>
+        <p14:creationId xmlns:p14="http://schemas.microsoft.com/office/powerpoint/2010/main" val="1830655196"/>
       </p:ext>
     </p:extLst>
   </p:cSld>
@@ -3841,7 +3954,7 @@
     </p:spTree>
     <p:extLst>
       <p:ext uri="{BB962C8B-B14F-4D97-AF65-F5344CB8AC3E}">
-        <p14:creationId xmlns:p14="http://schemas.microsoft.com/office/powerpoint/2010/main" val="501579045"/>
+        <p14:creationId xmlns:p14="http://schemas.microsoft.com/office/powerpoint/2010/main" val="3226201897"/>
       </p:ext>
     </p:extLst>
   </p:cSld>
@@ -3895,6 +4008,90 @@
           <a:bodyPr/>
           <a:lstStyle/>
           <a:p>
+            <a:endParaRPr lang="en-US" dirty="0"/>
+          </a:p>
+        </p:txBody>
+      </p:sp>
+      <p:sp>
+        <p:nvSpPr>
+          <p:cNvPr id="4" name="Slide Number Placeholder 3"/>
+          <p:cNvSpPr>
+            <a:spLocks noGrp="1"/>
+          </p:cNvSpPr>
+          <p:nvPr>
+            <p:ph type="sldNum" sz="quarter" idx="5"/>
+          </p:nvPr>
+        </p:nvSpPr>
+        <p:spPr/>
+        <p:txBody>
+          <a:bodyPr/>
+          <a:lstStyle/>
+          <a:p>
+            <a:fld id="{F8F4E1B7-D88C-4650-A7F4-D7DE5D5171B7}" type="slidenum">
+              <a:rPr lang="en-US" smtClean="0"/>
+              <a:t>10</a:t>
+            </a:fld>
+            <a:endParaRPr lang="en-US"/>
+          </a:p>
+        </p:txBody>
+      </p:sp>
+    </p:spTree>
+    <p:extLst>
+      <p:ext uri="{BB962C8B-B14F-4D97-AF65-F5344CB8AC3E}">
+        <p14:creationId xmlns:p14="http://schemas.microsoft.com/office/powerpoint/2010/main" val="501579045"/>
+      </p:ext>
+    </p:extLst>
+  </p:cSld>
+  <p:clrMapOvr>
+    <a:masterClrMapping/>
+  </p:clrMapOvr>
+</p:notes>
+</file>
+
+<file path=ppt/notesSlides/notesSlide5.xml><?xml version="1.0" encoding="utf-8"?>
+<p:notes xmlns:a="http://schemas.openxmlformats.org/drawingml/2006/main" xmlns:r="http://schemas.openxmlformats.org/officeDocument/2006/relationships" xmlns:p="http://schemas.openxmlformats.org/presentationml/2006/main">
+  <p:cSld>
+    <p:spTree>
+      <p:nvGrpSpPr>
+        <p:cNvPr id="1" name=""/>
+        <p:cNvGrpSpPr/>
+        <p:nvPr/>
+      </p:nvGrpSpPr>
+      <p:grpSpPr>
+        <a:xfrm>
+          <a:off x="0" y="0"/>
+          <a:ext cx="0" cy="0"/>
+          <a:chOff x="0" y="0"/>
+          <a:chExt cx="0" cy="0"/>
+        </a:xfrm>
+      </p:grpSpPr>
+      <p:sp>
+        <p:nvSpPr>
+          <p:cNvPr id="2" name="Slide Image Placeholder 1"/>
+          <p:cNvSpPr>
+            <a:spLocks noGrp="1" noRot="1" noChangeAspect="1"/>
+          </p:cNvSpPr>
+          <p:nvPr>
+            <p:ph type="sldImg"/>
+          </p:nvPr>
+        </p:nvSpPr>
+        <p:spPr/>
+      </p:sp>
+      <p:sp>
+        <p:nvSpPr>
+          <p:cNvPr id="3" name="Notes Placeholder 2"/>
+          <p:cNvSpPr>
+            <a:spLocks noGrp="1"/>
+          </p:cNvSpPr>
+          <p:nvPr>
+            <p:ph type="body" idx="1"/>
+          </p:nvPr>
+        </p:nvSpPr>
+        <p:spPr/>
+        <p:txBody>
+          <a:bodyPr/>
+          <a:lstStyle/>
+          <a:p>
             <a:pPr marL="457200" marR="0" lvl="1" indent="0" algn="l" defTabSz="914400" rtl="0" eaLnBrk="1" fontAlgn="auto" latinLnBrk="0" hangingPunct="1">
               <a:lnSpc>
                 <a:spcPct val="100000"/>
@@ -3965,7 +4162,7 @@
           <a:p>
             <a:fld id="{F8F4E1B7-D88C-4650-A7F4-D7DE5D5171B7}" type="slidenum">
               <a:rPr lang="en-US" smtClean="0"/>
-              <a:t>9</a:t>
+              <a:t>15</a:t>
             </a:fld>
             <a:endParaRPr lang="en-US"/>
           </a:p>
@@ -4003,13 +4200,7 @@
       </p:grpSpPr>
       <p:sp>
         <p:nvSpPr>
-          <p:cNvPr id="2" name="Title 1">
-            <a:extLst>
-              <a:ext uri="{FF2B5EF4-FFF2-40B4-BE49-F238E27FC236}">
-                <a16:creationId xmlns:a16="http://schemas.microsoft.com/office/drawing/2014/main" id="{DE006109-EA9B-4772-A2EA-9A1DABF769B7}"/>
-              </a:ext>
-            </a:extLst>
-          </p:cNvPr>
+          <p:cNvPr id="2" name="Title 1"/>
           <p:cNvSpPr>
             <a:spLocks noGrp="1"/>
           </p:cNvSpPr>
@@ -4032,21 +4223,16 @@
           </a:lstStyle>
           <a:p>
             <a:r>
-              <a:rPr lang="en-US"/>
+              <a:rPr lang="en-US" smtClean="0"/>
               <a:t>Click to edit Master title style</a:t>
             </a:r>
-          </a:p>
-        </p:txBody>
-      </p:sp>
-      <p:sp>
-        <p:nvSpPr>
-          <p:cNvPr id="3" name="Subtitle 2">
-            <a:extLst>
-              <a:ext uri="{FF2B5EF4-FFF2-40B4-BE49-F238E27FC236}">
-                <a16:creationId xmlns:a16="http://schemas.microsoft.com/office/drawing/2014/main" id="{985689EF-DB4D-4567-8738-A0F83A71C259}"/>
-              </a:ext>
-            </a:extLst>
-          </p:cNvPr>
+            <a:endParaRPr lang="en-US" dirty="0"/>
+          </a:p>
+        </p:txBody>
+      </p:sp>
+      <p:sp>
+        <p:nvSpPr>
+          <p:cNvPr id="3" name="Subtitle 2"/>
           <p:cNvSpPr>
             <a:spLocks noGrp="1"/>
           </p:cNvSpPr>
@@ -4102,21 +4288,16 @@
           </a:lstStyle>
           <a:p>
             <a:r>
-              <a:rPr lang="en-US"/>
+              <a:rPr lang="en-US" smtClean="0"/>
               <a:t>Click to edit Master subtitle style</a:t>
             </a:r>
-          </a:p>
-        </p:txBody>
-      </p:sp>
-      <p:sp>
-        <p:nvSpPr>
-          <p:cNvPr id="4" name="Date Placeholder 3">
-            <a:extLst>
-              <a:ext uri="{FF2B5EF4-FFF2-40B4-BE49-F238E27FC236}">
-                <a16:creationId xmlns:a16="http://schemas.microsoft.com/office/drawing/2014/main" id="{3EF9F61B-B1D0-477A-9179-64DB1CB2125E}"/>
-              </a:ext>
-            </a:extLst>
-          </p:cNvPr>
+            <a:endParaRPr lang="en-US" dirty="0"/>
+          </a:p>
+        </p:txBody>
+      </p:sp>
+      <p:sp>
+        <p:nvSpPr>
+          <p:cNvPr id="4" name="Date Placeholder 3"/>
           <p:cNvSpPr>
             <a:spLocks noGrp="1"/>
           </p:cNvSpPr>
@@ -4131,7 +4312,7 @@
           <a:p>
             <a:fld id="{CC65CFED-55DF-46DC-970E-476D178B4746}" type="datetimeFigureOut">
               <a:rPr lang="en-US" smtClean="0"/>
-              <a:t>11/28/2018</a:t>
+              <a:t>11/29/2018</a:t>
             </a:fld>
             <a:endParaRPr lang="en-US"/>
           </a:p>
@@ -4139,13 +4320,7 @@
       </p:sp>
       <p:sp>
         <p:nvSpPr>
-          <p:cNvPr id="5" name="Footer Placeholder 4">
-            <a:extLst>
-              <a:ext uri="{FF2B5EF4-FFF2-40B4-BE49-F238E27FC236}">
-                <a16:creationId xmlns:a16="http://schemas.microsoft.com/office/drawing/2014/main" id="{36979670-0880-47A6-912F-113030BD1486}"/>
-              </a:ext>
-            </a:extLst>
-          </p:cNvPr>
+          <p:cNvPr id="5" name="Footer Placeholder 4"/>
           <p:cNvSpPr>
             <a:spLocks noGrp="1"/>
           </p:cNvSpPr>
@@ -4164,13 +4339,7 @@
       </p:sp>
       <p:sp>
         <p:nvSpPr>
-          <p:cNvPr id="6" name="Slide Number Placeholder 5">
-            <a:extLst>
-              <a:ext uri="{FF2B5EF4-FFF2-40B4-BE49-F238E27FC236}">
-                <a16:creationId xmlns:a16="http://schemas.microsoft.com/office/drawing/2014/main" id="{AA52D2B7-6811-4E20-85ED-315E66C78C55}"/>
-              </a:ext>
-            </a:extLst>
-          </p:cNvPr>
+          <p:cNvPr id="6" name="Slide Number Placeholder 5"/>
           <p:cNvSpPr>
             <a:spLocks noGrp="1"/>
           </p:cNvSpPr>
@@ -4194,7 +4363,7 @@
     </p:spTree>
     <p:extLst>
       <p:ext uri="{BB962C8B-B14F-4D97-AF65-F5344CB8AC3E}">
-        <p14:creationId xmlns:p14="http://schemas.microsoft.com/office/powerpoint/2010/main" val="3038226542"/>
+        <p14:creationId xmlns:p14="http://schemas.microsoft.com/office/powerpoint/2010/main" val="974837153"/>
       </p:ext>
     </p:extLst>
   </p:cSld>
@@ -4223,13 +4392,7 @@
       </p:grpSpPr>
       <p:sp>
         <p:nvSpPr>
-          <p:cNvPr id="2" name="Title 1">
-            <a:extLst>
-              <a:ext uri="{FF2B5EF4-FFF2-40B4-BE49-F238E27FC236}">
-                <a16:creationId xmlns:a16="http://schemas.microsoft.com/office/drawing/2014/main" id="{04D227D8-9B73-4CFA-B23C-D2A6AA06DAF5}"/>
-              </a:ext>
-            </a:extLst>
-          </p:cNvPr>
+          <p:cNvPr id="2" name="Title 1"/>
           <p:cNvSpPr>
             <a:spLocks noGrp="1"/>
           </p:cNvSpPr>
@@ -4243,21 +4406,16 @@
           <a:lstStyle/>
           <a:p>
             <a:r>
-              <a:rPr lang="en-US"/>
+              <a:rPr lang="en-US" smtClean="0"/>
               <a:t>Click to edit Master title style</a:t>
             </a:r>
-          </a:p>
-        </p:txBody>
-      </p:sp>
-      <p:sp>
-        <p:nvSpPr>
-          <p:cNvPr id="3" name="Vertical Text Placeholder 2">
-            <a:extLst>
-              <a:ext uri="{FF2B5EF4-FFF2-40B4-BE49-F238E27FC236}">
-                <a16:creationId xmlns:a16="http://schemas.microsoft.com/office/drawing/2014/main" id="{2D6EC164-B9C5-4BB0-B8D2-C3568B768641}"/>
-              </a:ext>
-            </a:extLst>
-          </p:cNvPr>
+            <a:endParaRPr lang="en-US" dirty="0"/>
+          </a:p>
+        </p:txBody>
+      </p:sp>
+      <p:sp>
+        <p:nvSpPr>
+          <p:cNvPr id="3" name="Vertical Text Placeholder 2"/>
           <p:cNvSpPr>
             <a:spLocks noGrp="1"/>
           </p:cNvSpPr>
@@ -4272,49 +4430,44 @@
           <a:p>
             <a:pPr lvl="0"/>
             <a:r>
-              <a:rPr lang="en-US"/>
+              <a:rPr lang="en-US" smtClean="0"/>
               <a:t>Edit Master text styles</a:t>
             </a:r>
           </a:p>
           <a:p>
             <a:pPr lvl="1"/>
             <a:r>
-              <a:rPr lang="en-US"/>
+              <a:rPr lang="en-US" smtClean="0"/>
               <a:t>Second level</a:t>
             </a:r>
           </a:p>
           <a:p>
             <a:pPr lvl="2"/>
             <a:r>
-              <a:rPr lang="en-US"/>
+              <a:rPr lang="en-US" smtClean="0"/>
               <a:t>Third level</a:t>
             </a:r>
           </a:p>
           <a:p>
             <a:pPr lvl="3"/>
             <a:r>
-              <a:rPr lang="en-US"/>
+              <a:rPr lang="en-US" smtClean="0"/>
               <a:t>Fourth level</a:t>
             </a:r>
           </a:p>
           <a:p>
             <a:pPr lvl="4"/>
             <a:r>
-              <a:rPr lang="en-US"/>
+              <a:rPr lang="en-US" smtClean="0"/>
               <a:t>Fifth level</a:t>
             </a:r>
-          </a:p>
-        </p:txBody>
-      </p:sp>
-      <p:sp>
-        <p:nvSpPr>
-          <p:cNvPr id="4" name="Date Placeholder 3">
-            <a:extLst>
-              <a:ext uri="{FF2B5EF4-FFF2-40B4-BE49-F238E27FC236}">
-                <a16:creationId xmlns:a16="http://schemas.microsoft.com/office/drawing/2014/main" id="{6F1A18C0-BB1B-456B-8C98-E70393AC6AF6}"/>
-              </a:ext>
-            </a:extLst>
-          </p:cNvPr>
+            <a:endParaRPr lang="en-US" dirty="0"/>
+          </a:p>
+        </p:txBody>
+      </p:sp>
+      <p:sp>
+        <p:nvSpPr>
+          <p:cNvPr id="4" name="Date Placeholder 3"/>
           <p:cNvSpPr>
             <a:spLocks noGrp="1"/>
           </p:cNvSpPr>
@@ -4329,7 +4482,7 @@
           <a:p>
             <a:fld id="{CC65CFED-55DF-46DC-970E-476D178B4746}" type="datetimeFigureOut">
               <a:rPr lang="en-US" smtClean="0"/>
-              <a:t>11/28/2018</a:t>
+              <a:t>11/29/2018</a:t>
             </a:fld>
             <a:endParaRPr lang="en-US"/>
           </a:p>
@@ -4337,13 +4490,7 @@
       </p:sp>
       <p:sp>
         <p:nvSpPr>
-          <p:cNvPr id="5" name="Footer Placeholder 4">
-            <a:extLst>
-              <a:ext uri="{FF2B5EF4-FFF2-40B4-BE49-F238E27FC236}">
-                <a16:creationId xmlns:a16="http://schemas.microsoft.com/office/drawing/2014/main" id="{9D5B30AF-3E25-405A-B89D-88963EC1107C}"/>
-              </a:ext>
-            </a:extLst>
-          </p:cNvPr>
+          <p:cNvPr id="5" name="Footer Placeholder 4"/>
           <p:cNvSpPr>
             <a:spLocks noGrp="1"/>
           </p:cNvSpPr>
@@ -4362,13 +4509,7 @@
       </p:sp>
       <p:sp>
         <p:nvSpPr>
-          <p:cNvPr id="6" name="Slide Number Placeholder 5">
-            <a:extLst>
-              <a:ext uri="{FF2B5EF4-FFF2-40B4-BE49-F238E27FC236}">
-                <a16:creationId xmlns:a16="http://schemas.microsoft.com/office/drawing/2014/main" id="{853D5B40-15ED-4FF9-9EE6-D24CD4F97BCD}"/>
-              </a:ext>
-            </a:extLst>
-          </p:cNvPr>
+          <p:cNvPr id="6" name="Slide Number Placeholder 5"/>
           <p:cNvSpPr>
             <a:spLocks noGrp="1"/>
           </p:cNvSpPr>
@@ -4392,7 +4533,7 @@
     </p:spTree>
     <p:extLst>
       <p:ext uri="{BB962C8B-B14F-4D97-AF65-F5344CB8AC3E}">
-        <p14:creationId xmlns:p14="http://schemas.microsoft.com/office/powerpoint/2010/main" val="2033275435"/>
+        <p14:creationId xmlns:p14="http://schemas.microsoft.com/office/powerpoint/2010/main" val="3582078264"/>
       </p:ext>
     </p:extLst>
   </p:cSld>
@@ -4421,13 +4562,7 @@
       </p:grpSpPr>
       <p:sp>
         <p:nvSpPr>
-          <p:cNvPr id="2" name="Vertical Title 1">
-            <a:extLst>
-              <a:ext uri="{FF2B5EF4-FFF2-40B4-BE49-F238E27FC236}">
-                <a16:creationId xmlns:a16="http://schemas.microsoft.com/office/drawing/2014/main" id="{43258E3F-72D7-4686-8684-325197D16CBB}"/>
-              </a:ext>
-            </a:extLst>
-          </p:cNvPr>
+          <p:cNvPr id="2" name="Vertical Title 1"/>
           <p:cNvSpPr>
             <a:spLocks noGrp="1"/>
           </p:cNvSpPr>
@@ -4446,21 +4581,16 @@
           <a:lstStyle/>
           <a:p>
             <a:r>
-              <a:rPr lang="en-US"/>
+              <a:rPr lang="en-US" smtClean="0"/>
               <a:t>Click to edit Master title style</a:t>
             </a:r>
-          </a:p>
-        </p:txBody>
-      </p:sp>
-      <p:sp>
-        <p:nvSpPr>
-          <p:cNvPr id="3" name="Vertical Text Placeholder 2">
-            <a:extLst>
-              <a:ext uri="{FF2B5EF4-FFF2-40B4-BE49-F238E27FC236}">
-                <a16:creationId xmlns:a16="http://schemas.microsoft.com/office/drawing/2014/main" id="{1D93FCEF-7C94-4EB9-A5A7-592134D0B91A}"/>
-              </a:ext>
-            </a:extLst>
-          </p:cNvPr>
+            <a:endParaRPr lang="en-US" dirty="0"/>
+          </a:p>
+        </p:txBody>
+      </p:sp>
+      <p:sp>
+        <p:nvSpPr>
+          <p:cNvPr id="3" name="Vertical Text Placeholder 2"/>
           <p:cNvSpPr>
             <a:spLocks noGrp="1"/>
           </p:cNvSpPr>
@@ -4480,49 +4610,44 @@
           <a:p>
             <a:pPr lvl="0"/>
             <a:r>
-              <a:rPr lang="en-US"/>
+              <a:rPr lang="en-US" smtClean="0"/>
               <a:t>Edit Master text styles</a:t>
             </a:r>
           </a:p>
           <a:p>
             <a:pPr lvl="1"/>
             <a:r>
-              <a:rPr lang="en-US"/>
+              <a:rPr lang="en-US" smtClean="0"/>
               <a:t>Second level</a:t>
             </a:r>
           </a:p>
           <a:p>
             <a:pPr lvl="2"/>
             <a:r>
-              <a:rPr lang="en-US"/>
+              <a:rPr lang="en-US" smtClean="0"/>
               <a:t>Third level</a:t>
             </a:r>
           </a:p>
           <a:p>
             <a:pPr lvl="3"/>
             <a:r>
-              <a:rPr lang="en-US"/>
+              <a:rPr lang="en-US" smtClean="0"/>
               <a:t>Fourth level</a:t>
             </a:r>
           </a:p>
           <a:p>
             <a:pPr lvl="4"/>
             <a:r>
-              <a:rPr lang="en-US"/>
+              <a:rPr lang="en-US" smtClean="0"/>
               <a:t>Fifth level</a:t>
             </a:r>
-          </a:p>
-        </p:txBody>
-      </p:sp>
-      <p:sp>
-        <p:nvSpPr>
-          <p:cNvPr id="4" name="Date Placeholder 3">
-            <a:extLst>
-              <a:ext uri="{FF2B5EF4-FFF2-40B4-BE49-F238E27FC236}">
-                <a16:creationId xmlns:a16="http://schemas.microsoft.com/office/drawing/2014/main" id="{AC8C136D-D6BB-4723-A42C-DE63594F7016}"/>
-              </a:ext>
-            </a:extLst>
-          </p:cNvPr>
+            <a:endParaRPr lang="en-US" dirty="0"/>
+          </a:p>
+        </p:txBody>
+      </p:sp>
+      <p:sp>
+        <p:nvSpPr>
+          <p:cNvPr id="4" name="Date Placeholder 3"/>
           <p:cNvSpPr>
             <a:spLocks noGrp="1"/>
           </p:cNvSpPr>
@@ -4537,7 +4662,7 @@
           <a:p>
             <a:fld id="{CC65CFED-55DF-46DC-970E-476D178B4746}" type="datetimeFigureOut">
               <a:rPr lang="en-US" smtClean="0"/>
-              <a:t>11/28/2018</a:t>
+              <a:t>11/29/2018</a:t>
             </a:fld>
             <a:endParaRPr lang="en-US"/>
           </a:p>
@@ -4545,13 +4670,7 @@
       </p:sp>
       <p:sp>
         <p:nvSpPr>
-          <p:cNvPr id="5" name="Footer Placeholder 4">
-            <a:extLst>
-              <a:ext uri="{FF2B5EF4-FFF2-40B4-BE49-F238E27FC236}">
-                <a16:creationId xmlns:a16="http://schemas.microsoft.com/office/drawing/2014/main" id="{41BEAE0E-EE44-47BE-9B0C-ECA72102D3D7}"/>
-              </a:ext>
-            </a:extLst>
-          </p:cNvPr>
+          <p:cNvPr id="5" name="Footer Placeholder 4"/>
           <p:cNvSpPr>
             <a:spLocks noGrp="1"/>
           </p:cNvSpPr>
@@ -4570,13 +4689,7 @@
       </p:sp>
       <p:sp>
         <p:nvSpPr>
-          <p:cNvPr id="6" name="Slide Number Placeholder 5">
-            <a:extLst>
-              <a:ext uri="{FF2B5EF4-FFF2-40B4-BE49-F238E27FC236}">
-                <a16:creationId xmlns:a16="http://schemas.microsoft.com/office/drawing/2014/main" id="{A516BDD9-9CB0-4B1D-B890-4CAA31FB8039}"/>
-              </a:ext>
-            </a:extLst>
-          </p:cNvPr>
+          <p:cNvPr id="6" name="Slide Number Placeholder 5"/>
           <p:cNvSpPr>
             <a:spLocks noGrp="1"/>
           </p:cNvSpPr>
@@ -4600,7 +4713,7 @@
     </p:spTree>
     <p:extLst>
       <p:ext uri="{BB962C8B-B14F-4D97-AF65-F5344CB8AC3E}">
-        <p14:creationId xmlns:p14="http://schemas.microsoft.com/office/powerpoint/2010/main" val="173299837"/>
+        <p14:creationId xmlns:p14="http://schemas.microsoft.com/office/powerpoint/2010/main" val="3669331463"/>
       </p:ext>
     </p:extLst>
   </p:cSld>
@@ -4629,13 +4742,7 @@
       </p:grpSpPr>
       <p:sp>
         <p:nvSpPr>
-          <p:cNvPr id="2" name="Title 1">
-            <a:extLst>
-              <a:ext uri="{FF2B5EF4-FFF2-40B4-BE49-F238E27FC236}">
-                <a16:creationId xmlns:a16="http://schemas.microsoft.com/office/drawing/2014/main" id="{069C3540-8219-4353-B6E2-D678613944DC}"/>
-              </a:ext>
-            </a:extLst>
-          </p:cNvPr>
+          <p:cNvPr id="2" name="Title 1"/>
           <p:cNvSpPr>
             <a:spLocks noGrp="1"/>
           </p:cNvSpPr>
@@ -4649,21 +4756,16 @@
           <a:lstStyle/>
           <a:p>
             <a:r>
-              <a:rPr lang="en-US"/>
+              <a:rPr lang="en-US" smtClean="0"/>
               <a:t>Click to edit Master title style</a:t>
             </a:r>
-          </a:p>
-        </p:txBody>
-      </p:sp>
-      <p:sp>
-        <p:nvSpPr>
-          <p:cNvPr id="3" name="Content Placeholder 2">
-            <a:extLst>
-              <a:ext uri="{FF2B5EF4-FFF2-40B4-BE49-F238E27FC236}">
-                <a16:creationId xmlns:a16="http://schemas.microsoft.com/office/drawing/2014/main" id="{216ECDCD-F16A-484C-A42D-B9FA8C0E928F}"/>
-              </a:ext>
-            </a:extLst>
-          </p:cNvPr>
+            <a:endParaRPr lang="en-US" dirty="0"/>
+          </a:p>
+        </p:txBody>
+      </p:sp>
+      <p:sp>
+        <p:nvSpPr>
+          <p:cNvPr id="3" name="Content Placeholder 2"/>
           <p:cNvSpPr>
             <a:spLocks noGrp="1"/>
           </p:cNvSpPr>
@@ -4678,49 +4780,44 @@
           <a:p>
             <a:pPr lvl="0"/>
             <a:r>
-              <a:rPr lang="en-US"/>
+              <a:rPr lang="en-US" smtClean="0"/>
               <a:t>Edit Master text styles</a:t>
             </a:r>
           </a:p>
           <a:p>
             <a:pPr lvl="1"/>
             <a:r>
-              <a:rPr lang="en-US"/>
+              <a:rPr lang="en-US" smtClean="0"/>
               <a:t>Second level</a:t>
             </a:r>
           </a:p>
           <a:p>
             <a:pPr lvl="2"/>
             <a:r>
-              <a:rPr lang="en-US"/>
+              <a:rPr lang="en-US" smtClean="0"/>
               <a:t>Third level</a:t>
             </a:r>
           </a:p>
           <a:p>
             <a:pPr lvl="3"/>
             <a:r>
-              <a:rPr lang="en-US"/>
+              <a:rPr lang="en-US" smtClean="0"/>
               <a:t>Fourth level</a:t>
             </a:r>
           </a:p>
           <a:p>
             <a:pPr lvl="4"/>
             <a:r>
-              <a:rPr lang="en-US"/>
+              <a:rPr lang="en-US" smtClean="0"/>
               <a:t>Fifth level</a:t>
             </a:r>
-          </a:p>
-        </p:txBody>
-      </p:sp>
-      <p:sp>
-        <p:nvSpPr>
-          <p:cNvPr id="4" name="Date Placeholder 3">
-            <a:extLst>
-              <a:ext uri="{FF2B5EF4-FFF2-40B4-BE49-F238E27FC236}">
-                <a16:creationId xmlns:a16="http://schemas.microsoft.com/office/drawing/2014/main" id="{9089DB6C-D31D-4641-987F-9539814DDDD4}"/>
-              </a:ext>
-            </a:extLst>
-          </p:cNvPr>
+            <a:endParaRPr lang="en-US" dirty="0"/>
+          </a:p>
+        </p:txBody>
+      </p:sp>
+      <p:sp>
+        <p:nvSpPr>
+          <p:cNvPr id="4" name="Date Placeholder 3"/>
           <p:cNvSpPr>
             <a:spLocks noGrp="1"/>
           </p:cNvSpPr>
@@ -4735,7 +4832,7 @@
           <a:p>
             <a:fld id="{CC65CFED-55DF-46DC-970E-476D178B4746}" type="datetimeFigureOut">
               <a:rPr lang="en-US" smtClean="0"/>
-              <a:t>11/28/2018</a:t>
+              <a:t>11/29/2018</a:t>
             </a:fld>
             <a:endParaRPr lang="en-US"/>
           </a:p>
@@ -4743,13 +4840,7 @@
       </p:sp>
       <p:sp>
         <p:nvSpPr>
-          <p:cNvPr id="5" name="Footer Placeholder 4">
-            <a:extLst>
-              <a:ext uri="{FF2B5EF4-FFF2-40B4-BE49-F238E27FC236}">
-                <a16:creationId xmlns:a16="http://schemas.microsoft.com/office/drawing/2014/main" id="{D9933CD6-0631-4FBE-B476-356DEB9C3DBD}"/>
-              </a:ext>
-            </a:extLst>
-          </p:cNvPr>
+          <p:cNvPr id="5" name="Footer Placeholder 4"/>
           <p:cNvSpPr>
             <a:spLocks noGrp="1"/>
           </p:cNvSpPr>
@@ -4768,13 +4859,7 @@
       </p:sp>
       <p:sp>
         <p:nvSpPr>
-          <p:cNvPr id="6" name="Slide Number Placeholder 5">
-            <a:extLst>
-              <a:ext uri="{FF2B5EF4-FFF2-40B4-BE49-F238E27FC236}">
-                <a16:creationId xmlns:a16="http://schemas.microsoft.com/office/drawing/2014/main" id="{B993F8A3-D128-4B11-A342-BF649AC54048}"/>
-              </a:ext>
-            </a:extLst>
-          </p:cNvPr>
+          <p:cNvPr id="6" name="Slide Number Placeholder 5"/>
           <p:cNvSpPr>
             <a:spLocks noGrp="1"/>
           </p:cNvSpPr>
@@ -4798,7 +4883,7 @@
     </p:spTree>
     <p:extLst>
       <p:ext uri="{BB962C8B-B14F-4D97-AF65-F5344CB8AC3E}">
-        <p14:creationId xmlns:p14="http://schemas.microsoft.com/office/powerpoint/2010/main" val="257466732"/>
+        <p14:creationId xmlns:p14="http://schemas.microsoft.com/office/powerpoint/2010/main" val="1898324451"/>
       </p:ext>
     </p:extLst>
   </p:cSld>
@@ -4827,13 +4912,7 @@
       </p:grpSpPr>
       <p:sp>
         <p:nvSpPr>
-          <p:cNvPr id="2" name="Title 1">
-            <a:extLst>
-              <a:ext uri="{FF2B5EF4-FFF2-40B4-BE49-F238E27FC236}">
-                <a16:creationId xmlns:a16="http://schemas.microsoft.com/office/drawing/2014/main" id="{D8316129-C4BD-4557-8C04-A6C706871558}"/>
-              </a:ext>
-            </a:extLst>
-          </p:cNvPr>
+          <p:cNvPr id="2" name="Title 1"/>
           <p:cNvSpPr>
             <a:spLocks noGrp="1"/>
           </p:cNvSpPr>
@@ -4856,21 +4935,16 @@
           </a:lstStyle>
           <a:p>
             <a:r>
-              <a:rPr lang="en-US"/>
+              <a:rPr lang="en-US" smtClean="0"/>
               <a:t>Click to edit Master title style</a:t>
             </a:r>
-          </a:p>
-        </p:txBody>
-      </p:sp>
-      <p:sp>
-        <p:nvSpPr>
-          <p:cNvPr id="3" name="Text Placeholder 2">
-            <a:extLst>
-              <a:ext uri="{FF2B5EF4-FFF2-40B4-BE49-F238E27FC236}">
-                <a16:creationId xmlns:a16="http://schemas.microsoft.com/office/drawing/2014/main" id="{55A835A3-B068-48E7-9FC1-94F62F61032C}"/>
-              </a:ext>
-            </a:extLst>
-          </p:cNvPr>
+            <a:endParaRPr lang="en-US" dirty="0"/>
+          </a:p>
+        </p:txBody>
+      </p:sp>
+      <p:sp>
+        <p:nvSpPr>
+          <p:cNvPr id="3" name="Text Placeholder 2"/>
           <p:cNvSpPr>
             <a:spLocks noGrp="1"/>
           </p:cNvSpPr>
@@ -4981,7 +5055,7 @@
           <a:p>
             <a:pPr lvl="0"/>
             <a:r>
-              <a:rPr lang="en-US"/>
+              <a:rPr lang="en-US" smtClean="0"/>
               <a:t>Edit Master text styles</a:t>
             </a:r>
           </a:p>
@@ -4989,13 +5063,7 @@
       </p:sp>
       <p:sp>
         <p:nvSpPr>
-          <p:cNvPr id="4" name="Date Placeholder 3">
-            <a:extLst>
-              <a:ext uri="{FF2B5EF4-FFF2-40B4-BE49-F238E27FC236}">
-                <a16:creationId xmlns:a16="http://schemas.microsoft.com/office/drawing/2014/main" id="{BACC54CE-A1AC-4B10-85E7-3883D2344AC9}"/>
-              </a:ext>
-            </a:extLst>
-          </p:cNvPr>
+          <p:cNvPr id="4" name="Date Placeholder 3"/>
           <p:cNvSpPr>
             <a:spLocks noGrp="1"/>
           </p:cNvSpPr>
@@ -5010,7 +5078,7 @@
           <a:p>
             <a:fld id="{CC65CFED-55DF-46DC-970E-476D178B4746}" type="datetimeFigureOut">
               <a:rPr lang="en-US" smtClean="0"/>
-              <a:t>11/28/2018</a:t>
+              <a:t>11/29/2018</a:t>
             </a:fld>
             <a:endParaRPr lang="en-US"/>
           </a:p>
@@ -5018,13 +5086,7 @@
       </p:sp>
       <p:sp>
         <p:nvSpPr>
-          <p:cNvPr id="5" name="Footer Placeholder 4">
-            <a:extLst>
-              <a:ext uri="{FF2B5EF4-FFF2-40B4-BE49-F238E27FC236}">
-                <a16:creationId xmlns:a16="http://schemas.microsoft.com/office/drawing/2014/main" id="{231E7C9A-7662-41B8-A52A-BC6A595A9591}"/>
-              </a:ext>
-            </a:extLst>
-          </p:cNvPr>
+          <p:cNvPr id="5" name="Footer Placeholder 4"/>
           <p:cNvSpPr>
             <a:spLocks noGrp="1"/>
           </p:cNvSpPr>
@@ -5043,13 +5105,7 @@
       </p:sp>
       <p:sp>
         <p:nvSpPr>
-          <p:cNvPr id="6" name="Slide Number Placeholder 5">
-            <a:extLst>
-              <a:ext uri="{FF2B5EF4-FFF2-40B4-BE49-F238E27FC236}">
-                <a16:creationId xmlns:a16="http://schemas.microsoft.com/office/drawing/2014/main" id="{FB57B3BF-673D-4A59-954A-8B8F2F77CF7D}"/>
-              </a:ext>
-            </a:extLst>
-          </p:cNvPr>
+          <p:cNvPr id="6" name="Slide Number Placeholder 5"/>
           <p:cNvSpPr>
             <a:spLocks noGrp="1"/>
           </p:cNvSpPr>
@@ -5073,7 +5129,7 @@
     </p:spTree>
     <p:extLst>
       <p:ext uri="{BB962C8B-B14F-4D97-AF65-F5344CB8AC3E}">
-        <p14:creationId xmlns:p14="http://schemas.microsoft.com/office/powerpoint/2010/main" val="1534835500"/>
+        <p14:creationId xmlns:p14="http://schemas.microsoft.com/office/powerpoint/2010/main" val="725391573"/>
       </p:ext>
     </p:extLst>
   </p:cSld>
@@ -5102,13 +5158,7 @@
       </p:grpSpPr>
       <p:sp>
         <p:nvSpPr>
-          <p:cNvPr id="2" name="Title 1">
-            <a:extLst>
-              <a:ext uri="{FF2B5EF4-FFF2-40B4-BE49-F238E27FC236}">
-                <a16:creationId xmlns:a16="http://schemas.microsoft.com/office/drawing/2014/main" id="{E12D37E5-C0B0-42B0-A247-89AE902D9731}"/>
-              </a:ext>
-            </a:extLst>
-          </p:cNvPr>
+          <p:cNvPr id="2" name="Title 1"/>
           <p:cNvSpPr>
             <a:spLocks noGrp="1"/>
           </p:cNvSpPr>
@@ -5122,21 +5172,16 @@
           <a:lstStyle/>
           <a:p>
             <a:r>
-              <a:rPr lang="en-US"/>
+              <a:rPr lang="en-US" smtClean="0"/>
               <a:t>Click to edit Master title style</a:t>
             </a:r>
-          </a:p>
-        </p:txBody>
-      </p:sp>
-      <p:sp>
-        <p:nvSpPr>
-          <p:cNvPr id="3" name="Content Placeholder 2">
-            <a:extLst>
-              <a:ext uri="{FF2B5EF4-FFF2-40B4-BE49-F238E27FC236}">
-                <a16:creationId xmlns:a16="http://schemas.microsoft.com/office/drawing/2014/main" id="{35A95C45-4673-418B-80EA-E8DEEAC790FD}"/>
-              </a:ext>
-            </a:extLst>
-          </p:cNvPr>
+            <a:endParaRPr lang="en-US" dirty="0"/>
+          </a:p>
+        </p:txBody>
+      </p:sp>
+      <p:sp>
+        <p:nvSpPr>
+          <p:cNvPr id="3" name="Content Placeholder 2"/>
           <p:cNvSpPr>
             <a:spLocks noGrp="1"/>
           </p:cNvSpPr>
@@ -5156,49 +5201,44 @@
           <a:p>
             <a:pPr lvl="0"/>
             <a:r>
-              <a:rPr lang="en-US"/>
+              <a:rPr lang="en-US" smtClean="0"/>
               <a:t>Edit Master text styles</a:t>
             </a:r>
           </a:p>
           <a:p>
             <a:pPr lvl="1"/>
             <a:r>
-              <a:rPr lang="en-US"/>
+              <a:rPr lang="en-US" smtClean="0"/>
               <a:t>Second level</a:t>
             </a:r>
           </a:p>
           <a:p>
             <a:pPr lvl="2"/>
             <a:r>
-              <a:rPr lang="en-US"/>
+              <a:rPr lang="en-US" smtClean="0"/>
               <a:t>Third level</a:t>
             </a:r>
           </a:p>
           <a:p>
             <a:pPr lvl="3"/>
             <a:r>
-              <a:rPr lang="en-US"/>
+              <a:rPr lang="en-US" smtClean="0"/>
               <a:t>Fourth level</a:t>
             </a:r>
           </a:p>
           <a:p>
             <a:pPr lvl="4"/>
             <a:r>
-              <a:rPr lang="en-US"/>
+              <a:rPr lang="en-US" smtClean="0"/>
               <a:t>Fifth level</a:t>
             </a:r>
-          </a:p>
-        </p:txBody>
-      </p:sp>
-      <p:sp>
-        <p:nvSpPr>
-          <p:cNvPr id="4" name="Content Placeholder 3">
-            <a:extLst>
-              <a:ext uri="{FF2B5EF4-FFF2-40B4-BE49-F238E27FC236}">
-                <a16:creationId xmlns:a16="http://schemas.microsoft.com/office/drawing/2014/main" id="{D184DA77-2B99-4E12-B6A9-108FF5562D5C}"/>
-              </a:ext>
-            </a:extLst>
-          </p:cNvPr>
+            <a:endParaRPr lang="en-US" dirty="0"/>
+          </a:p>
+        </p:txBody>
+      </p:sp>
+      <p:sp>
+        <p:nvSpPr>
+          <p:cNvPr id="4" name="Content Placeholder 3"/>
           <p:cNvSpPr>
             <a:spLocks noGrp="1"/>
           </p:cNvSpPr>
@@ -5218,49 +5258,44 @@
           <a:p>
             <a:pPr lvl="0"/>
             <a:r>
-              <a:rPr lang="en-US"/>
+              <a:rPr lang="en-US" smtClean="0"/>
               <a:t>Edit Master text styles</a:t>
             </a:r>
           </a:p>
           <a:p>
             <a:pPr lvl="1"/>
             <a:r>
-              <a:rPr lang="en-US"/>
+              <a:rPr lang="en-US" smtClean="0"/>
               <a:t>Second level</a:t>
             </a:r>
           </a:p>
           <a:p>
             <a:pPr lvl="2"/>
             <a:r>
-              <a:rPr lang="en-US"/>
+              <a:rPr lang="en-US" smtClean="0"/>
               <a:t>Third level</a:t>
             </a:r>
           </a:p>
           <a:p>
             <a:pPr lvl="3"/>
             <a:r>
-              <a:rPr lang="en-US"/>
+              <a:rPr lang="en-US" smtClean="0"/>
               <a:t>Fourth level</a:t>
             </a:r>
           </a:p>
           <a:p>
             <a:pPr lvl="4"/>
             <a:r>
-              <a:rPr lang="en-US"/>
+              <a:rPr lang="en-US" smtClean="0"/>
               <a:t>Fifth level</a:t>
             </a:r>
-          </a:p>
-        </p:txBody>
-      </p:sp>
-      <p:sp>
-        <p:nvSpPr>
-          <p:cNvPr id="5" name="Date Placeholder 4">
-            <a:extLst>
-              <a:ext uri="{FF2B5EF4-FFF2-40B4-BE49-F238E27FC236}">
-                <a16:creationId xmlns:a16="http://schemas.microsoft.com/office/drawing/2014/main" id="{090DDF58-30D4-40EF-81EF-1B07EA217714}"/>
-              </a:ext>
-            </a:extLst>
-          </p:cNvPr>
+            <a:endParaRPr lang="en-US" dirty="0"/>
+          </a:p>
+        </p:txBody>
+      </p:sp>
+      <p:sp>
+        <p:nvSpPr>
+          <p:cNvPr id="5" name="Date Placeholder 4"/>
           <p:cNvSpPr>
             <a:spLocks noGrp="1"/>
           </p:cNvSpPr>
@@ -5275,7 +5310,7 @@
           <a:p>
             <a:fld id="{CC65CFED-55DF-46DC-970E-476D178B4746}" type="datetimeFigureOut">
               <a:rPr lang="en-US" smtClean="0"/>
-              <a:t>11/28/2018</a:t>
+              <a:t>11/29/2018</a:t>
             </a:fld>
             <a:endParaRPr lang="en-US"/>
           </a:p>
@@ -5283,13 +5318,7 @@
       </p:sp>
       <p:sp>
         <p:nvSpPr>
-          <p:cNvPr id="6" name="Footer Placeholder 5">
-            <a:extLst>
-              <a:ext uri="{FF2B5EF4-FFF2-40B4-BE49-F238E27FC236}">
-                <a16:creationId xmlns:a16="http://schemas.microsoft.com/office/drawing/2014/main" id="{629C7E5D-D735-4266-A7C8-C7555E8E7E4D}"/>
-              </a:ext>
-            </a:extLst>
-          </p:cNvPr>
+          <p:cNvPr id="6" name="Footer Placeholder 5"/>
           <p:cNvSpPr>
             <a:spLocks noGrp="1"/>
           </p:cNvSpPr>
@@ -5308,13 +5337,7 @@
       </p:sp>
       <p:sp>
         <p:nvSpPr>
-          <p:cNvPr id="7" name="Slide Number Placeholder 6">
-            <a:extLst>
-              <a:ext uri="{FF2B5EF4-FFF2-40B4-BE49-F238E27FC236}">
-                <a16:creationId xmlns:a16="http://schemas.microsoft.com/office/drawing/2014/main" id="{6C151006-C2EB-45D1-B666-917E48B1A31A}"/>
-              </a:ext>
-            </a:extLst>
-          </p:cNvPr>
+          <p:cNvPr id="7" name="Slide Number Placeholder 6"/>
           <p:cNvSpPr>
             <a:spLocks noGrp="1"/>
           </p:cNvSpPr>
@@ -5338,7 +5361,7 @@
     </p:spTree>
     <p:extLst>
       <p:ext uri="{BB962C8B-B14F-4D97-AF65-F5344CB8AC3E}">
-        <p14:creationId xmlns:p14="http://schemas.microsoft.com/office/powerpoint/2010/main" val="2169182997"/>
+        <p14:creationId xmlns:p14="http://schemas.microsoft.com/office/powerpoint/2010/main" val="3502974651"/>
       </p:ext>
     </p:extLst>
   </p:cSld>
@@ -5367,13 +5390,7 @@
       </p:grpSpPr>
       <p:sp>
         <p:nvSpPr>
-          <p:cNvPr id="2" name="Title 1">
-            <a:extLst>
-              <a:ext uri="{FF2B5EF4-FFF2-40B4-BE49-F238E27FC236}">
-                <a16:creationId xmlns:a16="http://schemas.microsoft.com/office/drawing/2014/main" id="{26D15D86-4F1F-4684-A4D3-CA735B4A8462}"/>
-              </a:ext>
-            </a:extLst>
-          </p:cNvPr>
+          <p:cNvPr id="2" name="Title 1"/>
           <p:cNvSpPr>
             <a:spLocks noGrp="1"/>
           </p:cNvSpPr>
@@ -5392,21 +5409,16 @@
           <a:lstStyle/>
           <a:p>
             <a:r>
-              <a:rPr lang="en-US"/>
+              <a:rPr lang="en-US" smtClean="0"/>
               <a:t>Click to edit Master title style</a:t>
             </a:r>
-          </a:p>
-        </p:txBody>
-      </p:sp>
-      <p:sp>
-        <p:nvSpPr>
-          <p:cNvPr id="3" name="Text Placeholder 2">
-            <a:extLst>
-              <a:ext uri="{FF2B5EF4-FFF2-40B4-BE49-F238E27FC236}">
-                <a16:creationId xmlns:a16="http://schemas.microsoft.com/office/drawing/2014/main" id="{F955935B-49E2-4529-884D-B7722A4F7FD3}"/>
-              </a:ext>
-            </a:extLst>
-          </p:cNvPr>
+            <a:endParaRPr lang="en-US" dirty="0"/>
+          </a:p>
+        </p:txBody>
+      </p:sp>
+      <p:sp>
+        <p:nvSpPr>
+          <p:cNvPr id="3" name="Text Placeholder 2"/>
           <p:cNvSpPr>
             <a:spLocks noGrp="1"/>
           </p:cNvSpPr>
@@ -5463,7 +5475,7 @@
           <a:p>
             <a:pPr lvl="0"/>
             <a:r>
-              <a:rPr lang="en-US"/>
+              <a:rPr lang="en-US" smtClean="0"/>
               <a:t>Edit Master text styles</a:t>
             </a:r>
           </a:p>
@@ -5471,13 +5483,7 @@
       </p:sp>
       <p:sp>
         <p:nvSpPr>
-          <p:cNvPr id="4" name="Content Placeholder 3">
-            <a:extLst>
-              <a:ext uri="{FF2B5EF4-FFF2-40B4-BE49-F238E27FC236}">
-                <a16:creationId xmlns:a16="http://schemas.microsoft.com/office/drawing/2014/main" id="{1EA05EB5-FEC8-4711-83A7-A0C966664800}"/>
-              </a:ext>
-            </a:extLst>
-          </p:cNvPr>
+          <p:cNvPr id="4" name="Content Placeholder 3"/>
           <p:cNvSpPr>
             <a:spLocks noGrp="1"/>
           </p:cNvSpPr>
@@ -5497,49 +5503,44 @@
           <a:p>
             <a:pPr lvl="0"/>
             <a:r>
-              <a:rPr lang="en-US"/>
+              <a:rPr lang="en-US" smtClean="0"/>
               <a:t>Edit Master text styles</a:t>
             </a:r>
           </a:p>
           <a:p>
             <a:pPr lvl="1"/>
             <a:r>
-              <a:rPr lang="en-US"/>
+              <a:rPr lang="en-US" smtClean="0"/>
               <a:t>Second level</a:t>
             </a:r>
           </a:p>
           <a:p>
             <a:pPr lvl="2"/>
             <a:r>
-              <a:rPr lang="en-US"/>
+              <a:rPr lang="en-US" smtClean="0"/>
               <a:t>Third level</a:t>
             </a:r>
           </a:p>
           <a:p>
             <a:pPr lvl="3"/>
             <a:r>
-              <a:rPr lang="en-US"/>
+              <a:rPr lang="en-US" smtClean="0"/>
               <a:t>Fourth level</a:t>
             </a:r>
           </a:p>
           <a:p>
             <a:pPr lvl="4"/>
             <a:r>
-              <a:rPr lang="en-US"/>
+              <a:rPr lang="en-US" smtClean="0"/>
               <a:t>Fifth level</a:t>
             </a:r>
-          </a:p>
-        </p:txBody>
-      </p:sp>
-      <p:sp>
-        <p:nvSpPr>
-          <p:cNvPr id="5" name="Text Placeholder 4">
-            <a:extLst>
-              <a:ext uri="{FF2B5EF4-FFF2-40B4-BE49-F238E27FC236}">
-                <a16:creationId xmlns:a16="http://schemas.microsoft.com/office/drawing/2014/main" id="{9C705F60-4279-46DF-B1DE-93C6D10B9F39}"/>
-              </a:ext>
-            </a:extLst>
-          </p:cNvPr>
+            <a:endParaRPr lang="en-US" dirty="0"/>
+          </a:p>
+        </p:txBody>
+      </p:sp>
+      <p:sp>
+        <p:nvSpPr>
+          <p:cNvPr id="5" name="Text Placeholder 4"/>
           <p:cNvSpPr>
             <a:spLocks noGrp="1"/>
           </p:cNvSpPr>
@@ -5596,7 +5597,7 @@
           <a:p>
             <a:pPr lvl="0"/>
             <a:r>
-              <a:rPr lang="en-US"/>
+              <a:rPr lang="en-US" smtClean="0"/>
               <a:t>Edit Master text styles</a:t>
             </a:r>
           </a:p>
@@ -5604,13 +5605,7 @@
       </p:sp>
       <p:sp>
         <p:nvSpPr>
-          <p:cNvPr id="6" name="Content Placeholder 5">
-            <a:extLst>
-              <a:ext uri="{FF2B5EF4-FFF2-40B4-BE49-F238E27FC236}">
-                <a16:creationId xmlns:a16="http://schemas.microsoft.com/office/drawing/2014/main" id="{1A3FC2EC-4610-472D-AE90-46A7A5B40AB1}"/>
-              </a:ext>
-            </a:extLst>
-          </p:cNvPr>
+          <p:cNvPr id="6" name="Content Placeholder 5"/>
           <p:cNvSpPr>
             <a:spLocks noGrp="1"/>
           </p:cNvSpPr>
@@ -5630,49 +5625,44 @@
           <a:p>
             <a:pPr lvl="0"/>
             <a:r>
-              <a:rPr lang="en-US"/>
+              <a:rPr lang="en-US" smtClean="0"/>
               <a:t>Edit Master text styles</a:t>
             </a:r>
           </a:p>
           <a:p>
             <a:pPr lvl="1"/>
             <a:r>
-              <a:rPr lang="en-US"/>
+              <a:rPr lang="en-US" smtClean="0"/>
               <a:t>Second level</a:t>
             </a:r>
           </a:p>
           <a:p>
             <a:pPr lvl="2"/>
             <a:r>
-              <a:rPr lang="en-US"/>
+              <a:rPr lang="en-US" smtClean="0"/>
               <a:t>Third level</a:t>
             </a:r>
           </a:p>
           <a:p>
             <a:pPr lvl="3"/>
             <a:r>
-              <a:rPr lang="en-US"/>
+              <a:rPr lang="en-US" smtClean="0"/>
               <a:t>Fourth level</a:t>
             </a:r>
           </a:p>
           <a:p>
             <a:pPr lvl="4"/>
             <a:r>
-              <a:rPr lang="en-US"/>
+              <a:rPr lang="en-US" smtClean="0"/>
               <a:t>Fifth level</a:t>
             </a:r>
-          </a:p>
-        </p:txBody>
-      </p:sp>
-      <p:sp>
-        <p:nvSpPr>
-          <p:cNvPr id="7" name="Date Placeholder 6">
-            <a:extLst>
-              <a:ext uri="{FF2B5EF4-FFF2-40B4-BE49-F238E27FC236}">
-                <a16:creationId xmlns:a16="http://schemas.microsoft.com/office/drawing/2014/main" id="{6C4CE8B0-135C-4B21-971D-0F029DBF696B}"/>
-              </a:ext>
-            </a:extLst>
-          </p:cNvPr>
+            <a:endParaRPr lang="en-US" dirty="0"/>
+          </a:p>
+        </p:txBody>
+      </p:sp>
+      <p:sp>
+        <p:nvSpPr>
+          <p:cNvPr id="7" name="Date Placeholder 6"/>
           <p:cNvSpPr>
             <a:spLocks noGrp="1"/>
           </p:cNvSpPr>
@@ -5687,7 +5677,7 @@
           <a:p>
             <a:fld id="{CC65CFED-55DF-46DC-970E-476D178B4746}" type="datetimeFigureOut">
               <a:rPr lang="en-US" smtClean="0"/>
-              <a:t>11/28/2018</a:t>
+              <a:t>11/29/2018</a:t>
             </a:fld>
             <a:endParaRPr lang="en-US"/>
           </a:p>
@@ -5695,13 +5685,7 @@
       </p:sp>
       <p:sp>
         <p:nvSpPr>
-          <p:cNvPr id="8" name="Footer Placeholder 7">
-            <a:extLst>
-              <a:ext uri="{FF2B5EF4-FFF2-40B4-BE49-F238E27FC236}">
-                <a16:creationId xmlns:a16="http://schemas.microsoft.com/office/drawing/2014/main" id="{1CEC4BA7-76BA-4AED-89DF-ABDE660FEF8F}"/>
-              </a:ext>
-            </a:extLst>
-          </p:cNvPr>
+          <p:cNvPr id="8" name="Footer Placeholder 7"/>
           <p:cNvSpPr>
             <a:spLocks noGrp="1"/>
           </p:cNvSpPr>
@@ -5720,13 +5704,7 @@
       </p:sp>
       <p:sp>
         <p:nvSpPr>
-          <p:cNvPr id="9" name="Slide Number Placeholder 8">
-            <a:extLst>
-              <a:ext uri="{FF2B5EF4-FFF2-40B4-BE49-F238E27FC236}">
-                <a16:creationId xmlns:a16="http://schemas.microsoft.com/office/drawing/2014/main" id="{B3D0B894-09C5-45FA-84E3-47087E94315A}"/>
-              </a:ext>
-            </a:extLst>
-          </p:cNvPr>
+          <p:cNvPr id="9" name="Slide Number Placeholder 8"/>
           <p:cNvSpPr>
             <a:spLocks noGrp="1"/>
           </p:cNvSpPr>
@@ -5750,7 +5728,7 @@
     </p:spTree>
     <p:extLst>
       <p:ext uri="{BB962C8B-B14F-4D97-AF65-F5344CB8AC3E}">
-        <p14:creationId xmlns:p14="http://schemas.microsoft.com/office/powerpoint/2010/main" val="1633359496"/>
+        <p14:creationId xmlns:p14="http://schemas.microsoft.com/office/powerpoint/2010/main" val="4203643925"/>
       </p:ext>
     </p:extLst>
   </p:cSld>
@@ -5779,13 +5757,7 @@
       </p:grpSpPr>
       <p:sp>
         <p:nvSpPr>
-          <p:cNvPr id="2" name="Title 1">
-            <a:extLst>
-              <a:ext uri="{FF2B5EF4-FFF2-40B4-BE49-F238E27FC236}">
-                <a16:creationId xmlns:a16="http://schemas.microsoft.com/office/drawing/2014/main" id="{FA7AFE1A-79BF-4D70-80A2-8FC4F5E5D729}"/>
-              </a:ext>
-            </a:extLst>
-          </p:cNvPr>
+          <p:cNvPr id="2" name="Title 1"/>
           <p:cNvSpPr>
             <a:spLocks noGrp="1"/>
           </p:cNvSpPr>
@@ -5799,21 +5771,16 @@
           <a:lstStyle/>
           <a:p>
             <a:r>
-              <a:rPr lang="en-US"/>
+              <a:rPr lang="en-US" smtClean="0"/>
               <a:t>Click to edit Master title style</a:t>
             </a:r>
-          </a:p>
-        </p:txBody>
-      </p:sp>
-      <p:sp>
-        <p:nvSpPr>
-          <p:cNvPr id="3" name="Date Placeholder 2">
-            <a:extLst>
-              <a:ext uri="{FF2B5EF4-FFF2-40B4-BE49-F238E27FC236}">
-                <a16:creationId xmlns:a16="http://schemas.microsoft.com/office/drawing/2014/main" id="{B02312E2-47ED-42C9-BEA6-C7D49611D4C4}"/>
-              </a:ext>
-            </a:extLst>
-          </p:cNvPr>
+            <a:endParaRPr lang="en-US" dirty="0"/>
+          </a:p>
+        </p:txBody>
+      </p:sp>
+      <p:sp>
+        <p:nvSpPr>
+          <p:cNvPr id="3" name="Date Placeholder 2"/>
           <p:cNvSpPr>
             <a:spLocks noGrp="1"/>
           </p:cNvSpPr>
@@ -5828,7 +5795,7 @@
           <a:p>
             <a:fld id="{CC65CFED-55DF-46DC-970E-476D178B4746}" type="datetimeFigureOut">
               <a:rPr lang="en-US" smtClean="0"/>
-              <a:t>11/28/2018</a:t>
+              <a:t>11/29/2018</a:t>
             </a:fld>
             <a:endParaRPr lang="en-US"/>
           </a:p>
@@ -5836,13 +5803,7 @@
       </p:sp>
       <p:sp>
         <p:nvSpPr>
-          <p:cNvPr id="4" name="Footer Placeholder 3">
-            <a:extLst>
-              <a:ext uri="{FF2B5EF4-FFF2-40B4-BE49-F238E27FC236}">
-                <a16:creationId xmlns:a16="http://schemas.microsoft.com/office/drawing/2014/main" id="{718E8D32-77BC-4D88-ACFD-13C036048CCB}"/>
-              </a:ext>
-            </a:extLst>
-          </p:cNvPr>
+          <p:cNvPr id="4" name="Footer Placeholder 3"/>
           <p:cNvSpPr>
             <a:spLocks noGrp="1"/>
           </p:cNvSpPr>
@@ -5861,13 +5822,7 @@
       </p:sp>
       <p:sp>
         <p:nvSpPr>
-          <p:cNvPr id="5" name="Slide Number Placeholder 4">
-            <a:extLst>
-              <a:ext uri="{FF2B5EF4-FFF2-40B4-BE49-F238E27FC236}">
-                <a16:creationId xmlns:a16="http://schemas.microsoft.com/office/drawing/2014/main" id="{A15B6C97-8F34-4767-9190-91063FCFCAA7}"/>
-              </a:ext>
-            </a:extLst>
-          </p:cNvPr>
+          <p:cNvPr id="5" name="Slide Number Placeholder 4"/>
           <p:cNvSpPr>
             <a:spLocks noGrp="1"/>
           </p:cNvSpPr>
@@ -5891,7 +5846,7 @@
     </p:spTree>
     <p:extLst>
       <p:ext uri="{BB962C8B-B14F-4D97-AF65-F5344CB8AC3E}">
-        <p14:creationId xmlns:p14="http://schemas.microsoft.com/office/powerpoint/2010/main" val="3776640705"/>
+        <p14:creationId xmlns:p14="http://schemas.microsoft.com/office/powerpoint/2010/main" val="336264822"/>
       </p:ext>
     </p:extLst>
   </p:cSld>
@@ -5920,13 +5875,7 @@
       </p:grpSpPr>
       <p:sp>
         <p:nvSpPr>
-          <p:cNvPr id="2" name="Date Placeholder 1">
-            <a:extLst>
-              <a:ext uri="{FF2B5EF4-FFF2-40B4-BE49-F238E27FC236}">
-                <a16:creationId xmlns:a16="http://schemas.microsoft.com/office/drawing/2014/main" id="{9FF6DB21-08EF-4E1A-B70E-62BCDE6DDDF4}"/>
-              </a:ext>
-            </a:extLst>
-          </p:cNvPr>
+          <p:cNvPr id="2" name="Date Placeholder 1"/>
           <p:cNvSpPr>
             <a:spLocks noGrp="1"/>
           </p:cNvSpPr>
@@ -5941,7 +5890,7 @@
           <a:p>
             <a:fld id="{CC65CFED-55DF-46DC-970E-476D178B4746}" type="datetimeFigureOut">
               <a:rPr lang="en-US" smtClean="0"/>
-              <a:t>11/28/2018</a:t>
+              <a:t>11/29/2018</a:t>
             </a:fld>
             <a:endParaRPr lang="en-US"/>
           </a:p>
@@ -5949,13 +5898,7 @@
       </p:sp>
       <p:sp>
         <p:nvSpPr>
-          <p:cNvPr id="3" name="Footer Placeholder 2">
-            <a:extLst>
-              <a:ext uri="{FF2B5EF4-FFF2-40B4-BE49-F238E27FC236}">
-                <a16:creationId xmlns:a16="http://schemas.microsoft.com/office/drawing/2014/main" id="{78A31B3F-B7B8-49CE-99F3-63F119F58E35}"/>
-              </a:ext>
-            </a:extLst>
-          </p:cNvPr>
+          <p:cNvPr id="3" name="Footer Placeholder 2"/>
           <p:cNvSpPr>
             <a:spLocks noGrp="1"/>
           </p:cNvSpPr>
@@ -5974,13 +5917,7 @@
       </p:sp>
       <p:sp>
         <p:nvSpPr>
-          <p:cNvPr id="4" name="Slide Number Placeholder 3">
-            <a:extLst>
-              <a:ext uri="{FF2B5EF4-FFF2-40B4-BE49-F238E27FC236}">
-                <a16:creationId xmlns:a16="http://schemas.microsoft.com/office/drawing/2014/main" id="{3CA6B15F-AA4F-4295-8804-E353BEBB163B}"/>
-              </a:ext>
-            </a:extLst>
-          </p:cNvPr>
+          <p:cNvPr id="4" name="Slide Number Placeholder 3"/>
           <p:cNvSpPr>
             <a:spLocks noGrp="1"/>
           </p:cNvSpPr>
@@ -6004,7 +5941,7 @@
     </p:spTree>
     <p:extLst>
       <p:ext uri="{BB962C8B-B14F-4D97-AF65-F5344CB8AC3E}">
-        <p14:creationId xmlns:p14="http://schemas.microsoft.com/office/powerpoint/2010/main" val="2928207425"/>
+        <p14:creationId xmlns:p14="http://schemas.microsoft.com/office/powerpoint/2010/main" val="3419143735"/>
       </p:ext>
     </p:extLst>
   </p:cSld>
@@ -6033,13 +5970,7 @@
       </p:grpSpPr>
       <p:sp>
         <p:nvSpPr>
-          <p:cNvPr id="2" name="Title 1">
-            <a:extLst>
-              <a:ext uri="{FF2B5EF4-FFF2-40B4-BE49-F238E27FC236}">
-                <a16:creationId xmlns:a16="http://schemas.microsoft.com/office/drawing/2014/main" id="{DBEC2F76-D29F-4116-80EB-F07760AFD5C7}"/>
-              </a:ext>
-            </a:extLst>
-          </p:cNvPr>
+          <p:cNvPr id="2" name="Title 1"/>
           <p:cNvSpPr>
             <a:spLocks noGrp="1"/>
           </p:cNvSpPr>
@@ -6062,21 +5993,16 @@
           </a:lstStyle>
           <a:p>
             <a:r>
-              <a:rPr lang="en-US"/>
+              <a:rPr lang="en-US" smtClean="0"/>
               <a:t>Click to edit Master title style</a:t>
             </a:r>
-          </a:p>
-        </p:txBody>
-      </p:sp>
-      <p:sp>
-        <p:nvSpPr>
-          <p:cNvPr id="3" name="Content Placeholder 2">
-            <a:extLst>
-              <a:ext uri="{FF2B5EF4-FFF2-40B4-BE49-F238E27FC236}">
-                <a16:creationId xmlns:a16="http://schemas.microsoft.com/office/drawing/2014/main" id="{E5D3BF3D-3C5B-4B0C-A557-F0F4FCC6EEE9}"/>
-              </a:ext>
-            </a:extLst>
-          </p:cNvPr>
+            <a:endParaRPr lang="en-US" dirty="0"/>
+          </a:p>
+        </p:txBody>
+      </p:sp>
+      <p:sp>
+        <p:nvSpPr>
+          <p:cNvPr id="3" name="Content Placeholder 2"/>
           <p:cNvSpPr>
             <a:spLocks noGrp="1"/>
           </p:cNvSpPr>
@@ -6124,49 +6050,44 @@
           <a:p>
             <a:pPr lvl="0"/>
             <a:r>
-              <a:rPr lang="en-US"/>
+              <a:rPr lang="en-US" smtClean="0"/>
               <a:t>Edit Master text styles</a:t>
             </a:r>
           </a:p>
           <a:p>
             <a:pPr lvl="1"/>
             <a:r>
-              <a:rPr lang="en-US"/>
+              <a:rPr lang="en-US" smtClean="0"/>
               <a:t>Second level</a:t>
             </a:r>
           </a:p>
           <a:p>
             <a:pPr lvl="2"/>
             <a:r>
-              <a:rPr lang="en-US"/>
+              <a:rPr lang="en-US" smtClean="0"/>
               <a:t>Third level</a:t>
             </a:r>
           </a:p>
           <a:p>
             <a:pPr lvl="3"/>
             <a:r>
-              <a:rPr lang="en-US"/>
+              <a:rPr lang="en-US" smtClean="0"/>
               <a:t>Fourth level</a:t>
             </a:r>
           </a:p>
           <a:p>
             <a:pPr lvl="4"/>
             <a:r>
-              <a:rPr lang="en-US"/>
+              <a:rPr lang="en-US" smtClean="0"/>
               <a:t>Fifth level</a:t>
             </a:r>
-          </a:p>
-        </p:txBody>
-      </p:sp>
-      <p:sp>
-        <p:nvSpPr>
-          <p:cNvPr id="4" name="Text Placeholder 3">
-            <a:extLst>
-              <a:ext uri="{FF2B5EF4-FFF2-40B4-BE49-F238E27FC236}">
-                <a16:creationId xmlns:a16="http://schemas.microsoft.com/office/drawing/2014/main" id="{4D047C40-CF0D-4A6E-A3E9-EDE1F723E6D3}"/>
-              </a:ext>
-            </a:extLst>
-          </p:cNvPr>
+            <a:endParaRPr lang="en-US" dirty="0"/>
+          </a:p>
+        </p:txBody>
+      </p:sp>
+      <p:sp>
+        <p:nvSpPr>
+          <p:cNvPr id="4" name="Text Placeholder 3"/>
           <p:cNvSpPr>
             <a:spLocks noGrp="1"/>
           </p:cNvSpPr>
@@ -6223,7 +6144,7 @@
           <a:p>
             <a:pPr lvl="0"/>
             <a:r>
-              <a:rPr lang="en-US"/>
+              <a:rPr lang="en-US" smtClean="0"/>
               <a:t>Edit Master text styles</a:t>
             </a:r>
           </a:p>
@@ -6231,13 +6152,7 @@
       </p:sp>
       <p:sp>
         <p:nvSpPr>
-          <p:cNvPr id="5" name="Date Placeholder 4">
-            <a:extLst>
-              <a:ext uri="{FF2B5EF4-FFF2-40B4-BE49-F238E27FC236}">
-                <a16:creationId xmlns:a16="http://schemas.microsoft.com/office/drawing/2014/main" id="{5B54DC20-BD5C-4405-ABA6-AA9EFD627739}"/>
-              </a:ext>
-            </a:extLst>
-          </p:cNvPr>
+          <p:cNvPr id="5" name="Date Placeholder 4"/>
           <p:cNvSpPr>
             <a:spLocks noGrp="1"/>
           </p:cNvSpPr>
@@ -6252,7 +6167,7 @@
           <a:p>
             <a:fld id="{CC65CFED-55DF-46DC-970E-476D178B4746}" type="datetimeFigureOut">
               <a:rPr lang="en-US" smtClean="0"/>
-              <a:t>11/28/2018</a:t>
+              <a:t>11/29/2018</a:t>
             </a:fld>
             <a:endParaRPr lang="en-US"/>
           </a:p>
@@ -6260,13 +6175,7 @@
       </p:sp>
       <p:sp>
         <p:nvSpPr>
-          <p:cNvPr id="6" name="Footer Placeholder 5">
-            <a:extLst>
-              <a:ext uri="{FF2B5EF4-FFF2-40B4-BE49-F238E27FC236}">
-                <a16:creationId xmlns:a16="http://schemas.microsoft.com/office/drawing/2014/main" id="{A1D1F16D-CAB5-43FA-BA49-9A3853C57784}"/>
-              </a:ext>
-            </a:extLst>
-          </p:cNvPr>
+          <p:cNvPr id="6" name="Footer Placeholder 5"/>
           <p:cNvSpPr>
             <a:spLocks noGrp="1"/>
           </p:cNvSpPr>
@@ -6285,13 +6194,7 @@
       </p:sp>
       <p:sp>
         <p:nvSpPr>
-          <p:cNvPr id="7" name="Slide Number Placeholder 6">
-            <a:extLst>
-              <a:ext uri="{FF2B5EF4-FFF2-40B4-BE49-F238E27FC236}">
-                <a16:creationId xmlns:a16="http://schemas.microsoft.com/office/drawing/2014/main" id="{F1EE7E53-3141-4C17-B878-DC46DC6770EA}"/>
-              </a:ext>
-            </a:extLst>
-          </p:cNvPr>
+          <p:cNvPr id="7" name="Slide Number Placeholder 6"/>
           <p:cNvSpPr>
             <a:spLocks noGrp="1"/>
           </p:cNvSpPr>
@@ -6315,7 +6218,7 @@
     </p:spTree>
     <p:extLst>
       <p:ext uri="{BB962C8B-B14F-4D97-AF65-F5344CB8AC3E}">
-        <p14:creationId xmlns:p14="http://schemas.microsoft.com/office/powerpoint/2010/main" val="3388101223"/>
+        <p14:creationId xmlns:p14="http://schemas.microsoft.com/office/powerpoint/2010/main" val="3253388368"/>
       </p:ext>
     </p:extLst>
   </p:cSld>
@@ -6344,13 +6247,7 @@
       </p:grpSpPr>
       <p:sp>
         <p:nvSpPr>
-          <p:cNvPr id="2" name="Title 1">
-            <a:extLst>
-              <a:ext uri="{FF2B5EF4-FFF2-40B4-BE49-F238E27FC236}">
-                <a16:creationId xmlns:a16="http://schemas.microsoft.com/office/drawing/2014/main" id="{1F3353F6-CB2C-4E6B-B104-0AD9E7727E86}"/>
-              </a:ext>
-            </a:extLst>
-          </p:cNvPr>
+          <p:cNvPr id="2" name="Title 1"/>
           <p:cNvSpPr>
             <a:spLocks noGrp="1"/>
           </p:cNvSpPr>
@@ -6373,23 +6270,18 @@
           </a:lstStyle>
           <a:p>
             <a:r>
-              <a:rPr lang="en-US"/>
+              <a:rPr lang="en-US" smtClean="0"/>
               <a:t>Click to edit Master title style</a:t>
             </a:r>
-          </a:p>
-        </p:txBody>
-      </p:sp>
-      <p:sp>
-        <p:nvSpPr>
-          <p:cNvPr id="3" name="Picture Placeholder 2">
-            <a:extLst>
-              <a:ext uri="{FF2B5EF4-FFF2-40B4-BE49-F238E27FC236}">
-                <a16:creationId xmlns:a16="http://schemas.microsoft.com/office/drawing/2014/main" id="{D90C92D3-FCAC-4D37-A805-44E66266AEC3}"/>
-              </a:ext>
-            </a:extLst>
-          </p:cNvPr>
-          <p:cNvSpPr>
-            <a:spLocks noGrp="1"/>
+            <a:endParaRPr lang="en-US" dirty="0"/>
+          </a:p>
+        </p:txBody>
+      </p:sp>
+      <p:sp>
+        <p:nvSpPr>
+          <p:cNvPr id="3" name="Picture Placeholder 2"/>
+          <p:cNvSpPr>
+            <a:spLocks noGrp="1" noChangeAspect="1"/>
           </p:cNvSpPr>
           <p:nvPr>
             <p:ph type="pic" idx="1"/>
@@ -6402,7 +6294,7 @@
           </a:xfrm>
         </p:spPr>
         <p:txBody>
-          <a:bodyPr/>
+          <a:bodyPr anchor="t"/>
           <a:lstStyle>
             <a:lvl1pPr marL="0" indent="0">
               <a:buNone/>
@@ -6442,19 +6334,17 @@
             </a:lvl9pPr>
           </a:lstStyle>
           <a:p>
-            <a:endParaRPr lang="en-US"/>
-          </a:p>
-        </p:txBody>
-      </p:sp>
-      <p:sp>
-        <p:nvSpPr>
-          <p:cNvPr id="4" name="Text Placeholder 3">
-            <a:extLst>
-              <a:ext uri="{FF2B5EF4-FFF2-40B4-BE49-F238E27FC236}">
-                <a16:creationId xmlns:a16="http://schemas.microsoft.com/office/drawing/2014/main" id="{CC4DBC05-F5A9-498F-9DB4-4A3C8ACDE9CC}"/>
-              </a:ext>
-            </a:extLst>
-          </p:cNvPr>
+            <a:r>
+              <a:rPr lang="en-US" smtClean="0"/>
+              <a:t>Click icon to add picture</a:t>
+            </a:r>
+            <a:endParaRPr lang="en-US" dirty="0"/>
+          </a:p>
+        </p:txBody>
+      </p:sp>
+      <p:sp>
+        <p:nvSpPr>
+          <p:cNvPr id="4" name="Text Placeholder 3"/>
           <p:cNvSpPr>
             <a:spLocks noGrp="1"/>
           </p:cNvSpPr>
@@ -6511,7 +6401,7 @@
           <a:p>
             <a:pPr lvl="0"/>
             <a:r>
-              <a:rPr lang="en-US"/>
+              <a:rPr lang="en-US" smtClean="0"/>
               <a:t>Edit Master text styles</a:t>
             </a:r>
           </a:p>
@@ -6519,13 +6409,7 @@
       </p:sp>
       <p:sp>
         <p:nvSpPr>
-          <p:cNvPr id="5" name="Date Placeholder 4">
-            <a:extLst>
-              <a:ext uri="{FF2B5EF4-FFF2-40B4-BE49-F238E27FC236}">
-                <a16:creationId xmlns:a16="http://schemas.microsoft.com/office/drawing/2014/main" id="{C512B9FD-A06C-4BA6-A214-0607D2A7E3A5}"/>
-              </a:ext>
-            </a:extLst>
-          </p:cNvPr>
+          <p:cNvPr id="5" name="Date Placeholder 4"/>
           <p:cNvSpPr>
             <a:spLocks noGrp="1"/>
           </p:cNvSpPr>
@@ -6540,7 +6424,7 @@
           <a:p>
             <a:fld id="{CC65CFED-55DF-46DC-970E-476D178B4746}" type="datetimeFigureOut">
               <a:rPr lang="en-US" smtClean="0"/>
-              <a:t>11/28/2018</a:t>
+              <a:t>11/29/2018</a:t>
             </a:fld>
             <a:endParaRPr lang="en-US"/>
           </a:p>
@@ -6548,13 +6432,7 @@
       </p:sp>
       <p:sp>
         <p:nvSpPr>
-          <p:cNvPr id="6" name="Footer Placeholder 5">
-            <a:extLst>
-              <a:ext uri="{FF2B5EF4-FFF2-40B4-BE49-F238E27FC236}">
-                <a16:creationId xmlns:a16="http://schemas.microsoft.com/office/drawing/2014/main" id="{6086F82B-00A9-4C96-B5A5-1D1E3BF7B57E}"/>
-              </a:ext>
-            </a:extLst>
-          </p:cNvPr>
+          <p:cNvPr id="6" name="Footer Placeholder 5"/>
           <p:cNvSpPr>
             <a:spLocks noGrp="1"/>
           </p:cNvSpPr>
@@ -6573,13 +6451,7 @@
       </p:sp>
       <p:sp>
         <p:nvSpPr>
-          <p:cNvPr id="7" name="Slide Number Placeholder 6">
-            <a:extLst>
-              <a:ext uri="{FF2B5EF4-FFF2-40B4-BE49-F238E27FC236}">
-                <a16:creationId xmlns:a16="http://schemas.microsoft.com/office/drawing/2014/main" id="{D80CE278-3974-4444-8E84-93BA2152BADA}"/>
-              </a:ext>
-            </a:extLst>
-          </p:cNvPr>
+          <p:cNvPr id="7" name="Slide Number Placeholder 6"/>
           <p:cNvSpPr>
             <a:spLocks noGrp="1"/>
           </p:cNvSpPr>
@@ -6603,7 +6475,7 @@
     </p:spTree>
     <p:extLst>
       <p:ext uri="{BB962C8B-B14F-4D97-AF65-F5344CB8AC3E}">
-        <p14:creationId xmlns:p14="http://schemas.microsoft.com/office/powerpoint/2010/main" val="1724599237"/>
+        <p14:creationId xmlns:p14="http://schemas.microsoft.com/office/powerpoint/2010/main" val="2751679694"/>
       </p:ext>
     </p:extLst>
   </p:cSld>
@@ -6618,7 +6490,7 @@
   <p:cSld>
     <p:bg>
       <p:bgRef idx="1001">
-        <a:schemeClr val="bg1"/>
+        <a:schemeClr val="bg2"/>
       </p:bgRef>
     </p:bg>
     <p:spTree>
@@ -6637,13 +6509,7 @@
       </p:grpSpPr>
       <p:sp>
         <p:nvSpPr>
-          <p:cNvPr id="2" name="Title Placeholder 1">
-            <a:extLst>
-              <a:ext uri="{FF2B5EF4-FFF2-40B4-BE49-F238E27FC236}">
-                <a16:creationId xmlns:a16="http://schemas.microsoft.com/office/drawing/2014/main" id="{5FC31284-0D25-43E9-9F80-436EB6B7C026}"/>
-              </a:ext>
-            </a:extLst>
-          </p:cNvPr>
+          <p:cNvPr id="2" name="Title Placeholder 1"/>
           <p:cNvSpPr>
             <a:spLocks noGrp="1"/>
           </p:cNvSpPr>
@@ -6667,21 +6533,16 @@
           <a:lstStyle/>
           <a:p>
             <a:r>
-              <a:rPr lang="en-US"/>
+              <a:rPr lang="en-US" smtClean="0"/>
               <a:t>Click to edit Master title style</a:t>
             </a:r>
-          </a:p>
-        </p:txBody>
-      </p:sp>
-      <p:sp>
-        <p:nvSpPr>
-          <p:cNvPr id="3" name="Text Placeholder 2">
-            <a:extLst>
-              <a:ext uri="{FF2B5EF4-FFF2-40B4-BE49-F238E27FC236}">
-                <a16:creationId xmlns:a16="http://schemas.microsoft.com/office/drawing/2014/main" id="{97D2C7EF-AAF0-4724-8B36-13E7EE931A53}"/>
-              </a:ext>
-            </a:extLst>
-          </p:cNvPr>
+            <a:endParaRPr lang="en-US" dirty="0"/>
+          </a:p>
+        </p:txBody>
+      </p:sp>
+      <p:sp>
+        <p:nvSpPr>
+          <p:cNvPr id="3" name="Text Placeholder 2"/>
           <p:cNvSpPr>
             <a:spLocks noGrp="1"/>
           </p:cNvSpPr>
@@ -6706,49 +6567,44 @@
           <a:p>
             <a:pPr lvl="0"/>
             <a:r>
-              <a:rPr lang="en-US"/>
+              <a:rPr lang="en-US" smtClean="0"/>
               <a:t>Edit Master text styles</a:t>
             </a:r>
           </a:p>
           <a:p>
             <a:pPr lvl="1"/>
             <a:r>
-              <a:rPr lang="en-US"/>
+              <a:rPr lang="en-US" smtClean="0"/>
               <a:t>Second level</a:t>
             </a:r>
           </a:p>
           <a:p>
             <a:pPr lvl="2"/>
             <a:r>
-              <a:rPr lang="en-US"/>
+              <a:rPr lang="en-US" smtClean="0"/>
               <a:t>Third level</a:t>
             </a:r>
           </a:p>
           <a:p>
             <a:pPr lvl="3"/>
             <a:r>
-              <a:rPr lang="en-US"/>
+              <a:rPr lang="en-US" smtClean="0"/>
               <a:t>Fourth level</a:t>
             </a:r>
           </a:p>
           <a:p>
             <a:pPr lvl="4"/>
             <a:r>
-              <a:rPr lang="en-US"/>
+              <a:rPr lang="en-US" smtClean="0"/>
               <a:t>Fifth level</a:t>
             </a:r>
-          </a:p>
-        </p:txBody>
-      </p:sp>
-      <p:sp>
-        <p:nvSpPr>
-          <p:cNvPr id="4" name="Date Placeholder 3">
-            <a:extLst>
-              <a:ext uri="{FF2B5EF4-FFF2-40B4-BE49-F238E27FC236}">
-                <a16:creationId xmlns:a16="http://schemas.microsoft.com/office/drawing/2014/main" id="{974CD7B3-1F70-4FC7-BAAB-DA64019BCAE7}"/>
-              </a:ext>
-            </a:extLst>
-          </p:cNvPr>
+            <a:endParaRPr lang="en-US" dirty="0"/>
+          </a:p>
+        </p:txBody>
+      </p:sp>
+      <p:sp>
+        <p:nvSpPr>
+          <p:cNvPr id="4" name="Date Placeholder 3"/>
           <p:cNvSpPr>
             <a:spLocks noGrp="1"/>
           </p:cNvSpPr>
@@ -6781,7 +6637,7 @@
           <a:p>
             <a:fld id="{CC65CFED-55DF-46DC-970E-476D178B4746}" type="datetimeFigureOut">
               <a:rPr lang="en-US" smtClean="0"/>
-              <a:t>11/28/2018</a:t>
+              <a:t>11/29/2018</a:t>
             </a:fld>
             <a:endParaRPr lang="en-US"/>
           </a:p>
@@ -6789,13 +6645,7 @@
       </p:sp>
       <p:sp>
         <p:nvSpPr>
-          <p:cNvPr id="5" name="Footer Placeholder 4">
-            <a:extLst>
-              <a:ext uri="{FF2B5EF4-FFF2-40B4-BE49-F238E27FC236}">
-                <a16:creationId xmlns:a16="http://schemas.microsoft.com/office/drawing/2014/main" id="{691228BD-D8E3-4C79-85F5-57FE5AE67014}"/>
-              </a:ext>
-            </a:extLst>
-          </p:cNvPr>
+          <p:cNvPr id="5" name="Footer Placeholder 4"/>
           <p:cNvSpPr>
             <a:spLocks noGrp="1"/>
           </p:cNvSpPr>
@@ -6832,13 +6682,7 @@
       </p:sp>
       <p:sp>
         <p:nvSpPr>
-          <p:cNvPr id="6" name="Slide Number Placeholder 5">
-            <a:extLst>
-              <a:ext uri="{FF2B5EF4-FFF2-40B4-BE49-F238E27FC236}">
-                <a16:creationId xmlns:a16="http://schemas.microsoft.com/office/drawing/2014/main" id="{F5D9F00A-83EE-4063-9021-38FB3CA9B058}"/>
-              </a:ext>
-            </a:extLst>
-          </p:cNvPr>
+          <p:cNvPr id="6" name="Slide Number Placeholder 5"/>
           <p:cNvSpPr>
             <a:spLocks noGrp="1"/>
           </p:cNvSpPr>
@@ -6880,23 +6724,23 @@
     </p:spTree>
     <p:extLst>
       <p:ext uri="{BB962C8B-B14F-4D97-AF65-F5344CB8AC3E}">
-        <p14:creationId xmlns:p14="http://schemas.microsoft.com/office/powerpoint/2010/main" val="2247050640"/>
+        <p14:creationId xmlns:p14="http://schemas.microsoft.com/office/powerpoint/2010/main" val="1426728613"/>
       </p:ext>
     </p:extLst>
   </p:cSld>
-  <p:clrMap bg1="lt1" tx1="dk1" bg2="lt2" tx2="dk2" accent1="accent1" accent2="accent2" accent3="accent3" accent4="accent4" accent5="accent5" accent6="accent6" hlink="hlink" folHlink="folHlink"/>
+  <p:clrMap bg1="dk1" tx1="lt1" bg2="dk2" tx2="lt2" accent1="accent1" accent2="accent2" accent3="accent3" accent4="accent4" accent5="accent5" accent6="accent6" hlink="hlink" folHlink="folHlink"/>
   <p:sldLayoutIdLst>
-    <p:sldLayoutId id="2147483649" r:id="rId1"/>
-    <p:sldLayoutId id="2147483650" r:id="rId2"/>
-    <p:sldLayoutId id="2147483651" r:id="rId3"/>
-    <p:sldLayoutId id="2147483652" r:id="rId4"/>
-    <p:sldLayoutId id="2147483653" r:id="rId5"/>
-    <p:sldLayoutId id="2147483654" r:id="rId6"/>
-    <p:sldLayoutId id="2147483655" r:id="rId7"/>
-    <p:sldLayoutId id="2147483656" r:id="rId8"/>
-    <p:sldLayoutId id="2147483657" r:id="rId9"/>
-    <p:sldLayoutId id="2147483658" r:id="rId10"/>
-    <p:sldLayoutId id="2147483659" r:id="rId11"/>
+    <p:sldLayoutId id="2147483720" r:id="rId1"/>
+    <p:sldLayoutId id="2147483721" r:id="rId2"/>
+    <p:sldLayoutId id="2147483722" r:id="rId3"/>
+    <p:sldLayoutId id="2147483723" r:id="rId4"/>
+    <p:sldLayoutId id="2147483724" r:id="rId5"/>
+    <p:sldLayoutId id="2147483725" r:id="rId6"/>
+    <p:sldLayoutId id="2147483726" r:id="rId7"/>
+    <p:sldLayoutId id="2147483727" r:id="rId8"/>
+    <p:sldLayoutId id="2147483728" r:id="rId9"/>
+    <p:sldLayoutId id="2147483729" r:id="rId10"/>
+    <p:sldLayoutId id="2147483730" r:id="rId11"/>
   </p:sldLayoutIdLst>
   <p:txStyles>
     <p:titleStyle>
@@ -7275,7 +7119,7 @@
 </p:sld>
 </file>
 
-<file path=ppt/slides/slide2.xml><?xml version="1.0" encoding="utf-8"?>
+<file path=ppt/slides/slide10.xml><?xml version="1.0" encoding="utf-8"?>
 <p:sld xmlns:a="http://schemas.openxmlformats.org/drawingml/2006/main" xmlns:r="http://schemas.openxmlformats.org/officeDocument/2006/relationships" xmlns:p="http://schemas.openxmlformats.org/presentationml/2006/main">
   <p:cSld>
     <p:spTree>
@@ -7294,896 +7138,6 @@
       </p:grpSpPr>
       <p:sp>
         <p:nvSpPr>
-          <p:cNvPr id="14" name="Title 13">
-            <a:extLst>
-              <a:ext uri="{FF2B5EF4-FFF2-40B4-BE49-F238E27FC236}">
-                <a16:creationId xmlns:a16="http://schemas.microsoft.com/office/drawing/2014/main" id="{44F86584-8242-4402-899E-2AAFCE7A7CD7}"/>
-              </a:ext>
-            </a:extLst>
-          </p:cNvPr>
-          <p:cNvSpPr>
-            <a:spLocks noGrp="1"/>
-          </p:cNvSpPr>
-          <p:nvPr>
-            <p:ph type="title"/>
-          </p:nvPr>
-        </p:nvSpPr>
-        <p:spPr/>
-        <p:txBody>
-          <a:bodyPr/>
-          <a:lstStyle/>
-          <a:p>
-            <a:r>
-              <a:rPr lang="en-US" dirty="0"/>
-              <a:t>Definition</a:t>
-            </a:r>
-          </a:p>
-        </p:txBody>
-      </p:sp>
-      <p:sp>
-        <p:nvSpPr>
-          <p:cNvPr id="15" name="Content Placeholder 14">
-            <a:extLst>
-              <a:ext uri="{FF2B5EF4-FFF2-40B4-BE49-F238E27FC236}">
-                <a16:creationId xmlns:a16="http://schemas.microsoft.com/office/drawing/2014/main" id="{C4EDBEE6-3B7E-4F63-95B1-A79193E4D065}"/>
-              </a:ext>
-            </a:extLst>
-          </p:cNvPr>
-          <p:cNvSpPr>
-            <a:spLocks noGrp="1"/>
-          </p:cNvSpPr>
-          <p:nvPr>
-            <p:ph idx="1"/>
-          </p:nvPr>
-        </p:nvSpPr>
-        <p:spPr/>
-        <p:txBody>
-          <a:bodyPr/>
-          <a:lstStyle/>
-          <a:p>
-            <a:r>
-              <a:rPr lang="en-US" dirty="0"/>
-              <a:t>Point of Sales (POS) describes the moment when a merchant accepts payment in exchange for goods</a:t>
-            </a:r>
-          </a:p>
-          <a:p>
-            <a:r>
-              <a:rPr lang="en-US" dirty="0"/>
-              <a:t>POS system handles this transaction</a:t>
-            </a:r>
-          </a:p>
-          <a:p>
-            <a:endParaRPr lang="en-US" dirty="0"/>
-          </a:p>
-          <a:p>
-            <a:r>
-              <a:rPr lang="en-US" dirty="0"/>
-              <a:t>Ex. Customer pays cashier for goods</a:t>
-            </a:r>
-          </a:p>
-          <a:p>
-            <a:r>
-              <a:rPr lang="en-US" dirty="0"/>
-              <a:t>Ex. You make an online order from Amazon</a:t>
-            </a:r>
-          </a:p>
-        </p:txBody>
-      </p:sp>
-    </p:spTree>
-    <p:extLst>
-      <p:ext uri="{BB962C8B-B14F-4D97-AF65-F5344CB8AC3E}">
-        <p14:creationId xmlns:p14="http://schemas.microsoft.com/office/powerpoint/2010/main" val="284766052"/>
-      </p:ext>
-    </p:extLst>
-  </p:cSld>
-  <p:clrMapOvr>
-    <a:masterClrMapping/>
-  </p:clrMapOvr>
-</p:sld>
-</file>
-
-<file path=ppt/slides/slide3.xml><?xml version="1.0" encoding="utf-8"?>
-<p:sld xmlns:a="http://schemas.openxmlformats.org/drawingml/2006/main" xmlns:r="http://schemas.openxmlformats.org/officeDocument/2006/relationships" xmlns:p="http://schemas.openxmlformats.org/presentationml/2006/main">
-  <p:cSld>
-    <p:spTree>
-      <p:nvGrpSpPr>
-        <p:cNvPr id="1" name=""/>
-        <p:cNvGrpSpPr/>
-        <p:nvPr/>
-      </p:nvGrpSpPr>
-      <p:grpSpPr>
-        <a:xfrm>
-          <a:off x="0" y="0"/>
-          <a:ext cx="0" cy="0"/>
-          <a:chOff x="0" y="0"/>
-          <a:chExt cx="0" cy="0"/>
-        </a:xfrm>
-      </p:grpSpPr>
-      <p:sp>
-        <p:nvSpPr>
-          <p:cNvPr id="2" name="Title 1">
-            <a:extLst>
-              <a:ext uri="{FF2B5EF4-FFF2-40B4-BE49-F238E27FC236}">
-                <a16:creationId xmlns:a16="http://schemas.microsoft.com/office/drawing/2014/main" id="{12EF135D-9544-48E4-8437-0050ADB494A6}"/>
-              </a:ext>
-            </a:extLst>
-          </p:cNvPr>
-          <p:cNvSpPr>
-            <a:spLocks noGrp="1"/>
-          </p:cNvSpPr>
-          <p:nvPr>
-            <p:ph type="title"/>
-          </p:nvPr>
-        </p:nvSpPr>
-        <p:spPr/>
-        <p:txBody>
-          <a:bodyPr/>
-          <a:lstStyle/>
-          <a:p>
-            <a:r>
-              <a:rPr lang="en-US" dirty="0"/>
-              <a:t>Our System</a:t>
-            </a:r>
-          </a:p>
-        </p:txBody>
-      </p:sp>
-      <p:sp>
-        <p:nvSpPr>
-          <p:cNvPr id="3" name="Content Placeholder 2">
-            <a:extLst>
-              <a:ext uri="{FF2B5EF4-FFF2-40B4-BE49-F238E27FC236}">
-                <a16:creationId xmlns:a16="http://schemas.microsoft.com/office/drawing/2014/main" id="{86D09454-7923-4B65-B5B6-107AF36D50B0}"/>
-              </a:ext>
-            </a:extLst>
-          </p:cNvPr>
-          <p:cNvSpPr>
-            <a:spLocks noGrp="1"/>
-          </p:cNvSpPr>
-          <p:nvPr>
-            <p:ph idx="1"/>
-          </p:nvPr>
-        </p:nvSpPr>
-        <p:spPr/>
-        <p:txBody>
-          <a:bodyPr/>
-          <a:lstStyle/>
-          <a:p>
-            <a:r>
-              <a:rPr lang="en-US" dirty="0"/>
-              <a:t>Created a general POS system used in a store where barcodes are not used</a:t>
-            </a:r>
-          </a:p>
-          <a:p>
-            <a:endParaRPr lang="en-US" dirty="0"/>
-          </a:p>
-          <a:p>
-            <a:r>
-              <a:rPr lang="en-US" dirty="0"/>
-              <a:t>Instead, cashier takes order by selecting item from list</a:t>
-            </a:r>
-          </a:p>
-          <a:p>
-            <a:endParaRPr lang="en-US" dirty="0"/>
-          </a:p>
-          <a:p>
-            <a:r>
-              <a:rPr lang="en-US" dirty="0"/>
-              <a:t>Ex. Tim Hortons, Food Court</a:t>
-            </a:r>
-          </a:p>
-        </p:txBody>
-      </p:sp>
-    </p:spTree>
-    <p:extLst>
-      <p:ext uri="{BB962C8B-B14F-4D97-AF65-F5344CB8AC3E}">
-        <p14:creationId xmlns:p14="http://schemas.microsoft.com/office/powerpoint/2010/main" val="3456466334"/>
-      </p:ext>
-    </p:extLst>
-  </p:cSld>
-  <p:clrMapOvr>
-    <a:masterClrMapping/>
-  </p:clrMapOvr>
-</p:sld>
-</file>
-
-<file path=ppt/slides/slide4.xml><?xml version="1.0" encoding="utf-8"?>
-<p:sld xmlns:a="http://schemas.openxmlformats.org/drawingml/2006/main" xmlns:r="http://schemas.openxmlformats.org/officeDocument/2006/relationships" xmlns:p="http://schemas.openxmlformats.org/presentationml/2006/main">
-  <p:cSld>
-    <p:spTree>
-      <p:nvGrpSpPr>
-        <p:cNvPr id="1" name=""/>
-        <p:cNvGrpSpPr/>
-        <p:nvPr/>
-      </p:nvGrpSpPr>
-      <p:grpSpPr>
-        <a:xfrm>
-          <a:off x="0" y="0"/>
-          <a:ext cx="0" cy="0"/>
-          <a:chOff x="0" y="0"/>
-          <a:chExt cx="0" cy="0"/>
-        </a:xfrm>
-      </p:grpSpPr>
-      <p:sp>
-        <p:nvSpPr>
-          <p:cNvPr id="2" name="Title 1">
-            <a:extLst>
-              <a:ext uri="{FF2B5EF4-FFF2-40B4-BE49-F238E27FC236}">
-                <a16:creationId xmlns:a16="http://schemas.microsoft.com/office/drawing/2014/main" id="{5536EA74-B60F-4D41-B7F0-67C4CAF9D521}"/>
-              </a:ext>
-            </a:extLst>
-          </p:cNvPr>
-          <p:cNvSpPr>
-            <a:spLocks noGrp="1"/>
-          </p:cNvSpPr>
-          <p:nvPr>
-            <p:ph type="title"/>
-          </p:nvPr>
-        </p:nvSpPr>
-        <p:spPr/>
-        <p:txBody>
-          <a:bodyPr/>
-          <a:lstStyle/>
-          <a:p>
-            <a:r>
-              <a:rPr lang="en-US" dirty="0"/>
-              <a:t>Users</a:t>
-            </a:r>
-          </a:p>
-        </p:txBody>
-      </p:sp>
-      <p:sp>
-        <p:nvSpPr>
-          <p:cNvPr id="6" name="Text Placeholder 5">
-            <a:extLst>
-              <a:ext uri="{FF2B5EF4-FFF2-40B4-BE49-F238E27FC236}">
-                <a16:creationId xmlns:a16="http://schemas.microsoft.com/office/drawing/2014/main" id="{E6C21443-513C-4C14-84D2-60D9FFEA9A15}"/>
-              </a:ext>
-            </a:extLst>
-          </p:cNvPr>
-          <p:cNvSpPr>
-            <a:spLocks noGrp="1"/>
-          </p:cNvSpPr>
-          <p:nvPr>
-            <p:ph type="body" idx="1"/>
-          </p:nvPr>
-        </p:nvSpPr>
-        <p:spPr/>
-        <p:txBody>
-          <a:bodyPr/>
-          <a:lstStyle/>
-          <a:p>
-            <a:r>
-              <a:rPr lang="en-US" dirty="0"/>
-              <a:t>Cashier</a:t>
-            </a:r>
-          </a:p>
-        </p:txBody>
-      </p:sp>
-      <p:sp>
-        <p:nvSpPr>
-          <p:cNvPr id="3" name="Content Placeholder 2">
-            <a:extLst>
-              <a:ext uri="{FF2B5EF4-FFF2-40B4-BE49-F238E27FC236}">
-                <a16:creationId xmlns:a16="http://schemas.microsoft.com/office/drawing/2014/main" id="{14319B50-BCE7-417A-BC96-CDE699506ADD}"/>
-              </a:ext>
-            </a:extLst>
-          </p:cNvPr>
-          <p:cNvSpPr>
-            <a:spLocks noGrp="1"/>
-          </p:cNvSpPr>
-          <p:nvPr>
-            <p:ph sz="half" idx="2"/>
-          </p:nvPr>
-        </p:nvSpPr>
-        <p:spPr/>
-        <p:txBody>
-          <a:bodyPr/>
-          <a:lstStyle/>
-          <a:p>
-            <a:pPr marL="0" indent="0">
-              <a:buNone/>
-            </a:pPr>
-            <a:endParaRPr lang="en-US" dirty="0"/>
-          </a:p>
-          <a:p>
-            <a:r>
-              <a:rPr lang="en-US" dirty="0"/>
-              <a:t>Starts a new transaction </a:t>
-            </a:r>
-          </a:p>
-          <a:p>
-            <a:r>
-              <a:rPr lang="en-US" dirty="0"/>
-              <a:t>Adds/removes items from customer’s “virtual cart”</a:t>
-            </a:r>
-          </a:p>
-          <a:p>
-            <a:r>
-              <a:rPr lang="en-US" dirty="0"/>
-              <a:t>Accepts payment to finish transaction</a:t>
-            </a:r>
-          </a:p>
-        </p:txBody>
-      </p:sp>
-      <p:sp>
-        <p:nvSpPr>
-          <p:cNvPr id="7" name="Text Placeholder 6">
-            <a:extLst>
-              <a:ext uri="{FF2B5EF4-FFF2-40B4-BE49-F238E27FC236}">
-                <a16:creationId xmlns:a16="http://schemas.microsoft.com/office/drawing/2014/main" id="{1AA33A14-4CD9-4075-A791-9B103CC737A9}"/>
-              </a:ext>
-            </a:extLst>
-          </p:cNvPr>
-          <p:cNvSpPr>
-            <a:spLocks noGrp="1"/>
-          </p:cNvSpPr>
-          <p:nvPr>
-            <p:ph type="body" sz="quarter" idx="3"/>
-          </p:nvPr>
-        </p:nvSpPr>
-        <p:spPr/>
-        <p:txBody>
-          <a:bodyPr/>
-          <a:lstStyle/>
-          <a:p>
-            <a:r>
-              <a:rPr lang="en-US" dirty="0"/>
-              <a:t>Manager</a:t>
-            </a:r>
-          </a:p>
-        </p:txBody>
-      </p:sp>
-      <p:sp>
-        <p:nvSpPr>
-          <p:cNvPr id="8" name="Content Placeholder 7">
-            <a:extLst>
-              <a:ext uri="{FF2B5EF4-FFF2-40B4-BE49-F238E27FC236}">
-                <a16:creationId xmlns:a16="http://schemas.microsoft.com/office/drawing/2014/main" id="{518B4174-68C6-4BEA-A070-3E7FC2DD64A1}"/>
-              </a:ext>
-            </a:extLst>
-          </p:cNvPr>
-          <p:cNvSpPr>
-            <a:spLocks noGrp="1"/>
-          </p:cNvSpPr>
-          <p:nvPr>
-            <p:ph sz="quarter" idx="4"/>
-          </p:nvPr>
-        </p:nvSpPr>
-        <p:spPr/>
-        <p:txBody>
-          <a:bodyPr/>
-          <a:lstStyle/>
-          <a:p>
-            <a:r>
-              <a:rPr lang="en-US" dirty="0"/>
-              <a:t>Adds/removes cashiers that can login</a:t>
-            </a:r>
-          </a:p>
-          <a:p>
-            <a:r>
-              <a:rPr lang="en-US" dirty="0"/>
-              <a:t>Change list of goods offered by store</a:t>
-            </a:r>
-          </a:p>
-          <a:p>
-            <a:r>
-              <a:rPr lang="en-US" dirty="0"/>
-              <a:t>…</a:t>
-            </a:r>
-          </a:p>
-          <a:p>
-            <a:r>
-              <a:rPr lang="en-US" dirty="0"/>
-              <a:t>Supervises?</a:t>
-            </a:r>
-          </a:p>
-        </p:txBody>
-      </p:sp>
-    </p:spTree>
-    <p:extLst>
-      <p:ext uri="{BB962C8B-B14F-4D97-AF65-F5344CB8AC3E}">
-        <p14:creationId xmlns:p14="http://schemas.microsoft.com/office/powerpoint/2010/main" val="114767895"/>
-      </p:ext>
-    </p:extLst>
-  </p:cSld>
-  <p:clrMapOvr>
-    <a:masterClrMapping/>
-  </p:clrMapOvr>
-</p:sld>
-</file>
-
-<file path=ppt/slides/slide5.xml><?xml version="1.0" encoding="utf-8"?>
-<p:sld xmlns:a="http://schemas.openxmlformats.org/drawingml/2006/main" xmlns:r="http://schemas.openxmlformats.org/officeDocument/2006/relationships" xmlns:p="http://schemas.openxmlformats.org/presentationml/2006/main">
-  <p:cSld>
-    <p:spTree>
-      <p:nvGrpSpPr>
-        <p:cNvPr id="1" name=""/>
-        <p:cNvGrpSpPr/>
-        <p:nvPr/>
-      </p:nvGrpSpPr>
-      <p:grpSpPr>
-        <a:xfrm>
-          <a:off x="0" y="0"/>
-          <a:ext cx="0" cy="0"/>
-          <a:chOff x="0" y="0"/>
-          <a:chExt cx="0" cy="0"/>
-        </a:xfrm>
-      </p:grpSpPr>
-      <p:sp>
-        <p:nvSpPr>
-          <p:cNvPr id="4" name="Title 3">
-            <a:extLst>
-              <a:ext uri="{FF2B5EF4-FFF2-40B4-BE49-F238E27FC236}">
-                <a16:creationId xmlns:a16="http://schemas.microsoft.com/office/drawing/2014/main" id="{58ADE175-160B-4848-AA99-8AC008E51001}"/>
-              </a:ext>
-            </a:extLst>
-          </p:cNvPr>
-          <p:cNvSpPr>
-            <a:spLocks noGrp="1"/>
-          </p:cNvSpPr>
-          <p:nvPr>
-            <p:ph type="title"/>
-          </p:nvPr>
-        </p:nvSpPr>
-        <p:spPr/>
-        <p:txBody>
-          <a:bodyPr/>
-          <a:lstStyle/>
-          <a:p>
-            <a:r>
-              <a:rPr lang="en-US" dirty="0"/>
-              <a:t>User’s Perspective</a:t>
-            </a:r>
-          </a:p>
-        </p:txBody>
-      </p:sp>
-      <p:sp>
-        <p:nvSpPr>
-          <p:cNvPr id="6" name="Content Placeholder 5">
-            <a:extLst>
-              <a:ext uri="{FF2B5EF4-FFF2-40B4-BE49-F238E27FC236}">
-                <a16:creationId xmlns:a16="http://schemas.microsoft.com/office/drawing/2014/main" id="{485ED300-0941-426D-9E24-71ABA70D4081}"/>
-              </a:ext>
-            </a:extLst>
-          </p:cNvPr>
-          <p:cNvSpPr>
-            <a:spLocks noGrp="1"/>
-          </p:cNvSpPr>
-          <p:nvPr>
-            <p:ph sz="half" idx="1"/>
-          </p:nvPr>
-        </p:nvSpPr>
-        <p:spPr/>
-        <p:txBody>
-          <a:bodyPr/>
-          <a:lstStyle/>
-          <a:p>
-            <a:r>
-              <a:rPr lang="en-US" dirty="0"/>
-              <a:t>Show Login screen</a:t>
-            </a:r>
-          </a:p>
-        </p:txBody>
-      </p:sp>
-      <p:sp>
-        <p:nvSpPr>
-          <p:cNvPr id="7" name="Content Placeholder 6">
-            <a:extLst>
-              <a:ext uri="{FF2B5EF4-FFF2-40B4-BE49-F238E27FC236}">
-                <a16:creationId xmlns:a16="http://schemas.microsoft.com/office/drawing/2014/main" id="{F41EB565-6B4D-4B50-AA95-F91194E962FD}"/>
-              </a:ext>
-            </a:extLst>
-          </p:cNvPr>
-          <p:cNvSpPr>
-            <a:spLocks noGrp="1"/>
-          </p:cNvSpPr>
-          <p:nvPr>
-            <p:ph sz="half" idx="2"/>
-          </p:nvPr>
-        </p:nvSpPr>
-        <p:spPr/>
-        <p:txBody>
-          <a:bodyPr/>
-          <a:lstStyle/>
-          <a:p>
-            <a:r>
-              <a:rPr lang="en-US" dirty="0"/>
-              <a:t>Show post-login screen</a:t>
-            </a:r>
-          </a:p>
-        </p:txBody>
-      </p:sp>
-    </p:spTree>
-    <p:extLst>
-      <p:ext uri="{BB962C8B-B14F-4D97-AF65-F5344CB8AC3E}">
-        <p14:creationId xmlns:p14="http://schemas.microsoft.com/office/powerpoint/2010/main" val="3238395273"/>
-      </p:ext>
-    </p:extLst>
-  </p:cSld>
-  <p:clrMapOvr>
-    <a:masterClrMapping/>
-  </p:clrMapOvr>
-</p:sld>
-</file>
-
-<file path=ppt/slides/slide6.xml><?xml version="1.0" encoding="utf-8"?>
-<p:sld xmlns:a="http://schemas.openxmlformats.org/drawingml/2006/main" xmlns:r="http://schemas.openxmlformats.org/officeDocument/2006/relationships" xmlns:p="http://schemas.openxmlformats.org/presentationml/2006/main">
-  <p:cSld>
-    <p:spTree>
-      <p:nvGrpSpPr>
-        <p:cNvPr id="1" name=""/>
-        <p:cNvGrpSpPr/>
-        <p:nvPr/>
-      </p:nvGrpSpPr>
-      <p:grpSpPr>
-        <a:xfrm>
-          <a:off x="0" y="0"/>
-          <a:ext cx="0" cy="0"/>
-          <a:chOff x="0" y="0"/>
-          <a:chExt cx="0" cy="0"/>
-        </a:xfrm>
-      </p:grpSpPr>
-      <p:sp>
-        <p:nvSpPr>
-          <p:cNvPr id="7" name="Title 6">
-            <a:extLst>
-              <a:ext uri="{FF2B5EF4-FFF2-40B4-BE49-F238E27FC236}">
-                <a16:creationId xmlns:a16="http://schemas.microsoft.com/office/drawing/2014/main" id="{03D3DDB0-CE5B-4183-9F02-7A614A6C7087}"/>
-              </a:ext>
-            </a:extLst>
-          </p:cNvPr>
-          <p:cNvSpPr>
-            <a:spLocks noGrp="1"/>
-          </p:cNvSpPr>
-          <p:nvPr>
-            <p:ph type="title"/>
-          </p:nvPr>
-        </p:nvSpPr>
-        <p:spPr/>
-        <p:txBody>
-          <a:bodyPr/>
-          <a:lstStyle/>
-          <a:p>
-            <a:r>
-              <a:rPr lang="en-US" dirty="0"/>
-              <a:t>User’s Perspective Cont.</a:t>
-            </a:r>
-          </a:p>
-        </p:txBody>
-      </p:sp>
-      <p:pic>
-        <p:nvPicPr>
-          <p:cNvPr id="1026" name="Picture 2" descr="https://docs.google.com/drawings/d/scAA0f5HRojiHburaqXWDRSFE/image?w=624&amp;h=468&amp;rev=376&amp;ac=1&amp;parent=1q8mHRy3iaiONjA9iy4fCQ7dNlG8ymQcEBrMDMlYVx0s">
-            <a:extLst>
-              <a:ext uri="{FF2B5EF4-FFF2-40B4-BE49-F238E27FC236}">
-                <a16:creationId xmlns:a16="http://schemas.microsoft.com/office/drawing/2014/main" id="{C7C959B8-E46E-4DED-94E1-A2FCC42B32A5}"/>
-              </a:ext>
-            </a:extLst>
-          </p:cNvPr>
-          <p:cNvPicPr>
-            <a:picLocks noGrp="1" noChangeAspect="1" noChangeArrowheads="1"/>
-          </p:cNvPicPr>
-          <p:nvPr>
-            <p:ph sz="half" idx="1"/>
-          </p:nvPr>
-        </p:nvPicPr>
-        <p:blipFill>
-          <a:blip r:embed="rId3">
-            <a:extLst>
-              <a:ext uri="{28A0092B-C50C-407E-A947-70E740481C1C}">
-                <a14:useLocalDpi xmlns:a14="http://schemas.microsoft.com/office/drawing/2010/main" val="0"/>
-              </a:ext>
-            </a:extLst>
-          </a:blip>
-          <a:stretch>
-            <a:fillRect/>
-          </a:stretch>
-        </p:blipFill>
-        <p:spPr bwMode="auto">
-          <a:xfrm>
-            <a:off x="838200" y="2058194"/>
-            <a:ext cx="5181600" cy="3886200"/>
-          </a:xfrm>
-          <a:prstGeom prst="rect">
-            <a:avLst/>
-          </a:prstGeom>
-          <a:noFill/>
-          <a:extLst>
-            <a:ext uri="{909E8E84-426E-40DD-AFC4-6F175D3DCCD1}">
-              <a14:hiddenFill xmlns:a14="http://schemas.microsoft.com/office/drawing/2010/main">
-                <a:solidFill>
-                  <a:srgbClr val="FFFFFF"/>
-                </a:solidFill>
-              </a14:hiddenFill>
-            </a:ext>
-          </a:extLst>
-        </p:spPr>
-      </p:pic>
-      <p:sp>
-        <p:nvSpPr>
-          <p:cNvPr id="16" name="Content Placeholder 15">
-            <a:extLst>
-              <a:ext uri="{FF2B5EF4-FFF2-40B4-BE49-F238E27FC236}">
-                <a16:creationId xmlns:a16="http://schemas.microsoft.com/office/drawing/2014/main" id="{B258525A-8B0F-4313-8731-C42E11D64F80}"/>
-              </a:ext>
-            </a:extLst>
-          </p:cNvPr>
-          <p:cNvSpPr>
-            <a:spLocks noGrp="1"/>
-          </p:cNvSpPr>
-          <p:nvPr>
-            <p:ph sz="half" idx="2"/>
-          </p:nvPr>
-        </p:nvSpPr>
-        <p:spPr/>
-        <p:txBody>
-          <a:bodyPr/>
-          <a:lstStyle/>
-          <a:p>
-            <a:r>
-              <a:rPr lang="en-US" dirty="0"/>
-              <a:t>Some of what cashier can do…</a:t>
-            </a:r>
-          </a:p>
-          <a:p>
-            <a:pPr lvl="1"/>
-            <a:endParaRPr lang="en-US" dirty="0"/>
-          </a:p>
-          <a:p>
-            <a:pPr lvl="1"/>
-            <a:r>
-              <a:rPr lang="en-US" dirty="0"/>
-              <a:t>Add item by selecting category</a:t>
-            </a:r>
-          </a:p>
-          <a:p>
-            <a:pPr lvl="1"/>
-            <a:r>
-              <a:rPr lang="en-US" dirty="0"/>
-              <a:t>Remove item</a:t>
-            </a:r>
-          </a:p>
-          <a:p>
-            <a:pPr lvl="1"/>
-            <a:r>
-              <a:rPr lang="en-US" dirty="0"/>
-              <a:t>Override price of good</a:t>
-            </a:r>
-          </a:p>
-          <a:p>
-            <a:pPr lvl="1"/>
-            <a:r>
-              <a:rPr lang="en-US" dirty="0"/>
-              <a:t>Save transaction so it can be continued later (</a:t>
-            </a:r>
-            <a:r>
-              <a:rPr lang="en-US" dirty="0" err="1"/>
-              <a:t>ie</a:t>
-            </a:r>
-            <a:r>
-              <a:rPr lang="en-US" dirty="0"/>
-              <a:t>. customer forgets wallet)</a:t>
-            </a:r>
-          </a:p>
-          <a:p>
-            <a:pPr lvl="1"/>
-            <a:r>
-              <a:rPr lang="en-US" dirty="0"/>
-              <a:t>Finalize transaction by taking payment</a:t>
-            </a:r>
-          </a:p>
-          <a:p>
-            <a:pPr marL="457200" lvl="1" indent="0">
-              <a:buNone/>
-            </a:pPr>
-            <a:endParaRPr lang="en-US" dirty="0"/>
-          </a:p>
-        </p:txBody>
-      </p:sp>
-    </p:spTree>
-    <p:extLst>
-      <p:ext uri="{BB962C8B-B14F-4D97-AF65-F5344CB8AC3E}">
-        <p14:creationId xmlns:p14="http://schemas.microsoft.com/office/powerpoint/2010/main" val="1070314347"/>
-      </p:ext>
-    </p:extLst>
-  </p:cSld>
-  <p:clrMapOvr>
-    <a:masterClrMapping/>
-  </p:clrMapOvr>
-</p:sld>
-</file>
-
-<file path=ppt/slides/slide7.xml><?xml version="1.0" encoding="utf-8"?>
-<p:sld xmlns:a="http://schemas.openxmlformats.org/drawingml/2006/main" xmlns:r="http://schemas.openxmlformats.org/officeDocument/2006/relationships" xmlns:p="http://schemas.openxmlformats.org/presentationml/2006/main">
-  <p:cSld>
-    <p:spTree>
-      <p:nvGrpSpPr>
-        <p:cNvPr id="1" name=""/>
-        <p:cNvGrpSpPr/>
-        <p:nvPr/>
-      </p:nvGrpSpPr>
-      <p:grpSpPr>
-        <a:xfrm>
-          <a:off x="0" y="0"/>
-          <a:ext cx="0" cy="0"/>
-          <a:chOff x="0" y="0"/>
-          <a:chExt cx="0" cy="0"/>
-        </a:xfrm>
-      </p:grpSpPr>
-      <p:sp>
-        <p:nvSpPr>
-          <p:cNvPr id="2" name="Title 1">
-            <a:extLst>
-              <a:ext uri="{FF2B5EF4-FFF2-40B4-BE49-F238E27FC236}">
-                <a16:creationId xmlns:a16="http://schemas.microsoft.com/office/drawing/2014/main" id="{8A1E571E-35B6-4FF3-ADE6-065BDE71BF3C}"/>
-              </a:ext>
-            </a:extLst>
-          </p:cNvPr>
-          <p:cNvSpPr>
-            <a:spLocks noGrp="1"/>
-          </p:cNvSpPr>
-          <p:nvPr>
-            <p:ph type="title"/>
-          </p:nvPr>
-        </p:nvSpPr>
-        <p:spPr/>
-        <p:txBody>
-          <a:bodyPr/>
-          <a:lstStyle/>
-          <a:p>
-            <a:r>
-              <a:rPr lang="en-US" dirty="0"/>
-              <a:t>But wait, there’s more!</a:t>
-            </a:r>
-          </a:p>
-        </p:txBody>
-      </p:sp>
-      <p:sp>
-        <p:nvSpPr>
-          <p:cNvPr id="3" name="Content Placeholder 2">
-            <a:extLst>
-              <a:ext uri="{FF2B5EF4-FFF2-40B4-BE49-F238E27FC236}">
-                <a16:creationId xmlns:a16="http://schemas.microsoft.com/office/drawing/2014/main" id="{C7BC2220-5C20-4326-8D24-A88E7516D7D1}"/>
-              </a:ext>
-            </a:extLst>
-          </p:cNvPr>
-          <p:cNvSpPr>
-            <a:spLocks noGrp="1"/>
-          </p:cNvSpPr>
-          <p:nvPr>
-            <p:ph idx="1"/>
-          </p:nvPr>
-        </p:nvSpPr>
-        <p:spPr>
-          <a:xfrm>
-            <a:off x="838200" y="1825626"/>
-            <a:ext cx="10515600" cy="3341178"/>
-          </a:xfrm>
-        </p:spPr>
-        <p:txBody>
-          <a:bodyPr>
-            <a:normAutofit/>
-          </a:bodyPr>
-          <a:lstStyle/>
-          <a:p>
-            <a:r>
-              <a:rPr lang="en-US" dirty="0"/>
-              <a:t>Key info is stored in a Database</a:t>
-            </a:r>
-          </a:p>
-          <a:p>
-            <a:pPr marL="457200" lvl="1" indent="0">
-              <a:buNone/>
-            </a:pPr>
-            <a:endParaRPr lang="en-US" dirty="0"/>
-          </a:p>
-          <a:p>
-            <a:pPr lvl="1"/>
-            <a:r>
-              <a:rPr lang="en-US" dirty="0"/>
-              <a:t>Employee info (Name, credentials, etc.)</a:t>
-            </a:r>
-          </a:p>
-          <a:p>
-            <a:pPr lvl="1"/>
-            <a:endParaRPr lang="en-US" dirty="0"/>
-          </a:p>
-          <a:p>
-            <a:pPr lvl="1"/>
-            <a:r>
-              <a:rPr lang="en-US" dirty="0"/>
-              <a:t>List of goods sold by store</a:t>
-            </a:r>
-          </a:p>
-          <a:p>
-            <a:pPr lvl="1"/>
-            <a:endParaRPr lang="en-US" dirty="0"/>
-          </a:p>
-          <a:p>
-            <a:pPr lvl="1"/>
-            <a:r>
-              <a:rPr lang="en-US" dirty="0"/>
-              <a:t>Saved Transactions</a:t>
-            </a:r>
-          </a:p>
-          <a:p>
-            <a:pPr marL="457200" lvl="1" indent="0">
-              <a:buNone/>
-            </a:pPr>
-            <a:endParaRPr lang="en-US" dirty="0"/>
-          </a:p>
-        </p:txBody>
-      </p:sp>
-      <p:sp>
-        <p:nvSpPr>
-          <p:cNvPr id="4" name="Rectangle 3">
-            <a:extLst>
-              <a:ext uri="{FF2B5EF4-FFF2-40B4-BE49-F238E27FC236}">
-                <a16:creationId xmlns:a16="http://schemas.microsoft.com/office/drawing/2014/main" id="{5D4476AB-5866-4AEE-A6E2-AE8817368A69}"/>
-              </a:ext>
-            </a:extLst>
-          </p:cNvPr>
-          <p:cNvSpPr/>
-          <p:nvPr/>
-        </p:nvSpPr>
-        <p:spPr>
-          <a:xfrm>
-            <a:off x="838200" y="5166804"/>
-            <a:ext cx="7833106" cy="523220"/>
-          </a:xfrm>
-          <a:prstGeom prst="rect">
-            <a:avLst/>
-          </a:prstGeom>
-        </p:spPr>
-        <p:txBody>
-          <a:bodyPr wrap="none">
-            <a:spAutoFit/>
-          </a:bodyPr>
-          <a:lstStyle/>
-          <a:p>
-            <a:pPr marL="457200" indent="-457200">
-              <a:buFont typeface="Arial" panose="020B0604020202020204" pitchFamily="34" charset="0"/>
-              <a:buChar char="•"/>
-            </a:pPr>
-            <a:r>
-              <a:rPr lang="en-US" sz="2800" dirty="0"/>
-              <a:t>Only Managers allowed to access employee info</a:t>
-            </a:r>
-          </a:p>
-        </p:txBody>
-      </p:sp>
-    </p:spTree>
-    <p:extLst>
-      <p:ext uri="{BB962C8B-B14F-4D97-AF65-F5344CB8AC3E}">
-        <p14:creationId xmlns:p14="http://schemas.microsoft.com/office/powerpoint/2010/main" val="283120246"/>
-      </p:ext>
-    </p:extLst>
-  </p:cSld>
-  <p:clrMapOvr>
-    <a:masterClrMapping/>
-  </p:clrMapOvr>
-</p:sld>
-</file>
-
-<file path=ppt/slides/slide8.xml><?xml version="1.0" encoding="utf-8"?>
-<p:sld xmlns:a="http://schemas.openxmlformats.org/drawingml/2006/main" xmlns:r="http://schemas.openxmlformats.org/officeDocument/2006/relationships" xmlns:p="http://schemas.openxmlformats.org/presentationml/2006/main">
-  <p:cSld>
-    <p:spTree>
-      <p:nvGrpSpPr>
-        <p:cNvPr id="1" name=""/>
-        <p:cNvGrpSpPr/>
-        <p:nvPr/>
-      </p:nvGrpSpPr>
-      <p:grpSpPr>
-        <a:xfrm>
-          <a:off x="0" y="0"/>
-          <a:ext cx="0" cy="0"/>
-          <a:chOff x="0" y="0"/>
-          <a:chExt cx="0" cy="0"/>
-        </a:xfrm>
-      </p:grpSpPr>
-      <p:sp>
-        <p:nvSpPr>
           <p:cNvPr id="2" name="Title 1">
             <a:extLst>
               <a:ext uri="{FF2B5EF4-FFF2-40B4-BE49-F238E27FC236}">
@@ -8228,7 +7182,9 @@
         </p:nvSpPr>
         <p:spPr/>
         <p:txBody>
-          <a:bodyPr/>
+          <a:bodyPr>
+            <a:normAutofit/>
+          </a:bodyPr>
           <a:lstStyle/>
           <a:p>
             <a:pPr marL="0" indent="0">
@@ -8236,22 +7192,35 @@
             </a:pPr>
             <a:r>
               <a:rPr lang="en-US" sz="2400" dirty="0"/>
-              <a:t>Suppose manager wants to confirm their salary is greater than cashier’s</a:t>
-            </a:r>
-          </a:p>
-          <a:p>
+              <a:t>Suppose manager wants to </a:t>
+            </a:r>
+            <a:r>
+              <a:rPr lang="en-US" sz="2400" dirty="0" smtClean="0"/>
+              <a:t>confirm their salary is greater than cashiers</a:t>
+            </a:r>
             <a:endParaRPr lang="en-US" sz="2400" dirty="0"/>
           </a:p>
           <a:p>
+            <a:endParaRPr lang="en-US" sz="2400" dirty="0"/>
+          </a:p>
+          <a:p>
             <a:r>
               <a:rPr lang="en-US" sz="2400" dirty="0"/>
-              <a:t>Manager requests to see list of cashiers and their salaries</a:t>
-            </a:r>
-          </a:p>
-          <a:p>
+              <a:t>Manager requests to see list of cashiers </a:t>
+            </a:r>
+            <a:r>
+              <a:rPr lang="en-US" sz="2400" dirty="0" smtClean="0"/>
+              <a:t>and their salaries</a:t>
+            </a:r>
+          </a:p>
+          <a:p>
+            <a:r>
+              <a:rPr lang="en-US" sz="2400" dirty="0" smtClean="0"/>
+              <a:t>Requests </a:t>
+            </a:r>
             <a:r>
               <a:rPr lang="en-US" sz="2400" dirty="0"/>
-              <a:t>Requests transformed into MySQL Query</a:t>
+              <a:t>transformed into MySQL Query</a:t>
             </a:r>
           </a:p>
           <a:p>
@@ -8281,7 +7250,7 @@
             <p:ph sz="half" idx="2"/>
             <p:extLst>
               <p:ext uri="{D42A27DB-BD31-4B8C-83A1-F6EECF244321}">
-                <p14:modId xmlns:p14="http://schemas.microsoft.com/office/powerpoint/2010/main" val="3306055410"/>
+                <p14:modId xmlns:p14="http://schemas.microsoft.com/office/powerpoint/2010/main" val="3640036334"/>
               </p:ext>
             </p:extLst>
           </p:nvPr>
@@ -8404,6 +7373,1656 @@
 </p:sld>
 </file>
 
+<file path=ppt/slides/slide11.xml><?xml version="1.0" encoding="utf-8"?>
+<p:sld xmlns:a="http://schemas.openxmlformats.org/drawingml/2006/main" xmlns:r="http://schemas.openxmlformats.org/officeDocument/2006/relationships" xmlns:p="http://schemas.openxmlformats.org/presentationml/2006/main">
+  <p:cSld>
+    <p:spTree>
+      <p:nvGrpSpPr>
+        <p:cNvPr id="1" name=""/>
+        <p:cNvGrpSpPr/>
+        <p:nvPr/>
+      </p:nvGrpSpPr>
+      <p:grpSpPr>
+        <a:xfrm>
+          <a:off x="0" y="0"/>
+          <a:ext cx="0" cy="0"/>
+          <a:chOff x="0" y="0"/>
+          <a:chExt cx="0" cy="0"/>
+        </a:xfrm>
+      </p:grpSpPr>
+      <p:sp>
+        <p:nvSpPr>
+          <p:cNvPr id="2" name="Title 1"/>
+          <p:cNvSpPr>
+            <a:spLocks noGrp="1"/>
+          </p:cNvSpPr>
+          <p:nvPr>
+            <p:ph type="title"/>
+          </p:nvPr>
+        </p:nvSpPr>
+        <p:spPr/>
+        <p:txBody>
+          <a:bodyPr/>
+          <a:lstStyle/>
+          <a:p>
+            <a:r>
+              <a:rPr lang="en-CA" dirty="0" smtClean="0"/>
+              <a:t>Specific Use Case</a:t>
+            </a:r>
+            <a:endParaRPr lang="en-CA" dirty="0"/>
+          </a:p>
+        </p:txBody>
+      </p:sp>
+      <p:sp>
+        <p:nvSpPr>
+          <p:cNvPr id="3" name="Content Placeholder 2"/>
+          <p:cNvSpPr>
+            <a:spLocks noGrp="1"/>
+          </p:cNvSpPr>
+          <p:nvPr>
+            <p:ph sz="half" idx="1"/>
+          </p:nvPr>
+        </p:nvSpPr>
+        <p:spPr/>
+        <p:txBody>
+          <a:bodyPr/>
+          <a:lstStyle/>
+          <a:p>
+            <a:pPr marL="0" indent="0">
+              <a:buNone/>
+            </a:pPr>
+            <a:r>
+              <a:rPr lang="en-CA" dirty="0" smtClean="0"/>
+              <a:t>Cashier Login</a:t>
+            </a:r>
+          </a:p>
+          <a:p>
+            <a:endParaRPr lang="en-CA" dirty="0"/>
+          </a:p>
+          <a:p>
+            <a:r>
+              <a:rPr lang="en-CA" dirty="0" smtClean="0"/>
+              <a:t>Cashier provides ID and Password to interface</a:t>
+            </a:r>
+          </a:p>
+          <a:p>
+            <a:r>
+              <a:rPr lang="en-CA" dirty="0" smtClean="0"/>
+              <a:t>Info is sent to Database</a:t>
+            </a:r>
+          </a:p>
+          <a:p>
+            <a:r>
+              <a:rPr lang="en-CA" dirty="0" smtClean="0"/>
+              <a:t>Database handles request</a:t>
+            </a:r>
+          </a:p>
+          <a:p>
+            <a:r>
+              <a:rPr lang="en-CA" dirty="0" smtClean="0"/>
+              <a:t>Result is sent back</a:t>
+            </a:r>
+          </a:p>
+          <a:p>
+            <a:endParaRPr lang="en-CA" dirty="0" smtClean="0"/>
+          </a:p>
+          <a:p>
+            <a:endParaRPr lang="en-CA" dirty="0"/>
+          </a:p>
+        </p:txBody>
+      </p:sp>
+      <p:pic>
+        <p:nvPicPr>
+          <p:cNvPr id="2050" name="Picture 2" descr="https://lh5.googleusercontent.com/pDTQ-iF2QR3hv9BaeY9KZE-oTEc4ZIrN7Vw8QdKmyYkj3kvvVheyWBlO66NF_wDYyXdACp4v324LUiQSDdJXRrpjj9xXYpPvyxkXA00HcwI5kwGftZwVTAQlwG6zFSBjFg"/>
+          <p:cNvPicPr>
+            <a:picLocks noGrp="1" noChangeAspect="1" noChangeArrowheads="1"/>
+          </p:cNvPicPr>
+          <p:nvPr>
+            <p:ph sz="half" idx="2"/>
+          </p:nvPr>
+        </p:nvPicPr>
+        <p:blipFill>
+          <a:blip r:embed="rId2">
+            <a:extLst>
+              <a:ext uri="{28A0092B-C50C-407E-A947-70E740481C1C}">
+                <a14:useLocalDpi xmlns:a14="http://schemas.microsoft.com/office/drawing/2010/main" val="0"/>
+              </a:ext>
+            </a:extLst>
+          </a:blip>
+          <a:stretch>
+            <a:fillRect/>
+          </a:stretch>
+        </p:blipFill>
+        <p:spPr bwMode="auto">
+          <a:xfrm>
+            <a:off x="7062787" y="2567781"/>
+            <a:ext cx="3400425" cy="2867025"/>
+          </a:xfrm>
+          <a:prstGeom prst="rect">
+            <a:avLst/>
+          </a:prstGeom>
+          <a:noFill/>
+          <a:extLst>
+            <a:ext uri="{909E8E84-426E-40DD-AFC4-6F175D3DCCD1}">
+              <a14:hiddenFill xmlns:a14="http://schemas.microsoft.com/office/drawing/2010/main">
+                <a:solidFill>
+                  <a:srgbClr val="FFFFFF"/>
+                </a:solidFill>
+              </a14:hiddenFill>
+            </a:ext>
+          </a:extLst>
+        </p:spPr>
+      </p:pic>
+    </p:spTree>
+    <p:extLst>
+      <p:ext uri="{BB962C8B-B14F-4D97-AF65-F5344CB8AC3E}">
+        <p14:creationId xmlns:p14="http://schemas.microsoft.com/office/powerpoint/2010/main" val="443073830"/>
+      </p:ext>
+    </p:extLst>
+  </p:cSld>
+  <p:clrMapOvr>
+    <a:masterClrMapping/>
+  </p:clrMapOvr>
+</p:sld>
+</file>
+
+<file path=ppt/slides/slide12.xml><?xml version="1.0" encoding="utf-8"?>
+<p:sld xmlns:a="http://schemas.openxmlformats.org/drawingml/2006/main" xmlns:r="http://schemas.openxmlformats.org/officeDocument/2006/relationships" xmlns:p="http://schemas.openxmlformats.org/presentationml/2006/main">
+  <p:cSld>
+    <p:spTree>
+      <p:nvGrpSpPr>
+        <p:cNvPr id="1" name=""/>
+        <p:cNvGrpSpPr/>
+        <p:nvPr/>
+      </p:nvGrpSpPr>
+      <p:grpSpPr>
+        <a:xfrm>
+          <a:off x="0" y="0"/>
+          <a:ext cx="0" cy="0"/>
+          <a:chOff x="0" y="0"/>
+          <a:chExt cx="0" cy="0"/>
+        </a:xfrm>
+      </p:grpSpPr>
+      <p:sp>
+        <p:nvSpPr>
+          <p:cNvPr id="2" name="Title 1"/>
+          <p:cNvSpPr>
+            <a:spLocks noGrp="1"/>
+          </p:cNvSpPr>
+          <p:nvPr>
+            <p:ph type="title"/>
+          </p:nvPr>
+        </p:nvSpPr>
+        <p:spPr/>
+        <p:txBody>
+          <a:bodyPr/>
+          <a:lstStyle/>
+          <a:p>
+            <a:r>
+              <a:rPr lang="en-CA" dirty="0" smtClean="0"/>
+              <a:t>Development Process</a:t>
+            </a:r>
+            <a:endParaRPr lang="en-CA" dirty="0"/>
+          </a:p>
+        </p:txBody>
+      </p:sp>
+      <p:sp>
+        <p:nvSpPr>
+          <p:cNvPr id="3" name="Text Placeholder 2"/>
+          <p:cNvSpPr>
+            <a:spLocks noGrp="1"/>
+          </p:cNvSpPr>
+          <p:nvPr>
+            <p:ph type="body" idx="1"/>
+          </p:nvPr>
+        </p:nvSpPr>
+        <p:spPr/>
+        <p:txBody>
+          <a:bodyPr/>
+          <a:lstStyle/>
+          <a:p>
+            <a:endParaRPr lang="en-CA"/>
+          </a:p>
+        </p:txBody>
+      </p:sp>
+    </p:spTree>
+    <p:extLst>
+      <p:ext uri="{BB962C8B-B14F-4D97-AF65-F5344CB8AC3E}">
+        <p14:creationId xmlns:p14="http://schemas.microsoft.com/office/powerpoint/2010/main" val="3052355498"/>
+      </p:ext>
+    </p:extLst>
+  </p:cSld>
+  <p:clrMapOvr>
+    <a:masterClrMapping/>
+  </p:clrMapOvr>
+</p:sld>
+</file>
+
+<file path=ppt/slides/slide13.xml><?xml version="1.0" encoding="utf-8"?>
+<p:sld xmlns:a="http://schemas.openxmlformats.org/drawingml/2006/main" xmlns:r="http://schemas.openxmlformats.org/officeDocument/2006/relationships" xmlns:p="http://schemas.openxmlformats.org/presentationml/2006/main">
+  <p:cSld>
+    <p:spTree>
+      <p:nvGrpSpPr>
+        <p:cNvPr id="1" name=""/>
+        <p:cNvGrpSpPr/>
+        <p:nvPr/>
+      </p:nvGrpSpPr>
+      <p:grpSpPr>
+        <a:xfrm>
+          <a:off x="0" y="0"/>
+          <a:ext cx="0" cy="0"/>
+          <a:chOff x="0" y="0"/>
+          <a:chExt cx="0" cy="0"/>
+        </a:xfrm>
+      </p:grpSpPr>
+      <p:sp>
+        <p:nvSpPr>
+          <p:cNvPr id="6" name="Title 5"/>
+          <p:cNvSpPr>
+            <a:spLocks noGrp="1"/>
+          </p:cNvSpPr>
+          <p:nvPr>
+            <p:ph type="title"/>
+          </p:nvPr>
+        </p:nvSpPr>
+        <p:spPr/>
+        <p:txBody>
+          <a:bodyPr/>
+          <a:lstStyle/>
+          <a:p>
+            <a:r>
+              <a:rPr lang="en-CA" dirty="0" smtClean="0"/>
+              <a:t>Development Model</a:t>
+            </a:r>
+            <a:endParaRPr lang="en-CA" dirty="0"/>
+          </a:p>
+        </p:txBody>
+      </p:sp>
+      <p:sp>
+        <p:nvSpPr>
+          <p:cNvPr id="7" name="Content Placeholder 6"/>
+          <p:cNvSpPr>
+            <a:spLocks noGrp="1"/>
+          </p:cNvSpPr>
+          <p:nvPr>
+            <p:ph type="body" idx="1"/>
+          </p:nvPr>
+        </p:nvSpPr>
+        <p:spPr>
+          <a:xfrm>
+            <a:off x="839788" y="1681163"/>
+            <a:ext cx="10515600" cy="823912"/>
+          </a:xfrm>
+        </p:spPr>
+        <p:txBody>
+          <a:bodyPr>
+            <a:normAutofit/>
+          </a:bodyPr>
+          <a:lstStyle/>
+          <a:p>
+            <a:pPr lvl="1"/>
+            <a:r>
+              <a:rPr lang="en-CA" dirty="0" smtClean="0"/>
+              <a:t>Used techniques from both Waterfall and Agile processes</a:t>
+            </a:r>
+            <a:endParaRPr lang="en-CA" dirty="0"/>
+          </a:p>
+          <a:p>
+            <a:pPr lvl="1"/>
+            <a:endParaRPr lang="en-CA" dirty="0"/>
+          </a:p>
+        </p:txBody>
+      </p:sp>
+      <p:sp>
+        <p:nvSpPr>
+          <p:cNvPr id="15" name="Content Placeholder 14"/>
+          <p:cNvSpPr>
+            <a:spLocks noGrp="1"/>
+          </p:cNvSpPr>
+          <p:nvPr>
+            <p:ph sz="half" idx="2"/>
+          </p:nvPr>
+        </p:nvSpPr>
+        <p:spPr/>
+        <p:txBody>
+          <a:bodyPr/>
+          <a:lstStyle/>
+          <a:p>
+            <a:r>
+              <a:rPr lang="en-CA" dirty="0" smtClean="0"/>
+              <a:t>Followed Waterfall method </a:t>
+            </a:r>
+            <a:r>
+              <a:rPr lang="en-CA" i="1" dirty="0" smtClean="0"/>
+              <a:t>generally</a:t>
+            </a:r>
+            <a:r>
+              <a:rPr lang="en-CA" dirty="0" smtClean="0"/>
+              <a:t>:</a:t>
+            </a:r>
+            <a:endParaRPr lang="en-CA" dirty="0"/>
+          </a:p>
+          <a:p>
+            <a:pPr lvl="1"/>
+            <a:r>
+              <a:rPr lang="en-CA" dirty="0"/>
+              <a:t>Requirements first</a:t>
+            </a:r>
+          </a:p>
+          <a:p>
+            <a:pPr lvl="1"/>
+            <a:r>
+              <a:rPr lang="en-CA" dirty="0"/>
+              <a:t>Then modelling</a:t>
+            </a:r>
+          </a:p>
+          <a:p>
+            <a:pPr lvl="1"/>
+            <a:r>
+              <a:rPr lang="en-CA" dirty="0"/>
+              <a:t>Development</a:t>
+            </a:r>
+          </a:p>
+          <a:p>
+            <a:pPr lvl="1"/>
+            <a:r>
+              <a:rPr lang="en-CA" dirty="0" smtClean="0"/>
+              <a:t>And Testing</a:t>
+            </a:r>
+            <a:endParaRPr lang="en-CA" dirty="0"/>
+          </a:p>
+          <a:p>
+            <a:endParaRPr lang="en-CA" dirty="0"/>
+          </a:p>
+        </p:txBody>
+      </p:sp>
+      <p:sp>
+        <p:nvSpPr>
+          <p:cNvPr id="17" name="Content Placeholder 16"/>
+          <p:cNvSpPr>
+            <a:spLocks noGrp="1"/>
+          </p:cNvSpPr>
+          <p:nvPr>
+            <p:ph sz="quarter" idx="4"/>
+          </p:nvPr>
+        </p:nvSpPr>
+        <p:spPr/>
+        <p:txBody>
+          <a:bodyPr/>
+          <a:lstStyle/>
+          <a:p>
+            <a:r>
+              <a:rPr lang="en-CA" dirty="0" smtClean="0"/>
+              <a:t>From Agile</a:t>
+            </a:r>
+          </a:p>
+          <a:p>
+            <a:pPr lvl="1"/>
+            <a:r>
+              <a:rPr lang="en-CA" dirty="0" smtClean="0"/>
+              <a:t>Wasn’t strict about keeping linear progression</a:t>
+            </a:r>
+          </a:p>
+          <a:p>
+            <a:pPr lvl="1"/>
+            <a:r>
+              <a:rPr lang="en-CA" dirty="0" smtClean="0"/>
+              <a:t>Sometimes processes were intermingled </a:t>
+            </a:r>
+            <a:endParaRPr lang="en-CA" dirty="0"/>
+          </a:p>
+        </p:txBody>
+      </p:sp>
+    </p:spTree>
+    <p:extLst>
+      <p:ext uri="{BB962C8B-B14F-4D97-AF65-F5344CB8AC3E}">
+        <p14:creationId xmlns:p14="http://schemas.microsoft.com/office/powerpoint/2010/main" val="235904584"/>
+      </p:ext>
+    </p:extLst>
+  </p:cSld>
+  <p:clrMapOvr>
+    <a:masterClrMapping/>
+  </p:clrMapOvr>
+</p:sld>
+</file>
+
+<file path=ppt/slides/slide14.xml><?xml version="1.0" encoding="utf-8"?>
+<p:sld xmlns:a="http://schemas.openxmlformats.org/drawingml/2006/main" xmlns:r="http://schemas.openxmlformats.org/officeDocument/2006/relationships" xmlns:p="http://schemas.openxmlformats.org/presentationml/2006/main">
+  <p:cSld>
+    <p:spTree>
+      <p:nvGrpSpPr>
+        <p:cNvPr id="1" name=""/>
+        <p:cNvGrpSpPr/>
+        <p:nvPr/>
+      </p:nvGrpSpPr>
+      <p:grpSpPr>
+        <a:xfrm>
+          <a:off x="0" y="0"/>
+          <a:ext cx="0" cy="0"/>
+          <a:chOff x="0" y="0"/>
+          <a:chExt cx="0" cy="0"/>
+        </a:xfrm>
+      </p:grpSpPr>
+      <p:sp>
+        <p:nvSpPr>
+          <p:cNvPr id="2" name="Title 1"/>
+          <p:cNvSpPr>
+            <a:spLocks noGrp="1"/>
+          </p:cNvSpPr>
+          <p:nvPr>
+            <p:ph type="title"/>
+          </p:nvPr>
+        </p:nvSpPr>
+        <p:spPr/>
+        <p:txBody>
+          <a:bodyPr/>
+          <a:lstStyle/>
+          <a:p>
+            <a:r>
+              <a:rPr lang="en-CA" dirty="0" smtClean="0"/>
+              <a:t>Architectural Design</a:t>
+            </a:r>
+            <a:endParaRPr lang="en-CA" dirty="0"/>
+          </a:p>
+        </p:txBody>
+      </p:sp>
+      <p:sp>
+        <p:nvSpPr>
+          <p:cNvPr id="14" name="Content Placeholder 13"/>
+          <p:cNvSpPr>
+            <a:spLocks noGrp="1"/>
+          </p:cNvSpPr>
+          <p:nvPr>
+            <p:ph sz="half" idx="1"/>
+          </p:nvPr>
+        </p:nvSpPr>
+        <p:spPr/>
+        <p:txBody>
+          <a:bodyPr/>
+          <a:lstStyle/>
+          <a:p>
+            <a:r>
+              <a:rPr lang="en-CA" dirty="0" smtClean="0"/>
+              <a:t>Used Model-View-Controller architectural pattern</a:t>
+            </a:r>
+          </a:p>
+          <a:p>
+            <a:endParaRPr lang="en-CA" dirty="0"/>
+          </a:p>
+          <a:p>
+            <a:r>
+              <a:rPr lang="en-CA" dirty="0" smtClean="0"/>
+              <a:t>Controller does..</a:t>
+            </a:r>
+          </a:p>
+          <a:p>
+            <a:r>
+              <a:rPr lang="en-CA" dirty="0" smtClean="0"/>
+              <a:t>Model does …</a:t>
+            </a:r>
+          </a:p>
+          <a:p>
+            <a:r>
+              <a:rPr lang="en-CA" dirty="0" smtClean="0"/>
+              <a:t>View does …</a:t>
+            </a:r>
+            <a:endParaRPr lang="en-CA" dirty="0"/>
+          </a:p>
+        </p:txBody>
+      </p:sp>
+      <p:pic>
+        <p:nvPicPr>
+          <p:cNvPr id="15" name="Content Placeholder 14"/>
+          <p:cNvPicPr>
+            <a:picLocks noGrp="1" noChangeAspect="1"/>
+          </p:cNvPicPr>
+          <p:nvPr>
+            <p:ph sz="half" idx="2"/>
+          </p:nvPr>
+        </p:nvPicPr>
+        <p:blipFill>
+          <a:blip r:embed="rId2">
+            <a:extLst>
+              <a:ext uri="{28A0092B-C50C-407E-A947-70E740481C1C}">
+                <a14:useLocalDpi xmlns:a14="http://schemas.microsoft.com/office/drawing/2010/main" val="0"/>
+              </a:ext>
+            </a:extLst>
+          </a:blip>
+          <a:stretch>
+            <a:fillRect/>
+          </a:stretch>
+        </p:blipFill>
+        <p:spPr>
+          <a:xfrm>
+            <a:off x="6281737" y="1829594"/>
+            <a:ext cx="4962525" cy="4343400"/>
+          </a:xfrm>
+        </p:spPr>
+      </p:pic>
+    </p:spTree>
+    <p:extLst>
+      <p:ext uri="{BB962C8B-B14F-4D97-AF65-F5344CB8AC3E}">
+        <p14:creationId xmlns:p14="http://schemas.microsoft.com/office/powerpoint/2010/main" val="1583646386"/>
+      </p:ext>
+    </p:extLst>
+  </p:cSld>
+  <p:clrMapOvr>
+    <a:masterClrMapping/>
+  </p:clrMapOvr>
+</p:sld>
+</file>
+
+<file path=ppt/slides/slide15.xml><?xml version="1.0" encoding="utf-8"?>
+<p:sld xmlns:a="http://schemas.openxmlformats.org/drawingml/2006/main" xmlns:r="http://schemas.openxmlformats.org/officeDocument/2006/relationships" xmlns:p="http://schemas.openxmlformats.org/presentationml/2006/main">
+  <p:cSld>
+    <p:spTree>
+      <p:nvGrpSpPr>
+        <p:cNvPr id="1" name=""/>
+        <p:cNvGrpSpPr/>
+        <p:nvPr/>
+      </p:nvGrpSpPr>
+      <p:grpSpPr>
+        <a:xfrm>
+          <a:off x="0" y="0"/>
+          <a:ext cx="0" cy="0"/>
+          <a:chOff x="0" y="0"/>
+          <a:chExt cx="0" cy="0"/>
+        </a:xfrm>
+      </p:grpSpPr>
+      <p:sp>
+        <p:nvSpPr>
+          <p:cNvPr id="4" name="Title 3">
+            <a:extLst>
+              <a:ext uri="{FF2B5EF4-FFF2-40B4-BE49-F238E27FC236}">
+                <a16:creationId xmlns:a16="http://schemas.microsoft.com/office/drawing/2014/main" id="{992C58F3-41FA-4DE0-B3AD-A96025E9AB08}"/>
+              </a:ext>
+            </a:extLst>
+          </p:cNvPr>
+          <p:cNvSpPr>
+            <a:spLocks noGrp="1"/>
+          </p:cNvSpPr>
+          <p:nvPr>
+            <p:ph type="title"/>
+          </p:nvPr>
+        </p:nvSpPr>
+        <p:spPr/>
+        <p:txBody>
+          <a:bodyPr/>
+          <a:lstStyle/>
+          <a:p>
+            <a:r>
+              <a:rPr lang="en-US" dirty="0"/>
+              <a:t>Conclusion</a:t>
+            </a:r>
+          </a:p>
+        </p:txBody>
+      </p:sp>
+      <p:sp>
+        <p:nvSpPr>
+          <p:cNvPr id="5" name="Content Placeholder 4">
+            <a:extLst>
+              <a:ext uri="{FF2B5EF4-FFF2-40B4-BE49-F238E27FC236}">
+                <a16:creationId xmlns:a16="http://schemas.microsoft.com/office/drawing/2014/main" id="{9D0DB766-CE8D-4EF2-9F3F-F70D48871AAF}"/>
+              </a:ext>
+            </a:extLst>
+          </p:cNvPr>
+          <p:cNvSpPr>
+            <a:spLocks noGrp="1"/>
+          </p:cNvSpPr>
+          <p:nvPr>
+            <p:ph idx="1"/>
+          </p:nvPr>
+        </p:nvSpPr>
+        <p:spPr/>
+        <p:txBody>
+          <a:bodyPr/>
+          <a:lstStyle/>
+          <a:p>
+            <a:pPr marL="0" indent="0">
+              <a:buNone/>
+            </a:pPr>
+            <a:r>
+              <a:rPr lang="en-US" dirty="0"/>
+              <a:t>What did we learn?</a:t>
+            </a:r>
+          </a:p>
+          <a:p>
+            <a:endParaRPr lang="en-US" dirty="0"/>
+          </a:p>
+          <a:p>
+            <a:r>
+              <a:rPr lang="en-US" dirty="0"/>
+              <a:t>Communication is key</a:t>
+            </a:r>
+          </a:p>
+          <a:p>
+            <a:endParaRPr lang="en-US" dirty="0"/>
+          </a:p>
+          <a:p>
+            <a:r>
+              <a:rPr lang="en-US" dirty="0"/>
+              <a:t>Work smarter, not harder</a:t>
+            </a:r>
+          </a:p>
+          <a:p>
+            <a:endParaRPr lang="en-US" dirty="0"/>
+          </a:p>
+          <a:p>
+            <a:r>
+              <a:rPr lang="en-US" dirty="0"/>
+              <a:t>…But still work hard</a:t>
+            </a:r>
+          </a:p>
+          <a:p>
+            <a:endParaRPr lang="en-US" dirty="0"/>
+          </a:p>
+          <a:p>
+            <a:endParaRPr lang="en-US" dirty="0"/>
+          </a:p>
+        </p:txBody>
+      </p:sp>
+    </p:spTree>
+    <p:extLst>
+      <p:ext uri="{BB962C8B-B14F-4D97-AF65-F5344CB8AC3E}">
+        <p14:creationId xmlns:p14="http://schemas.microsoft.com/office/powerpoint/2010/main" val="821991651"/>
+      </p:ext>
+    </p:extLst>
+  </p:cSld>
+  <p:clrMapOvr>
+    <a:masterClrMapping/>
+  </p:clrMapOvr>
+</p:sld>
+</file>
+
+<file path=ppt/slides/slide2.xml><?xml version="1.0" encoding="utf-8"?>
+<p:sld xmlns:a="http://schemas.openxmlformats.org/drawingml/2006/main" xmlns:r="http://schemas.openxmlformats.org/officeDocument/2006/relationships" xmlns:p="http://schemas.openxmlformats.org/presentationml/2006/main">
+  <p:cSld>
+    <p:spTree>
+      <p:nvGrpSpPr>
+        <p:cNvPr id="1" name=""/>
+        <p:cNvGrpSpPr/>
+        <p:nvPr/>
+      </p:nvGrpSpPr>
+      <p:grpSpPr>
+        <a:xfrm>
+          <a:off x="0" y="0"/>
+          <a:ext cx="0" cy="0"/>
+          <a:chOff x="0" y="0"/>
+          <a:chExt cx="0" cy="0"/>
+        </a:xfrm>
+      </p:grpSpPr>
+      <p:sp>
+        <p:nvSpPr>
+          <p:cNvPr id="2" name="Title 1"/>
+          <p:cNvSpPr>
+            <a:spLocks noGrp="1"/>
+          </p:cNvSpPr>
+          <p:nvPr>
+            <p:ph type="title"/>
+          </p:nvPr>
+        </p:nvSpPr>
+        <p:spPr/>
+        <p:txBody>
+          <a:bodyPr/>
+          <a:lstStyle/>
+          <a:p>
+            <a:r>
+              <a:rPr lang="en-CA" dirty="0" smtClean="0"/>
+              <a:t>Overview</a:t>
+            </a:r>
+            <a:endParaRPr lang="en-CA" dirty="0"/>
+          </a:p>
+        </p:txBody>
+      </p:sp>
+      <p:sp>
+        <p:nvSpPr>
+          <p:cNvPr id="3" name="Text Placeholder 2"/>
+          <p:cNvSpPr>
+            <a:spLocks noGrp="1"/>
+          </p:cNvSpPr>
+          <p:nvPr>
+            <p:ph type="body" idx="1"/>
+          </p:nvPr>
+        </p:nvSpPr>
+        <p:spPr/>
+        <p:txBody>
+          <a:bodyPr/>
+          <a:lstStyle/>
+          <a:p>
+            <a:endParaRPr lang="en-CA"/>
+          </a:p>
+        </p:txBody>
+      </p:sp>
+    </p:spTree>
+    <p:extLst>
+      <p:ext uri="{BB962C8B-B14F-4D97-AF65-F5344CB8AC3E}">
+        <p14:creationId xmlns:p14="http://schemas.microsoft.com/office/powerpoint/2010/main" val="1570156828"/>
+      </p:ext>
+    </p:extLst>
+  </p:cSld>
+  <p:clrMapOvr>
+    <a:masterClrMapping/>
+  </p:clrMapOvr>
+</p:sld>
+</file>
+
+<file path=ppt/slides/slide3.xml><?xml version="1.0" encoding="utf-8"?>
+<p:sld xmlns:a="http://schemas.openxmlformats.org/drawingml/2006/main" xmlns:r="http://schemas.openxmlformats.org/officeDocument/2006/relationships" xmlns:p="http://schemas.openxmlformats.org/presentationml/2006/main">
+  <p:cSld>
+    <p:spTree>
+      <p:nvGrpSpPr>
+        <p:cNvPr id="1" name=""/>
+        <p:cNvGrpSpPr/>
+        <p:nvPr/>
+      </p:nvGrpSpPr>
+      <p:grpSpPr>
+        <a:xfrm>
+          <a:off x="0" y="0"/>
+          <a:ext cx="0" cy="0"/>
+          <a:chOff x="0" y="0"/>
+          <a:chExt cx="0" cy="0"/>
+        </a:xfrm>
+      </p:grpSpPr>
+      <p:sp>
+        <p:nvSpPr>
+          <p:cNvPr id="14" name="Title 13">
+            <a:extLst>
+              <a:ext uri="{FF2B5EF4-FFF2-40B4-BE49-F238E27FC236}">
+                <a16:creationId xmlns:a16="http://schemas.microsoft.com/office/drawing/2014/main" id="{44F86584-8242-4402-899E-2AAFCE7A7CD7}"/>
+              </a:ext>
+            </a:extLst>
+          </p:cNvPr>
+          <p:cNvSpPr>
+            <a:spLocks noGrp="1"/>
+          </p:cNvSpPr>
+          <p:nvPr>
+            <p:ph type="title"/>
+          </p:nvPr>
+        </p:nvSpPr>
+        <p:spPr/>
+        <p:txBody>
+          <a:bodyPr/>
+          <a:lstStyle/>
+          <a:p>
+            <a:r>
+              <a:rPr lang="en-US" dirty="0"/>
+              <a:t>Definition</a:t>
+            </a:r>
+          </a:p>
+        </p:txBody>
+      </p:sp>
+      <p:sp>
+        <p:nvSpPr>
+          <p:cNvPr id="15" name="Content Placeholder 14">
+            <a:extLst>
+              <a:ext uri="{FF2B5EF4-FFF2-40B4-BE49-F238E27FC236}">
+                <a16:creationId xmlns:a16="http://schemas.microsoft.com/office/drawing/2014/main" id="{C4EDBEE6-3B7E-4F63-95B1-A79193E4D065}"/>
+              </a:ext>
+            </a:extLst>
+          </p:cNvPr>
+          <p:cNvSpPr>
+            <a:spLocks noGrp="1"/>
+          </p:cNvSpPr>
+          <p:nvPr>
+            <p:ph idx="1"/>
+          </p:nvPr>
+        </p:nvSpPr>
+        <p:spPr/>
+        <p:txBody>
+          <a:bodyPr/>
+          <a:lstStyle/>
+          <a:p>
+            <a:r>
+              <a:rPr lang="en-US" dirty="0"/>
+              <a:t>Point of Sales (POS) describes the moment when a merchant accepts payment in exchange for goods</a:t>
+            </a:r>
+          </a:p>
+          <a:p>
+            <a:r>
+              <a:rPr lang="en-US" dirty="0"/>
+              <a:t>POS system handles this transaction</a:t>
+            </a:r>
+          </a:p>
+          <a:p>
+            <a:endParaRPr lang="en-US" dirty="0"/>
+          </a:p>
+          <a:p>
+            <a:r>
+              <a:rPr lang="en-US" dirty="0"/>
+              <a:t>Ex. Customer pays cashier for goods</a:t>
+            </a:r>
+          </a:p>
+          <a:p>
+            <a:r>
+              <a:rPr lang="en-US" dirty="0"/>
+              <a:t>Ex. You make an online order from Amazon</a:t>
+            </a:r>
+          </a:p>
+        </p:txBody>
+      </p:sp>
+    </p:spTree>
+    <p:extLst>
+      <p:ext uri="{BB962C8B-B14F-4D97-AF65-F5344CB8AC3E}">
+        <p14:creationId xmlns:p14="http://schemas.microsoft.com/office/powerpoint/2010/main" val="284766052"/>
+      </p:ext>
+    </p:extLst>
+  </p:cSld>
+  <p:clrMapOvr>
+    <a:masterClrMapping/>
+  </p:clrMapOvr>
+</p:sld>
+</file>
+
+<file path=ppt/slides/slide4.xml><?xml version="1.0" encoding="utf-8"?>
+<p:sld xmlns:a="http://schemas.openxmlformats.org/drawingml/2006/main" xmlns:r="http://schemas.openxmlformats.org/officeDocument/2006/relationships" xmlns:p="http://schemas.openxmlformats.org/presentationml/2006/main">
+  <p:cSld>
+    <p:spTree>
+      <p:nvGrpSpPr>
+        <p:cNvPr id="1" name=""/>
+        <p:cNvGrpSpPr/>
+        <p:nvPr/>
+      </p:nvGrpSpPr>
+      <p:grpSpPr>
+        <a:xfrm>
+          <a:off x="0" y="0"/>
+          <a:ext cx="0" cy="0"/>
+          <a:chOff x="0" y="0"/>
+          <a:chExt cx="0" cy="0"/>
+        </a:xfrm>
+      </p:grpSpPr>
+      <p:sp>
+        <p:nvSpPr>
+          <p:cNvPr id="2" name="Title 1">
+            <a:extLst>
+              <a:ext uri="{FF2B5EF4-FFF2-40B4-BE49-F238E27FC236}">
+                <a16:creationId xmlns:a16="http://schemas.microsoft.com/office/drawing/2014/main" id="{12EF135D-9544-48E4-8437-0050ADB494A6}"/>
+              </a:ext>
+            </a:extLst>
+          </p:cNvPr>
+          <p:cNvSpPr>
+            <a:spLocks noGrp="1"/>
+          </p:cNvSpPr>
+          <p:nvPr>
+            <p:ph type="title"/>
+          </p:nvPr>
+        </p:nvSpPr>
+        <p:spPr/>
+        <p:txBody>
+          <a:bodyPr/>
+          <a:lstStyle/>
+          <a:p>
+            <a:r>
+              <a:rPr lang="en-US" dirty="0"/>
+              <a:t>Our System</a:t>
+            </a:r>
+          </a:p>
+        </p:txBody>
+      </p:sp>
+      <p:sp>
+        <p:nvSpPr>
+          <p:cNvPr id="3" name="Content Placeholder 2">
+            <a:extLst>
+              <a:ext uri="{FF2B5EF4-FFF2-40B4-BE49-F238E27FC236}">
+                <a16:creationId xmlns:a16="http://schemas.microsoft.com/office/drawing/2014/main" id="{86D09454-7923-4B65-B5B6-107AF36D50B0}"/>
+              </a:ext>
+            </a:extLst>
+          </p:cNvPr>
+          <p:cNvSpPr>
+            <a:spLocks noGrp="1"/>
+          </p:cNvSpPr>
+          <p:nvPr>
+            <p:ph idx="1"/>
+          </p:nvPr>
+        </p:nvSpPr>
+        <p:spPr/>
+        <p:txBody>
+          <a:bodyPr/>
+          <a:lstStyle/>
+          <a:p>
+            <a:r>
+              <a:rPr lang="en-US" dirty="0"/>
+              <a:t>Created a </a:t>
+            </a:r>
+            <a:r>
+              <a:rPr lang="en-US" i="1" dirty="0"/>
+              <a:t>general</a:t>
+            </a:r>
+            <a:r>
+              <a:rPr lang="en-US" dirty="0"/>
+              <a:t> POS system used in a store where barcodes are not used</a:t>
+            </a:r>
+          </a:p>
+          <a:p>
+            <a:endParaRPr lang="en-US" dirty="0"/>
+          </a:p>
+          <a:p>
+            <a:r>
+              <a:rPr lang="en-US" dirty="0"/>
+              <a:t>Instead, cashier takes order by selecting item from list</a:t>
+            </a:r>
+          </a:p>
+          <a:p>
+            <a:endParaRPr lang="en-US" dirty="0"/>
+          </a:p>
+          <a:p>
+            <a:r>
+              <a:rPr lang="en-US" dirty="0"/>
+              <a:t>Ex. Tim Hortons, </a:t>
+            </a:r>
+            <a:r>
+              <a:rPr lang="en-US" dirty="0" smtClean="0"/>
+              <a:t>Movie Theaters</a:t>
+            </a:r>
+            <a:endParaRPr lang="en-US" dirty="0"/>
+          </a:p>
+        </p:txBody>
+      </p:sp>
+    </p:spTree>
+    <p:extLst>
+      <p:ext uri="{BB962C8B-B14F-4D97-AF65-F5344CB8AC3E}">
+        <p14:creationId xmlns:p14="http://schemas.microsoft.com/office/powerpoint/2010/main" val="3456466334"/>
+      </p:ext>
+    </p:extLst>
+  </p:cSld>
+  <p:clrMapOvr>
+    <a:masterClrMapping/>
+  </p:clrMapOvr>
+</p:sld>
+</file>
+
+<file path=ppt/slides/slide5.xml><?xml version="1.0" encoding="utf-8"?>
+<p:sld xmlns:a="http://schemas.openxmlformats.org/drawingml/2006/main" xmlns:r="http://schemas.openxmlformats.org/officeDocument/2006/relationships" xmlns:p="http://schemas.openxmlformats.org/presentationml/2006/main">
+  <p:cSld>
+    <p:spTree>
+      <p:nvGrpSpPr>
+        <p:cNvPr id="1" name=""/>
+        <p:cNvGrpSpPr/>
+        <p:nvPr/>
+      </p:nvGrpSpPr>
+      <p:grpSpPr>
+        <a:xfrm>
+          <a:off x="0" y="0"/>
+          <a:ext cx="0" cy="0"/>
+          <a:chOff x="0" y="0"/>
+          <a:chExt cx="0" cy="0"/>
+        </a:xfrm>
+      </p:grpSpPr>
+      <p:sp>
+        <p:nvSpPr>
+          <p:cNvPr id="2" name="Title 1">
+            <a:extLst>
+              <a:ext uri="{FF2B5EF4-FFF2-40B4-BE49-F238E27FC236}">
+                <a16:creationId xmlns:a16="http://schemas.microsoft.com/office/drawing/2014/main" id="{5536EA74-B60F-4D41-B7F0-67C4CAF9D521}"/>
+              </a:ext>
+            </a:extLst>
+          </p:cNvPr>
+          <p:cNvSpPr>
+            <a:spLocks noGrp="1"/>
+          </p:cNvSpPr>
+          <p:nvPr>
+            <p:ph type="title"/>
+          </p:nvPr>
+        </p:nvSpPr>
+        <p:spPr/>
+        <p:txBody>
+          <a:bodyPr/>
+          <a:lstStyle/>
+          <a:p>
+            <a:r>
+              <a:rPr lang="en-US" dirty="0"/>
+              <a:t>Users</a:t>
+            </a:r>
+          </a:p>
+        </p:txBody>
+      </p:sp>
+      <p:sp>
+        <p:nvSpPr>
+          <p:cNvPr id="6" name="Text Placeholder 5">
+            <a:extLst>
+              <a:ext uri="{FF2B5EF4-FFF2-40B4-BE49-F238E27FC236}">
+                <a16:creationId xmlns:a16="http://schemas.microsoft.com/office/drawing/2014/main" id="{E6C21443-513C-4C14-84D2-60D9FFEA9A15}"/>
+              </a:ext>
+            </a:extLst>
+          </p:cNvPr>
+          <p:cNvSpPr>
+            <a:spLocks noGrp="1"/>
+          </p:cNvSpPr>
+          <p:nvPr>
+            <p:ph type="body" idx="1"/>
+          </p:nvPr>
+        </p:nvSpPr>
+        <p:spPr/>
+        <p:txBody>
+          <a:bodyPr/>
+          <a:lstStyle/>
+          <a:p>
+            <a:r>
+              <a:rPr lang="en-US" dirty="0"/>
+              <a:t>Cashier</a:t>
+            </a:r>
+          </a:p>
+        </p:txBody>
+      </p:sp>
+      <p:sp>
+        <p:nvSpPr>
+          <p:cNvPr id="3" name="Content Placeholder 2">
+            <a:extLst>
+              <a:ext uri="{FF2B5EF4-FFF2-40B4-BE49-F238E27FC236}">
+                <a16:creationId xmlns:a16="http://schemas.microsoft.com/office/drawing/2014/main" id="{14319B50-BCE7-417A-BC96-CDE699506ADD}"/>
+              </a:ext>
+            </a:extLst>
+          </p:cNvPr>
+          <p:cNvSpPr>
+            <a:spLocks noGrp="1"/>
+          </p:cNvSpPr>
+          <p:nvPr>
+            <p:ph sz="half" idx="2"/>
+          </p:nvPr>
+        </p:nvSpPr>
+        <p:spPr/>
+        <p:txBody>
+          <a:bodyPr/>
+          <a:lstStyle/>
+          <a:p>
+            <a:pPr marL="0" indent="0">
+              <a:buNone/>
+            </a:pPr>
+            <a:endParaRPr lang="en-US" dirty="0"/>
+          </a:p>
+          <a:p>
+            <a:r>
+              <a:rPr lang="en-US" dirty="0"/>
+              <a:t>Starts a new transaction </a:t>
+            </a:r>
+          </a:p>
+          <a:p>
+            <a:r>
+              <a:rPr lang="en-US" dirty="0"/>
+              <a:t>Adds/removes items from customer’s “virtual cart”</a:t>
+            </a:r>
+          </a:p>
+          <a:p>
+            <a:r>
+              <a:rPr lang="en-US" dirty="0"/>
+              <a:t>Accepts payment to finish transaction</a:t>
+            </a:r>
+          </a:p>
+        </p:txBody>
+      </p:sp>
+      <p:sp>
+        <p:nvSpPr>
+          <p:cNvPr id="7" name="Text Placeholder 6">
+            <a:extLst>
+              <a:ext uri="{FF2B5EF4-FFF2-40B4-BE49-F238E27FC236}">
+                <a16:creationId xmlns:a16="http://schemas.microsoft.com/office/drawing/2014/main" id="{1AA33A14-4CD9-4075-A791-9B103CC737A9}"/>
+              </a:ext>
+            </a:extLst>
+          </p:cNvPr>
+          <p:cNvSpPr>
+            <a:spLocks noGrp="1"/>
+          </p:cNvSpPr>
+          <p:nvPr>
+            <p:ph type="body" sz="quarter" idx="3"/>
+          </p:nvPr>
+        </p:nvSpPr>
+        <p:spPr/>
+        <p:txBody>
+          <a:bodyPr/>
+          <a:lstStyle/>
+          <a:p>
+            <a:r>
+              <a:rPr lang="en-US" dirty="0"/>
+              <a:t>Manager</a:t>
+            </a:r>
+          </a:p>
+        </p:txBody>
+      </p:sp>
+      <p:sp>
+        <p:nvSpPr>
+          <p:cNvPr id="8" name="Content Placeholder 7">
+            <a:extLst>
+              <a:ext uri="{FF2B5EF4-FFF2-40B4-BE49-F238E27FC236}">
+                <a16:creationId xmlns:a16="http://schemas.microsoft.com/office/drawing/2014/main" id="{518B4174-68C6-4BEA-A070-3E7FC2DD64A1}"/>
+              </a:ext>
+            </a:extLst>
+          </p:cNvPr>
+          <p:cNvSpPr>
+            <a:spLocks noGrp="1"/>
+          </p:cNvSpPr>
+          <p:nvPr>
+            <p:ph sz="quarter" idx="4"/>
+          </p:nvPr>
+        </p:nvSpPr>
+        <p:spPr/>
+        <p:txBody>
+          <a:bodyPr/>
+          <a:lstStyle/>
+          <a:p>
+            <a:r>
+              <a:rPr lang="en-US" dirty="0"/>
+              <a:t>Adds/removes cashiers that can login</a:t>
+            </a:r>
+          </a:p>
+          <a:p>
+            <a:r>
+              <a:rPr lang="en-US" dirty="0"/>
+              <a:t>Change list of goods offered by store</a:t>
+            </a:r>
+          </a:p>
+          <a:p>
+            <a:r>
+              <a:rPr lang="en-US" dirty="0"/>
+              <a:t>…</a:t>
+            </a:r>
+          </a:p>
+          <a:p>
+            <a:r>
+              <a:rPr lang="en-US" dirty="0"/>
+              <a:t>Supervises?</a:t>
+            </a:r>
+          </a:p>
+        </p:txBody>
+      </p:sp>
+    </p:spTree>
+    <p:extLst>
+      <p:ext uri="{BB962C8B-B14F-4D97-AF65-F5344CB8AC3E}">
+        <p14:creationId xmlns:p14="http://schemas.microsoft.com/office/powerpoint/2010/main" val="114767895"/>
+      </p:ext>
+    </p:extLst>
+  </p:cSld>
+  <p:clrMapOvr>
+    <a:masterClrMapping/>
+  </p:clrMapOvr>
+</p:sld>
+</file>
+
+<file path=ppt/slides/slide6.xml><?xml version="1.0" encoding="utf-8"?>
+<p:sld xmlns:a="http://schemas.openxmlformats.org/drawingml/2006/main" xmlns:r="http://schemas.openxmlformats.org/officeDocument/2006/relationships" xmlns:p="http://schemas.openxmlformats.org/presentationml/2006/main">
+  <p:cSld>
+    <p:spTree>
+      <p:nvGrpSpPr>
+        <p:cNvPr id="1" name=""/>
+        <p:cNvGrpSpPr/>
+        <p:nvPr/>
+      </p:nvGrpSpPr>
+      <p:grpSpPr>
+        <a:xfrm>
+          <a:off x="0" y="0"/>
+          <a:ext cx="0" cy="0"/>
+          <a:chOff x="0" y="0"/>
+          <a:chExt cx="0" cy="0"/>
+        </a:xfrm>
+      </p:grpSpPr>
+      <p:sp>
+        <p:nvSpPr>
+          <p:cNvPr id="4" name="Title 3"/>
+          <p:cNvSpPr>
+            <a:spLocks noGrp="1"/>
+          </p:cNvSpPr>
+          <p:nvPr>
+            <p:ph type="title"/>
+          </p:nvPr>
+        </p:nvSpPr>
+        <p:spPr/>
+        <p:txBody>
+          <a:bodyPr/>
+          <a:lstStyle/>
+          <a:p>
+            <a:r>
+              <a:rPr lang="en-CA" dirty="0" smtClean="0"/>
+              <a:t>Use Case Diagram</a:t>
+            </a:r>
+            <a:endParaRPr lang="en-CA" dirty="0"/>
+          </a:p>
+        </p:txBody>
+      </p:sp>
+      <p:sp>
+        <p:nvSpPr>
+          <p:cNvPr id="5" name="Content Placeholder 4"/>
+          <p:cNvSpPr>
+            <a:spLocks noGrp="1"/>
+          </p:cNvSpPr>
+          <p:nvPr>
+            <p:ph sz="half" idx="1"/>
+          </p:nvPr>
+        </p:nvSpPr>
+        <p:spPr/>
+        <p:txBody>
+          <a:bodyPr/>
+          <a:lstStyle/>
+          <a:p>
+            <a:r>
+              <a:rPr lang="en-CA" dirty="0" smtClean="0"/>
+              <a:t>Shows essential use cases for cashier and manager</a:t>
+            </a:r>
+            <a:endParaRPr lang="en-CA" dirty="0"/>
+          </a:p>
+        </p:txBody>
+      </p:sp>
+      <p:pic>
+        <p:nvPicPr>
+          <p:cNvPr id="1026" name="Picture 2" descr="https://lh6.googleusercontent.com/EBasbrb2YlriKbbnkKuxf3vvU-yNnF_t_r5217MPZEVQhj0G2Gy-JZ9niIPXR4fhXjvrYz5kZNrKQwtjzZHOzdWViTX9pUQYTSB75YAyeai3y12ACADUxYe0-rlThCeW6A"/>
+          <p:cNvPicPr>
+            <a:picLocks noGrp="1" noChangeAspect="1" noChangeArrowheads="1"/>
+          </p:cNvPicPr>
+          <p:nvPr>
+            <p:ph sz="half" idx="2"/>
+          </p:nvPr>
+        </p:nvPicPr>
+        <p:blipFill>
+          <a:blip r:embed="rId2">
+            <a:extLst>
+              <a:ext uri="{28A0092B-C50C-407E-A947-70E740481C1C}">
+                <a14:useLocalDpi xmlns:a14="http://schemas.microsoft.com/office/drawing/2010/main" val="0"/>
+              </a:ext>
+            </a:extLst>
+          </a:blip>
+          <a:stretch>
+            <a:fillRect/>
+          </a:stretch>
+        </p:blipFill>
+        <p:spPr bwMode="auto">
+          <a:xfrm>
+            <a:off x="6329994" y="1825625"/>
+            <a:ext cx="4866012" cy="4351338"/>
+          </a:xfrm>
+          <a:prstGeom prst="rect">
+            <a:avLst/>
+          </a:prstGeom>
+          <a:noFill/>
+          <a:extLst>
+            <a:ext uri="{909E8E84-426E-40DD-AFC4-6F175D3DCCD1}">
+              <a14:hiddenFill xmlns:a14="http://schemas.microsoft.com/office/drawing/2010/main">
+                <a:solidFill>
+                  <a:srgbClr val="FFFFFF"/>
+                </a:solidFill>
+              </a14:hiddenFill>
+            </a:ext>
+          </a:extLst>
+        </p:spPr>
+      </p:pic>
+    </p:spTree>
+    <p:extLst>
+      <p:ext uri="{BB962C8B-B14F-4D97-AF65-F5344CB8AC3E}">
+        <p14:creationId xmlns:p14="http://schemas.microsoft.com/office/powerpoint/2010/main" val="2594412146"/>
+      </p:ext>
+    </p:extLst>
+  </p:cSld>
+  <p:clrMapOvr>
+    <a:masterClrMapping/>
+  </p:clrMapOvr>
+</p:sld>
+</file>
+
+<file path=ppt/slides/slide7.xml><?xml version="1.0" encoding="utf-8"?>
+<p:sld xmlns:a="http://schemas.openxmlformats.org/drawingml/2006/main" xmlns:r="http://schemas.openxmlformats.org/officeDocument/2006/relationships" xmlns:p="http://schemas.openxmlformats.org/presentationml/2006/main">
+  <p:cSld>
+    <p:spTree>
+      <p:nvGrpSpPr>
+        <p:cNvPr id="1" name=""/>
+        <p:cNvGrpSpPr/>
+        <p:nvPr/>
+      </p:nvGrpSpPr>
+      <p:grpSpPr>
+        <a:xfrm>
+          <a:off x="0" y="0"/>
+          <a:ext cx="0" cy="0"/>
+          <a:chOff x="0" y="0"/>
+          <a:chExt cx="0" cy="0"/>
+        </a:xfrm>
+      </p:grpSpPr>
+      <p:sp>
+        <p:nvSpPr>
+          <p:cNvPr id="4" name="Title 3">
+            <a:extLst>
+              <a:ext uri="{FF2B5EF4-FFF2-40B4-BE49-F238E27FC236}">
+                <a16:creationId xmlns:a16="http://schemas.microsoft.com/office/drawing/2014/main" id="{58ADE175-160B-4848-AA99-8AC008E51001}"/>
+              </a:ext>
+            </a:extLst>
+          </p:cNvPr>
+          <p:cNvSpPr>
+            <a:spLocks noGrp="1"/>
+          </p:cNvSpPr>
+          <p:nvPr>
+            <p:ph type="title"/>
+          </p:nvPr>
+        </p:nvSpPr>
+        <p:spPr/>
+        <p:txBody>
+          <a:bodyPr/>
+          <a:lstStyle/>
+          <a:p>
+            <a:r>
+              <a:rPr lang="en-US" dirty="0"/>
+              <a:t>User’s Perspective</a:t>
+            </a:r>
+          </a:p>
+        </p:txBody>
+      </p:sp>
+      <p:sp>
+        <p:nvSpPr>
+          <p:cNvPr id="6" name="Content Placeholder 5">
+            <a:extLst>
+              <a:ext uri="{FF2B5EF4-FFF2-40B4-BE49-F238E27FC236}">
+                <a16:creationId xmlns:a16="http://schemas.microsoft.com/office/drawing/2014/main" id="{485ED300-0941-426D-9E24-71ABA70D4081}"/>
+              </a:ext>
+            </a:extLst>
+          </p:cNvPr>
+          <p:cNvSpPr>
+            <a:spLocks noGrp="1"/>
+          </p:cNvSpPr>
+          <p:nvPr>
+            <p:ph sz="half" idx="1"/>
+          </p:nvPr>
+        </p:nvSpPr>
+        <p:spPr/>
+        <p:txBody>
+          <a:bodyPr/>
+          <a:lstStyle/>
+          <a:p>
+            <a:r>
+              <a:rPr lang="en-US" dirty="0"/>
+              <a:t>Show Login </a:t>
+            </a:r>
+            <a:r>
+              <a:rPr lang="en-US" dirty="0" smtClean="0"/>
+              <a:t>screen</a:t>
+            </a:r>
+          </a:p>
+          <a:p>
+            <a:endParaRPr lang="en-US" dirty="0"/>
+          </a:p>
+          <a:p>
+            <a:endParaRPr lang="en-US" dirty="0" smtClean="0"/>
+          </a:p>
+          <a:p>
+            <a:pPr marL="0" indent="0">
+              <a:buNone/>
+            </a:pPr>
+            <a:endParaRPr lang="en-US" dirty="0"/>
+          </a:p>
+          <a:p>
+            <a:pPr marL="0" indent="0">
+              <a:buNone/>
+            </a:pPr>
+            <a:endParaRPr lang="en-US" dirty="0"/>
+          </a:p>
+        </p:txBody>
+      </p:sp>
+      <p:sp>
+        <p:nvSpPr>
+          <p:cNvPr id="7" name="Content Placeholder 6">
+            <a:extLst>
+              <a:ext uri="{FF2B5EF4-FFF2-40B4-BE49-F238E27FC236}">
+                <a16:creationId xmlns:a16="http://schemas.microsoft.com/office/drawing/2014/main" id="{F41EB565-6B4D-4B50-AA95-F91194E962FD}"/>
+              </a:ext>
+            </a:extLst>
+          </p:cNvPr>
+          <p:cNvSpPr>
+            <a:spLocks noGrp="1"/>
+          </p:cNvSpPr>
+          <p:nvPr>
+            <p:ph sz="half" idx="2"/>
+          </p:nvPr>
+        </p:nvSpPr>
+        <p:spPr/>
+        <p:txBody>
+          <a:bodyPr/>
+          <a:lstStyle/>
+          <a:p>
+            <a:r>
+              <a:rPr lang="en-US" dirty="0" smtClean="0"/>
+              <a:t>User provides their ID and password and selects Login</a:t>
+            </a:r>
+          </a:p>
+          <a:p>
+            <a:r>
+              <a:rPr lang="en-US" dirty="0" smtClean="0"/>
+              <a:t>Manager selects</a:t>
+            </a:r>
+          </a:p>
+          <a:p>
+            <a:r>
+              <a:rPr lang="en-US" dirty="0" smtClean="0"/>
+              <a:t>Only users with the correct credentials are allowed past this screen</a:t>
+            </a:r>
+            <a:endParaRPr lang="en-US" dirty="0" smtClean="0"/>
+          </a:p>
+          <a:p>
+            <a:endParaRPr lang="en-US" dirty="0"/>
+          </a:p>
+        </p:txBody>
+      </p:sp>
+      <p:pic>
+        <p:nvPicPr>
+          <p:cNvPr id="2" name="Picture 1"/>
+          <p:cNvPicPr>
+            <a:picLocks noChangeAspect="1"/>
+          </p:cNvPicPr>
+          <p:nvPr/>
+        </p:nvPicPr>
+        <p:blipFill>
+          <a:blip r:embed="rId3">
+            <a:extLst>
+              <a:ext uri="{28A0092B-C50C-407E-A947-70E740481C1C}">
+                <a14:useLocalDpi xmlns:a14="http://schemas.microsoft.com/office/drawing/2010/main" val="0"/>
+              </a:ext>
+            </a:extLst>
+          </a:blip>
+          <a:stretch>
+            <a:fillRect/>
+          </a:stretch>
+        </p:blipFill>
+        <p:spPr>
+          <a:xfrm>
+            <a:off x="838200" y="2357438"/>
+            <a:ext cx="5195126" cy="3819525"/>
+          </a:xfrm>
+          <a:prstGeom prst="rect">
+            <a:avLst/>
+          </a:prstGeom>
+        </p:spPr>
+      </p:pic>
+    </p:spTree>
+    <p:extLst>
+      <p:ext uri="{BB962C8B-B14F-4D97-AF65-F5344CB8AC3E}">
+        <p14:creationId xmlns:p14="http://schemas.microsoft.com/office/powerpoint/2010/main" val="3238395273"/>
+      </p:ext>
+    </p:extLst>
+  </p:cSld>
+  <p:clrMapOvr>
+    <a:masterClrMapping/>
+  </p:clrMapOvr>
+</p:sld>
+</file>
+
+<file path=ppt/slides/slide8.xml><?xml version="1.0" encoding="utf-8"?>
+<p:sld xmlns:a="http://schemas.openxmlformats.org/drawingml/2006/main" xmlns:r="http://schemas.openxmlformats.org/officeDocument/2006/relationships" xmlns:p="http://schemas.openxmlformats.org/presentationml/2006/main">
+  <p:cSld>
+    <p:spTree>
+      <p:nvGrpSpPr>
+        <p:cNvPr id="1" name=""/>
+        <p:cNvGrpSpPr/>
+        <p:nvPr/>
+      </p:nvGrpSpPr>
+      <p:grpSpPr>
+        <a:xfrm>
+          <a:off x="0" y="0"/>
+          <a:ext cx="0" cy="0"/>
+          <a:chOff x="0" y="0"/>
+          <a:chExt cx="0" cy="0"/>
+        </a:xfrm>
+      </p:grpSpPr>
+      <p:sp>
+        <p:nvSpPr>
+          <p:cNvPr id="7" name="Title 6">
+            <a:extLst>
+              <a:ext uri="{FF2B5EF4-FFF2-40B4-BE49-F238E27FC236}">
+                <a16:creationId xmlns:a16="http://schemas.microsoft.com/office/drawing/2014/main" id="{03D3DDB0-CE5B-4183-9F02-7A614A6C7087}"/>
+              </a:ext>
+            </a:extLst>
+          </p:cNvPr>
+          <p:cNvSpPr>
+            <a:spLocks noGrp="1"/>
+          </p:cNvSpPr>
+          <p:nvPr>
+            <p:ph type="title"/>
+          </p:nvPr>
+        </p:nvSpPr>
+        <p:spPr/>
+        <p:txBody>
+          <a:bodyPr/>
+          <a:lstStyle/>
+          <a:p>
+            <a:r>
+              <a:rPr lang="en-US" dirty="0"/>
+              <a:t>User’s Perspective Cont.</a:t>
+            </a:r>
+          </a:p>
+        </p:txBody>
+      </p:sp>
+      <p:pic>
+        <p:nvPicPr>
+          <p:cNvPr id="1026" name="Picture 2" descr="https://docs.google.com/drawings/d/scAA0f5HRojiHburaqXWDRSFE/image?w=624&amp;h=468&amp;rev=376&amp;ac=1&amp;parent=1q8mHRy3iaiONjA9iy4fCQ7dNlG8ymQcEBrMDMlYVx0s">
+            <a:extLst>
+              <a:ext uri="{FF2B5EF4-FFF2-40B4-BE49-F238E27FC236}">
+                <a16:creationId xmlns:a16="http://schemas.microsoft.com/office/drawing/2014/main" id="{C7C959B8-E46E-4DED-94E1-A2FCC42B32A5}"/>
+              </a:ext>
+            </a:extLst>
+          </p:cNvPr>
+          <p:cNvPicPr>
+            <a:picLocks noGrp="1" noChangeAspect="1" noChangeArrowheads="1"/>
+          </p:cNvPicPr>
+          <p:nvPr>
+            <p:ph sz="half" idx="1"/>
+          </p:nvPr>
+        </p:nvPicPr>
+        <p:blipFill>
+          <a:blip r:embed="rId3">
+            <a:extLst>
+              <a:ext uri="{28A0092B-C50C-407E-A947-70E740481C1C}">
+                <a14:useLocalDpi xmlns:a14="http://schemas.microsoft.com/office/drawing/2010/main" val="0"/>
+              </a:ext>
+            </a:extLst>
+          </a:blip>
+          <a:stretch>
+            <a:fillRect/>
+          </a:stretch>
+        </p:blipFill>
+        <p:spPr bwMode="auto">
+          <a:xfrm>
+            <a:off x="838200" y="2058194"/>
+            <a:ext cx="5181600" cy="3886200"/>
+          </a:xfrm>
+          <a:prstGeom prst="rect">
+            <a:avLst/>
+          </a:prstGeom>
+          <a:noFill/>
+          <a:extLst>
+            <a:ext uri="{909E8E84-426E-40DD-AFC4-6F175D3DCCD1}">
+              <a14:hiddenFill xmlns:a14="http://schemas.microsoft.com/office/drawing/2010/main">
+                <a:solidFill>
+                  <a:srgbClr val="FFFFFF"/>
+                </a:solidFill>
+              </a14:hiddenFill>
+            </a:ext>
+          </a:extLst>
+        </p:spPr>
+      </p:pic>
+      <p:sp>
+        <p:nvSpPr>
+          <p:cNvPr id="16" name="Content Placeholder 15">
+            <a:extLst>
+              <a:ext uri="{FF2B5EF4-FFF2-40B4-BE49-F238E27FC236}">
+                <a16:creationId xmlns:a16="http://schemas.microsoft.com/office/drawing/2014/main" id="{B258525A-8B0F-4313-8731-C42E11D64F80}"/>
+              </a:ext>
+            </a:extLst>
+          </p:cNvPr>
+          <p:cNvSpPr>
+            <a:spLocks noGrp="1"/>
+          </p:cNvSpPr>
+          <p:nvPr>
+            <p:ph sz="half" idx="2"/>
+          </p:nvPr>
+        </p:nvSpPr>
+        <p:spPr/>
+        <p:txBody>
+          <a:bodyPr/>
+          <a:lstStyle/>
+          <a:p>
+            <a:r>
+              <a:rPr lang="en-US" dirty="0"/>
+              <a:t>Some of what cashier can do…</a:t>
+            </a:r>
+          </a:p>
+          <a:p>
+            <a:pPr lvl="1"/>
+            <a:endParaRPr lang="en-US" dirty="0"/>
+          </a:p>
+          <a:p>
+            <a:pPr lvl="1"/>
+            <a:r>
+              <a:rPr lang="en-US" dirty="0"/>
+              <a:t>Add item by selecting category</a:t>
+            </a:r>
+          </a:p>
+          <a:p>
+            <a:pPr lvl="1"/>
+            <a:r>
+              <a:rPr lang="en-US" dirty="0"/>
+              <a:t>Remove item</a:t>
+            </a:r>
+          </a:p>
+          <a:p>
+            <a:pPr lvl="1"/>
+            <a:r>
+              <a:rPr lang="en-US" dirty="0"/>
+              <a:t>Override price of good</a:t>
+            </a:r>
+          </a:p>
+          <a:p>
+            <a:pPr lvl="1"/>
+            <a:r>
+              <a:rPr lang="en-US" dirty="0"/>
+              <a:t>Save transaction so it can be continued later (</a:t>
+            </a:r>
+            <a:r>
+              <a:rPr lang="en-US" dirty="0" err="1"/>
+              <a:t>ie</a:t>
+            </a:r>
+            <a:r>
+              <a:rPr lang="en-US" dirty="0"/>
+              <a:t>. customer forgets wallet)</a:t>
+            </a:r>
+          </a:p>
+          <a:p>
+            <a:pPr lvl="1"/>
+            <a:r>
+              <a:rPr lang="en-US" dirty="0"/>
+              <a:t>Finalize transaction by taking payment</a:t>
+            </a:r>
+          </a:p>
+          <a:p>
+            <a:pPr marL="457200" lvl="1" indent="0">
+              <a:buNone/>
+            </a:pPr>
+            <a:endParaRPr lang="en-US" dirty="0"/>
+          </a:p>
+        </p:txBody>
+      </p:sp>
+    </p:spTree>
+    <p:extLst>
+      <p:ext uri="{BB962C8B-B14F-4D97-AF65-F5344CB8AC3E}">
+        <p14:creationId xmlns:p14="http://schemas.microsoft.com/office/powerpoint/2010/main" val="1070314347"/>
+      </p:ext>
+    </p:extLst>
+  </p:cSld>
+  <p:clrMapOvr>
+    <a:masterClrMapping/>
+  </p:clrMapOvr>
+</p:sld>
+</file>
+
 <file path=ppt/slides/slide9.xml><?xml version="1.0" encoding="utf-8"?>
 <p:sld xmlns:a="http://schemas.openxmlformats.org/drawingml/2006/main" xmlns:r="http://schemas.openxmlformats.org/officeDocument/2006/relationships" xmlns:p="http://schemas.openxmlformats.org/presentationml/2006/main">
   <p:cSld>
@@ -8423,10 +9042,10 @@
       </p:grpSpPr>
       <p:sp>
         <p:nvSpPr>
-          <p:cNvPr id="4" name="Title 3">
+          <p:cNvPr id="2" name="Title 1">
             <a:extLst>
               <a:ext uri="{FF2B5EF4-FFF2-40B4-BE49-F238E27FC236}">
-                <a16:creationId xmlns:a16="http://schemas.microsoft.com/office/drawing/2014/main" id="{992C58F3-41FA-4DE0-B3AD-A96025E9AB08}"/>
+                <a16:creationId xmlns:a16="http://schemas.microsoft.com/office/drawing/2014/main" id="{8A1E571E-35B6-4FF3-ADE6-065BDE71BF3C}"/>
               </a:ext>
             </a:extLst>
           </p:cNvPr>
@@ -8444,17 +9063,17 @@
           <a:p>
             <a:r>
               <a:rPr lang="en-US" dirty="0"/>
-              <a:t>Conclusion</a:t>
-            </a:r>
-          </a:p>
-        </p:txBody>
-      </p:sp>
-      <p:sp>
-        <p:nvSpPr>
-          <p:cNvPr id="5" name="Content Placeholder 4">
+              <a:t>But wait, there’s more!</a:t>
+            </a:r>
+          </a:p>
+        </p:txBody>
+      </p:sp>
+      <p:sp>
+        <p:nvSpPr>
+          <p:cNvPr id="3" name="Content Placeholder 2">
             <a:extLst>
               <a:ext uri="{FF2B5EF4-FFF2-40B4-BE49-F238E27FC236}">
-                <a16:creationId xmlns:a16="http://schemas.microsoft.com/office/drawing/2014/main" id="{9D0DB766-CE8D-4EF2-9F3F-F70D48871AAF}"/>
+                <a16:creationId xmlns:a16="http://schemas.microsoft.com/office/drawing/2014/main" id="{C7BC2220-5C20-4326-8D24-A88E7516D7D1}"/>
               </a:ext>
             </a:extLst>
           </p:cNvPr>
@@ -8465,58 +9084,108 @@
             <p:ph idx="1"/>
           </p:nvPr>
         </p:nvSpPr>
-        <p:spPr/>
-        <p:txBody>
-          <a:bodyPr/>
+        <p:spPr>
+          <a:xfrm>
+            <a:off x="838200" y="1825626"/>
+            <a:ext cx="10515600" cy="3341178"/>
+          </a:xfrm>
+        </p:spPr>
+        <p:txBody>
+          <a:bodyPr>
+            <a:normAutofit/>
+          </a:bodyPr>
           <a:lstStyle/>
           <a:p>
-            <a:pPr marL="0" indent="0">
+            <a:r>
+              <a:rPr lang="en-US" dirty="0"/>
+              <a:t>Key info is stored in a Database</a:t>
+            </a:r>
+          </a:p>
+          <a:p>
+            <a:pPr marL="457200" lvl="1" indent="0">
               <a:buNone/>
             </a:pPr>
+            <a:endParaRPr lang="en-US" dirty="0"/>
+          </a:p>
+          <a:p>
+            <a:pPr lvl="1"/>
             <a:r>
               <a:rPr lang="en-US" dirty="0"/>
-              <a:t>What did we learn?</a:t>
-            </a:r>
-          </a:p>
-          <a:p>
+              <a:t>Employee info (Name, credentials, etc.)</a:t>
+            </a:r>
+          </a:p>
+          <a:p>
+            <a:pPr lvl="1"/>
             <a:endParaRPr lang="en-US" dirty="0"/>
           </a:p>
           <a:p>
+            <a:pPr lvl="1"/>
             <a:r>
               <a:rPr lang="en-US" dirty="0"/>
-              <a:t>Communication is key</a:t>
-            </a:r>
-          </a:p>
-          <a:p>
+              <a:t>List of goods sold by store</a:t>
+            </a:r>
+          </a:p>
+          <a:p>
+            <a:pPr lvl="1"/>
             <a:endParaRPr lang="en-US" dirty="0"/>
           </a:p>
           <a:p>
+            <a:pPr lvl="1"/>
             <a:r>
               <a:rPr lang="en-US" dirty="0"/>
-              <a:t>Work smarter, not harder</a:t>
-            </a:r>
-          </a:p>
-          <a:p>
+              <a:t>Saved Transactions</a:t>
+            </a:r>
+          </a:p>
+          <a:p>
+            <a:pPr marL="457200" lvl="1" indent="0">
+              <a:buNone/>
+            </a:pPr>
             <a:endParaRPr lang="en-US" dirty="0"/>
           </a:p>
-          <a:p>
-            <a:r>
-              <a:rPr lang="en-US" dirty="0"/>
-              <a:t>…But still work hard</a:t>
-            </a:r>
-          </a:p>
-          <a:p>
-            <a:endParaRPr lang="en-US" dirty="0"/>
-          </a:p>
-          <a:p>
-            <a:endParaRPr lang="en-US" dirty="0"/>
+        </p:txBody>
+      </p:sp>
+      <p:sp>
+        <p:nvSpPr>
+          <p:cNvPr id="4" name="Rectangle 3">
+            <a:extLst>
+              <a:ext uri="{FF2B5EF4-FFF2-40B4-BE49-F238E27FC236}">
+                <a16:creationId xmlns:a16="http://schemas.microsoft.com/office/drawing/2014/main" id="{5D4476AB-5866-4AEE-A6E2-AE8817368A69}"/>
+              </a:ext>
+            </a:extLst>
+          </p:cNvPr>
+          <p:cNvSpPr/>
+          <p:nvPr/>
+        </p:nvSpPr>
+        <p:spPr>
+          <a:xfrm>
+            <a:off x="838200" y="5166804"/>
+            <a:ext cx="7833106" cy="523220"/>
+          </a:xfrm>
+          <a:prstGeom prst="rect">
+            <a:avLst/>
+          </a:prstGeom>
+        </p:spPr>
+        <p:txBody>
+          <a:bodyPr wrap="none">
+            <a:spAutoFit/>
+          </a:bodyPr>
+          <a:lstStyle/>
+          <a:p>
+            <a:pPr marL="457200" indent="-457200">
+              <a:buFont typeface="Arial" panose="020B0604020202020204" pitchFamily="34" charset="0"/>
+              <a:buChar char="•"/>
+            </a:pPr>
+            <a:r>
+              <a:rPr lang="en-US" sz="2800" dirty="0"/>
+              <a:t>Only Managers allowed to access employee info</a:t>
+            </a:r>
           </a:p>
         </p:txBody>
       </p:sp>
     </p:spTree>
     <p:extLst>
       <p:ext uri="{BB962C8B-B14F-4D97-AF65-F5344CB8AC3E}">
-        <p14:creationId xmlns:p14="http://schemas.microsoft.com/office/powerpoint/2010/main" val="821991651"/>
+        <p14:creationId xmlns:p14="http://schemas.microsoft.com/office/powerpoint/2010/main" val="283120246"/>
       </p:ext>
     </p:extLst>
   </p:cSld>
@@ -8529,7 +9198,7 @@
 <file path=ppt/theme/theme1.xml><?xml version="1.0" encoding="utf-8"?>
 <a:theme xmlns:a="http://schemas.openxmlformats.org/drawingml/2006/main" name="Office Theme">
   <a:themeElements>
-    <a:clrScheme name="Office">
+    <a:clrScheme name="Orange Red">
       <a:dk1>
         <a:sysClr val="windowText" lastClr="000000"/>
       </a:dk1>
@@ -8537,37 +9206,37 @@
         <a:sysClr val="window" lastClr="FFFFFF"/>
       </a:lt1>
       <a:dk2>
-        <a:srgbClr val="44546A"/>
+        <a:srgbClr val="696464"/>
       </a:dk2>
       <a:lt2>
-        <a:srgbClr val="E7E6E6"/>
+        <a:srgbClr val="E9E5DC"/>
       </a:lt2>
       <a:accent1>
-        <a:srgbClr val="4472C4"/>
+        <a:srgbClr val="D34817"/>
       </a:accent1>
       <a:accent2>
-        <a:srgbClr val="ED7D31"/>
+        <a:srgbClr val="9B2D1F"/>
       </a:accent2>
       <a:accent3>
-        <a:srgbClr val="A5A5A5"/>
+        <a:srgbClr val="A28E6A"/>
       </a:accent3>
       <a:accent4>
-        <a:srgbClr val="FFC000"/>
+        <a:srgbClr val="956251"/>
       </a:accent4>
       <a:accent5>
-        <a:srgbClr val="5B9BD5"/>
+        <a:srgbClr val="918485"/>
       </a:accent5>
       <a:accent6>
-        <a:srgbClr val="70AD47"/>
+        <a:srgbClr val="855D5D"/>
       </a:accent6>
       <a:hlink>
-        <a:srgbClr val="0563C1"/>
+        <a:srgbClr val="CC9900"/>
       </a:hlink>
       <a:folHlink>
-        <a:srgbClr val="954F72"/>
+        <a:srgbClr val="96A9A9"/>
       </a:folHlink>
     </a:clrScheme>
-    <a:fontScheme name="Office">
+    <a:fontScheme name="Office Theme">
       <a:majorFont>
         <a:latin typeface="Calibri Light" panose="020F0302020204030204"/>
         <a:ea typeface=""/>
@@ -8602,23 +9271,6 @@
         <a:font script="Viet" typeface="Times New Roman"/>
         <a:font script="Uigh" typeface="Microsoft Uighur"/>
         <a:font script="Geor" typeface="Sylfaen"/>
-        <a:font script="Armn" typeface="Arial"/>
-        <a:font script="Bugi" typeface="Leelawadee UI"/>
-        <a:font script="Bopo" typeface="Microsoft JhengHei"/>
-        <a:font script="Java" typeface="Javanese Text"/>
-        <a:font script="Lisu" typeface="Segoe UI"/>
-        <a:font script="Mymr" typeface="Myanmar Text"/>
-        <a:font script="Nkoo" typeface="Ebrima"/>
-        <a:font script="Olck" typeface="Nirmala UI"/>
-        <a:font script="Osma" typeface="Ebrima"/>
-        <a:font script="Phag" typeface="Phagspa"/>
-        <a:font script="Syrn" typeface="Estrangelo Edessa"/>
-        <a:font script="Syrj" typeface="Estrangelo Edessa"/>
-        <a:font script="Syre" typeface="Estrangelo Edessa"/>
-        <a:font script="Sora" typeface="Nirmala UI"/>
-        <a:font script="Tale" typeface="Microsoft Tai Le"/>
-        <a:font script="Talu" typeface="Microsoft New Tai Lue"/>
-        <a:font script="Tfng" typeface="Ebrima"/>
       </a:majorFont>
       <a:minorFont>
         <a:latin typeface="Calibri" panose="020F0502020204030204"/>
@@ -8654,26 +9306,9 @@
         <a:font script="Viet" typeface="Arial"/>
         <a:font script="Uigh" typeface="Microsoft Uighur"/>
         <a:font script="Geor" typeface="Sylfaen"/>
-        <a:font script="Armn" typeface="Arial"/>
-        <a:font script="Bugi" typeface="Leelawadee UI"/>
-        <a:font script="Bopo" typeface="Microsoft JhengHei"/>
-        <a:font script="Java" typeface="Javanese Text"/>
-        <a:font script="Lisu" typeface="Segoe UI"/>
-        <a:font script="Mymr" typeface="Myanmar Text"/>
-        <a:font script="Nkoo" typeface="Ebrima"/>
-        <a:font script="Olck" typeface="Nirmala UI"/>
-        <a:font script="Osma" typeface="Ebrima"/>
-        <a:font script="Phag" typeface="Phagspa"/>
-        <a:font script="Syrn" typeface="Estrangelo Edessa"/>
-        <a:font script="Syrj" typeface="Estrangelo Edessa"/>
-        <a:font script="Syre" typeface="Estrangelo Edessa"/>
-        <a:font script="Sora" typeface="Nirmala UI"/>
-        <a:font script="Tale" typeface="Microsoft Tai Le"/>
-        <a:font script="Talu" typeface="Microsoft New Tai Lue"/>
-        <a:font script="Tfng" typeface="Ebrima"/>
       </a:minorFont>
     </a:fontScheme>
-    <a:fmtScheme name="Office">
+    <a:fmtScheme name="Office Theme">
       <a:fillStyleLst>
         <a:solidFill>
           <a:schemeClr val="phClr"/>

--- a/Presentation.pptx
+++ b/Presentation.pptx
@@ -5,7 +5,7 @@
     <p:sldMasterId id="2147483719" r:id="rId1"/>
   </p:sldMasterIdLst>
   <p:notesMasterIdLst>
-    <p:notesMasterId r:id="rId17"/>
+    <p:notesMasterId r:id="rId20"/>
   </p:notesMasterIdLst>
   <p:sldIdLst>
     <p:sldId id="256" r:id="rId2"/>
@@ -13,16 +13,19 @@
     <p:sldId id="257" r:id="rId4"/>
     <p:sldId id="258" r:id="rId5"/>
     <p:sldId id="268" r:id="rId6"/>
-    <p:sldId id="270" r:id="rId7"/>
-    <p:sldId id="259" r:id="rId8"/>
-    <p:sldId id="260" r:id="rId9"/>
-    <p:sldId id="266" r:id="rId10"/>
-    <p:sldId id="267" r:id="rId11"/>
-    <p:sldId id="271" r:id="rId12"/>
-    <p:sldId id="273" r:id="rId13"/>
-    <p:sldId id="272" r:id="rId14"/>
-    <p:sldId id="269" r:id="rId15"/>
-    <p:sldId id="265" r:id="rId16"/>
+    <p:sldId id="277" r:id="rId7"/>
+    <p:sldId id="260" r:id="rId8"/>
+    <p:sldId id="266" r:id="rId9"/>
+    <p:sldId id="267" r:id="rId10"/>
+    <p:sldId id="273" r:id="rId11"/>
+    <p:sldId id="272" r:id="rId12"/>
+    <p:sldId id="269" r:id="rId13"/>
+    <p:sldId id="282" r:id="rId14"/>
+    <p:sldId id="283" r:id="rId15"/>
+    <p:sldId id="279" r:id="rId16"/>
+    <p:sldId id="281" r:id="rId17"/>
+    <p:sldId id="265" r:id="rId18"/>
+    <p:sldId id="275" r:id="rId19"/>
   </p:sldIdLst>
   <p:sldSz cx="12192000" cy="6858000"/>
   <p:notesSz cx="6858000" cy="9144000"/>
@@ -135,16 +138,19 @@
             <p14:sldId id="257"/>
             <p14:sldId id="258"/>
             <p14:sldId id="268"/>
-            <p14:sldId id="270"/>
-            <p14:sldId id="259"/>
+            <p14:sldId id="277"/>
             <p14:sldId id="260"/>
             <p14:sldId id="266"/>
             <p14:sldId id="267"/>
-            <p14:sldId id="271"/>
             <p14:sldId id="273"/>
             <p14:sldId id="272"/>
             <p14:sldId id="269"/>
+            <p14:sldId id="282"/>
+            <p14:sldId id="283"/>
+            <p14:sldId id="279"/>
+            <p14:sldId id="281"/>
             <p14:sldId id="265"/>
+            <p14:sldId id="275"/>
           </p14:sldIdLst>
         </p14:section>
       </p14:sectionLst>
@@ -926,13 +932,8 @@
         <a:p>
           <a:r>
             <a:rPr lang="en-US" dirty="0"/>
-            <a:t>User Makes </a:t>
+            <a:t>User Makes Request</a:t>
           </a:r>
-          <a:r>
-            <a:rPr lang="en-US" dirty="0" smtClean="0"/>
-            <a:t>Request</a:t>
-          </a:r>
-          <a:endParaRPr lang="en-US" dirty="0"/>
         </a:p>
       </dgm:t>
     </dgm:pt>
@@ -1030,42 +1031,6 @@
         </a:p>
       </dgm:t>
     </dgm:pt>
-    <dgm:pt modelId="{101D0437-D0DC-424E-90EB-0F14C32DD9CA}">
-      <dgm:prSet phldrT="[Text]"/>
-      <dgm:spPr/>
-      <dgm:t>
-        <a:bodyPr/>
-        <a:lstStyle/>
-        <a:p>
-          <a:r>
-            <a:rPr lang="en-US" dirty="0"/>
-            <a:t>[Not sure what to put here]</a:t>
-          </a:r>
-        </a:p>
-      </dgm:t>
-    </dgm:pt>
-    <dgm:pt modelId="{E4DB1137-D8C3-49EF-B811-7B40DE0435D1}" type="parTrans" cxnId="{DBE9C604-078E-46B9-BA2D-9D15A8461FB7}">
-      <dgm:prSet/>
-      <dgm:spPr/>
-      <dgm:t>
-        <a:bodyPr/>
-        <a:lstStyle/>
-        <a:p>
-          <a:endParaRPr lang="en-US"/>
-        </a:p>
-      </dgm:t>
-    </dgm:pt>
-    <dgm:pt modelId="{D213A49E-4D61-42BA-9B0F-5D4CB645B65C}" type="sibTrans" cxnId="{DBE9C604-078E-46B9-BA2D-9D15A8461FB7}">
-      <dgm:prSet/>
-      <dgm:spPr/>
-      <dgm:t>
-        <a:bodyPr/>
-        <a:lstStyle/>
-        <a:p>
-          <a:endParaRPr lang="en-US"/>
-        </a:p>
-      </dgm:t>
-    </dgm:pt>
     <dgm:pt modelId="{AB8E6DB2-AAB0-4168-BC91-1EC4C24C7430}">
       <dgm:prSet phldrT="[Text]"/>
       <dgm:spPr/>
@@ -1138,6 +1103,42 @@
         </a:p>
       </dgm:t>
     </dgm:pt>
+    <dgm:pt modelId="{101D0437-D0DC-424E-90EB-0F14C32DD9CA}">
+      <dgm:prSet phldrT="[Text]"/>
+      <dgm:spPr/>
+      <dgm:t>
+        <a:bodyPr/>
+        <a:lstStyle/>
+        <a:p>
+          <a:r>
+            <a:rPr lang="en-US" dirty="0"/>
+            <a:t>Displayed to user</a:t>
+          </a:r>
+        </a:p>
+      </dgm:t>
+    </dgm:pt>
+    <dgm:pt modelId="{D213A49E-4D61-42BA-9B0F-5D4CB645B65C}" type="sibTrans" cxnId="{DBE9C604-078E-46B9-BA2D-9D15A8461FB7}">
+      <dgm:prSet/>
+      <dgm:spPr/>
+      <dgm:t>
+        <a:bodyPr/>
+        <a:lstStyle/>
+        <a:p>
+          <a:endParaRPr lang="en-US"/>
+        </a:p>
+      </dgm:t>
+    </dgm:pt>
+    <dgm:pt modelId="{E4DB1137-D8C3-49EF-B811-7B40DE0435D1}" type="parTrans" cxnId="{DBE9C604-078E-46B9-BA2D-9D15A8461FB7}">
+      <dgm:prSet/>
+      <dgm:spPr/>
+      <dgm:t>
+        <a:bodyPr/>
+        <a:lstStyle/>
+        <a:p>
+          <a:endParaRPr lang="en-US"/>
+        </a:p>
+      </dgm:t>
+    </dgm:pt>
     <dgm:pt modelId="{C1FD4A9E-3E36-408E-97C9-5A00CD30DAF4}" type="pres">
       <dgm:prSet presAssocID="{160016FC-8D37-4F1F-96F3-82561DBB2EAA}" presName="linearFlow" presStyleCnt="0">
         <dgm:presLayoutVars>
@@ -1147,13 +1148,6 @@
         </dgm:presLayoutVars>
       </dgm:prSet>
       <dgm:spPr/>
-      <dgm:t>
-        <a:bodyPr/>
-        <a:lstStyle/>
-        <a:p>
-          <a:endParaRPr lang="en-US"/>
-        </a:p>
-      </dgm:t>
     </dgm:pt>
     <dgm:pt modelId="{532E0CCE-5F82-4BC7-8A25-570F92DBF135}" type="pres">
       <dgm:prSet presAssocID="{475DC371-C2ED-45CB-9D2E-99E22BBBD51B}" presName="composite" presStyleCnt="0"/>
@@ -1168,24 +1162,10 @@
         </dgm:presLayoutVars>
       </dgm:prSet>
       <dgm:spPr/>
-      <dgm:t>
-        <a:bodyPr/>
-        <a:lstStyle/>
-        <a:p>
-          <a:endParaRPr lang="en-US"/>
-        </a:p>
-      </dgm:t>
     </dgm:pt>
     <dgm:pt modelId="{545218EE-7CC9-4DD0-A5A0-F5F4095F5719}" type="pres">
       <dgm:prSet presAssocID="{475DC371-C2ED-45CB-9D2E-99E22BBBD51B}" presName="parSh" presStyleLbl="node1" presStyleIdx="0" presStyleCnt="3"/>
       <dgm:spPr/>
-      <dgm:t>
-        <a:bodyPr/>
-        <a:lstStyle/>
-        <a:p>
-          <a:endParaRPr lang="en-US"/>
-        </a:p>
-      </dgm:t>
     </dgm:pt>
     <dgm:pt modelId="{1CAE543C-F70E-4BFB-AE52-769C5DE70113}" type="pres">
       <dgm:prSet presAssocID="{475DC371-C2ED-45CB-9D2E-99E22BBBD51B}" presName="desTx" presStyleLbl="fgAcc1" presStyleIdx="0" presStyleCnt="3">
@@ -1194,35 +1174,14 @@
         </dgm:presLayoutVars>
       </dgm:prSet>
       <dgm:spPr/>
-      <dgm:t>
-        <a:bodyPr/>
-        <a:lstStyle/>
-        <a:p>
-          <a:endParaRPr lang="en-US"/>
-        </a:p>
-      </dgm:t>
     </dgm:pt>
     <dgm:pt modelId="{0D94B108-C23B-4803-8367-8589429A5171}" type="pres">
       <dgm:prSet presAssocID="{A7EC798D-6C3B-4700-8475-F09E5EB63A24}" presName="sibTrans" presStyleLbl="sibTrans2D1" presStyleIdx="0" presStyleCnt="2"/>
       <dgm:spPr/>
-      <dgm:t>
-        <a:bodyPr/>
-        <a:lstStyle/>
-        <a:p>
-          <a:endParaRPr lang="en-US"/>
-        </a:p>
-      </dgm:t>
     </dgm:pt>
     <dgm:pt modelId="{D41C4003-EEBF-4358-9059-3281A877D6B8}" type="pres">
       <dgm:prSet presAssocID="{A7EC798D-6C3B-4700-8475-F09E5EB63A24}" presName="connTx" presStyleLbl="sibTrans2D1" presStyleIdx="0" presStyleCnt="2"/>
       <dgm:spPr/>
-      <dgm:t>
-        <a:bodyPr/>
-        <a:lstStyle/>
-        <a:p>
-          <a:endParaRPr lang="en-US"/>
-        </a:p>
-      </dgm:t>
     </dgm:pt>
     <dgm:pt modelId="{659E5F93-33AA-4782-A9F0-1381C51FBB2A}" type="pres">
       <dgm:prSet presAssocID="{9A911023-A579-4B28-B6F8-1E1E3CD7F58B}" presName="composite" presStyleCnt="0"/>
@@ -1237,24 +1196,10 @@
         </dgm:presLayoutVars>
       </dgm:prSet>
       <dgm:spPr/>
-      <dgm:t>
-        <a:bodyPr/>
-        <a:lstStyle/>
-        <a:p>
-          <a:endParaRPr lang="en-US"/>
-        </a:p>
-      </dgm:t>
     </dgm:pt>
     <dgm:pt modelId="{330F184D-7C08-41C0-AFBD-07B2B951BA1C}" type="pres">
       <dgm:prSet presAssocID="{9A911023-A579-4B28-B6F8-1E1E3CD7F58B}" presName="parSh" presStyleLbl="node1" presStyleIdx="1" presStyleCnt="3"/>
       <dgm:spPr/>
-      <dgm:t>
-        <a:bodyPr/>
-        <a:lstStyle/>
-        <a:p>
-          <a:endParaRPr lang="en-US"/>
-        </a:p>
-      </dgm:t>
     </dgm:pt>
     <dgm:pt modelId="{4618076C-56B7-4E74-9A85-BAF762EB5878}" type="pres">
       <dgm:prSet presAssocID="{9A911023-A579-4B28-B6F8-1E1E3CD7F58B}" presName="desTx" presStyleLbl="fgAcc1" presStyleIdx="1" presStyleCnt="3">
@@ -1263,35 +1208,14 @@
         </dgm:presLayoutVars>
       </dgm:prSet>
       <dgm:spPr/>
-      <dgm:t>
-        <a:bodyPr/>
-        <a:lstStyle/>
-        <a:p>
-          <a:endParaRPr lang="en-US"/>
-        </a:p>
-      </dgm:t>
     </dgm:pt>
     <dgm:pt modelId="{165B04BF-6059-493C-8028-37B3E56307BA}" type="pres">
       <dgm:prSet presAssocID="{96CF53D4-A2F2-45EE-835A-DA5D1D285800}" presName="sibTrans" presStyleLbl="sibTrans2D1" presStyleIdx="1" presStyleCnt="2"/>
       <dgm:spPr/>
-      <dgm:t>
-        <a:bodyPr/>
-        <a:lstStyle/>
-        <a:p>
-          <a:endParaRPr lang="en-US"/>
-        </a:p>
-      </dgm:t>
     </dgm:pt>
     <dgm:pt modelId="{CD9A26DB-C33A-4B0A-8B12-913EC1457A32}" type="pres">
       <dgm:prSet presAssocID="{96CF53D4-A2F2-45EE-835A-DA5D1D285800}" presName="connTx" presStyleLbl="sibTrans2D1" presStyleIdx="1" presStyleCnt="2"/>
       <dgm:spPr/>
-      <dgm:t>
-        <a:bodyPr/>
-        <a:lstStyle/>
-        <a:p>
-          <a:endParaRPr lang="en-US"/>
-        </a:p>
-      </dgm:t>
     </dgm:pt>
     <dgm:pt modelId="{FFBDD959-C84E-4E56-9C5C-B9912FAE0B94}" type="pres">
       <dgm:prSet presAssocID="{AB8E6DB2-AAB0-4168-BC91-1EC4C24C7430}" presName="composite" presStyleCnt="0"/>
@@ -1306,24 +1230,10 @@
         </dgm:presLayoutVars>
       </dgm:prSet>
       <dgm:spPr/>
-      <dgm:t>
-        <a:bodyPr/>
-        <a:lstStyle/>
-        <a:p>
-          <a:endParaRPr lang="en-US"/>
-        </a:p>
-      </dgm:t>
     </dgm:pt>
     <dgm:pt modelId="{15A9482C-095C-4F2A-91BD-D0C338A0AD79}" type="pres">
       <dgm:prSet presAssocID="{AB8E6DB2-AAB0-4168-BC91-1EC4C24C7430}" presName="parSh" presStyleLbl="node1" presStyleIdx="2" presStyleCnt="3"/>
       <dgm:spPr/>
-      <dgm:t>
-        <a:bodyPr/>
-        <a:lstStyle/>
-        <a:p>
-          <a:endParaRPr lang="en-US"/>
-        </a:p>
-      </dgm:t>
     </dgm:pt>
     <dgm:pt modelId="{0F220211-444E-4403-8D5C-F579CBA0A623}" type="pres">
       <dgm:prSet presAssocID="{AB8E6DB2-AAB0-4168-BC91-1EC4C24C7430}" presName="desTx" presStyleLbl="fgAcc1" presStyleIdx="2" presStyleCnt="3">
@@ -1332,36 +1242,29 @@
         </dgm:presLayoutVars>
       </dgm:prSet>
       <dgm:spPr/>
-      <dgm:t>
-        <a:bodyPr/>
-        <a:lstStyle/>
-        <a:p>
-          <a:endParaRPr lang="en-US"/>
-        </a:p>
-      </dgm:t>
     </dgm:pt>
   </dgm:ptLst>
   <dgm:cxnLst>
+    <dgm:cxn modelId="{7B9B9E00-F005-4FD5-88C3-B9F52A9D7846}" srcId="{160016FC-8D37-4F1F-96F3-82561DBB2EAA}" destId="{AB8E6DB2-AAB0-4168-BC91-1EC4C24C7430}" srcOrd="2" destOrd="0" parTransId="{42E8FFAC-B976-495D-A8D7-2E3ED0362D33}" sibTransId="{190267AC-94F8-43BA-A908-82264349C787}"/>
+    <dgm:cxn modelId="{DBE9C604-078E-46B9-BA2D-9D15A8461FB7}" srcId="{9A911023-A579-4B28-B6F8-1E1E3CD7F58B}" destId="{101D0437-D0DC-424E-90EB-0F14C32DD9CA}" srcOrd="0" destOrd="0" parTransId="{E4DB1137-D8C3-49EF-B811-7B40DE0435D1}" sibTransId="{D213A49E-4D61-42BA-9B0F-5D4CB645B65C}"/>
     <dgm:cxn modelId="{E04A7710-BBBB-415D-AC8D-38658EC4A80F}" type="presOf" srcId="{9A911023-A579-4B28-B6F8-1E1E3CD7F58B}" destId="{330F184D-7C08-41C0-AFBD-07B2B951BA1C}" srcOrd="1" destOrd="0" presId="urn:microsoft.com/office/officeart/2005/8/layout/process3"/>
+    <dgm:cxn modelId="{3FB7B512-2975-4500-A94A-6B0D18C056A5}" type="presOf" srcId="{101D0437-D0DC-424E-90EB-0F14C32DD9CA}" destId="{4618076C-56B7-4E74-9A85-BAF762EB5878}" srcOrd="0" destOrd="0" presId="urn:microsoft.com/office/officeart/2005/8/layout/process3"/>
+    <dgm:cxn modelId="{AAB1CE1F-C24B-45B1-8208-DEE71D0721D8}" type="presOf" srcId="{160016FC-8D37-4F1F-96F3-82561DBB2EAA}" destId="{C1FD4A9E-3E36-408E-97C9-5A00CD30DAF4}" srcOrd="0" destOrd="0" presId="urn:microsoft.com/office/officeart/2005/8/layout/process3"/>
+    <dgm:cxn modelId="{C60B9F22-A1EC-4F18-94B2-509C57F684AE}" srcId="{475DC371-C2ED-45CB-9D2E-99E22BBBD51B}" destId="{60BC4E5A-3C84-4B70-8114-7B3A54274060}" srcOrd="0" destOrd="0" parTransId="{4ACD431B-A440-49DC-8CA8-73DDBB5DF0CE}" sibTransId="{304B6B09-19DD-4AD2-AC0B-75EE59A0F566}"/>
+    <dgm:cxn modelId="{267F3439-6F7A-4657-819B-25D678C858C0}" type="presOf" srcId="{475DC371-C2ED-45CB-9D2E-99E22BBBD51B}" destId="{ADDCD194-B4EC-499D-A518-C65FBD78217C}" srcOrd="0" destOrd="0" presId="urn:microsoft.com/office/officeart/2005/8/layout/process3"/>
+    <dgm:cxn modelId="{97D9AE39-D324-4762-8AD3-634FA5445423}" type="presOf" srcId="{A7EC798D-6C3B-4700-8475-F09E5EB63A24}" destId="{0D94B108-C23B-4803-8367-8589429A5171}" srcOrd="0" destOrd="0" presId="urn:microsoft.com/office/officeart/2005/8/layout/process3"/>
+    <dgm:cxn modelId="{4549B75D-71DA-4037-BCDC-31926FD21E39}" type="presOf" srcId="{475DC371-C2ED-45CB-9D2E-99E22BBBD51B}" destId="{545218EE-7CC9-4DD0-A5A0-F5F4095F5719}" srcOrd="1" destOrd="0" presId="urn:microsoft.com/office/officeart/2005/8/layout/process3"/>
+    <dgm:cxn modelId="{DB0E1952-56AA-4E13-AE28-7BBE8D4B4C17}" type="presOf" srcId="{AB8E6DB2-AAB0-4168-BC91-1EC4C24C7430}" destId="{39D7F9FE-7379-4AA2-B944-859DB6DA8BEA}" srcOrd="0" destOrd="0" presId="urn:microsoft.com/office/officeart/2005/8/layout/process3"/>
     <dgm:cxn modelId="{B6E90392-26D5-41B9-B706-F331C44662D2}" type="presOf" srcId="{96CF53D4-A2F2-45EE-835A-DA5D1D285800}" destId="{165B04BF-6059-493C-8028-37B3E56307BA}" srcOrd="0" destOrd="0" presId="urn:microsoft.com/office/officeart/2005/8/layout/process3"/>
+    <dgm:cxn modelId="{EDCDA49A-8845-4EC8-99E8-42B17DADC253}" srcId="{AB8E6DB2-AAB0-4168-BC91-1EC4C24C7430}" destId="{35BBBB64-248A-4B22-B3BF-AEE10CD640AE}" srcOrd="0" destOrd="0" parTransId="{1F897D15-BE44-4F94-A22D-59C94BEDD891}" sibTransId="{11A4ABA4-DF58-4160-B411-CCDB1E7043CF}"/>
+    <dgm:cxn modelId="{4C16FF9C-D776-42E0-B5A6-74338949D4A8}" type="presOf" srcId="{60BC4E5A-3C84-4B70-8114-7B3A54274060}" destId="{1CAE543C-F70E-4BFB-AE52-769C5DE70113}" srcOrd="0" destOrd="0" presId="urn:microsoft.com/office/officeart/2005/8/layout/process3"/>
+    <dgm:cxn modelId="{D1F7C9B0-4629-4B8E-9A5F-841C41A0D7B1}" type="presOf" srcId="{9A911023-A579-4B28-B6F8-1E1E3CD7F58B}" destId="{8DAF0FB8-A127-4961-B458-F265828E2CFA}" srcOrd="0" destOrd="0" presId="urn:microsoft.com/office/officeart/2005/8/layout/process3"/>
+    <dgm:cxn modelId="{6EC83FB6-E65E-4F8A-A96D-B330E9D1B5A1}" srcId="{160016FC-8D37-4F1F-96F3-82561DBB2EAA}" destId="{475DC371-C2ED-45CB-9D2E-99E22BBBD51B}" srcOrd="0" destOrd="0" parTransId="{04C98E7F-C407-44A5-B690-F32B4E9D9D96}" sibTransId="{A7EC798D-6C3B-4700-8475-F09E5EB63A24}"/>
     <dgm:cxn modelId="{9177CCC2-ABDF-47F8-A384-A65DF26D37D5}" type="presOf" srcId="{35BBBB64-248A-4B22-B3BF-AEE10CD640AE}" destId="{0F220211-444E-4403-8D5C-F579CBA0A623}" srcOrd="0" destOrd="0" presId="urn:microsoft.com/office/officeart/2005/8/layout/process3"/>
-    <dgm:cxn modelId="{7B9B9E00-F005-4FD5-88C3-B9F52A9D7846}" srcId="{160016FC-8D37-4F1F-96F3-82561DBB2EAA}" destId="{AB8E6DB2-AAB0-4168-BC91-1EC4C24C7430}" srcOrd="2" destOrd="0" parTransId="{42E8FFAC-B976-495D-A8D7-2E3ED0362D33}" sibTransId="{190267AC-94F8-43BA-A908-82264349C787}"/>
-    <dgm:cxn modelId="{3FB7B512-2975-4500-A94A-6B0D18C056A5}" type="presOf" srcId="{101D0437-D0DC-424E-90EB-0F14C32DD9CA}" destId="{4618076C-56B7-4E74-9A85-BAF762EB5878}" srcOrd="0" destOrd="0" presId="urn:microsoft.com/office/officeart/2005/8/layout/process3"/>
-    <dgm:cxn modelId="{DB0E1952-56AA-4E13-AE28-7BBE8D4B4C17}" type="presOf" srcId="{AB8E6DB2-AAB0-4168-BC91-1EC4C24C7430}" destId="{39D7F9FE-7379-4AA2-B944-859DB6DA8BEA}" srcOrd="0" destOrd="0" presId="urn:microsoft.com/office/officeart/2005/8/layout/process3"/>
-    <dgm:cxn modelId="{97D9AE39-D324-4762-8AD3-634FA5445423}" type="presOf" srcId="{A7EC798D-6C3B-4700-8475-F09E5EB63A24}" destId="{0D94B108-C23B-4803-8367-8589429A5171}" srcOrd="0" destOrd="0" presId="urn:microsoft.com/office/officeart/2005/8/layout/process3"/>
-    <dgm:cxn modelId="{6EC83FB6-E65E-4F8A-A96D-B330E9D1B5A1}" srcId="{160016FC-8D37-4F1F-96F3-82561DBB2EAA}" destId="{475DC371-C2ED-45CB-9D2E-99E22BBBD51B}" srcOrd="0" destOrd="0" parTransId="{04C98E7F-C407-44A5-B690-F32B4E9D9D96}" sibTransId="{A7EC798D-6C3B-4700-8475-F09E5EB63A24}"/>
-    <dgm:cxn modelId="{C60B9F22-A1EC-4F18-94B2-509C57F684AE}" srcId="{475DC371-C2ED-45CB-9D2E-99E22BBBD51B}" destId="{60BC4E5A-3C84-4B70-8114-7B3A54274060}" srcOrd="0" destOrd="0" parTransId="{4ACD431B-A440-49DC-8CA8-73DDBB5DF0CE}" sibTransId="{304B6B09-19DD-4AD2-AC0B-75EE59A0F566}"/>
-    <dgm:cxn modelId="{4549B75D-71DA-4037-BCDC-31926FD21E39}" type="presOf" srcId="{475DC371-C2ED-45CB-9D2E-99E22BBBD51B}" destId="{545218EE-7CC9-4DD0-A5A0-F5F4095F5719}" srcOrd="1" destOrd="0" presId="urn:microsoft.com/office/officeart/2005/8/layout/process3"/>
-    <dgm:cxn modelId="{267F3439-6F7A-4657-819B-25D678C858C0}" type="presOf" srcId="{475DC371-C2ED-45CB-9D2E-99E22BBBD51B}" destId="{ADDCD194-B4EC-499D-A518-C65FBD78217C}" srcOrd="0" destOrd="0" presId="urn:microsoft.com/office/officeart/2005/8/layout/process3"/>
-    <dgm:cxn modelId="{4C16FF9C-D776-42E0-B5A6-74338949D4A8}" type="presOf" srcId="{60BC4E5A-3C84-4B70-8114-7B3A54274060}" destId="{1CAE543C-F70E-4BFB-AE52-769C5DE70113}" srcOrd="0" destOrd="0" presId="urn:microsoft.com/office/officeart/2005/8/layout/process3"/>
     <dgm:cxn modelId="{A7E62FC3-DB04-4D6B-A685-CE6C6FE497CD}" srcId="{160016FC-8D37-4F1F-96F3-82561DBB2EAA}" destId="{9A911023-A579-4B28-B6F8-1E1E3CD7F58B}" srcOrd="1" destOrd="0" parTransId="{82800ACA-B6BD-4F0A-9D72-644F333D4705}" sibTransId="{96CF53D4-A2F2-45EE-835A-DA5D1D285800}"/>
-    <dgm:cxn modelId="{DBE9C604-078E-46B9-BA2D-9D15A8461FB7}" srcId="{9A911023-A579-4B28-B6F8-1E1E3CD7F58B}" destId="{101D0437-D0DC-424E-90EB-0F14C32DD9CA}" srcOrd="0" destOrd="0" parTransId="{E4DB1137-D8C3-49EF-B811-7B40DE0435D1}" sibTransId="{D213A49E-4D61-42BA-9B0F-5D4CB645B65C}"/>
+    <dgm:cxn modelId="{42FED5C3-085F-4121-9F20-5910DB2F45DC}" type="presOf" srcId="{A7EC798D-6C3B-4700-8475-F09E5EB63A24}" destId="{D41C4003-EEBF-4358-9059-3281A877D6B8}" srcOrd="1" destOrd="0" presId="urn:microsoft.com/office/officeart/2005/8/layout/process3"/>
+    <dgm:cxn modelId="{B12FCDD6-D268-4131-80AA-581FAC7866B8}" type="presOf" srcId="{96CF53D4-A2F2-45EE-835A-DA5D1D285800}" destId="{CD9A26DB-C33A-4B0A-8B12-913EC1457A32}" srcOrd="1" destOrd="0" presId="urn:microsoft.com/office/officeart/2005/8/layout/process3"/>
     <dgm:cxn modelId="{FD80B1E0-8638-4A6C-9019-863D3F18D4B3}" type="presOf" srcId="{AB8E6DB2-AAB0-4168-BC91-1EC4C24C7430}" destId="{15A9482C-095C-4F2A-91BD-D0C338A0AD79}" srcOrd="1" destOrd="0" presId="urn:microsoft.com/office/officeart/2005/8/layout/process3"/>
-    <dgm:cxn modelId="{D1F7C9B0-4629-4B8E-9A5F-841C41A0D7B1}" type="presOf" srcId="{9A911023-A579-4B28-B6F8-1E1E3CD7F58B}" destId="{8DAF0FB8-A127-4961-B458-F265828E2CFA}" srcOrd="0" destOrd="0" presId="urn:microsoft.com/office/officeart/2005/8/layout/process3"/>
-    <dgm:cxn modelId="{B12FCDD6-D268-4131-80AA-581FAC7866B8}" type="presOf" srcId="{96CF53D4-A2F2-45EE-835A-DA5D1D285800}" destId="{CD9A26DB-C33A-4B0A-8B12-913EC1457A32}" srcOrd="1" destOrd="0" presId="urn:microsoft.com/office/officeart/2005/8/layout/process3"/>
-    <dgm:cxn modelId="{EDCDA49A-8845-4EC8-99E8-42B17DADC253}" srcId="{AB8E6DB2-AAB0-4168-BC91-1EC4C24C7430}" destId="{35BBBB64-248A-4B22-B3BF-AEE10CD640AE}" srcOrd="0" destOrd="0" parTransId="{1F897D15-BE44-4F94-A22D-59C94BEDD891}" sibTransId="{11A4ABA4-DF58-4160-B411-CCDB1E7043CF}"/>
-    <dgm:cxn modelId="{AAB1CE1F-C24B-45B1-8208-DEE71D0721D8}" type="presOf" srcId="{160016FC-8D37-4F1F-96F3-82561DBB2EAA}" destId="{C1FD4A9E-3E36-408E-97C9-5A00CD30DAF4}" srcOrd="0" destOrd="0" presId="urn:microsoft.com/office/officeart/2005/8/layout/process3"/>
-    <dgm:cxn modelId="{42FED5C3-085F-4121-9F20-5910DB2F45DC}" type="presOf" srcId="{A7EC798D-6C3B-4700-8475-F09E5EB63A24}" destId="{D41C4003-EEBF-4358-9059-3281A877D6B8}" srcOrd="1" destOrd="0" presId="urn:microsoft.com/office/officeart/2005/8/layout/process3"/>
     <dgm:cxn modelId="{3B07D7AF-9FED-4399-BF21-9785E9266142}" type="presParOf" srcId="{C1FD4A9E-3E36-408E-97C9-5A00CD30DAF4}" destId="{532E0CCE-5F82-4BC7-8A25-570F92DBF135}" srcOrd="0" destOrd="0" presId="urn:microsoft.com/office/officeart/2005/8/layout/process3"/>
     <dgm:cxn modelId="{49CB9E26-5C26-4EA9-A32F-9EEDCCE451D8}" type="presParOf" srcId="{532E0CCE-5F82-4BC7-8A25-570F92DBF135}" destId="{ADDCD194-B4EC-499D-A518-C65FBD78217C}" srcOrd="0" destOrd="0" presId="urn:microsoft.com/office/officeart/2005/8/layout/process3"/>
     <dgm:cxn modelId="{C528CE48-FA3E-4FDC-9059-417D4BE5DD51}" type="presParOf" srcId="{532E0CCE-5F82-4BC7-8A25-570F92DBF135}" destId="{545218EE-7CC9-4DD0-A5A0-F5F4095F5719}" srcOrd="1" destOrd="0" presId="urn:microsoft.com/office/officeart/2005/8/layout/process3"/>
@@ -1406,7 +1309,7 @@
       </dsp:nvSpPr>
       <dsp:spPr>
         <a:xfrm>
-          <a:off x="2577" y="1574112"/>
+          <a:off x="2577" y="1595712"/>
           <a:ext cx="1171780" cy="703068"/>
         </a:xfrm>
         <a:prstGeom prst="roundRect">
@@ -1456,7 +1359,7 @@
         </a:bodyPr>
         <a:lstStyle/>
         <a:p>
-          <a:pPr lvl="0" algn="l" defTabSz="533400">
+          <a:pPr marL="0" lvl="0" indent="0" algn="l" defTabSz="533400">
             <a:lnSpc>
               <a:spcPct val="90000"/>
             </a:lnSpc>
@@ -1466,20 +1369,16 @@
             <a:spcAft>
               <a:spcPct val="35000"/>
             </a:spcAft>
+            <a:buNone/>
           </a:pPr>
           <a:r>
             <a:rPr lang="en-US" sz="1200" kern="1200" dirty="0"/>
-            <a:t>User Makes </a:t>
+            <a:t>User Makes Request</a:t>
           </a:r>
-          <a:r>
-            <a:rPr lang="en-US" sz="1200" kern="1200" dirty="0" smtClean="0"/>
-            <a:t>Request</a:t>
-          </a:r>
-          <a:endParaRPr lang="en-US" sz="1200" kern="1200" dirty="0"/>
         </a:p>
       </dsp:txBody>
       <dsp:txXfrm>
-        <a:off x="2577" y="1574112"/>
+        <a:off x="2577" y="1595712"/>
         <a:ext cx="1171780" cy="468712"/>
       </dsp:txXfrm>
     </dsp:sp>
@@ -1490,8 +1389,8 @@
       </dsp:nvSpPr>
       <dsp:spPr>
         <a:xfrm>
-          <a:off x="242580" y="2042825"/>
-          <a:ext cx="1171780" cy="734400"/>
+          <a:off x="242580" y="2064425"/>
+          <a:ext cx="1171780" cy="691200"/>
         </a:xfrm>
         <a:prstGeom prst="roundRect">
           <a:avLst>
@@ -1549,7 +1448,7 @@
             <a:spcAft>
               <a:spcPct val="15000"/>
             </a:spcAft>
-            <a:buChar char="••"/>
+            <a:buChar char="•"/>
           </a:pPr>
           <a:r>
             <a:rPr lang="en-US" sz="1200" kern="1200" dirty="0"/>
@@ -1558,8 +1457,8 @@
         </a:p>
       </dsp:txBody>
       <dsp:txXfrm>
-        <a:off x="264090" y="2064335"/>
-        <a:ext cx="1128760" cy="691380"/>
+        <a:off x="262825" y="2084670"/>
+        <a:ext cx="1131290" cy="650710"/>
       </dsp:txXfrm>
     </dsp:sp>
     <dsp:sp modelId="{0D94B108-C23B-4803-8367-8589429A5171}">
@@ -1569,7 +1468,7 @@
       </dsp:nvSpPr>
       <dsp:spPr>
         <a:xfrm>
-          <a:off x="1351995" y="1662599"/>
+          <a:off x="1351995" y="1684199"/>
           <a:ext cx="376591" cy="291739"/>
         </a:xfrm>
         <a:prstGeom prst="rightArrow">
@@ -1612,7 +1511,7 @@
         </a:bodyPr>
         <a:lstStyle/>
         <a:p>
-          <a:pPr lvl="0" algn="ctr" defTabSz="444500">
+          <a:pPr marL="0" lvl="0" indent="0" algn="ctr" defTabSz="444500">
             <a:lnSpc>
               <a:spcPct val="90000"/>
             </a:lnSpc>
@@ -1622,12 +1521,13 @@
             <a:spcAft>
               <a:spcPct val="35000"/>
             </a:spcAft>
+            <a:buNone/>
           </a:pPr>
           <a:endParaRPr lang="en-US" sz="1000" kern="1200"/>
         </a:p>
       </dsp:txBody>
       <dsp:txXfrm>
-        <a:off x="1351995" y="1720947"/>
+        <a:off x="1351995" y="1742547"/>
         <a:ext cx="289069" cy="175043"/>
       </dsp:txXfrm>
     </dsp:sp>
@@ -1638,7 +1538,7 @@
       </dsp:nvSpPr>
       <dsp:spPr>
         <a:xfrm>
-          <a:off x="1884908" y="1574112"/>
+          <a:off x="1884908" y="1595712"/>
           <a:ext cx="1171780" cy="703068"/>
         </a:xfrm>
         <a:prstGeom prst="roundRect">
@@ -1688,7 +1588,7 @@
         </a:bodyPr>
         <a:lstStyle/>
         <a:p>
-          <a:pPr lvl="0" algn="l" defTabSz="533400">
+          <a:pPr marL="0" lvl="0" indent="0" algn="l" defTabSz="533400">
             <a:lnSpc>
               <a:spcPct val="90000"/>
             </a:lnSpc>
@@ -1698,6 +1598,7 @@
             <a:spcAft>
               <a:spcPct val="35000"/>
             </a:spcAft>
+            <a:buNone/>
           </a:pPr>
           <a:r>
             <a:rPr lang="en-US" sz="1200" kern="1200" dirty="0"/>
@@ -1706,7 +1607,7 @@
         </a:p>
       </dsp:txBody>
       <dsp:txXfrm>
-        <a:off x="1884908" y="1574112"/>
+        <a:off x="1884908" y="1595712"/>
         <a:ext cx="1171780" cy="468712"/>
       </dsp:txXfrm>
     </dsp:sp>
@@ -1717,8 +1618,8 @@
       </dsp:nvSpPr>
       <dsp:spPr>
         <a:xfrm>
-          <a:off x="2124911" y="2042825"/>
-          <a:ext cx="1171780" cy="734400"/>
+          <a:off x="2124911" y="2064425"/>
+          <a:ext cx="1171780" cy="691200"/>
         </a:xfrm>
         <a:prstGeom prst="roundRect">
           <a:avLst>
@@ -1776,17 +1677,17 @@
             <a:spcAft>
               <a:spcPct val="15000"/>
             </a:spcAft>
-            <a:buChar char="••"/>
+            <a:buChar char="•"/>
           </a:pPr>
           <a:r>
             <a:rPr lang="en-US" sz="1200" kern="1200" dirty="0"/>
-            <a:t>[Not sure what to put here]</a:t>
+            <a:t>Displayed to user</a:t>
           </a:r>
         </a:p>
       </dsp:txBody>
       <dsp:txXfrm>
-        <a:off x="2146421" y="2064335"/>
-        <a:ext cx="1128760" cy="691380"/>
+        <a:off x="2145156" y="2084670"/>
+        <a:ext cx="1131290" cy="650710"/>
       </dsp:txXfrm>
     </dsp:sp>
     <dsp:sp modelId="{165B04BF-6059-493C-8028-37B3E56307BA}">
@@ -1796,7 +1697,7 @@
       </dsp:nvSpPr>
       <dsp:spPr>
         <a:xfrm>
-          <a:off x="3234326" y="1662599"/>
+          <a:off x="3234326" y="1684199"/>
           <a:ext cx="376591" cy="291739"/>
         </a:xfrm>
         <a:prstGeom prst="rightArrow">
@@ -1839,7 +1740,7 @@
         </a:bodyPr>
         <a:lstStyle/>
         <a:p>
-          <a:pPr lvl="0" algn="ctr" defTabSz="444500">
+          <a:pPr marL="0" lvl="0" indent="0" algn="ctr" defTabSz="444500">
             <a:lnSpc>
               <a:spcPct val="90000"/>
             </a:lnSpc>
@@ -1849,12 +1750,13 @@
             <a:spcAft>
               <a:spcPct val="35000"/>
             </a:spcAft>
+            <a:buNone/>
           </a:pPr>
           <a:endParaRPr lang="en-US" sz="1000" kern="1200"/>
         </a:p>
       </dsp:txBody>
       <dsp:txXfrm>
-        <a:off x="3234326" y="1720947"/>
+        <a:off x="3234326" y="1742547"/>
         <a:ext cx="289069" cy="175043"/>
       </dsp:txXfrm>
     </dsp:sp>
@@ -1865,7 +1767,7 @@
       </dsp:nvSpPr>
       <dsp:spPr>
         <a:xfrm>
-          <a:off x="3767239" y="1574112"/>
+          <a:off x="3767239" y="1595712"/>
           <a:ext cx="1171780" cy="703068"/>
         </a:xfrm>
         <a:prstGeom prst="roundRect">
@@ -1915,7 +1817,7 @@
         </a:bodyPr>
         <a:lstStyle/>
         <a:p>
-          <a:pPr lvl="0" algn="l" defTabSz="533400">
+          <a:pPr marL="0" lvl="0" indent="0" algn="l" defTabSz="533400">
             <a:lnSpc>
               <a:spcPct val="90000"/>
             </a:lnSpc>
@@ -1925,6 +1827,7 @@
             <a:spcAft>
               <a:spcPct val="35000"/>
             </a:spcAft>
+            <a:buNone/>
           </a:pPr>
           <a:r>
             <a:rPr lang="en-US" sz="1200" kern="1200" dirty="0"/>
@@ -1933,7 +1836,7 @@
         </a:p>
       </dsp:txBody>
       <dsp:txXfrm>
-        <a:off x="3767239" y="1574112"/>
+        <a:off x="3767239" y="1595712"/>
         <a:ext cx="1171780" cy="468712"/>
       </dsp:txXfrm>
     </dsp:sp>
@@ -1944,8 +1847,8 @@
       </dsp:nvSpPr>
       <dsp:spPr>
         <a:xfrm>
-          <a:off x="4007242" y="2042825"/>
-          <a:ext cx="1171780" cy="734400"/>
+          <a:off x="4007242" y="2064425"/>
+          <a:ext cx="1171780" cy="691200"/>
         </a:xfrm>
         <a:prstGeom prst="roundRect">
           <a:avLst>
@@ -2003,7 +1906,7 @@
             <a:spcAft>
               <a:spcPct val="15000"/>
             </a:spcAft>
-            <a:buChar char="••"/>
+            <a:buChar char="•"/>
           </a:pPr>
           <a:r>
             <a:rPr lang="en-US" sz="1200" kern="1200" dirty="0"/>
@@ -2012,8 +1915,8 @@
         </a:p>
       </dsp:txBody>
       <dsp:txXfrm>
-        <a:off x="4028752" y="2064335"/>
-        <a:ext cx="1128760" cy="691380"/>
+        <a:off x="4027487" y="2084670"/>
+        <a:ext cx="1131290" cy="650710"/>
       </dsp:txXfrm>
     </dsp:sp>
   </dsp:spTree>
@@ -3749,14 +3652,9 @@
           <a:lstStyle/>
           <a:p>
             <a:r>
-              <a:rPr lang="en-CA" dirty="0" smtClean="0"/>
-              <a:t>General</a:t>
-            </a:r>
-            <a:r>
-              <a:rPr lang="en-CA" baseline="0" dirty="0" smtClean="0"/>
-              <a:t> since this stores can input their own items they sell into the system</a:t>
-            </a:r>
-            <a:endParaRPr lang="en-CA" dirty="0"/>
+              <a:rPr lang="en-CA" dirty="0"/>
+              <a:t>Fill this out</a:t>
+            </a:r>
           </a:p>
         </p:txBody>
       </p:sp>
@@ -3840,7 +3738,10 @@
           <a:bodyPr/>
           <a:lstStyle/>
           <a:p>
-            <a:endParaRPr lang="en-US" dirty="0"/>
+            <a:r>
+              <a:rPr lang="en-US" dirty="0"/>
+              <a:t>Alter Screen</a:t>
+            </a:r>
           </a:p>
         </p:txBody>
       </p:sp>
@@ -3870,7 +3771,7 @@
     </p:spTree>
     <p:extLst>
       <p:ext uri="{BB962C8B-B14F-4D97-AF65-F5344CB8AC3E}">
-        <p14:creationId xmlns:p14="http://schemas.microsoft.com/office/powerpoint/2010/main" val="1830655196"/>
+        <p14:creationId xmlns:p14="http://schemas.microsoft.com/office/powerpoint/2010/main" val="3226201897"/>
       </p:ext>
     </p:extLst>
   </p:cSld>
@@ -3924,7 +3825,10 @@
           <a:bodyPr/>
           <a:lstStyle/>
           <a:p>
-            <a:endParaRPr lang="en-US" dirty="0"/>
+            <a:r>
+              <a:rPr lang="en-US" dirty="0"/>
+              <a:t>Anything else? What about sales?</a:t>
+            </a:r>
           </a:p>
         </p:txBody>
       </p:sp>
@@ -3954,7 +3858,7 @@
     </p:spTree>
     <p:extLst>
       <p:ext uri="{BB962C8B-B14F-4D97-AF65-F5344CB8AC3E}">
-        <p14:creationId xmlns:p14="http://schemas.microsoft.com/office/powerpoint/2010/main" val="3226201897"/>
+        <p14:creationId xmlns:p14="http://schemas.microsoft.com/office/powerpoint/2010/main" val="3850671539"/>
       </p:ext>
     </p:extLst>
   </p:cSld>
@@ -4029,7 +3933,7 @@
           <a:p>
             <a:fld id="{F8F4E1B7-D88C-4650-A7F4-D7DE5D5171B7}" type="slidenum">
               <a:rPr lang="en-US" smtClean="0"/>
-              <a:t>10</a:t>
+              <a:t>9</a:t>
             </a:fld>
             <a:endParaRPr lang="en-US"/>
           </a:p>
@@ -4162,7 +4066,7 @@
           <a:p>
             <a:fld id="{F8F4E1B7-D88C-4650-A7F4-D7DE5D5171B7}" type="slidenum">
               <a:rPr lang="en-US" smtClean="0"/>
-              <a:t>15</a:t>
+              <a:t>17</a:t>
             </a:fld>
             <a:endParaRPr lang="en-US"/>
           </a:p>
@@ -4223,7 +4127,7 @@
           </a:lstStyle>
           <a:p>
             <a:r>
-              <a:rPr lang="en-US" smtClean="0"/>
+              <a:rPr lang="en-US"/>
               <a:t>Click to edit Master title style</a:t>
             </a:r>
             <a:endParaRPr lang="en-US" dirty="0"/>
@@ -4288,7 +4192,7 @@
           </a:lstStyle>
           <a:p>
             <a:r>
-              <a:rPr lang="en-US" smtClean="0"/>
+              <a:rPr lang="en-US"/>
               <a:t>Click to edit Master subtitle style</a:t>
             </a:r>
             <a:endParaRPr lang="en-US" dirty="0"/>
@@ -4406,7 +4310,7 @@
           <a:lstStyle/>
           <a:p>
             <a:r>
-              <a:rPr lang="en-US" smtClean="0"/>
+              <a:rPr lang="en-US"/>
               <a:t>Click to edit Master title style</a:t>
             </a:r>
             <a:endParaRPr lang="en-US" dirty="0"/>
@@ -4430,35 +4334,35 @@
           <a:p>
             <a:pPr lvl="0"/>
             <a:r>
-              <a:rPr lang="en-US" smtClean="0"/>
+              <a:rPr lang="en-US"/>
               <a:t>Edit Master text styles</a:t>
             </a:r>
           </a:p>
           <a:p>
             <a:pPr lvl="1"/>
             <a:r>
-              <a:rPr lang="en-US" smtClean="0"/>
+              <a:rPr lang="en-US"/>
               <a:t>Second level</a:t>
             </a:r>
           </a:p>
           <a:p>
             <a:pPr lvl="2"/>
             <a:r>
-              <a:rPr lang="en-US" smtClean="0"/>
+              <a:rPr lang="en-US"/>
               <a:t>Third level</a:t>
             </a:r>
           </a:p>
           <a:p>
             <a:pPr lvl="3"/>
             <a:r>
-              <a:rPr lang="en-US" smtClean="0"/>
+              <a:rPr lang="en-US"/>
               <a:t>Fourth level</a:t>
             </a:r>
           </a:p>
           <a:p>
             <a:pPr lvl="4"/>
             <a:r>
-              <a:rPr lang="en-US" smtClean="0"/>
+              <a:rPr lang="en-US"/>
               <a:t>Fifth level</a:t>
             </a:r>
             <a:endParaRPr lang="en-US" dirty="0"/>
@@ -4581,7 +4485,7 @@
           <a:lstStyle/>
           <a:p>
             <a:r>
-              <a:rPr lang="en-US" smtClean="0"/>
+              <a:rPr lang="en-US"/>
               <a:t>Click to edit Master title style</a:t>
             </a:r>
             <a:endParaRPr lang="en-US" dirty="0"/>
@@ -4610,35 +4514,35 @@
           <a:p>
             <a:pPr lvl="0"/>
             <a:r>
-              <a:rPr lang="en-US" smtClean="0"/>
+              <a:rPr lang="en-US"/>
               <a:t>Edit Master text styles</a:t>
             </a:r>
           </a:p>
           <a:p>
             <a:pPr lvl="1"/>
             <a:r>
-              <a:rPr lang="en-US" smtClean="0"/>
+              <a:rPr lang="en-US"/>
               <a:t>Second level</a:t>
             </a:r>
           </a:p>
           <a:p>
             <a:pPr lvl="2"/>
             <a:r>
-              <a:rPr lang="en-US" smtClean="0"/>
+              <a:rPr lang="en-US"/>
               <a:t>Third level</a:t>
             </a:r>
           </a:p>
           <a:p>
             <a:pPr lvl="3"/>
             <a:r>
-              <a:rPr lang="en-US" smtClean="0"/>
+              <a:rPr lang="en-US"/>
               <a:t>Fourth level</a:t>
             </a:r>
           </a:p>
           <a:p>
             <a:pPr lvl="4"/>
             <a:r>
-              <a:rPr lang="en-US" smtClean="0"/>
+              <a:rPr lang="en-US"/>
               <a:t>Fifth level</a:t>
             </a:r>
             <a:endParaRPr lang="en-US" dirty="0"/>
@@ -4756,7 +4660,7 @@
           <a:lstStyle/>
           <a:p>
             <a:r>
-              <a:rPr lang="en-US" smtClean="0"/>
+              <a:rPr lang="en-US"/>
               <a:t>Click to edit Master title style</a:t>
             </a:r>
             <a:endParaRPr lang="en-US" dirty="0"/>
@@ -4780,35 +4684,35 @@
           <a:p>
             <a:pPr lvl="0"/>
             <a:r>
-              <a:rPr lang="en-US" smtClean="0"/>
+              <a:rPr lang="en-US"/>
               <a:t>Edit Master text styles</a:t>
             </a:r>
           </a:p>
           <a:p>
             <a:pPr lvl="1"/>
             <a:r>
-              <a:rPr lang="en-US" smtClean="0"/>
+              <a:rPr lang="en-US"/>
               <a:t>Second level</a:t>
             </a:r>
           </a:p>
           <a:p>
             <a:pPr lvl="2"/>
             <a:r>
-              <a:rPr lang="en-US" smtClean="0"/>
+              <a:rPr lang="en-US"/>
               <a:t>Third level</a:t>
             </a:r>
           </a:p>
           <a:p>
             <a:pPr lvl="3"/>
             <a:r>
-              <a:rPr lang="en-US" smtClean="0"/>
+              <a:rPr lang="en-US"/>
               <a:t>Fourth level</a:t>
             </a:r>
           </a:p>
           <a:p>
             <a:pPr lvl="4"/>
             <a:r>
-              <a:rPr lang="en-US" smtClean="0"/>
+              <a:rPr lang="en-US"/>
               <a:t>Fifth level</a:t>
             </a:r>
             <a:endParaRPr lang="en-US" dirty="0"/>
@@ -4935,7 +4839,7 @@
           </a:lstStyle>
           <a:p>
             <a:r>
-              <a:rPr lang="en-US" smtClean="0"/>
+              <a:rPr lang="en-US"/>
               <a:t>Click to edit Master title style</a:t>
             </a:r>
             <a:endParaRPr lang="en-US" dirty="0"/>
@@ -5055,7 +4959,7 @@
           <a:p>
             <a:pPr lvl="0"/>
             <a:r>
-              <a:rPr lang="en-US" smtClean="0"/>
+              <a:rPr lang="en-US"/>
               <a:t>Edit Master text styles</a:t>
             </a:r>
           </a:p>
@@ -5172,7 +5076,7 @@
           <a:lstStyle/>
           <a:p>
             <a:r>
-              <a:rPr lang="en-US" smtClean="0"/>
+              <a:rPr lang="en-US"/>
               <a:t>Click to edit Master title style</a:t>
             </a:r>
             <a:endParaRPr lang="en-US" dirty="0"/>
@@ -5201,35 +5105,35 @@
           <a:p>
             <a:pPr lvl="0"/>
             <a:r>
-              <a:rPr lang="en-US" smtClean="0"/>
+              <a:rPr lang="en-US"/>
               <a:t>Edit Master text styles</a:t>
             </a:r>
           </a:p>
           <a:p>
             <a:pPr lvl="1"/>
             <a:r>
-              <a:rPr lang="en-US" smtClean="0"/>
+              <a:rPr lang="en-US"/>
               <a:t>Second level</a:t>
             </a:r>
           </a:p>
           <a:p>
             <a:pPr lvl="2"/>
             <a:r>
-              <a:rPr lang="en-US" smtClean="0"/>
+              <a:rPr lang="en-US"/>
               <a:t>Third level</a:t>
             </a:r>
           </a:p>
           <a:p>
             <a:pPr lvl="3"/>
             <a:r>
-              <a:rPr lang="en-US" smtClean="0"/>
+              <a:rPr lang="en-US"/>
               <a:t>Fourth level</a:t>
             </a:r>
           </a:p>
           <a:p>
             <a:pPr lvl="4"/>
             <a:r>
-              <a:rPr lang="en-US" smtClean="0"/>
+              <a:rPr lang="en-US"/>
               <a:t>Fifth level</a:t>
             </a:r>
             <a:endParaRPr lang="en-US" dirty="0"/>
@@ -5258,35 +5162,35 @@
           <a:p>
             <a:pPr lvl="0"/>
             <a:r>
-              <a:rPr lang="en-US" smtClean="0"/>
+              <a:rPr lang="en-US"/>
               <a:t>Edit Master text styles</a:t>
             </a:r>
           </a:p>
           <a:p>
             <a:pPr lvl="1"/>
             <a:r>
-              <a:rPr lang="en-US" smtClean="0"/>
+              <a:rPr lang="en-US"/>
               <a:t>Second level</a:t>
             </a:r>
           </a:p>
           <a:p>
             <a:pPr lvl="2"/>
             <a:r>
-              <a:rPr lang="en-US" smtClean="0"/>
+              <a:rPr lang="en-US"/>
               <a:t>Third level</a:t>
             </a:r>
           </a:p>
           <a:p>
             <a:pPr lvl="3"/>
             <a:r>
-              <a:rPr lang="en-US" smtClean="0"/>
+              <a:rPr lang="en-US"/>
               <a:t>Fourth level</a:t>
             </a:r>
           </a:p>
           <a:p>
             <a:pPr lvl="4"/>
             <a:r>
-              <a:rPr lang="en-US" smtClean="0"/>
+              <a:rPr lang="en-US"/>
               <a:t>Fifth level</a:t>
             </a:r>
             <a:endParaRPr lang="en-US" dirty="0"/>
@@ -5409,7 +5313,7 @@
           <a:lstStyle/>
           <a:p>
             <a:r>
-              <a:rPr lang="en-US" smtClean="0"/>
+              <a:rPr lang="en-US"/>
               <a:t>Click to edit Master title style</a:t>
             </a:r>
             <a:endParaRPr lang="en-US" dirty="0"/>
@@ -5475,7 +5379,7 @@
           <a:p>
             <a:pPr lvl="0"/>
             <a:r>
-              <a:rPr lang="en-US" smtClean="0"/>
+              <a:rPr lang="en-US"/>
               <a:t>Edit Master text styles</a:t>
             </a:r>
           </a:p>
@@ -5503,35 +5407,35 @@
           <a:p>
             <a:pPr lvl="0"/>
             <a:r>
-              <a:rPr lang="en-US" smtClean="0"/>
+              <a:rPr lang="en-US"/>
               <a:t>Edit Master text styles</a:t>
             </a:r>
           </a:p>
           <a:p>
             <a:pPr lvl="1"/>
             <a:r>
-              <a:rPr lang="en-US" smtClean="0"/>
+              <a:rPr lang="en-US"/>
               <a:t>Second level</a:t>
             </a:r>
           </a:p>
           <a:p>
             <a:pPr lvl="2"/>
             <a:r>
-              <a:rPr lang="en-US" smtClean="0"/>
+              <a:rPr lang="en-US"/>
               <a:t>Third level</a:t>
             </a:r>
           </a:p>
           <a:p>
             <a:pPr lvl="3"/>
             <a:r>
-              <a:rPr lang="en-US" smtClean="0"/>
+              <a:rPr lang="en-US"/>
               <a:t>Fourth level</a:t>
             </a:r>
           </a:p>
           <a:p>
             <a:pPr lvl="4"/>
             <a:r>
-              <a:rPr lang="en-US" smtClean="0"/>
+              <a:rPr lang="en-US"/>
               <a:t>Fifth level</a:t>
             </a:r>
             <a:endParaRPr lang="en-US" dirty="0"/>
@@ -5597,7 +5501,7 @@
           <a:p>
             <a:pPr lvl="0"/>
             <a:r>
-              <a:rPr lang="en-US" smtClean="0"/>
+              <a:rPr lang="en-US"/>
               <a:t>Edit Master text styles</a:t>
             </a:r>
           </a:p>
@@ -5625,35 +5529,35 @@
           <a:p>
             <a:pPr lvl="0"/>
             <a:r>
-              <a:rPr lang="en-US" smtClean="0"/>
+              <a:rPr lang="en-US"/>
               <a:t>Edit Master text styles</a:t>
             </a:r>
           </a:p>
           <a:p>
             <a:pPr lvl="1"/>
             <a:r>
-              <a:rPr lang="en-US" smtClean="0"/>
+              <a:rPr lang="en-US"/>
               <a:t>Second level</a:t>
             </a:r>
           </a:p>
           <a:p>
             <a:pPr lvl="2"/>
             <a:r>
-              <a:rPr lang="en-US" smtClean="0"/>
+              <a:rPr lang="en-US"/>
               <a:t>Third level</a:t>
             </a:r>
           </a:p>
           <a:p>
             <a:pPr lvl="3"/>
             <a:r>
-              <a:rPr lang="en-US" smtClean="0"/>
+              <a:rPr lang="en-US"/>
               <a:t>Fourth level</a:t>
             </a:r>
           </a:p>
           <a:p>
             <a:pPr lvl="4"/>
             <a:r>
-              <a:rPr lang="en-US" smtClean="0"/>
+              <a:rPr lang="en-US"/>
               <a:t>Fifth level</a:t>
             </a:r>
             <a:endParaRPr lang="en-US" dirty="0"/>
@@ -5771,7 +5675,7 @@
           <a:lstStyle/>
           <a:p>
             <a:r>
-              <a:rPr lang="en-US" smtClean="0"/>
+              <a:rPr lang="en-US"/>
               <a:t>Click to edit Master title style</a:t>
             </a:r>
             <a:endParaRPr lang="en-US" dirty="0"/>
@@ -5993,7 +5897,7 @@
           </a:lstStyle>
           <a:p>
             <a:r>
-              <a:rPr lang="en-US" smtClean="0"/>
+              <a:rPr lang="en-US"/>
               <a:t>Click to edit Master title style</a:t>
             </a:r>
             <a:endParaRPr lang="en-US" dirty="0"/>
@@ -6050,35 +5954,35 @@
           <a:p>
             <a:pPr lvl="0"/>
             <a:r>
-              <a:rPr lang="en-US" smtClean="0"/>
+              <a:rPr lang="en-US"/>
               <a:t>Edit Master text styles</a:t>
             </a:r>
           </a:p>
           <a:p>
             <a:pPr lvl="1"/>
             <a:r>
-              <a:rPr lang="en-US" smtClean="0"/>
+              <a:rPr lang="en-US"/>
               <a:t>Second level</a:t>
             </a:r>
           </a:p>
           <a:p>
             <a:pPr lvl="2"/>
             <a:r>
-              <a:rPr lang="en-US" smtClean="0"/>
+              <a:rPr lang="en-US"/>
               <a:t>Third level</a:t>
             </a:r>
           </a:p>
           <a:p>
             <a:pPr lvl="3"/>
             <a:r>
-              <a:rPr lang="en-US" smtClean="0"/>
+              <a:rPr lang="en-US"/>
               <a:t>Fourth level</a:t>
             </a:r>
           </a:p>
           <a:p>
             <a:pPr lvl="4"/>
             <a:r>
-              <a:rPr lang="en-US" smtClean="0"/>
+              <a:rPr lang="en-US"/>
               <a:t>Fifth level</a:t>
             </a:r>
             <a:endParaRPr lang="en-US" dirty="0"/>
@@ -6144,7 +6048,7 @@
           <a:p>
             <a:pPr lvl="0"/>
             <a:r>
-              <a:rPr lang="en-US" smtClean="0"/>
+              <a:rPr lang="en-US"/>
               <a:t>Edit Master text styles</a:t>
             </a:r>
           </a:p>
@@ -6270,7 +6174,7 @@
           </a:lstStyle>
           <a:p>
             <a:r>
-              <a:rPr lang="en-US" smtClean="0"/>
+              <a:rPr lang="en-US"/>
               <a:t>Click to edit Master title style</a:t>
             </a:r>
             <a:endParaRPr lang="en-US" dirty="0"/>
@@ -6335,7 +6239,7 @@
           </a:lstStyle>
           <a:p>
             <a:r>
-              <a:rPr lang="en-US" smtClean="0"/>
+              <a:rPr lang="en-US"/>
               <a:t>Click icon to add picture</a:t>
             </a:r>
             <a:endParaRPr lang="en-US" dirty="0"/>
@@ -6401,7 +6305,7 @@
           <a:p>
             <a:pPr lvl="0"/>
             <a:r>
-              <a:rPr lang="en-US" smtClean="0"/>
+              <a:rPr lang="en-US"/>
               <a:t>Edit Master text styles</a:t>
             </a:r>
           </a:p>
@@ -6533,7 +6437,7 @@
           <a:lstStyle/>
           <a:p>
             <a:r>
-              <a:rPr lang="en-US" smtClean="0"/>
+              <a:rPr lang="en-US"/>
               <a:t>Click to edit Master title style</a:t>
             </a:r>
             <a:endParaRPr lang="en-US" dirty="0"/>
@@ -6567,35 +6471,35 @@
           <a:p>
             <a:pPr lvl="0"/>
             <a:r>
-              <a:rPr lang="en-US" smtClean="0"/>
+              <a:rPr lang="en-US"/>
               <a:t>Edit Master text styles</a:t>
             </a:r>
           </a:p>
           <a:p>
             <a:pPr lvl="1"/>
             <a:r>
-              <a:rPr lang="en-US" smtClean="0"/>
+              <a:rPr lang="en-US"/>
               <a:t>Second level</a:t>
             </a:r>
           </a:p>
           <a:p>
             <a:pPr lvl="2"/>
             <a:r>
-              <a:rPr lang="en-US" smtClean="0"/>
+              <a:rPr lang="en-US"/>
               <a:t>Third level</a:t>
             </a:r>
           </a:p>
           <a:p>
             <a:pPr lvl="3"/>
             <a:r>
-              <a:rPr lang="en-US" smtClean="0"/>
+              <a:rPr lang="en-US"/>
               <a:t>Fourth level</a:t>
             </a:r>
           </a:p>
           <a:p>
             <a:pPr lvl="4"/>
             <a:r>
-              <a:rPr lang="en-US" smtClean="0"/>
+              <a:rPr lang="en-US"/>
               <a:t>Fifth level</a:t>
             </a:r>
             <a:endParaRPr lang="en-US" dirty="0"/>
@@ -7093,15 +6997,7 @@
           <a:p>
             <a:r>
               <a:rPr lang="en-US" dirty="0"/>
-              <a:t>Navjot Bhatti, Hardeep Sandhu, Jonathan Fitz, Chaitanya (</a:t>
-            </a:r>
-            <a:r>
-              <a:rPr lang="en-US" dirty="0" err="1"/>
-              <a:t>LastName</a:t>
-            </a:r>
-            <a:r>
-              <a:rPr lang="en-US" dirty="0"/>
-              <a:t>)</a:t>
+              <a:t>Navjot Bhatti, Hardeep Sandhu, Jonathan Fitz</a:t>
             </a:r>
           </a:p>
         </p:txBody>
@@ -7138,6 +7034,2140 @@
       </p:grpSpPr>
       <p:sp>
         <p:nvSpPr>
+          <p:cNvPr id="2" name="Title 1"/>
+          <p:cNvSpPr>
+            <a:spLocks noGrp="1"/>
+          </p:cNvSpPr>
+          <p:nvPr>
+            <p:ph type="title"/>
+          </p:nvPr>
+        </p:nvSpPr>
+        <p:spPr/>
+        <p:txBody>
+          <a:bodyPr/>
+          <a:lstStyle/>
+          <a:p>
+            <a:r>
+              <a:rPr lang="en-CA" dirty="0"/>
+              <a:t>Development Process</a:t>
+            </a:r>
+          </a:p>
+        </p:txBody>
+      </p:sp>
+      <p:sp>
+        <p:nvSpPr>
+          <p:cNvPr id="3" name="Text Placeholder 2"/>
+          <p:cNvSpPr>
+            <a:spLocks noGrp="1"/>
+          </p:cNvSpPr>
+          <p:nvPr>
+            <p:ph type="body" idx="1"/>
+          </p:nvPr>
+        </p:nvSpPr>
+        <p:spPr/>
+        <p:txBody>
+          <a:bodyPr/>
+          <a:lstStyle/>
+          <a:p>
+            <a:endParaRPr lang="en-CA"/>
+          </a:p>
+        </p:txBody>
+      </p:sp>
+    </p:spTree>
+    <p:extLst>
+      <p:ext uri="{BB962C8B-B14F-4D97-AF65-F5344CB8AC3E}">
+        <p14:creationId xmlns:p14="http://schemas.microsoft.com/office/powerpoint/2010/main" val="3052355498"/>
+      </p:ext>
+    </p:extLst>
+  </p:cSld>
+  <p:clrMapOvr>
+    <a:masterClrMapping/>
+  </p:clrMapOvr>
+</p:sld>
+</file>
+
+<file path=ppt/slides/slide11.xml><?xml version="1.0" encoding="utf-8"?>
+<p:sld xmlns:a="http://schemas.openxmlformats.org/drawingml/2006/main" xmlns:r="http://schemas.openxmlformats.org/officeDocument/2006/relationships" xmlns:p="http://schemas.openxmlformats.org/presentationml/2006/main">
+  <p:cSld>
+    <p:spTree>
+      <p:nvGrpSpPr>
+        <p:cNvPr id="1" name=""/>
+        <p:cNvGrpSpPr/>
+        <p:nvPr/>
+      </p:nvGrpSpPr>
+      <p:grpSpPr>
+        <a:xfrm>
+          <a:off x="0" y="0"/>
+          <a:ext cx="0" cy="0"/>
+          <a:chOff x="0" y="0"/>
+          <a:chExt cx="0" cy="0"/>
+        </a:xfrm>
+      </p:grpSpPr>
+      <p:sp>
+        <p:nvSpPr>
+          <p:cNvPr id="6" name="Title 5"/>
+          <p:cNvSpPr>
+            <a:spLocks noGrp="1"/>
+          </p:cNvSpPr>
+          <p:nvPr>
+            <p:ph type="title"/>
+          </p:nvPr>
+        </p:nvSpPr>
+        <p:spPr/>
+        <p:txBody>
+          <a:bodyPr/>
+          <a:lstStyle/>
+          <a:p>
+            <a:r>
+              <a:rPr lang="en-CA" dirty="0"/>
+              <a:t>Development Model</a:t>
+            </a:r>
+          </a:p>
+        </p:txBody>
+      </p:sp>
+      <p:sp>
+        <p:nvSpPr>
+          <p:cNvPr id="7" name="Content Placeholder 6"/>
+          <p:cNvSpPr>
+            <a:spLocks noGrp="1"/>
+          </p:cNvSpPr>
+          <p:nvPr>
+            <p:ph type="body" idx="1"/>
+          </p:nvPr>
+        </p:nvSpPr>
+        <p:spPr>
+          <a:xfrm>
+            <a:off x="839788" y="1681163"/>
+            <a:ext cx="10515600" cy="823912"/>
+          </a:xfrm>
+        </p:spPr>
+        <p:txBody>
+          <a:bodyPr>
+            <a:normAutofit/>
+          </a:bodyPr>
+          <a:lstStyle/>
+          <a:p>
+            <a:pPr lvl="1"/>
+            <a:r>
+              <a:rPr lang="en-CA" dirty="0"/>
+              <a:t>Used techniques from both Waterfall and Agile model</a:t>
+            </a:r>
+          </a:p>
+          <a:p>
+            <a:pPr lvl="1"/>
+            <a:endParaRPr lang="en-CA" dirty="0"/>
+          </a:p>
+        </p:txBody>
+      </p:sp>
+      <p:sp>
+        <p:nvSpPr>
+          <p:cNvPr id="15" name="Content Placeholder 14"/>
+          <p:cNvSpPr>
+            <a:spLocks noGrp="1"/>
+          </p:cNvSpPr>
+          <p:nvPr>
+            <p:ph sz="half" idx="2"/>
+          </p:nvPr>
+        </p:nvSpPr>
+        <p:spPr/>
+        <p:txBody>
+          <a:bodyPr/>
+          <a:lstStyle/>
+          <a:p>
+            <a:r>
+              <a:rPr lang="en-CA" dirty="0"/>
+              <a:t>From Waterfall:</a:t>
+            </a:r>
+          </a:p>
+          <a:p>
+            <a:pPr lvl="1"/>
+            <a:r>
+              <a:rPr lang="en-CA" dirty="0"/>
+              <a:t>Requirements first</a:t>
+            </a:r>
+          </a:p>
+          <a:p>
+            <a:pPr lvl="1"/>
+            <a:r>
+              <a:rPr lang="en-CA" dirty="0"/>
+              <a:t>Then modelling</a:t>
+            </a:r>
+          </a:p>
+          <a:p>
+            <a:pPr lvl="1"/>
+            <a:r>
+              <a:rPr lang="en-CA" dirty="0"/>
+              <a:t>Development</a:t>
+            </a:r>
+          </a:p>
+          <a:p>
+            <a:pPr lvl="1"/>
+            <a:r>
+              <a:rPr lang="en-CA" dirty="0"/>
+              <a:t>And Testing</a:t>
+            </a:r>
+          </a:p>
+          <a:p>
+            <a:pPr marL="457200" lvl="1" indent="0">
+              <a:buNone/>
+            </a:pPr>
+            <a:endParaRPr lang="en-CA" dirty="0"/>
+          </a:p>
+          <a:p>
+            <a:pPr marL="457200" lvl="1" indent="0">
+              <a:buNone/>
+            </a:pPr>
+            <a:r>
+              <a:rPr lang="en-CA" dirty="0"/>
+              <a:t>These were followed </a:t>
+            </a:r>
+            <a:r>
+              <a:rPr lang="en-CA" i="1" dirty="0"/>
+              <a:t>generally</a:t>
+            </a:r>
+          </a:p>
+          <a:p>
+            <a:endParaRPr lang="en-CA" dirty="0"/>
+          </a:p>
+        </p:txBody>
+      </p:sp>
+      <p:sp>
+        <p:nvSpPr>
+          <p:cNvPr id="17" name="Content Placeholder 16"/>
+          <p:cNvSpPr>
+            <a:spLocks noGrp="1"/>
+          </p:cNvSpPr>
+          <p:nvPr>
+            <p:ph sz="quarter" idx="4"/>
+          </p:nvPr>
+        </p:nvSpPr>
+        <p:spPr/>
+        <p:txBody>
+          <a:bodyPr/>
+          <a:lstStyle/>
+          <a:p>
+            <a:r>
+              <a:rPr lang="en-CA" dirty="0"/>
+              <a:t>From Agile:</a:t>
+            </a:r>
+          </a:p>
+          <a:p>
+            <a:pPr lvl="1"/>
+            <a:r>
+              <a:rPr lang="en-CA" dirty="0"/>
+              <a:t>More communication, less documentation</a:t>
+            </a:r>
+          </a:p>
+          <a:p>
+            <a:pPr lvl="1"/>
+            <a:r>
+              <a:rPr lang="en-CA" dirty="0"/>
+              <a:t>Team members given more autonomy</a:t>
+            </a:r>
+          </a:p>
+          <a:p>
+            <a:pPr lvl="1"/>
+            <a:endParaRPr lang="en-CA" dirty="0"/>
+          </a:p>
+        </p:txBody>
+      </p:sp>
+    </p:spTree>
+    <p:extLst>
+      <p:ext uri="{BB962C8B-B14F-4D97-AF65-F5344CB8AC3E}">
+        <p14:creationId xmlns:p14="http://schemas.microsoft.com/office/powerpoint/2010/main" val="235904584"/>
+      </p:ext>
+    </p:extLst>
+  </p:cSld>
+  <p:clrMapOvr>
+    <a:masterClrMapping/>
+  </p:clrMapOvr>
+</p:sld>
+</file>
+
+<file path=ppt/slides/slide12.xml><?xml version="1.0" encoding="utf-8"?>
+<p:sld xmlns:a="http://schemas.openxmlformats.org/drawingml/2006/main" xmlns:r="http://schemas.openxmlformats.org/officeDocument/2006/relationships" xmlns:p="http://schemas.openxmlformats.org/presentationml/2006/main">
+  <p:cSld>
+    <p:spTree>
+      <p:nvGrpSpPr>
+        <p:cNvPr id="1" name=""/>
+        <p:cNvGrpSpPr/>
+        <p:nvPr/>
+      </p:nvGrpSpPr>
+      <p:grpSpPr>
+        <a:xfrm>
+          <a:off x="0" y="0"/>
+          <a:ext cx="0" cy="0"/>
+          <a:chOff x="0" y="0"/>
+          <a:chExt cx="0" cy="0"/>
+        </a:xfrm>
+      </p:grpSpPr>
+      <p:sp>
+        <p:nvSpPr>
+          <p:cNvPr id="2" name="Title 1"/>
+          <p:cNvSpPr>
+            <a:spLocks noGrp="1"/>
+          </p:cNvSpPr>
+          <p:nvPr>
+            <p:ph type="title"/>
+          </p:nvPr>
+        </p:nvSpPr>
+        <p:spPr/>
+        <p:txBody>
+          <a:bodyPr/>
+          <a:lstStyle/>
+          <a:p>
+            <a:r>
+              <a:rPr lang="en-CA" dirty="0"/>
+              <a:t>Architectural Design</a:t>
+            </a:r>
+          </a:p>
+        </p:txBody>
+      </p:sp>
+      <p:sp>
+        <p:nvSpPr>
+          <p:cNvPr id="14" name="Content Placeholder 13"/>
+          <p:cNvSpPr>
+            <a:spLocks noGrp="1"/>
+          </p:cNvSpPr>
+          <p:nvPr>
+            <p:ph sz="half" idx="1"/>
+          </p:nvPr>
+        </p:nvSpPr>
+        <p:spPr/>
+        <p:txBody>
+          <a:bodyPr/>
+          <a:lstStyle/>
+          <a:p>
+            <a:r>
+              <a:rPr lang="en-CA" dirty="0"/>
+              <a:t>Used Model-View-Controller architectural pattern</a:t>
+            </a:r>
+          </a:p>
+          <a:p>
+            <a:endParaRPr lang="en-CA" dirty="0"/>
+          </a:p>
+          <a:p>
+            <a:r>
+              <a:rPr lang="en-CA" dirty="0"/>
+              <a:t>User makes request</a:t>
+            </a:r>
+          </a:p>
+          <a:p>
+            <a:r>
+              <a:rPr lang="en-CA" dirty="0"/>
+              <a:t>Controller translates this request for Model</a:t>
+            </a:r>
+          </a:p>
+          <a:p>
+            <a:r>
+              <a:rPr lang="en-CA" dirty="0"/>
+              <a:t>Model manipulates and returns appropriate data</a:t>
+            </a:r>
+          </a:p>
+          <a:p>
+            <a:r>
+              <a:rPr lang="en-CA" dirty="0"/>
+              <a:t>View displays data to User</a:t>
+            </a:r>
+          </a:p>
+        </p:txBody>
+      </p:sp>
+      <p:pic>
+        <p:nvPicPr>
+          <p:cNvPr id="15" name="Content Placeholder 14"/>
+          <p:cNvPicPr>
+            <a:picLocks noGrp="1" noChangeAspect="1"/>
+          </p:cNvPicPr>
+          <p:nvPr>
+            <p:ph sz="half" idx="2"/>
+          </p:nvPr>
+        </p:nvPicPr>
+        <p:blipFill>
+          <a:blip r:embed="rId2">
+            <a:extLst>
+              <a:ext uri="{28A0092B-C50C-407E-A947-70E740481C1C}">
+                <a14:useLocalDpi xmlns:a14="http://schemas.microsoft.com/office/drawing/2010/main" val="0"/>
+              </a:ext>
+            </a:extLst>
+          </a:blip>
+          <a:stretch>
+            <a:fillRect/>
+          </a:stretch>
+        </p:blipFill>
+        <p:spPr>
+          <a:xfrm>
+            <a:off x="6281737" y="1829594"/>
+            <a:ext cx="4962525" cy="4343400"/>
+          </a:xfrm>
+        </p:spPr>
+      </p:pic>
+    </p:spTree>
+    <p:extLst>
+      <p:ext uri="{BB962C8B-B14F-4D97-AF65-F5344CB8AC3E}">
+        <p14:creationId xmlns:p14="http://schemas.microsoft.com/office/powerpoint/2010/main" val="1583646386"/>
+      </p:ext>
+    </p:extLst>
+  </p:cSld>
+  <p:clrMapOvr>
+    <a:masterClrMapping/>
+  </p:clrMapOvr>
+</p:sld>
+</file>
+
+<file path=ppt/slides/slide13.xml><?xml version="1.0" encoding="utf-8"?>
+<p:sld xmlns:a="http://schemas.openxmlformats.org/drawingml/2006/main" xmlns:r="http://schemas.openxmlformats.org/officeDocument/2006/relationships" xmlns:p="http://schemas.openxmlformats.org/presentationml/2006/main">
+  <p:cSld>
+    <p:spTree>
+      <p:nvGrpSpPr>
+        <p:cNvPr id="1" name=""/>
+        <p:cNvGrpSpPr/>
+        <p:nvPr/>
+      </p:nvGrpSpPr>
+      <p:grpSpPr>
+        <a:xfrm>
+          <a:off x="0" y="0"/>
+          <a:ext cx="0" cy="0"/>
+          <a:chOff x="0" y="0"/>
+          <a:chExt cx="0" cy="0"/>
+        </a:xfrm>
+      </p:grpSpPr>
+      <p:sp>
+        <p:nvSpPr>
+          <p:cNvPr id="2" name="Title 1">
+            <a:extLst>
+              <a:ext uri="{FF2B5EF4-FFF2-40B4-BE49-F238E27FC236}">
+                <a16:creationId xmlns:a16="http://schemas.microsoft.com/office/drawing/2014/main" id="{71E64F24-4AF0-4170-9D1E-7222058FFB6F}"/>
+              </a:ext>
+            </a:extLst>
+          </p:cNvPr>
+          <p:cNvSpPr>
+            <a:spLocks noGrp="1"/>
+          </p:cNvSpPr>
+          <p:nvPr>
+            <p:ph type="title"/>
+          </p:nvPr>
+        </p:nvSpPr>
+        <p:spPr/>
+        <p:txBody>
+          <a:bodyPr/>
+          <a:lstStyle/>
+          <a:p>
+            <a:r>
+              <a:rPr lang="en-US" dirty="0"/>
+              <a:t>Interaction Models</a:t>
+            </a:r>
+          </a:p>
+        </p:txBody>
+      </p:sp>
+      <p:sp>
+        <p:nvSpPr>
+          <p:cNvPr id="18" name="Text Placeholder 17">
+            <a:extLst>
+              <a:ext uri="{FF2B5EF4-FFF2-40B4-BE49-F238E27FC236}">
+                <a16:creationId xmlns:a16="http://schemas.microsoft.com/office/drawing/2014/main" id="{EAC855C9-73A7-46C9-8F28-72B63046511E}"/>
+              </a:ext>
+            </a:extLst>
+          </p:cNvPr>
+          <p:cNvSpPr>
+            <a:spLocks noGrp="1"/>
+          </p:cNvSpPr>
+          <p:nvPr>
+            <p:ph type="body" idx="1"/>
+          </p:nvPr>
+        </p:nvSpPr>
+        <p:spPr/>
+        <p:txBody>
+          <a:bodyPr/>
+          <a:lstStyle/>
+          <a:p>
+            <a:r>
+              <a:rPr lang="en-US" dirty="0"/>
+              <a:t>Use Case Models</a:t>
+            </a:r>
+          </a:p>
+        </p:txBody>
+      </p:sp>
+      <p:pic>
+        <p:nvPicPr>
+          <p:cNvPr id="24" name="Picture 2" descr="https://lh6.googleusercontent.com/EBasbrb2YlriKbbnkKuxf3vvU-yNnF_t_r5217MPZEVQhj0G2Gy-JZ9niIPXR4fhXjvrYz5kZNrKQwtjzZHOzdWViTX9pUQYTSB75YAyeai3y12ACADUxYe0-rlThCeW6A">
+            <a:extLst>
+              <a:ext uri="{FF2B5EF4-FFF2-40B4-BE49-F238E27FC236}">
+                <a16:creationId xmlns:a16="http://schemas.microsoft.com/office/drawing/2014/main" id="{E935278F-6240-4A72-A9BF-06D3D489EEB2}"/>
+              </a:ext>
+            </a:extLst>
+          </p:cNvPr>
+          <p:cNvPicPr>
+            <a:picLocks noGrp="1" noChangeAspect="1" noChangeArrowheads="1"/>
+          </p:cNvPicPr>
+          <p:nvPr>
+            <p:ph sz="half" idx="2"/>
+          </p:nvPr>
+        </p:nvPicPr>
+        <p:blipFill>
+          <a:blip r:embed="rId2">
+            <a:extLst>
+              <a:ext uri="{28A0092B-C50C-407E-A947-70E740481C1C}">
+                <a14:useLocalDpi xmlns:a14="http://schemas.microsoft.com/office/drawing/2010/main" val="0"/>
+              </a:ext>
+            </a:extLst>
+          </a:blip>
+          <a:stretch>
+            <a:fillRect/>
+          </a:stretch>
+        </p:blipFill>
+        <p:spPr bwMode="auto">
+          <a:xfrm>
+            <a:off x="1358482" y="2505075"/>
+            <a:ext cx="4120399" cy="3684588"/>
+          </a:xfrm>
+          <a:prstGeom prst="rect">
+            <a:avLst/>
+          </a:prstGeom>
+          <a:noFill/>
+          <a:extLst>
+            <a:ext uri="{909E8E84-426E-40DD-AFC4-6F175D3DCCD1}">
+              <a14:hiddenFill xmlns:a14="http://schemas.microsoft.com/office/drawing/2010/main">
+                <a:solidFill>
+                  <a:srgbClr val="FFFFFF"/>
+                </a:solidFill>
+              </a14:hiddenFill>
+            </a:ext>
+          </a:extLst>
+        </p:spPr>
+      </p:pic>
+      <p:sp>
+        <p:nvSpPr>
+          <p:cNvPr id="19" name="Text Placeholder 18">
+            <a:extLst>
+              <a:ext uri="{FF2B5EF4-FFF2-40B4-BE49-F238E27FC236}">
+                <a16:creationId xmlns:a16="http://schemas.microsoft.com/office/drawing/2014/main" id="{49406D1E-7418-4F22-9481-2F74CBED9126}"/>
+              </a:ext>
+            </a:extLst>
+          </p:cNvPr>
+          <p:cNvSpPr>
+            <a:spLocks noGrp="1"/>
+          </p:cNvSpPr>
+          <p:nvPr>
+            <p:ph type="body" sz="quarter" idx="3"/>
+          </p:nvPr>
+        </p:nvSpPr>
+        <p:spPr/>
+        <p:txBody>
+          <a:bodyPr/>
+          <a:lstStyle/>
+          <a:p>
+            <a:r>
+              <a:rPr lang="en-US" dirty="0"/>
+              <a:t>Sequence Diagrams</a:t>
+            </a:r>
+          </a:p>
+        </p:txBody>
+      </p:sp>
+      <p:pic>
+        <p:nvPicPr>
+          <p:cNvPr id="2060" name="Picture 12" descr="https://lh5.googleusercontent.com/pDTQ-iF2QR3hv9BaeY9KZE-oTEc4ZIrN7Vw8QdKmyYkj3kvvVheyWBlO66NF_wDYyXdACp4v324LUiQSDdJXRrpjj9xXYpPvyxkXA00HcwI5kwGftZwVTAQlwG6zFSBjFg">
+            <a:extLst>
+              <a:ext uri="{FF2B5EF4-FFF2-40B4-BE49-F238E27FC236}">
+                <a16:creationId xmlns:a16="http://schemas.microsoft.com/office/drawing/2014/main" id="{3DD6B756-3FCE-4452-86EA-33A31AB221B7}"/>
+              </a:ext>
+            </a:extLst>
+          </p:cNvPr>
+          <p:cNvPicPr>
+            <a:picLocks noGrp="1" noChangeAspect="1" noChangeArrowheads="1"/>
+          </p:cNvPicPr>
+          <p:nvPr>
+            <p:ph sz="quarter" idx="4"/>
+          </p:nvPr>
+        </p:nvPicPr>
+        <p:blipFill>
+          <a:blip r:embed="rId3">
+            <a:extLst>
+              <a:ext uri="{28A0092B-C50C-407E-A947-70E740481C1C}">
+                <a14:useLocalDpi xmlns:a14="http://schemas.microsoft.com/office/drawing/2010/main" val="0"/>
+              </a:ext>
+            </a:extLst>
+          </a:blip>
+          <a:stretch>
+            <a:fillRect/>
+          </a:stretch>
+        </p:blipFill>
+        <p:spPr bwMode="auto">
+          <a:xfrm>
+            <a:off x="7063581" y="2913856"/>
+            <a:ext cx="3400425" cy="2867025"/>
+          </a:xfrm>
+          <a:prstGeom prst="rect">
+            <a:avLst/>
+          </a:prstGeom>
+          <a:noFill/>
+          <a:extLst>
+            <a:ext uri="{909E8E84-426E-40DD-AFC4-6F175D3DCCD1}">
+              <a14:hiddenFill xmlns:a14="http://schemas.microsoft.com/office/drawing/2010/main">
+                <a:solidFill>
+                  <a:srgbClr val="FFFFFF"/>
+                </a:solidFill>
+              </a14:hiddenFill>
+            </a:ext>
+          </a:extLst>
+        </p:spPr>
+      </p:pic>
+    </p:spTree>
+    <p:extLst>
+      <p:ext uri="{BB962C8B-B14F-4D97-AF65-F5344CB8AC3E}">
+        <p14:creationId xmlns:p14="http://schemas.microsoft.com/office/powerpoint/2010/main" val="4099611496"/>
+      </p:ext>
+    </p:extLst>
+  </p:cSld>
+  <p:clrMapOvr>
+    <a:masterClrMapping/>
+  </p:clrMapOvr>
+</p:sld>
+</file>
+
+<file path=ppt/slides/slide14.xml><?xml version="1.0" encoding="utf-8"?>
+<p:sld xmlns:a="http://schemas.openxmlformats.org/drawingml/2006/main" xmlns:r="http://schemas.openxmlformats.org/officeDocument/2006/relationships" xmlns:p="http://schemas.openxmlformats.org/presentationml/2006/main">
+  <p:cSld>
+    <p:spTree>
+      <p:nvGrpSpPr>
+        <p:cNvPr id="1" name=""/>
+        <p:cNvGrpSpPr/>
+        <p:nvPr/>
+      </p:nvGrpSpPr>
+      <p:grpSpPr>
+        <a:xfrm>
+          <a:off x="0" y="0"/>
+          <a:ext cx="0" cy="0"/>
+          <a:chOff x="0" y="0"/>
+          <a:chExt cx="0" cy="0"/>
+        </a:xfrm>
+      </p:grpSpPr>
+      <p:sp>
+        <p:nvSpPr>
+          <p:cNvPr id="2" name="Title 1">
+            <a:extLst>
+              <a:ext uri="{FF2B5EF4-FFF2-40B4-BE49-F238E27FC236}">
+                <a16:creationId xmlns:a16="http://schemas.microsoft.com/office/drawing/2014/main" id="{98ED9786-71A2-4695-87BC-549C475BF547}"/>
+              </a:ext>
+            </a:extLst>
+          </p:cNvPr>
+          <p:cNvSpPr>
+            <a:spLocks noGrp="1"/>
+          </p:cNvSpPr>
+          <p:nvPr>
+            <p:ph type="title"/>
+          </p:nvPr>
+        </p:nvSpPr>
+        <p:spPr/>
+        <p:txBody>
+          <a:bodyPr/>
+          <a:lstStyle/>
+          <a:p>
+            <a:r>
+              <a:rPr lang="en-US" dirty="0"/>
+              <a:t>Programming</a:t>
+            </a:r>
+          </a:p>
+        </p:txBody>
+      </p:sp>
+      <p:sp>
+        <p:nvSpPr>
+          <p:cNvPr id="3" name="Content Placeholder 2">
+            <a:extLst>
+              <a:ext uri="{FF2B5EF4-FFF2-40B4-BE49-F238E27FC236}">
+                <a16:creationId xmlns:a16="http://schemas.microsoft.com/office/drawing/2014/main" id="{BE4262A1-CDFA-4A97-B781-CCAB63A6128C}"/>
+              </a:ext>
+            </a:extLst>
+          </p:cNvPr>
+          <p:cNvSpPr>
+            <a:spLocks noGrp="1"/>
+          </p:cNvSpPr>
+          <p:nvPr>
+            <p:ph idx="1"/>
+          </p:nvPr>
+        </p:nvSpPr>
+        <p:spPr/>
+        <p:txBody>
+          <a:bodyPr/>
+          <a:lstStyle/>
+          <a:p>
+            <a:r>
+              <a:rPr lang="en-US" dirty="0"/>
+              <a:t>Mostly used Java</a:t>
+            </a:r>
+          </a:p>
+          <a:p>
+            <a:pPr marL="0" indent="0">
+              <a:buNone/>
+            </a:pPr>
+            <a:endParaRPr lang="en-US" dirty="0"/>
+          </a:p>
+          <a:p>
+            <a:r>
+              <a:rPr lang="en-US" dirty="0"/>
+              <a:t>MySQL used to create structure of database</a:t>
+            </a:r>
+          </a:p>
+        </p:txBody>
+      </p:sp>
+    </p:spTree>
+    <p:extLst>
+      <p:ext uri="{BB962C8B-B14F-4D97-AF65-F5344CB8AC3E}">
+        <p14:creationId xmlns:p14="http://schemas.microsoft.com/office/powerpoint/2010/main" val="1803018225"/>
+      </p:ext>
+    </p:extLst>
+  </p:cSld>
+  <p:clrMapOvr>
+    <a:masterClrMapping/>
+  </p:clrMapOvr>
+</p:sld>
+</file>
+
+<file path=ppt/slides/slide15.xml><?xml version="1.0" encoding="utf-8"?>
+<p:sld xmlns:a="http://schemas.openxmlformats.org/drawingml/2006/main" xmlns:r="http://schemas.openxmlformats.org/officeDocument/2006/relationships" xmlns:p="http://schemas.openxmlformats.org/presentationml/2006/main">
+  <p:cSld>
+    <p:spTree>
+      <p:nvGrpSpPr>
+        <p:cNvPr id="1" name=""/>
+        <p:cNvGrpSpPr/>
+        <p:nvPr/>
+      </p:nvGrpSpPr>
+      <p:grpSpPr>
+        <a:xfrm>
+          <a:off x="0" y="0"/>
+          <a:ext cx="0" cy="0"/>
+          <a:chOff x="0" y="0"/>
+          <a:chExt cx="0" cy="0"/>
+        </a:xfrm>
+      </p:grpSpPr>
+      <p:sp>
+        <p:nvSpPr>
+          <p:cNvPr id="2" name="Title 1">
+            <a:extLst>
+              <a:ext uri="{FF2B5EF4-FFF2-40B4-BE49-F238E27FC236}">
+                <a16:creationId xmlns:a16="http://schemas.microsoft.com/office/drawing/2014/main" id="{24801084-EFF3-4D98-876B-B5E157AC8F05}"/>
+              </a:ext>
+            </a:extLst>
+          </p:cNvPr>
+          <p:cNvSpPr>
+            <a:spLocks noGrp="1"/>
+          </p:cNvSpPr>
+          <p:nvPr>
+            <p:ph type="title"/>
+          </p:nvPr>
+        </p:nvSpPr>
+        <p:spPr/>
+        <p:txBody>
+          <a:bodyPr/>
+          <a:lstStyle/>
+          <a:p>
+            <a:r>
+              <a:rPr lang="en-US" dirty="0"/>
+              <a:t>Testing</a:t>
+            </a:r>
+          </a:p>
+        </p:txBody>
+      </p:sp>
+      <p:sp>
+        <p:nvSpPr>
+          <p:cNvPr id="3" name="Content Placeholder 2">
+            <a:extLst>
+              <a:ext uri="{FF2B5EF4-FFF2-40B4-BE49-F238E27FC236}">
+                <a16:creationId xmlns:a16="http://schemas.microsoft.com/office/drawing/2014/main" id="{08EEE4AF-EC6A-4F06-B9BF-84B62704BAB9}"/>
+              </a:ext>
+            </a:extLst>
+          </p:cNvPr>
+          <p:cNvSpPr>
+            <a:spLocks noGrp="1"/>
+          </p:cNvSpPr>
+          <p:nvPr>
+            <p:ph idx="1"/>
+          </p:nvPr>
+        </p:nvSpPr>
+        <p:spPr/>
+        <p:txBody>
+          <a:bodyPr/>
+          <a:lstStyle/>
+          <a:p>
+            <a:r>
+              <a:rPr lang="en-US" dirty="0"/>
+              <a:t>Still underway!</a:t>
+            </a:r>
+          </a:p>
+          <a:p>
+            <a:endParaRPr lang="en-US" dirty="0"/>
+          </a:p>
+          <a:p>
+            <a:r>
+              <a:rPr lang="en-US" dirty="0"/>
+              <a:t>Done Manually</a:t>
+            </a:r>
+          </a:p>
+          <a:p>
+            <a:endParaRPr lang="en-US" dirty="0"/>
+          </a:p>
+          <a:p>
+            <a:r>
+              <a:rPr lang="en-US" dirty="0"/>
+              <a:t>Most unit testing replaced by careful examination of code</a:t>
+            </a:r>
+          </a:p>
+          <a:p>
+            <a:endParaRPr lang="en-US" dirty="0"/>
+          </a:p>
+          <a:p>
+            <a:r>
+              <a:rPr lang="en-US" dirty="0"/>
+              <a:t>Focus on Component Testing</a:t>
+            </a:r>
+          </a:p>
+          <a:p>
+            <a:pPr lvl="1"/>
+            <a:r>
+              <a:rPr lang="en-US" dirty="0"/>
+              <a:t>Check common workflows</a:t>
+            </a:r>
+          </a:p>
+          <a:p>
+            <a:pPr lvl="1"/>
+            <a:r>
+              <a:rPr lang="en-US" dirty="0"/>
+              <a:t>Then get more creative!</a:t>
+            </a:r>
+          </a:p>
+        </p:txBody>
+      </p:sp>
+    </p:spTree>
+    <p:extLst>
+      <p:ext uri="{BB962C8B-B14F-4D97-AF65-F5344CB8AC3E}">
+        <p14:creationId xmlns:p14="http://schemas.microsoft.com/office/powerpoint/2010/main" val="1190155563"/>
+      </p:ext>
+    </p:extLst>
+  </p:cSld>
+  <p:clrMapOvr>
+    <a:masterClrMapping/>
+  </p:clrMapOvr>
+</p:sld>
+</file>
+
+<file path=ppt/slides/slide16.xml><?xml version="1.0" encoding="utf-8"?>
+<p:sld xmlns:a="http://schemas.openxmlformats.org/drawingml/2006/main" xmlns:r="http://schemas.openxmlformats.org/officeDocument/2006/relationships" xmlns:p="http://schemas.openxmlformats.org/presentationml/2006/main">
+  <p:cSld>
+    <p:spTree>
+      <p:nvGrpSpPr>
+        <p:cNvPr id="1" name=""/>
+        <p:cNvGrpSpPr/>
+        <p:nvPr/>
+      </p:nvGrpSpPr>
+      <p:grpSpPr>
+        <a:xfrm>
+          <a:off x="0" y="0"/>
+          <a:ext cx="0" cy="0"/>
+          <a:chOff x="0" y="0"/>
+          <a:chExt cx="0" cy="0"/>
+        </a:xfrm>
+      </p:grpSpPr>
+      <p:sp>
+        <p:nvSpPr>
+          <p:cNvPr id="2" name="Title 1">
+            <a:extLst>
+              <a:ext uri="{FF2B5EF4-FFF2-40B4-BE49-F238E27FC236}">
+                <a16:creationId xmlns:a16="http://schemas.microsoft.com/office/drawing/2014/main" id="{64FA947C-0E26-4D76-9432-05BEFF76D854}"/>
+              </a:ext>
+            </a:extLst>
+          </p:cNvPr>
+          <p:cNvSpPr>
+            <a:spLocks noGrp="1"/>
+          </p:cNvSpPr>
+          <p:nvPr>
+            <p:ph type="title"/>
+          </p:nvPr>
+        </p:nvSpPr>
+        <p:spPr/>
+        <p:txBody>
+          <a:bodyPr/>
+          <a:lstStyle/>
+          <a:p>
+            <a:r>
+              <a:rPr lang="en-US" dirty="0"/>
+              <a:t>Problems We Overcame</a:t>
+            </a:r>
+          </a:p>
+        </p:txBody>
+      </p:sp>
+      <p:sp>
+        <p:nvSpPr>
+          <p:cNvPr id="3" name="Content Placeholder 2">
+            <a:extLst>
+              <a:ext uri="{FF2B5EF4-FFF2-40B4-BE49-F238E27FC236}">
+                <a16:creationId xmlns:a16="http://schemas.microsoft.com/office/drawing/2014/main" id="{4F6EB389-358C-4E5E-8785-B6BE33CB44B9}"/>
+              </a:ext>
+            </a:extLst>
+          </p:cNvPr>
+          <p:cNvSpPr>
+            <a:spLocks noGrp="1"/>
+          </p:cNvSpPr>
+          <p:nvPr>
+            <p:ph idx="1"/>
+          </p:nvPr>
+        </p:nvSpPr>
+        <p:spPr/>
+        <p:txBody>
+          <a:bodyPr/>
+          <a:lstStyle/>
+          <a:p>
+            <a:r>
+              <a:rPr lang="en-US" dirty="0"/>
+              <a:t>Slow Start</a:t>
+            </a:r>
+          </a:p>
+          <a:p>
+            <a:endParaRPr lang="en-US" dirty="0"/>
+          </a:p>
+          <a:p>
+            <a:r>
+              <a:rPr lang="en-US" dirty="0"/>
+              <a:t>Conflicting Work Styles</a:t>
+            </a:r>
+          </a:p>
+          <a:p>
+            <a:pPr marL="0" indent="0">
+              <a:buNone/>
+            </a:pPr>
+            <a:endParaRPr lang="en-US" dirty="0"/>
+          </a:p>
+          <a:p>
+            <a:r>
+              <a:rPr lang="en-US" dirty="0"/>
+              <a:t>Different Strengths and Skills</a:t>
+            </a:r>
+          </a:p>
+        </p:txBody>
+      </p:sp>
+    </p:spTree>
+    <p:extLst>
+      <p:ext uri="{BB962C8B-B14F-4D97-AF65-F5344CB8AC3E}">
+        <p14:creationId xmlns:p14="http://schemas.microsoft.com/office/powerpoint/2010/main" val="2688178905"/>
+      </p:ext>
+    </p:extLst>
+  </p:cSld>
+  <p:clrMapOvr>
+    <a:masterClrMapping/>
+  </p:clrMapOvr>
+</p:sld>
+</file>
+
+<file path=ppt/slides/slide17.xml><?xml version="1.0" encoding="utf-8"?>
+<p:sld xmlns:a="http://schemas.openxmlformats.org/drawingml/2006/main" xmlns:r="http://schemas.openxmlformats.org/officeDocument/2006/relationships" xmlns:p="http://schemas.openxmlformats.org/presentationml/2006/main">
+  <p:cSld>
+    <p:spTree>
+      <p:nvGrpSpPr>
+        <p:cNvPr id="1" name=""/>
+        <p:cNvGrpSpPr/>
+        <p:nvPr/>
+      </p:nvGrpSpPr>
+      <p:grpSpPr>
+        <a:xfrm>
+          <a:off x="0" y="0"/>
+          <a:ext cx="0" cy="0"/>
+          <a:chOff x="0" y="0"/>
+          <a:chExt cx="0" cy="0"/>
+        </a:xfrm>
+      </p:grpSpPr>
+      <p:sp>
+        <p:nvSpPr>
+          <p:cNvPr id="4" name="Title 3">
+            <a:extLst>
+              <a:ext uri="{FF2B5EF4-FFF2-40B4-BE49-F238E27FC236}">
+                <a16:creationId xmlns:a16="http://schemas.microsoft.com/office/drawing/2014/main" id="{992C58F3-41FA-4DE0-B3AD-A96025E9AB08}"/>
+              </a:ext>
+            </a:extLst>
+          </p:cNvPr>
+          <p:cNvSpPr>
+            <a:spLocks noGrp="1"/>
+          </p:cNvSpPr>
+          <p:nvPr>
+            <p:ph type="title"/>
+          </p:nvPr>
+        </p:nvSpPr>
+        <p:spPr/>
+        <p:txBody>
+          <a:bodyPr/>
+          <a:lstStyle/>
+          <a:p>
+            <a:r>
+              <a:rPr lang="en-US" dirty="0"/>
+              <a:t>What We Learned</a:t>
+            </a:r>
+          </a:p>
+        </p:txBody>
+      </p:sp>
+      <p:sp>
+        <p:nvSpPr>
+          <p:cNvPr id="5" name="Content Placeholder 4">
+            <a:extLst>
+              <a:ext uri="{FF2B5EF4-FFF2-40B4-BE49-F238E27FC236}">
+                <a16:creationId xmlns:a16="http://schemas.microsoft.com/office/drawing/2014/main" id="{9D0DB766-CE8D-4EF2-9F3F-F70D48871AAF}"/>
+              </a:ext>
+            </a:extLst>
+          </p:cNvPr>
+          <p:cNvSpPr>
+            <a:spLocks noGrp="1"/>
+          </p:cNvSpPr>
+          <p:nvPr>
+            <p:ph idx="1"/>
+          </p:nvPr>
+        </p:nvSpPr>
+        <p:spPr/>
+        <p:txBody>
+          <a:bodyPr/>
+          <a:lstStyle/>
+          <a:p>
+            <a:r>
+              <a:rPr lang="en-US" dirty="0"/>
+              <a:t>Communication is key</a:t>
+            </a:r>
+          </a:p>
+          <a:p>
+            <a:endParaRPr lang="en-US" dirty="0"/>
+          </a:p>
+          <a:p>
+            <a:r>
+              <a:rPr lang="en-US" dirty="0"/>
+              <a:t>Work smarter, not harder</a:t>
+            </a:r>
+          </a:p>
+          <a:p>
+            <a:endParaRPr lang="en-US" dirty="0"/>
+          </a:p>
+          <a:p>
+            <a:r>
+              <a:rPr lang="en-US" dirty="0"/>
+              <a:t>…But still work hard</a:t>
+            </a:r>
+          </a:p>
+          <a:p>
+            <a:endParaRPr lang="en-US" dirty="0"/>
+          </a:p>
+          <a:p>
+            <a:endParaRPr lang="en-US" dirty="0"/>
+          </a:p>
+        </p:txBody>
+      </p:sp>
+    </p:spTree>
+    <p:extLst>
+      <p:ext uri="{BB962C8B-B14F-4D97-AF65-F5344CB8AC3E}">
+        <p14:creationId xmlns:p14="http://schemas.microsoft.com/office/powerpoint/2010/main" val="821991651"/>
+      </p:ext>
+    </p:extLst>
+  </p:cSld>
+  <p:clrMapOvr>
+    <a:masterClrMapping/>
+  </p:clrMapOvr>
+</p:sld>
+</file>
+
+<file path=ppt/slides/slide18.xml><?xml version="1.0" encoding="utf-8"?>
+<p:sld xmlns:a="http://schemas.openxmlformats.org/drawingml/2006/main" xmlns:r="http://schemas.openxmlformats.org/officeDocument/2006/relationships" xmlns:p="http://schemas.openxmlformats.org/presentationml/2006/main">
+  <p:cSld>
+    <p:spTree>
+      <p:nvGrpSpPr>
+        <p:cNvPr id="1" name=""/>
+        <p:cNvGrpSpPr/>
+        <p:nvPr/>
+      </p:nvGrpSpPr>
+      <p:grpSpPr>
+        <a:xfrm>
+          <a:off x="0" y="0"/>
+          <a:ext cx="0" cy="0"/>
+          <a:chOff x="0" y="0"/>
+          <a:chExt cx="0" cy="0"/>
+        </a:xfrm>
+      </p:grpSpPr>
+      <p:sp>
+        <p:nvSpPr>
+          <p:cNvPr id="4" name="Title 3">
+            <a:extLst>
+              <a:ext uri="{FF2B5EF4-FFF2-40B4-BE49-F238E27FC236}">
+                <a16:creationId xmlns:a16="http://schemas.microsoft.com/office/drawing/2014/main" id="{492CAF19-63BE-4D19-9BD6-093EDBAB4247}"/>
+              </a:ext>
+            </a:extLst>
+          </p:cNvPr>
+          <p:cNvSpPr>
+            <a:spLocks noGrp="1"/>
+          </p:cNvSpPr>
+          <p:nvPr>
+            <p:ph type="title"/>
+          </p:nvPr>
+        </p:nvSpPr>
+        <p:spPr/>
+        <p:txBody>
+          <a:bodyPr/>
+          <a:lstStyle/>
+          <a:p>
+            <a:r>
+              <a:rPr lang="en-US" dirty="0"/>
+              <a:t>Any Questions?</a:t>
+            </a:r>
+          </a:p>
+        </p:txBody>
+      </p:sp>
+    </p:spTree>
+    <p:extLst>
+      <p:ext uri="{BB962C8B-B14F-4D97-AF65-F5344CB8AC3E}">
+        <p14:creationId xmlns:p14="http://schemas.microsoft.com/office/powerpoint/2010/main" val="1103561619"/>
+      </p:ext>
+    </p:extLst>
+  </p:cSld>
+  <p:clrMapOvr>
+    <a:masterClrMapping/>
+  </p:clrMapOvr>
+</p:sld>
+</file>
+
+<file path=ppt/slides/slide2.xml><?xml version="1.0" encoding="utf-8"?>
+<p:sld xmlns:a="http://schemas.openxmlformats.org/drawingml/2006/main" xmlns:r="http://schemas.openxmlformats.org/officeDocument/2006/relationships" xmlns:p="http://schemas.openxmlformats.org/presentationml/2006/main">
+  <p:cSld>
+    <p:spTree>
+      <p:nvGrpSpPr>
+        <p:cNvPr id="1" name=""/>
+        <p:cNvGrpSpPr/>
+        <p:nvPr/>
+      </p:nvGrpSpPr>
+      <p:grpSpPr>
+        <a:xfrm>
+          <a:off x="0" y="0"/>
+          <a:ext cx="0" cy="0"/>
+          <a:chOff x="0" y="0"/>
+          <a:chExt cx="0" cy="0"/>
+        </a:xfrm>
+      </p:grpSpPr>
+      <p:sp>
+        <p:nvSpPr>
+          <p:cNvPr id="2" name="Title 1"/>
+          <p:cNvSpPr>
+            <a:spLocks noGrp="1"/>
+          </p:cNvSpPr>
+          <p:nvPr>
+            <p:ph type="title"/>
+          </p:nvPr>
+        </p:nvSpPr>
+        <p:spPr/>
+        <p:txBody>
+          <a:bodyPr/>
+          <a:lstStyle/>
+          <a:p>
+            <a:r>
+              <a:rPr lang="en-CA" dirty="0"/>
+              <a:t>Overview</a:t>
+            </a:r>
+          </a:p>
+        </p:txBody>
+      </p:sp>
+      <p:sp>
+        <p:nvSpPr>
+          <p:cNvPr id="3" name="Text Placeholder 2"/>
+          <p:cNvSpPr>
+            <a:spLocks noGrp="1"/>
+          </p:cNvSpPr>
+          <p:nvPr>
+            <p:ph type="body" idx="1"/>
+          </p:nvPr>
+        </p:nvSpPr>
+        <p:spPr/>
+        <p:txBody>
+          <a:bodyPr/>
+          <a:lstStyle/>
+          <a:p>
+            <a:endParaRPr lang="en-CA"/>
+          </a:p>
+        </p:txBody>
+      </p:sp>
+    </p:spTree>
+    <p:extLst>
+      <p:ext uri="{BB962C8B-B14F-4D97-AF65-F5344CB8AC3E}">
+        <p14:creationId xmlns:p14="http://schemas.microsoft.com/office/powerpoint/2010/main" val="1570156828"/>
+      </p:ext>
+    </p:extLst>
+  </p:cSld>
+  <p:clrMapOvr>
+    <a:masterClrMapping/>
+  </p:clrMapOvr>
+</p:sld>
+</file>
+
+<file path=ppt/slides/slide3.xml><?xml version="1.0" encoding="utf-8"?>
+<p:sld xmlns:a="http://schemas.openxmlformats.org/drawingml/2006/main" xmlns:r="http://schemas.openxmlformats.org/officeDocument/2006/relationships" xmlns:p="http://schemas.openxmlformats.org/presentationml/2006/main">
+  <p:cSld>
+    <p:spTree>
+      <p:nvGrpSpPr>
+        <p:cNvPr id="1" name=""/>
+        <p:cNvGrpSpPr/>
+        <p:nvPr/>
+      </p:nvGrpSpPr>
+      <p:grpSpPr>
+        <a:xfrm>
+          <a:off x="0" y="0"/>
+          <a:ext cx="0" cy="0"/>
+          <a:chOff x="0" y="0"/>
+          <a:chExt cx="0" cy="0"/>
+        </a:xfrm>
+      </p:grpSpPr>
+      <p:sp>
+        <p:nvSpPr>
+          <p:cNvPr id="14" name="Title 13">
+            <a:extLst>
+              <a:ext uri="{FF2B5EF4-FFF2-40B4-BE49-F238E27FC236}">
+                <a16:creationId xmlns:a16="http://schemas.microsoft.com/office/drawing/2014/main" id="{44F86584-8242-4402-899E-2AAFCE7A7CD7}"/>
+              </a:ext>
+            </a:extLst>
+          </p:cNvPr>
+          <p:cNvSpPr>
+            <a:spLocks noGrp="1"/>
+          </p:cNvSpPr>
+          <p:nvPr>
+            <p:ph type="title"/>
+          </p:nvPr>
+        </p:nvSpPr>
+        <p:spPr/>
+        <p:txBody>
+          <a:bodyPr/>
+          <a:lstStyle/>
+          <a:p>
+            <a:r>
+              <a:rPr lang="en-US" dirty="0"/>
+              <a:t>Definition</a:t>
+            </a:r>
+          </a:p>
+        </p:txBody>
+      </p:sp>
+      <p:sp>
+        <p:nvSpPr>
+          <p:cNvPr id="15" name="Content Placeholder 14">
+            <a:extLst>
+              <a:ext uri="{FF2B5EF4-FFF2-40B4-BE49-F238E27FC236}">
+                <a16:creationId xmlns:a16="http://schemas.microsoft.com/office/drawing/2014/main" id="{C4EDBEE6-3B7E-4F63-95B1-A79193E4D065}"/>
+              </a:ext>
+            </a:extLst>
+          </p:cNvPr>
+          <p:cNvSpPr>
+            <a:spLocks noGrp="1"/>
+          </p:cNvSpPr>
+          <p:nvPr>
+            <p:ph idx="1"/>
+          </p:nvPr>
+        </p:nvSpPr>
+        <p:spPr/>
+        <p:txBody>
+          <a:bodyPr/>
+          <a:lstStyle/>
+          <a:p>
+            <a:r>
+              <a:rPr lang="en-US" dirty="0"/>
+              <a:t>Point of Sales (POS) describes the moment when a merchant accepts payment in exchange for goods</a:t>
+            </a:r>
+          </a:p>
+          <a:p>
+            <a:r>
+              <a:rPr lang="en-US" dirty="0"/>
+              <a:t>POS system handles this transaction</a:t>
+            </a:r>
+          </a:p>
+          <a:p>
+            <a:endParaRPr lang="en-US" dirty="0"/>
+          </a:p>
+          <a:p>
+            <a:r>
+              <a:rPr lang="en-US" dirty="0"/>
+              <a:t>Ex. Customer pays cashier for goods</a:t>
+            </a:r>
+          </a:p>
+          <a:p>
+            <a:r>
+              <a:rPr lang="en-US" dirty="0"/>
+              <a:t>Ex. You make an online order from Amazon</a:t>
+            </a:r>
+          </a:p>
+        </p:txBody>
+      </p:sp>
+    </p:spTree>
+    <p:extLst>
+      <p:ext uri="{BB962C8B-B14F-4D97-AF65-F5344CB8AC3E}">
+        <p14:creationId xmlns:p14="http://schemas.microsoft.com/office/powerpoint/2010/main" val="284766052"/>
+      </p:ext>
+    </p:extLst>
+  </p:cSld>
+  <p:clrMapOvr>
+    <a:masterClrMapping/>
+  </p:clrMapOvr>
+</p:sld>
+</file>
+
+<file path=ppt/slides/slide4.xml><?xml version="1.0" encoding="utf-8"?>
+<p:sld xmlns:a="http://schemas.openxmlformats.org/drawingml/2006/main" xmlns:r="http://schemas.openxmlformats.org/officeDocument/2006/relationships" xmlns:p="http://schemas.openxmlformats.org/presentationml/2006/main">
+  <p:cSld>
+    <p:spTree>
+      <p:nvGrpSpPr>
+        <p:cNvPr id="1" name=""/>
+        <p:cNvGrpSpPr/>
+        <p:nvPr/>
+      </p:nvGrpSpPr>
+      <p:grpSpPr>
+        <a:xfrm>
+          <a:off x="0" y="0"/>
+          <a:ext cx="0" cy="0"/>
+          <a:chOff x="0" y="0"/>
+          <a:chExt cx="0" cy="0"/>
+        </a:xfrm>
+      </p:grpSpPr>
+      <p:sp>
+        <p:nvSpPr>
+          <p:cNvPr id="2" name="Title 1">
+            <a:extLst>
+              <a:ext uri="{FF2B5EF4-FFF2-40B4-BE49-F238E27FC236}">
+                <a16:creationId xmlns:a16="http://schemas.microsoft.com/office/drawing/2014/main" id="{12EF135D-9544-48E4-8437-0050ADB494A6}"/>
+              </a:ext>
+            </a:extLst>
+          </p:cNvPr>
+          <p:cNvSpPr>
+            <a:spLocks noGrp="1"/>
+          </p:cNvSpPr>
+          <p:nvPr>
+            <p:ph type="title"/>
+          </p:nvPr>
+        </p:nvSpPr>
+        <p:spPr/>
+        <p:txBody>
+          <a:bodyPr/>
+          <a:lstStyle/>
+          <a:p>
+            <a:r>
+              <a:rPr lang="en-US" dirty="0"/>
+              <a:t>Our System</a:t>
+            </a:r>
+          </a:p>
+        </p:txBody>
+      </p:sp>
+      <p:sp>
+        <p:nvSpPr>
+          <p:cNvPr id="3" name="Content Placeholder 2">
+            <a:extLst>
+              <a:ext uri="{FF2B5EF4-FFF2-40B4-BE49-F238E27FC236}">
+                <a16:creationId xmlns:a16="http://schemas.microsoft.com/office/drawing/2014/main" id="{86D09454-7923-4B65-B5B6-107AF36D50B0}"/>
+              </a:ext>
+            </a:extLst>
+          </p:cNvPr>
+          <p:cNvSpPr>
+            <a:spLocks noGrp="1"/>
+          </p:cNvSpPr>
+          <p:nvPr>
+            <p:ph idx="1"/>
+          </p:nvPr>
+        </p:nvSpPr>
+        <p:spPr/>
+        <p:txBody>
+          <a:bodyPr/>
+          <a:lstStyle/>
+          <a:p>
+            <a:r>
+              <a:rPr lang="en-US" dirty="0"/>
+              <a:t>Created a general POS system for businesses that do not use barcodes</a:t>
+            </a:r>
+          </a:p>
+          <a:p>
+            <a:endParaRPr lang="en-US" dirty="0"/>
+          </a:p>
+          <a:p>
+            <a:r>
+              <a:rPr lang="en-US" dirty="0"/>
+              <a:t>Instead, cashier takes order by selecting item from list</a:t>
+            </a:r>
+          </a:p>
+          <a:p>
+            <a:endParaRPr lang="en-US" dirty="0"/>
+          </a:p>
+          <a:p>
+            <a:r>
+              <a:rPr lang="en-US" dirty="0"/>
+              <a:t>Ex. Coffee Shop, Movie Theaters</a:t>
+            </a:r>
+          </a:p>
+        </p:txBody>
+      </p:sp>
+    </p:spTree>
+    <p:extLst>
+      <p:ext uri="{BB962C8B-B14F-4D97-AF65-F5344CB8AC3E}">
+        <p14:creationId xmlns:p14="http://schemas.microsoft.com/office/powerpoint/2010/main" val="3456466334"/>
+      </p:ext>
+    </p:extLst>
+  </p:cSld>
+  <p:clrMapOvr>
+    <a:masterClrMapping/>
+  </p:clrMapOvr>
+</p:sld>
+</file>
+
+<file path=ppt/slides/slide5.xml><?xml version="1.0" encoding="utf-8"?>
+<p:sld xmlns:a="http://schemas.openxmlformats.org/drawingml/2006/main" xmlns:r="http://schemas.openxmlformats.org/officeDocument/2006/relationships" xmlns:p="http://schemas.openxmlformats.org/presentationml/2006/main">
+  <p:cSld>
+    <p:spTree>
+      <p:nvGrpSpPr>
+        <p:cNvPr id="1" name=""/>
+        <p:cNvGrpSpPr/>
+        <p:nvPr/>
+      </p:nvGrpSpPr>
+      <p:grpSpPr>
+        <a:xfrm>
+          <a:off x="0" y="0"/>
+          <a:ext cx="0" cy="0"/>
+          <a:chOff x="0" y="0"/>
+          <a:chExt cx="0" cy="0"/>
+        </a:xfrm>
+      </p:grpSpPr>
+      <p:sp>
+        <p:nvSpPr>
+          <p:cNvPr id="2" name="Title 1">
+            <a:extLst>
+              <a:ext uri="{FF2B5EF4-FFF2-40B4-BE49-F238E27FC236}">
+                <a16:creationId xmlns:a16="http://schemas.microsoft.com/office/drawing/2014/main" id="{5536EA74-B60F-4D41-B7F0-67C4CAF9D521}"/>
+              </a:ext>
+            </a:extLst>
+          </p:cNvPr>
+          <p:cNvSpPr>
+            <a:spLocks noGrp="1"/>
+          </p:cNvSpPr>
+          <p:nvPr>
+            <p:ph type="title"/>
+          </p:nvPr>
+        </p:nvSpPr>
+        <p:spPr/>
+        <p:txBody>
+          <a:bodyPr/>
+          <a:lstStyle/>
+          <a:p>
+            <a:r>
+              <a:rPr lang="en-US" dirty="0"/>
+              <a:t>Users</a:t>
+            </a:r>
+          </a:p>
+        </p:txBody>
+      </p:sp>
+      <p:sp>
+        <p:nvSpPr>
+          <p:cNvPr id="6" name="Text Placeholder 5">
+            <a:extLst>
+              <a:ext uri="{FF2B5EF4-FFF2-40B4-BE49-F238E27FC236}">
+                <a16:creationId xmlns:a16="http://schemas.microsoft.com/office/drawing/2014/main" id="{E6C21443-513C-4C14-84D2-60D9FFEA9A15}"/>
+              </a:ext>
+            </a:extLst>
+          </p:cNvPr>
+          <p:cNvSpPr>
+            <a:spLocks noGrp="1"/>
+          </p:cNvSpPr>
+          <p:nvPr>
+            <p:ph type="body" idx="1"/>
+          </p:nvPr>
+        </p:nvSpPr>
+        <p:spPr/>
+        <p:txBody>
+          <a:bodyPr/>
+          <a:lstStyle/>
+          <a:p>
+            <a:r>
+              <a:rPr lang="en-US" dirty="0"/>
+              <a:t>Cashier</a:t>
+            </a:r>
+          </a:p>
+        </p:txBody>
+      </p:sp>
+      <p:sp>
+        <p:nvSpPr>
+          <p:cNvPr id="3" name="Content Placeholder 2">
+            <a:extLst>
+              <a:ext uri="{FF2B5EF4-FFF2-40B4-BE49-F238E27FC236}">
+                <a16:creationId xmlns:a16="http://schemas.microsoft.com/office/drawing/2014/main" id="{14319B50-BCE7-417A-BC96-CDE699506ADD}"/>
+              </a:ext>
+            </a:extLst>
+          </p:cNvPr>
+          <p:cNvSpPr>
+            <a:spLocks noGrp="1"/>
+          </p:cNvSpPr>
+          <p:nvPr>
+            <p:ph sz="half" idx="2"/>
+          </p:nvPr>
+        </p:nvSpPr>
+        <p:spPr/>
+        <p:txBody>
+          <a:bodyPr/>
+          <a:lstStyle/>
+          <a:p>
+            <a:pPr marL="0" indent="0">
+              <a:buNone/>
+            </a:pPr>
+            <a:endParaRPr lang="en-US" dirty="0"/>
+          </a:p>
+          <a:p>
+            <a:r>
+              <a:rPr lang="en-US" dirty="0"/>
+              <a:t>Starts a new transaction </a:t>
+            </a:r>
+          </a:p>
+          <a:p>
+            <a:r>
+              <a:rPr lang="en-US" dirty="0"/>
+              <a:t>Adds/removes items from customer’s “virtual cart”</a:t>
+            </a:r>
+          </a:p>
+          <a:p>
+            <a:r>
+              <a:rPr lang="en-US" dirty="0"/>
+              <a:t>Accepts payment to finish transaction</a:t>
+            </a:r>
+          </a:p>
+        </p:txBody>
+      </p:sp>
+      <p:sp>
+        <p:nvSpPr>
+          <p:cNvPr id="7" name="Text Placeholder 6">
+            <a:extLst>
+              <a:ext uri="{FF2B5EF4-FFF2-40B4-BE49-F238E27FC236}">
+                <a16:creationId xmlns:a16="http://schemas.microsoft.com/office/drawing/2014/main" id="{1AA33A14-4CD9-4075-A791-9B103CC737A9}"/>
+              </a:ext>
+            </a:extLst>
+          </p:cNvPr>
+          <p:cNvSpPr>
+            <a:spLocks noGrp="1"/>
+          </p:cNvSpPr>
+          <p:nvPr>
+            <p:ph type="body" sz="quarter" idx="3"/>
+          </p:nvPr>
+        </p:nvSpPr>
+        <p:spPr/>
+        <p:txBody>
+          <a:bodyPr/>
+          <a:lstStyle/>
+          <a:p>
+            <a:r>
+              <a:rPr lang="en-US" dirty="0"/>
+              <a:t>Manager</a:t>
+            </a:r>
+          </a:p>
+        </p:txBody>
+      </p:sp>
+      <p:sp>
+        <p:nvSpPr>
+          <p:cNvPr id="8" name="Content Placeholder 7">
+            <a:extLst>
+              <a:ext uri="{FF2B5EF4-FFF2-40B4-BE49-F238E27FC236}">
+                <a16:creationId xmlns:a16="http://schemas.microsoft.com/office/drawing/2014/main" id="{518B4174-68C6-4BEA-A070-3E7FC2DD64A1}"/>
+              </a:ext>
+            </a:extLst>
+          </p:cNvPr>
+          <p:cNvSpPr>
+            <a:spLocks noGrp="1"/>
+          </p:cNvSpPr>
+          <p:nvPr>
+            <p:ph sz="quarter" idx="4"/>
+          </p:nvPr>
+        </p:nvSpPr>
+        <p:spPr/>
+        <p:txBody>
+          <a:bodyPr/>
+          <a:lstStyle/>
+          <a:p>
+            <a:r>
+              <a:rPr lang="en-US" dirty="0"/>
+              <a:t>Adds/removes cashiers that can login</a:t>
+            </a:r>
+          </a:p>
+          <a:p>
+            <a:r>
+              <a:rPr lang="en-US" dirty="0"/>
+              <a:t>Change list of goods offered by store</a:t>
+            </a:r>
+          </a:p>
+          <a:p>
+            <a:r>
+              <a:rPr lang="en-US" dirty="0"/>
+              <a:t>…</a:t>
+            </a:r>
+          </a:p>
+          <a:p>
+            <a:r>
+              <a:rPr lang="en-US" dirty="0"/>
+              <a:t>Supervises?</a:t>
+            </a:r>
+          </a:p>
+        </p:txBody>
+      </p:sp>
+    </p:spTree>
+    <p:extLst>
+      <p:ext uri="{BB962C8B-B14F-4D97-AF65-F5344CB8AC3E}">
+        <p14:creationId xmlns:p14="http://schemas.microsoft.com/office/powerpoint/2010/main" val="114767895"/>
+      </p:ext>
+    </p:extLst>
+  </p:cSld>
+  <p:clrMapOvr>
+    <a:masterClrMapping/>
+  </p:clrMapOvr>
+</p:sld>
+</file>
+
+<file path=ppt/slides/slide6.xml><?xml version="1.0" encoding="utf-8"?>
+<p:sld xmlns:a="http://schemas.openxmlformats.org/drawingml/2006/main" xmlns:r="http://schemas.openxmlformats.org/officeDocument/2006/relationships" xmlns:p="http://schemas.openxmlformats.org/presentationml/2006/main">
+  <p:cSld>
+    <p:spTree>
+      <p:nvGrpSpPr>
+        <p:cNvPr id="1" name=""/>
+        <p:cNvGrpSpPr/>
+        <p:nvPr/>
+      </p:nvGrpSpPr>
+      <p:grpSpPr>
+        <a:xfrm>
+          <a:off x="0" y="0"/>
+          <a:ext cx="0" cy="0"/>
+          <a:chOff x="0" y="0"/>
+          <a:chExt cx="0" cy="0"/>
+        </a:xfrm>
+      </p:grpSpPr>
+      <p:sp>
+        <p:nvSpPr>
+          <p:cNvPr id="2" name="Title 1">
+            <a:extLst>
+              <a:ext uri="{FF2B5EF4-FFF2-40B4-BE49-F238E27FC236}">
+                <a16:creationId xmlns:a16="http://schemas.microsoft.com/office/drawing/2014/main" id="{3F87B5A0-433E-4A69-A67E-F5EA5E40BE60}"/>
+              </a:ext>
+            </a:extLst>
+          </p:cNvPr>
+          <p:cNvSpPr>
+            <a:spLocks noGrp="1"/>
+          </p:cNvSpPr>
+          <p:nvPr>
+            <p:ph type="title"/>
+          </p:nvPr>
+        </p:nvSpPr>
+        <p:spPr/>
+        <p:txBody>
+          <a:bodyPr/>
+          <a:lstStyle/>
+          <a:p>
+            <a:r>
+              <a:rPr lang="en-US" dirty="0"/>
+              <a:t>User’s Perspective</a:t>
+            </a:r>
+          </a:p>
+        </p:txBody>
+      </p:sp>
+      <p:sp>
+        <p:nvSpPr>
+          <p:cNvPr id="3" name="Text Placeholder 2">
+            <a:extLst>
+              <a:ext uri="{FF2B5EF4-FFF2-40B4-BE49-F238E27FC236}">
+                <a16:creationId xmlns:a16="http://schemas.microsoft.com/office/drawing/2014/main" id="{2DF6D1F8-9E75-493E-8EE4-8A8B51C7EF3B}"/>
+              </a:ext>
+            </a:extLst>
+          </p:cNvPr>
+          <p:cNvSpPr>
+            <a:spLocks noGrp="1"/>
+          </p:cNvSpPr>
+          <p:nvPr>
+            <p:ph type="body" idx="1"/>
+          </p:nvPr>
+        </p:nvSpPr>
+        <p:spPr/>
+        <p:txBody>
+          <a:bodyPr/>
+          <a:lstStyle/>
+          <a:p>
+            <a:r>
+              <a:rPr lang="en-US" dirty="0"/>
+              <a:t>First Screen Seen By User</a:t>
+            </a:r>
+          </a:p>
+        </p:txBody>
+      </p:sp>
+      <p:pic>
+        <p:nvPicPr>
+          <p:cNvPr id="8" name="Content Placeholder 7">
+            <a:extLst>
+              <a:ext uri="{FF2B5EF4-FFF2-40B4-BE49-F238E27FC236}">
+                <a16:creationId xmlns:a16="http://schemas.microsoft.com/office/drawing/2014/main" id="{998F79E7-2738-412F-BD8F-2A79580AD78D}"/>
+              </a:ext>
+            </a:extLst>
+          </p:cNvPr>
+          <p:cNvPicPr>
+            <a:picLocks noGrp="1" noChangeAspect="1"/>
+          </p:cNvPicPr>
+          <p:nvPr>
+            <p:ph sz="half" idx="2"/>
+          </p:nvPr>
+        </p:nvPicPr>
+        <p:blipFill>
+          <a:blip r:embed="rId2"/>
+          <a:stretch>
+            <a:fillRect/>
+          </a:stretch>
+        </p:blipFill>
+        <p:spPr>
+          <a:xfrm>
+            <a:off x="839788" y="3052956"/>
+            <a:ext cx="5157787" cy="2588825"/>
+          </a:xfrm>
+          <a:prstGeom prst="rect">
+            <a:avLst/>
+          </a:prstGeom>
+        </p:spPr>
+      </p:pic>
+      <p:sp>
+        <p:nvSpPr>
+          <p:cNvPr id="5" name="Text Placeholder 4">
+            <a:extLst>
+              <a:ext uri="{FF2B5EF4-FFF2-40B4-BE49-F238E27FC236}">
+                <a16:creationId xmlns:a16="http://schemas.microsoft.com/office/drawing/2014/main" id="{B4704C09-A662-408A-8A59-4DC9EB969606}"/>
+              </a:ext>
+            </a:extLst>
+          </p:cNvPr>
+          <p:cNvSpPr>
+            <a:spLocks noGrp="1"/>
+          </p:cNvSpPr>
+          <p:nvPr>
+            <p:ph type="body" sz="quarter" idx="3"/>
+          </p:nvPr>
+        </p:nvSpPr>
+        <p:spPr/>
+        <p:txBody>
+          <a:bodyPr/>
+          <a:lstStyle/>
+          <a:p>
+            <a:r>
+              <a:rPr lang="en-US" dirty="0"/>
+              <a:t>        Employee Logs In</a:t>
+            </a:r>
+          </a:p>
+        </p:txBody>
+      </p:sp>
+      <p:pic>
+        <p:nvPicPr>
+          <p:cNvPr id="7" name="Content Placeholder 6">
+            <a:extLst>
+              <a:ext uri="{FF2B5EF4-FFF2-40B4-BE49-F238E27FC236}">
+                <a16:creationId xmlns:a16="http://schemas.microsoft.com/office/drawing/2014/main" id="{23AA2718-A547-4A44-AC75-EAAD8D124A29}"/>
+              </a:ext>
+            </a:extLst>
+          </p:cNvPr>
+          <p:cNvPicPr>
+            <a:picLocks noGrp="1" noChangeAspect="1"/>
+          </p:cNvPicPr>
+          <p:nvPr>
+            <p:ph sz="quarter" idx="4"/>
+          </p:nvPr>
+        </p:nvPicPr>
+        <p:blipFill>
+          <a:blip r:embed="rId3"/>
+          <a:stretch>
+            <a:fillRect/>
+          </a:stretch>
+        </p:blipFill>
+        <p:spPr>
+          <a:xfrm>
+            <a:off x="6792119" y="2685256"/>
+            <a:ext cx="3943350" cy="3324225"/>
+          </a:xfrm>
+          <a:prstGeom prst="rect">
+            <a:avLst/>
+          </a:prstGeom>
+        </p:spPr>
+      </p:pic>
+    </p:spTree>
+    <p:extLst>
+      <p:ext uri="{BB962C8B-B14F-4D97-AF65-F5344CB8AC3E}">
+        <p14:creationId xmlns:p14="http://schemas.microsoft.com/office/powerpoint/2010/main" val="535499374"/>
+      </p:ext>
+    </p:extLst>
+  </p:cSld>
+  <p:clrMapOvr>
+    <a:masterClrMapping/>
+  </p:clrMapOvr>
+</p:sld>
+</file>
+
+<file path=ppt/slides/slide7.xml><?xml version="1.0" encoding="utf-8"?>
+<p:sld xmlns:a="http://schemas.openxmlformats.org/drawingml/2006/main" xmlns:r="http://schemas.openxmlformats.org/officeDocument/2006/relationships" xmlns:p="http://schemas.openxmlformats.org/presentationml/2006/main">
+  <p:cSld>
+    <p:spTree>
+      <p:nvGrpSpPr>
+        <p:cNvPr id="1" name=""/>
+        <p:cNvGrpSpPr/>
+        <p:nvPr/>
+      </p:nvGrpSpPr>
+      <p:grpSpPr>
+        <a:xfrm>
+          <a:off x="0" y="0"/>
+          <a:ext cx="0" cy="0"/>
+          <a:chOff x="0" y="0"/>
+          <a:chExt cx="0" cy="0"/>
+        </a:xfrm>
+      </p:grpSpPr>
+      <p:sp>
+        <p:nvSpPr>
+          <p:cNvPr id="7" name="Title 6">
+            <a:extLst>
+              <a:ext uri="{FF2B5EF4-FFF2-40B4-BE49-F238E27FC236}">
+                <a16:creationId xmlns:a16="http://schemas.microsoft.com/office/drawing/2014/main" id="{03D3DDB0-CE5B-4183-9F02-7A614A6C7087}"/>
+              </a:ext>
+            </a:extLst>
+          </p:cNvPr>
+          <p:cNvSpPr>
+            <a:spLocks noGrp="1"/>
+          </p:cNvSpPr>
+          <p:nvPr>
+            <p:ph type="title"/>
+          </p:nvPr>
+        </p:nvSpPr>
+        <p:spPr/>
+        <p:txBody>
+          <a:bodyPr/>
+          <a:lstStyle/>
+          <a:p>
+            <a:r>
+              <a:rPr lang="en-US" dirty="0"/>
+              <a:t>User’s Perspective Cont.</a:t>
+            </a:r>
+          </a:p>
+        </p:txBody>
+      </p:sp>
+      <p:pic>
+        <p:nvPicPr>
+          <p:cNvPr id="1026" name="Picture 2" descr="https://docs.google.com/drawings/d/scAA0f5HRojiHburaqXWDRSFE/image?w=624&amp;h=468&amp;rev=376&amp;ac=1&amp;parent=1q8mHRy3iaiONjA9iy4fCQ7dNlG8ymQcEBrMDMlYVx0s">
+            <a:extLst>
+              <a:ext uri="{FF2B5EF4-FFF2-40B4-BE49-F238E27FC236}">
+                <a16:creationId xmlns:a16="http://schemas.microsoft.com/office/drawing/2014/main" id="{C7C959B8-E46E-4DED-94E1-A2FCC42B32A5}"/>
+              </a:ext>
+            </a:extLst>
+          </p:cNvPr>
+          <p:cNvPicPr>
+            <a:picLocks noGrp="1" noChangeAspect="1" noChangeArrowheads="1"/>
+          </p:cNvPicPr>
+          <p:nvPr>
+            <p:ph sz="half" idx="1"/>
+          </p:nvPr>
+        </p:nvPicPr>
+        <p:blipFill>
+          <a:blip r:embed="rId3">
+            <a:extLst>
+              <a:ext uri="{28A0092B-C50C-407E-A947-70E740481C1C}">
+                <a14:useLocalDpi xmlns:a14="http://schemas.microsoft.com/office/drawing/2010/main" val="0"/>
+              </a:ext>
+            </a:extLst>
+          </a:blip>
+          <a:stretch>
+            <a:fillRect/>
+          </a:stretch>
+        </p:blipFill>
+        <p:spPr bwMode="auto">
+          <a:xfrm>
+            <a:off x="838200" y="2058194"/>
+            <a:ext cx="5181600" cy="3886200"/>
+          </a:xfrm>
+          <a:prstGeom prst="rect">
+            <a:avLst/>
+          </a:prstGeom>
+          <a:noFill/>
+          <a:extLst>
+            <a:ext uri="{909E8E84-426E-40DD-AFC4-6F175D3DCCD1}">
+              <a14:hiddenFill xmlns:a14="http://schemas.microsoft.com/office/drawing/2010/main">
+                <a:solidFill>
+                  <a:srgbClr val="FFFFFF"/>
+                </a:solidFill>
+              </a14:hiddenFill>
+            </a:ext>
+          </a:extLst>
+        </p:spPr>
+      </p:pic>
+      <p:sp>
+        <p:nvSpPr>
+          <p:cNvPr id="16" name="Content Placeholder 15">
+            <a:extLst>
+              <a:ext uri="{FF2B5EF4-FFF2-40B4-BE49-F238E27FC236}">
+                <a16:creationId xmlns:a16="http://schemas.microsoft.com/office/drawing/2014/main" id="{B258525A-8B0F-4313-8731-C42E11D64F80}"/>
+              </a:ext>
+            </a:extLst>
+          </p:cNvPr>
+          <p:cNvSpPr>
+            <a:spLocks noGrp="1"/>
+          </p:cNvSpPr>
+          <p:nvPr>
+            <p:ph sz="half" idx="2"/>
+          </p:nvPr>
+        </p:nvSpPr>
+        <p:spPr/>
+        <p:txBody>
+          <a:bodyPr/>
+          <a:lstStyle/>
+          <a:p>
+            <a:r>
+              <a:rPr lang="en-US" dirty="0"/>
+              <a:t>Some of what cashier can do…</a:t>
+            </a:r>
+          </a:p>
+          <a:p>
+            <a:pPr lvl="1"/>
+            <a:endParaRPr lang="en-US" dirty="0"/>
+          </a:p>
+          <a:p>
+            <a:pPr lvl="1"/>
+            <a:r>
+              <a:rPr lang="en-US" dirty="0"/>
+              <a:t>Add item by selecting category</a:t>
+            </a:r>
+          </a:p>
+          <a:p>
+            <a:pPr lvl="1"/>
+            <a:r>
+              <a:rPr lang="en-US" dirty="0"/>
+              <a:t>Remove item</a:t>
+            </a:r>
+          </a:p>
+          <a:p>
+            <a:pPr lvl="1"/>
+            <a:r>
+              <a:rPr lang="en-US" dirty="0"/>
+              <a:t>Override price of good</a:t>
+            </a:r>
+          </a:p>
+          <a:p>
+            <a:pPr lvl="1"/>
+            <a:r>
+              <a:rPr lang="en-US" dirty="0"/>
+              <a:t>Save transaction so it can be continued later (</a:t>
+            </a:r>
+            <a:r>
+              <a:rPr lang="en-US" dirty="0" err="1"/>
+              <a:t>ie</a:t>
+            </a:r>
+            <a:r>
+              <a:rPr lang="en-US" dirty="0"/>
+              <a:t>. customer forgets wallet)</a:t>
+            </a:r>
+          </a:p>
+          <a:p>
+            <a:pPr lvl="1"/>
+            <a:r>
+              <a:rPr lang="en-US" dirty="0"/>
+              <a:t>Finalize transaction by taking payment</a:t>
+            </a:r>
+          </a:p>
+          <a:p>
+            <a:pPr marL="457200" lvl="1" indent="0">
+              <a:buNone/>
+            </a:pPr>
+            <a:endParaRPr lang="en-US" dirty="0"/>
+          </a:p>
+        </p:txBody>
+      </p:sp>
+    </p:spTree>
+    <p:extLst>
+      <p:ext uri="{BB962C8B-B14F-4D97-AF65-F5344CB8AC3E}">
+        <p14:creationId xmlns:p14="http://schemas.microsoft.com/office/powerpoint/2010/main" val="1070314347"/>
+      </p:ext>
+    </p:extLst>
+  </p:cSld>
+  <p:clrMapOvr>
+    <a:masterClrMapping/>
+  </p:clrMapOvr>
+</p:sld>
+</file>
+
+<file path=ppt/slides/slide8.xml><?xml version="1.0" encoding="utf-8"?>
+<p:sld xmlns:a="http://schemas.openxmlformats.org/drawingml/2006/main" xmlns:r="http://schemas.openxmlformats.org/officeDocument/2006/relationships" xmlns:p="http://schemas.openxmlformats.org/presentationml/2006/main">
+  <p:cSld>
+    <p:spTree>
+      <p:nvGrpSpPr>
+        <p:cNvPr id="1" name=""/>
+        <p:cNvGrpSpPr/>
+        <p:nvPr/>
+      </p:nvGrpSpPr>
+      <p:grpSpPr>
+        <a:xfrm>
+          <a:off x="0" y="0"/>
+          <a:ext cx="0" cy="0"/>
+          <a:chOff x="0" y="0"/>
+          <a:chExt cx="0" cy="0"/>
+        </a:xfrm>
+      </p:grpSpPr>
+      <p:sp>
+        <p:nvSpPr>
+          <p:cNvPr id="2" name="Title 1">
+            <a:extLst>
+              <a:ext uri="{FF2B5EF4-FFF2-40B4-BE49-F238E27FC236}">
+                <a16:creationId xmlns:a16="http://schemas.microsoft.com/office/drawing/2014/main" id="{8A1E571E-35B6-4FF3-ADE6-065BDE71BF3C}"/>
+              </a:ext>
+            </a:extLst>
+          </p:cNvPr>
+          <p:cNvSpPr>
+            <a:spLocks noGrp="1"/>
+          </p:cNvSpPr>
+          <p:nvPr>
+            <p:ph type="title"/>
+          </p:nvPr>
+        </p:nvSpPr>
+        <p:spPr/>
+        <p:txBody>
+          <a:bodyPr/>
+          <a:lstStyle/>
+          <a:p>
+            <a:r>
+              <a:rPr lang="en-US" dirty="0"/>
+              <a:t>But wait, there’s more!</a:t>
+            </a:r>
+          </a:p>
+        </p:txBody>
+      </p:sp>
+      <p:sp>
+        <p:nvSpPr>
+          <p:cNvPr id="3" name="Content Placeholder 2">
+            <a:extLst>
+              <a:ext uri="{FF2B5EF4-FFF2-40B4-BE49-F238E27FC236}">
+                <a16:creationId xmlns:a16="http://schemas.microsoft.com/office/drawing/2014/main" id="{C7BC2220-5C20-4326-8D24-A88E7516D7D1}"/>
+              </a:ext>
+            </a:extLst>
+          </p:cNvPr>
+          <p:cNvSpPr>
+            <a:spLocks noGrp="1"/>
+          </p:cNvSpPr>
+          <p:nvPr>
+            <p:ph idx="1"/>
+          </p:nvPr>
+        </p:nvSpPr>
+        <p:spPr>
+          <a:xfrm>
+            <a:off x="838200" y="1825626"/>
+            <a:ext cx="10515600" cy="3341178"/>
+          </a:xfrm>
+        </p:spPr>
+        <p:txBody>
+          <a:bodyPr>
+            <a:normAutofit/>
+          </a:bodyPr>
+          <a:lstStyle/>
+          <a:p>
+            <a:r>
+              <a:rPr lang="en-US" dirty="0"/>
+              <a:t>Key info is stored in a Database</a:t>
+            </a:r>
+          </a:p>
+          <a:p>
+            <a:pPr marL="457200" lvl="1" indent="0">
+              <a:buNone/>
+            </a:pPr>
+            <a:endParaRPr lang="en-US" dirty="0"/>
+          </a:p>
+          <a:p>
+            <a:pPr lvl="1"/>
+            <a:r>
+              <a:rPr lang="en-US" dirty="0"/>
+              <a:t>Employee info (Name, credentials, etc.)</a:t>
+            </a:r>
+          </a:p>
+          <a:p>
+            <a:pPr lvl="1"/>
+            <a:endParaRPr lang="en-US" dirty="0"/>
+          </a:p>
+          <a:p>
+            <a:pPr lvl="1"/>
+            <a:r>
+              <a:rPr lang="en-US" dirty="0"/>
+              <a:t>List of goods sold by store</a:t>
+            </a:r>
+          </a:p>
+          <a:p>
+            <a:pPr lvl="1"/>
+            <a:endParaRPr lang="en-US" dirty="0"/>
+          </a:p>
+          <a:p>
+            <a:pPr lvl="1"/>
+            <a:r>
+              <a:rPr lang="en-US" dirty="0"/>
+              <a:t>Saved Transactions</a:t>
+            </a:r>
+          </a:p>
+          <a:p>
+            <a:pPr marL="457200" lvl="1" indent="0">
+              <a:buNone/>
+            </a:pPr>
+            <a:endParaRPr lang="en-US" dirty="0"/>
+          </a:p>
+        </p:txBody>
+      </p:sp>
+      <p:sp>
+        <p:nvSpPr>
+          <p:cNvPr id="4" name="Rectangle 3">
+            <a:extLst>
+              <a:ext uri="{FF2B5EF4-FFF2-40B4-BE49-F238E27FC236}">
+                <a16:creationId xmlns:a16="http://schemas.microsoft.com/office/drawing/2014/main" id="{5D4476AB-5866-4AEE-A6E2-AE8817368A69}"/>
+              </a:ext>
+            </a:extLst>
+          </p:cNvPr>
+          <p:cNvSpPr/>
+          <p:nvPr/>
+        </p:nvSpPr>
+        <p:spPr>
+          <a:xfrm>
+            <a:off x="838200" y="5166804"/>
+            <a:ext cx="7833106" cy="523220"/>
+          </a:xfrm>
+          <a:prstGeom prst="rect">
+            <a:avLst/>
+          </a:prstGeom>
+        </p:spPr>
+        <p:txBody>
+          <a:bodyPr wrap="none">
+            <a:spAutoFit/>
+          </a:bodyPr>
+          <a:lstStyle/>
+          <a:p>
+            <a:pPr marL="457200" indent="-457200">
+              <a:buFont typeface="Arial" panose="020B0604020202020204" pitchFamily="34" charset="0"/>
+              <a:buChar char="•"/>
+            </a:pPr>
+            <a:r>
+              <a:rPr lang="en-US" sz="2800" dirty="0"/>
+              <a:t>Only Managers allowed to access employee info</a:t>
+            </a:r>
+          </a:p>
+        </p:txBody>
+      </p:sp>
+    </p:spTree>
+    <p:extLst>
+      <p:ext uri="{BB962C8B-B14F-4D97-AF65-F5344CB8AC3E}">
+        <p14:creationId xmlns:p14="http://schemas.microsoft.com/office/powerpoint/2010/main" val="283120246"/>
+      </p:ext>
+    </p:extLst>
+  </p:cSld>
+  <p:clrMapOvr>
+    <a:masterClrMapping/>
+  </p:clrMapOvr>
+</p:sld>
+</file>
+
+<file path=ppt/slides/slide9.xml><?xml version="1.0" encoding="utf-8"?>
+<p:sld xmlns:a="http://schemas.openxmlformats.org/drawingml/2006/main" xmlns:r="http://schemas.openxmlformats.org/officeDocument/2006/relationships" xmlns:p="http://schemas.openxmlformats.org/presentationml/2006/main">
+  <p:cSld>
+    <p:spTree>
+      <p:nvGrpSpPr>
+        <p:cNvPr id="1" name=""/>
+        <p:cNvGrpSpPr/>
+        <p:nvPr/>
+      </p:nvGrpSpPr>
+      <p:grpSpPr>
+        <a:xfrm>
+          <a:off x="0" y="0"/>
+          <a:ext cx="0" cy="0"/>
+          <a:chOff x="0" y="0"/>
+          <a:chExt cx="0" cy="0"/>
+        </a:xfrm>
+      </p:grpSpPr>
+      <p:sp>
+        <p:nvSpPr>
           <p:cNvPr id="2" name="Title 1">
             <a:extLst>
               <a:ext uri="{FF2B5EF4-FFF2-40B4-BE49-F238E27FC236}">
@@ -7192,35 +9222,22 @@
             </a:pPr>
             <a:r>
               <a:rPr lang="en-US" sz="2400" dirty="0"/>
-              <a:t>Suppose manager wants to </a:t>
-            </a:r>
-            <a:r>
-              <a:rPr lang="en-US" sz="2400" dirty="0" smtClean="0"/>
-              <a:t>confirm their salary is greater than cashiers</a:t>
-            </a:r>
+              <a:t>Suppose manager wants to confirm they make more money than cashiers do</a:t>
+            </a:r>
+          </a:p>
+          <a:p>
             <a:endParaRPr lang="en-US" sz="2400" dirty="0"/>
           </a:p>
           <a:p>
-            <a:endParaRPr lang="en-US" sz="2400" dirty="0"/>
-          </a:p>
-          <a:p>
             <a:r>
               <a:rPr lang="en-US" sz="2400" dirty="0"/>
-              <a:t>Manager requests to see list of cashiers </a:t>
-            </a:r>
-            <a:r>
-              <a:rPr lang="en-US" sz="2400" dirty="0" smtClean="0"/>
-              <a:t>and their salaries</a:t>
-            </a:r>
-          </a:p>
-          <a:p>
-            <a:r>
-              <a:rPr lang="en-US" sz="2400" dirty="0" smtClean="0"/>
-              <a:t>Requests </a:t>
-            </a:r>
+              <a:t>Manager requests to see cashier data</a:t>
+            </a:r>
+          </a:p>
+          <a:p>
             <a:r>
               <a:rPr lang="en-US" sz="2400" dirty="0"/>
-              <a:t>transformed into MySQL Query</a:t>
+              <a:t>Request transformed into MySQL Query and sent to Database</a:t>
             </a:r>
           </a:p>
           <a:p>
@@ -7250,7 +9267,7 @@
             <p:ph sz="half" idx="2"/>
             <p:extLst>
               <p:ext uri="{D42A27DB-BD31-4B8C-83A1-F6EECF244321}">
-                <p14:modId xmlns:p14="http://schemas.microsoft.com/office/powerpoint/2010/main" val="3640036334"/>
+                <p14:modId xmlns:p14="http://schemas.microsoft.com/office/powerpoint/2010/main" val="2667489898"/>
               </p:ext>
             </p:extLst>
           </p:nvPr>
@@ -7364,1828 +9381,6 @@
     <p:extLst>
       <p:ext uri="{BB962C8B-B14F-4D97-AF65-F5344CB8AC3E}">
         <p14:creationId xmlns:p14="http://schemas.microsoft.com/office/powerpoint/2010/main" val="1063217492"/>
-      </p:ext>
-    </p:extLst>
-  </p:cSld>
-  <p:clrMapOvr>
-    <a:masterClrMapping/>
-  </p:clrMapOvr>
-</p:sld>
-</file>
-
-<file path=ppt/slides/slide11.xml><?xml version="1.0" encoding="utf-8"?>
-<p:sld xmlns:a="http://schemas.openxmlformats.org/drawingml/2006/main" xmlns:r="http://schemas.openxmlformats.org/officeDocument/2006/relationships" xmlns:p="http://schemas.openxmlformats.org/presentationml/2006/main">
-  <p:cSld>
-    <p:spTree>
-      <p:nvGrpSpPr>
-        <p:cNvPr id="1" name=""/>
-        <p:cNvGrpSpPr/>
-        <p:nvPr/>
-      </p:nvGrpSpPr>
-      <p:grpSpPr>
-        <a:xfrm>
-          <a:off x="0" y="0"/>
-          <a:ext cx="0" cy="0"/>
-          <a:chOff x="0" y="0"/>
-          <a:chExt cx="0" cy="0"/>
-        </a:xfrm>
-      </p:grpSpPr>
-      <p:sp>
-        <p:nvSpPr>
-          <p:cNvPr id="2" name="Title 1"/>
-          <p:cNvSpPr>
-            <a:spLocks noGrp="1"/>
-          </p:cNvSpPr>
-          <p:nvPr>
-            <p:ph type="title"/>
-          </p:nvPr>
-        </p:nvSpPr>
-        <p:spPr/>
-        <p:txBody>
-          <a:bodyPr/>
-          <a:lstStyle/>
-          <a:p>
-            <a:r>
-              <a:rPr lang="en-CA" dirty="0" smtClean="0"/>
-              <a:t>Specific Use Case</a:t>
-            </a:r>
-            <a:endParaRPr lang="en-CA" dirty="0"/>
-          </a:p>
-        </p:txBody>
-      </p:sp>
-      <p:sp>
-        <p:nvSpPr>
-          <p:cNvPr id="3" name="Content Placeholder 2"/>
-          <p:cNvSpPr>
-            <a:spLocks noGrp="1"/>
-          </p:cNvSpPr>
-          <p:nvPr>
-            <p:ph sz="half" idx="1"/>
-          </p:nvPr>
-        </p:nvSpPr>
-        <p:spPr/>
-        <p:txBody>
-          <a:bodyPr/>
-          <a:lstStyle/>
-          <a:p>
-            <a:pPr marL="0" indent="0">
-              <a:buNone/>
-            </a:pPr>
-            <a:r>
-              <a:rPr lang="en-CA" dirty="0" smtClean="0"/>
-              <a:t>Cashier Login</a:t>
-            </a:r>
-          </a:p>
-          <a:p>
-            <a:endParaRPr lang="en-CA" dirty="0"/>
-          </a:p>
-          <a:p>
-            <a:r>
-              <a:rPr lang="en-CA" dirty="0" smtClean="0"/>
-              <a:t>Cashier provides ID and Password to interface</a:t>
-            </a:r>
-          </a:p>
-          <a:p>
-            <a:r>
-              <a:rPr lang="en-CA" dirty="0" smtClean="0"/>
-              <a:t>Info is sent to Database</a:t>
-            </a:r>
-          </a:p>
-          <a:p>
-            <a:r>
-              <a:rPr lang="en-CA" dirty="0" smtClean="0"/>
-              <a:t>Database handles request</a:t>
-            </a:r>
-          </a:p>
-          <a:p>
-            <a:r>
-              <a:rPr lang="en-CA" dirty="0" smtClean="0"/>
-              <a:t>Result is sent back</a:t>
-            </a:r>
-          </a:p>
-          <a:p>
-            <a:endParaRPr lang="en-CA" dirty="0" smtClean="0"/>
-          </a:p>
-          <a:p>
-            <a:endParaRPr lang="en-CA" dirty="0"/>
-          </a:p>
-        </p:txBody>
-      </p:sp>
-      <p:pic>
-        <p:nvPicPr>
-          <p:cNvPr id="2050" name="Picture 2" descr="https://lh5.googleusercontent.com/pDTQ-iF2QR3hv9BaeY9KZE-oTEc4ZIrN7Vw8QdKmyYkj3kvvVheyWBlO66NF_wDYyXdACp4v324LUiQSDdJXRrpjj9xXYpPvyxkXA00HcwI5kwGftZwVTAQlwG6zFSBjFg"/>
-          <p:cNvPicPr>
-            <a:picLocks noGrp="1" noChangeAspect="1" noChangeArrowheads="1"/>
-          </p:cNvPicPr>
-          <p:nvPr>
-            <p:ph sz="half" idx="2"/>
-          </p:nvPr>
-        </p:nvPicPr>
-        <p:blipFill>
-          <a:blip r:embed="rId2">
-            <a:extLst>
-              <a:ext uri="{28A0092B-C50C-407E-A947-70E740481C1C}">
-                <a14:useLocalDpi xmlns:a14="http://schemas.microsoft.com/office/drawing/2010/main" val="0"/>
-              </a:ext>
-            </a:extLst>
-          </a:blip>
-          <a:stretch>
-            <a:fillRect/>
-          </a:stretch>
-        </p:blipFill>
-        <p:spPr bwMode="auto">
-          <a:xfrm>
-            <a:off x="7062787" y="2567781"/>
-            <a:ext cx="3400425" cy="2867025"/>
-          </a:xfrm>
-          <a:prstGeom prst="rect">
-            <a:avLst/>
-          </a:prstGeom>
-          <a:noFill/>
-          <a:extLst>
-            <a:ext uri="{909E8E84-426E-40DD-AFC4-6F175D3DCCD1}">
-              <a14:hiddenFill xmlns:a14="http://schemas.microsoft.com/office/drawing/2010/main">
-                <a:solidFill>
-                  <a:srgbClr val="FFFFFF"/>
-                </a:solidFill>
-              </a14:hiddenFill>
-            </a:ext>
-          </a:extLst>
-        </p:spPr>
-      </p:pic>
-    </p:spTree>
-    <p:extLst>
-      <p:ext uri="{BB962C8B-B14F-4D97-AF65-F5344CB8AC3E}">
-        <p14:creationId xmlns:p14="http://schemas.microsoft.com/office/powerpoint/2010/main" val="443073830"/>
-      </p:ext>
-    </p:extLst>
-  </p:cSld>
-  <p:clrMapOvr>
-    <a:masterClrMapping/>
-  </p:clrMapOvr>
-</p:sld>
-</file>
-
-<file path=ppt/slides/slide12.xml><?xml version="1.0" encoding="utf-8"?>
-<p:sld xmlns:a="http://schemas.openxmlformats.org/drawingml/2006/main" xmlns:r="http://schemas.openxmlformats.org/officeDocument/2006/relationships" xmlns:p="http://schemas.openxmlformats.org/presentationml/2006/main">
-  <p:cSld>
-    <p:spTree>
-      <p:nvGrpSpPr>
-        <p:cNvPr id="1" name=""/>
-        <p:cNvGrpSpPr/>
-        <p:nvPr/>
-      </p:nvGrpSpPr>
-      <p:grpSpPr>
-        <a:xfrm>
-          <a:off x="0" y="0"/>
-          <a:ext cx="0" cy="0"/>
-          <a:chOff x="0" y="0"/>
-          <a:chExt cx="0" cy="0"/>
-        </a:xfrm>
-      </p:grpSpPr>
-      <p:sp>
-        <p:nvSpPr>
-          <p:cNvPr id="2" name="Title 1"/>
-          <p:cNvSpPr>
-            <a:spLocks noGrp="1"/>
-          </p:cNvSpPr>
-          <p:nvPr>
-            <p:ph type="title"/>
-          </p:nvPr>
-        </p:nvSpPr>
-        <p:spPr/>
-        <p:txBody>
-          <a:bodyPr/>
-          <a:lstStyle/>
-          <a:p>
-            <a:r>
-              <a:rPr lang="en-CA" dirty="0" smtClean="0"/>
-              <a:t>Development Process</a:t>
-            </a:r>
-            <a:endParaRPr lang="en-CA" dirty="0"/>
-          </a:p>
-        </p:txBody>
-      </p:sp>
-      <p:sp>
-        <p:nvSpPr>
-          <p:cNvPr id="3" name="Text Placeholder 2"/>
-          <p:cNvSpPr>
-            <a:spLocks noGrp="1"/>
-          </p:cNvSpPr>
-          <p:nvPr>
-            <p:ph type="body" idx="1"/>
-          </p:nvPr>
-        </p:nvSpPr>
-        <p:spPr/>
-        <p:txBody>
-          <a:bodyPr/>
-          <a:lstStyle/>
-          <a:p>
-            <a:endParaRPr lang="en-CA"/>
-          </a:p>
-        </p:txBody>
-      </p:sp>
-    </p:spTree>
-    <p:extLst>
-      <p:ext uri="{BB962C8B-B14F-4D97-AF65-F5344CB8AC3E}">
-        <p14:creationId xmlns:p14="http://schemas.microsoft.com/office/powerpoint/2010/main" val="3052355498"/>
-      </p:ext>
-    </p:extLst>
-  </p:cSld>
-  <p:clrMapOvr>
-    <a:masterClrMapping/>
-  </p:clrMapOvr>
-</p:sld>
-</file>
-
-<file path=ppt/slides/slide13.xml><?xml version="1.0" encoding="utf-8"?>
-<p:sld xmlns:a="http://schemas.openxmlformats.org/drawingml/2006/main" xmlns:r="http://schemas.openxmlformats.org/officeDocument/2006/relationships" xmlns:p="http://schemas.openxmlformats.org/presentationml/2006/main">
-  <p:cSld>
-    <p:spTree>
-      <p:nvGrpSpPr>
-        <p:cNvPr id="1" name=""/>
-        <p:cNvGrpSpPr/>
-        <p:nvPr/>
-      </p:nvGrpSpPr>
-      <p:grpSpPr>
-        <a:xfrm>
-          <a:off x="0" y="0"/>
-          <a:ext cx="0" cy="0"/>
-          <a:chOff x="0" y="0"/>
-          <a:chExt cx="0" cy="0"/>
-        </a:xfrm>
-      </p:grpSpPr>
-      <p:sp>
-        <p:nvSpPr>
-          <p:cNvPr id="6" name="Title 5"/>
-          <p:cNvSpPr>
-            <a:spLocks noGrp="1"/>
-          </p:cNvSpPr>
-          <p:nvPr>
-            <p:ph type="title"/>
-          </p:nvPr>
-        </p:nvSpPr>
-        <p:spPr/>
-        <p:txBody>
-          <a:bodyPr/>
-          <a:lstStyle/>
-          <a:p>
-            <a:r>
-              <a:rPr lang="en-CA" dirty="0" smtClean="0"/>
-              <a:t>Development Model</a:t>
-            </a:r>
-            <a:endParaRPr lang="en-CA" dirty="0"/>
-          </a:p>
-        </p:txBody>
-      </p:sp>
-      <p:sp>
-        <p:nvSpPr>
-          <p:cNvPr id="7" name="Content Placeholder 6"/>
-          <p:cNvSpPr>
-            <a:spLocks noGrp="1"/>
-          </p:cNvSpPr>
-          <p:nvPr>
-            <p:ph type="body" idx="1"/>
-          </p:nvPr>
-        </p:nvSpPr>
-        <p:spPr>
-          <a:xfrm>
-            <a:off x="839788" y="1681163"/>
-            <a:ext cx="10515600" cy="823912"/>
-          </a:xfrm>
-        </p:spPr>
-        <p:txBody>
-          <a:bodyPr>
-            <a:normAutofit/>
-          </a:bodyPr>
-          <a:lstStyle/>
-          <a:p>
-            <a:pPr lvl="1"/>
-            <a:r>
-              <a:rPr lang="en-CA" dirty="0" smtClean="0"/>
-              <a:t>Used techniques from both Waterfall and Agile processes</a:t>
-            </a:r>
-            <a:endParaRPr lang="en-CA" dirty="0"/>
-          </a:p>
-          <a:p>
-            <a:pPr lvl="1"/>
-            <a:endParaRPr lang="en-CA" dirty="0"/>
-          </a:p>
-        </p:txBody>
-      </p:sp>
-      <p:sp>
-        <p:nvSpPr>
-          <p:cNvPr id="15" name="Content Placeholder 14"/>
-          <p:cNvSpPr>
-            <a:spLocks noGrp="1"/>
-          </p:cNvSpPr>
-          <p:nvPr>
-            <p:ph sz="half" idx="2"/>
-          </p:nvPr>
-        </p:nvSpPr>
-        <p:spPr/>
-        <p:txBody>
-          <a:bodyPr/>
-          <a:lstStyle/>
-          <a:p>
-            <a:r>
-              <a:rPr lang="en-CA" dirty="0" smtClean="0"/>
-              <a:t>Followed Waterfall method </a:t>
-            </a:r>
-            <a:r>
-              <a:rPr lang="en-CA" i="1" dirty="0" smtClean="0"/>
-              <a:t>generally</a:t>
-            </a:r>
-            <a:r>
-              <a:rPr lang="en-CA" dirty="0" smtClean="0"/>
-              <a:t>:</a:t>
-            </a:r>
-            <a:endParaRPr lang="en-CA" dirty="0"/>
-          </a:p>
-          <a:p>
-            <a:pPr lvl="1"/>
-            <a:r>
-              <a:rPr lang="en-CA" dirty="0"/>
-              <a:t>Requirements first</a:t>
-            </a:r>
-          </a:p>
-          <a:p>
-            <a:pPr lvl="1"/>
-            <a:r>
-              <a:rPr lang="en-CA" dirty="0"/>
-              <a:t>Then modelling</a:t>
-            </a:r>
-          </a:p>
-          <a:p>
-            <a:pPr lvl="1"/>
-            <a:r>
-              <a:rPr lang="en-CA" dirty="0"/>
-              <a:t>Development</a:t>
-            </a:r>
-          </a:p>
-          <a:p>
-            <a:pPr lvl="1"/>
-            <a:r>
-              <a:rPr lang="en-CA" dirty="0" smtClean="0"/>
-              <a:t>And Testing</a:t>
-            </a:r>
-            <a:endParaRPr lang="en-CA" dirty="0"/>
-          </a:p>
-          <a:p>
-            <a:endParaRPr lang="en-CA" dirty="0"/>
-          </a:p>
-        </p:txBody>
-      </p:sp>
-      <p:sp>
-        <p:nvSpPr>
-          <p:cNvPr id="17" name="Content Placeholder 16"/>
-          <p:cNvSpPr>
-            <a:spLocks noGrp="1"/>
-          </p:cNvSpPr>
-          <p:nvPr>
-            <p:ph sz="quarter" idx="4"/>
-          </p:nvPr>
-        </p:nvSpPr>
-        <p:spPr/>
-        <p:txBody>
-          <a:bodyPr/>
-          <a:lstStyle/>
-          <a:p>
-            <a:r>
-              <a:rPr lang="en-CA" dirty="0" smtClean="0"/>
-              <a:t>From Agile</a:t>
-            </a:r>
-          </a:p>
-          <a:p>
-            <a:pPr lvl="1"/>
-            <a:r>
-              <a:rPr lang="en-CA" dirty="0" smtClean="0"/>
-              <a:t>Wasn’t strict about keeping linear progression</a:t>
-            </a:r>
-          </a:p>
-          <a:p>
-            <a:pPr lvl="1"/>
-            <a:r>
-              <a:rPr lang="en-CA" dirty="0" smtClean="0"/>
-              <a:t>Sometimes processes were intermingled </a:t>
-            </a:r>
-            <a:endParaRPr lang="en-CA" dirty="0"/>
-          </a:p>
-        </p:txBody>
-      </p:sp>
-    </p:spTree>
-    <p:extLst>
-      <p:ext uri="{BB962C8B-B14F-4D97-AF65-F5344CB8AC3E}">
-        <p14:creationId xmlns:p14="http://schemas.microsoft.com/office/powerpoint/2010/main" val="235904584"/>
-      </p:ext>
-    </p:extLst>
-  </p:cSld>
-  <p:clrMapOvr>
-    <a:masterClrMapping/>
-  </p:clrMapOvr>
-</p:sld>
-</file>
-
-<file path=ppt/slides/slide14.xml><?xml version="1.0" encoding="utf-8"?>
-<p:sld xmlns:a="http://schemas.openxmlformats.org/drawingml/2006/main" xmlns:r="http://schemas.openxmlformats.org/officeDocument/2006/relationships" xmlns:p="http://schemas.openxmlformats.org/presentationml/2006/main">
-  <p:cSld>
-    <p:spTree>
-      <p:nvGrpSpPr>
-        <p:cNvPr id="1" name=""/>
-        <p:cNvGrpSpPr/>
-        <p:nvPr/>
-      </p:nvGrpSpPr>
-      <p:grpSpPr>
-        <a:xfrm>
-          <a:off x="0" y="0"/>
-          <a:ext cx="0" cy="0"/>
-          <a:chOff x="0" y="0"/>
-          <a:chExt cx="0" cy="0"/>
-        </a:xfrm>
-      </p:grpSpPr>
-      <p:sp>
-        <p:nvSpPr>
-          <p:cNvPr id="2" name="Title 1"/>
-          <p:cNvSpPr>
-            <a:spLocks noGrp="1"/>
-          </p:cNvSpPr>
-          <p:nvPr>
-            <p:ph type="title"/>
-          </p:nvPr>
-        </p:nvSpPr>
-        <p:spPr/>
-        <p:txBody>
-          <a:bodyPr/>
-          <a:lstStyle/>
-          <a:p>
-            <a:r>
-              <a:rPr lang="en-CA" dirty="0" smtClean="0"/>
-              <a:t>Architectural Design</a:t>
-            </a:r>
-            <a:endParaRPr lang="en-CA" dirty="0"/>
-          </a:p>
-        </p:txBody>
-      </p:sp>
-      <p:sp>
-        <p:nvSpPr>
-          <p:cNvPr id="14" name="Content Placeholder 13"/>
-          <p:cNvSpPr>
-            <a:spLocks noGrp="1"/>
-          </p:cNvSpPr>
-          <p:nvPr>
-            <p:ph sz="half" idx="1"/>
-          </p:nvPr>
-        </p:nvSpPr>
-        <p:spPr/>
-        <p:txBody>
-          <a:bodyPr/>
-          <a:lstStyle/>
-          <a:p>
-            <a:r>
-              <a:rPr lang="en-CA" dirty="0" smtClean="0"/>
-              <a:t>Used Model-View-Controller architectural pattern</a:t>
-            </a:r>
-          </a:p>
-          <a:p>
-            <a:endParaRPr lang="en-CA" dirty="0"/>
-          </a:p>
-          <a:p>
-            <a:r>
-              <a:rPr lang="en-CA" dirty="0" smtClean="0"/>
-              <a:t>Controller does..</a:t>
-            </a:r>
-          </a:p>
-          <a:p>
-            <a:r>
-              <a:rPr lang="en-CA" dirty="0" smtClean="0"/>
-              <a:t>Model does …</a:t>
-            </a:r>
-          </a:p>
-          <a:p>
-            <a:r>
-              <a:rPr lang="en-CA" dirty="0" smtClean="0"/>
-              <a:t>View does …</a:t>
-            </a:r>
-            <a:endParaRPr lang="en-CA" dirty="0"/>
-          </a:p>
-        </p:txBody>
-      </p:sp>
-      <p:pic>
-        <p:nvPicPr>
-          <p:cNvPr id="15" name="Content Placeholder 14"/>
-          <p:cNvPicPr>
-            <a:picLocks noGrp="1" noChangeAspect="1"/>
-          </p:cNvPicPr>
-          <p:nvPr>
-            <p:ph sz="half" idx="2"/>
-          </p:nvPr>
-        </p:nvPicPr>
-        <p:blipFill>
-          <a:blip r:embed="rId2">
-            <a:extLst>
-              <a:ext uri="{28A0092B-C50C-407E-A947-70E740481C1C}">
-                <a14:useLocalDpi xmlns:a14="http://schemas.microsoft.com/office/drawing/2010/main" val="0"/>
-              </a:ext>
-            </a:extLst>
-          </a:blip>
-          <a:stretch>
-            <a:fillRect/>
-          </a:stretch>
-        </p:blipFill>
-        <p:spPr>
-          <a:xfrm>
-            <a:off x="6281737" y="1829594"/>
-            <a:ext cx="4962525" cy="4343400"/>
-          </a:xfrm>
-        </p:spPr>
-      </p:pic>
-    </p:spTree>
-    <p:extLst>
-      <p:ext uri="{BB962C8B-B14F-4D97-AF65-F5344CB8AC3E}">
-        <p14:creationId xmlns:p14="http://schemas.microsoft.com/office/powerpoint/2010/main" val="1583646386"/>
-      </p:ext>
-    </p:extLst>
-  </p:cSld>
-  <p:clrMapOvr>
-    <a:masterClrMapping/>
-  </p:clrMapOvr>
-</p:sld>
-</file>
-
-<file path=ppt/slides/slide15.xml><?xml version="1.0" encoding="utf-8"?>
-<p:sld xmlns:a="http://schemas.openxmlformats.org/drawingml/2006/main" xmlns:r="http://schemas.openxmlformats.org/officeDocument/2006/relationships" xmlns:p="http://schemas.openxmlformats.org/presentationml/2006/main">
-  <p:cSld>
-    <p:spTree>
-      <p:nvGrpSpPr>
-        <p:cNvPr id="1" name=""/>
-        <p:cNvGrpSpPr/>
-        <p:nvPr/>
-      </p:nvGrpSpPr>
-      <p:grpSpPr>
-        <a:xfrm>
-          <a:off x="0" y="0"/>
-          <a:ext cx="0" cy="0"/>
-          <a:chOff x="0" y="0"/>
-          <a:chExt cx="0" cy="0"/>
-        </a:xfrm>
-      </p:grpSpPr>
-      <p:sp>
-        <p:nvSpPr>
-          <p:cNvPr id="4" name="Title 3">
-            <a:extLst>
-              <a:ext uri="{FF2B5EF4-FFF2-40B4-BE49-F238E27FC236}">
-                <a16:creationId xmlns:a16="http://schemas.microsoft.com/office/drawing/2014/main" id="{992C58F3-41FA-4DE0-B3AD-A96025E9AB08}"/>
-              </a:ext>
-            </a:extLst>
-          </p:cNvPr>
-          <p:cNvSpPr>
-            <a:spLocks noGrp="1"/>
-          </p:cNvSpPr>
-          <p:nvPr>
-            <p:ph type="title"/>
-          </p:nvPr>
-        </p:nvSpPr>
-        <p:spPr/>
-        <p:txBody>
-          <a:bodyPr/>
-          <a:lstStyle/>
-          <a:p>
-            <a:r>
-              <a:rPr lang="en-US" dirty="0"/>
-              <a:t>Conclusion</a:t>
-            </a:r>
-          </a:p>
-        </p:txBody>
-      </p:sp>
-      <p:sp>
-        <p:nvSpPr>
-          <p:cNvPr id="5" name="Content Placeholder 4">
-            <a:extLst>
-              <a:ext uri="{FF2B5EF4-FFF2-40B4-BE49-F238E27FC236}">
-                <a16:creationId xmlns:a16="http://schemas.microsoft.com/office/drawing/2014/main" id="{9D0DB766-CE8D-4EF2-9F3F-F70D48871AAF}"/>
-              </a:ext>
-            </a:extLst>
-          </p:cNvPr>
-          <p:cNvSpPr>
-            <a:spLocks noGrp="1"/>
-          </p:cNvSpPr>
-          <p:nvPr>
-            <p:ph idx="1"/>
-          </p:nvPr>
-        </p:nvSpPr>
-        <p:spPr/>
-        <p:txBody>
-          <a:bodyPr/>
-          <a:lstStyle/>
-          <a:p>
-            <a:pPr marL="0" indent="0">
-              <a:buNone/>
-            </a:pPr>
-            <a:r>
-              <a:rPr lang="en-US" dirty="0"/>
-              <a:t>What did we learn?</a:t>
-            </a:r>
-          </a:p>
-          <a:p>
-            <a:endParaRPr lang="en-US" dirty="0"/>
-          </a:p>
-          <a:p>
-            <a:r>
-              <a:rPr lang="en-US" dirty="0"/>
-              <a:t>Communication is key</a:t>
-            </a:r>
-          </a:p>
-          <a:p>
-            <a:endParaRPr lang="en-US" dirty="0"/>
-          </a:p>
-          <a:p>
-            <a:r>
-              <a:rPr lang="en-US" dirty="0"/>
-              <a:t>Work smarter, not harder</a:t>
-            </a:r>
-          </a:p>
-          <a:p>
-            <a:endParaRPr lang="en-US" dirty="0"/>
-          </a:p>
-          <a:p>
-            <a:r>
-              <a:rPr lang="en-US" dirty="0"/>
-              <a:t>…But still work hard</a:t>
-            </a:r>
-          </a:p>
-          <a:p>
-            <a:endParaRPr lang="en-US" dirty="0"/>
-          </a:p>
-          <a:p>
-            <a:endParaRPr lang="en-US" dirty="0"/>
-          </a:p>
-        </p:txBody>
-      </p:sp>
-    </p:spTree>
-    <p:extLst>
-      <p:ext uri="{BB962C8B-B14F-4D97-AF65-F5344CB8AC3E}">
-        <p14:creationId xmlns:p14="http://schemas.microsoft.com/office/powerpoint/2010/main" val="821991651"/>
-      </p:ext>
-    </p:extLst>
-  </p:cSld>
-  <p:clrMapOvr>
-    <a:masterClrMapping/>
-  </p:clrMapOvr>
-</p:sld>
-</file>
-
-<file path=ppt/slides/slide2.xml><?xml version="1.0" encoding="utf-8"?>
-<p:sld xmlns:a="http://schemas.openxmlformats.org/drawingml/2006/main" xmlns:r="http://schemas.openxmlformats.org/officeDocument/2006/relationships" xmlns:p="http://schemas.openxmlformats.org/presentationml/2006/main">
-  <p:cSld>
-    <p:spTree>
-      <p:nvGrpSpPr>
-        <p:cNvPr id="1" name=""/>
-        <p:cNvGrpSpPr/>
-        <p:nvPr/>
-      </p:nvGrpSpPr>
-      <p:grpSpPr>
-        <a:xfrm>
-          <a:off x="0" y="0"/>
-          <a:ext cx="0" cy="0"/>
-          <a:chOff x="0" y="0"/>
-          <a:chExt cx="0" cy="0"/>
-        </a:xfrm>
-      </p:grpSpPr>
-      <p:sp>
-        <p:nvSpPr>
-          <p:cNvPr id="2" name="Title 1"/>
-          <p:cNvSpPr>
-            <a:spLocks noGrp="1"/>
-          </p:cNvSpPr>
-          <p:nvPr>
-            <p:ph type="title"/>
-          </p:nvPr>
-        </p:nvSpPr>
-        <p:spPr/>
-        <p:txBody>
-          <a:bodyPr/>
-          <a:lstStyle/>
-          <a:p>
-            <a:r>
-              <a:rPr lang="en-CA" dirty="0" smtClean="0"/>
-              <a:t>Overview</a:t>
-            </a:r>
-            <a:endParaRPr lang="en-CA" dirty="0"/>
-          </a:p>
-        </p:txBody>
-      </p:sp>
-      <p:sp>
-        <p:nvSpPr>
-          <p:cNvPr id="3" name="Text Placeholder 2"/>
-          <p:cNvSpPr>
-            <a:spLocks noGrp="1"/>
-          </p:cNvSpPr>
-          <p:nvPr>
-            <p:ph type="body" idx="1"/>
-          </p:nvPr>
-        </p:nvSpPr>
-        <p:spPr/>
-        <p:txBody>
-          <a:bodyPr/>
-          <a:lstStyle/>
-          <a:p>
-            <a:endParaRPr lang="en-CA"/>
-          </a:p>
-        </p:txBody>
-      </p:sp>
-    </p:spTree>
-    <p:extLst>
-      <p:ext uri="{BB962C8B-B14F-4D97-AF65-F5344CB8AC3E}">
-        <p14:creationId xmlns:p14="http://schemas.microsoft.com/office/powerpoint/2010/main" val="1570156828"/>
-      </p:ext>
-    </p:extLst>
-  </p:cSld>
-  <p:clrMapOvr>
-    <a:masterClrMapping/>
-  </p:clrMapOvr>
-</p:sld>
-</file>
-
-<file path=ppt/slides/slide3.xml><?xml version="1.0" encoding="utf-8"?>
-<p:sld xmlns:a="http://schemas.openxmlformats.org/drawingml/2006/main" xmlns:r="http://schemas.openxmlformats.org/officeDocument/2006/relationships" xmlns:p="http://schemas.openxmlformats.org/presentationml/2006/main">
-  <p:cSld>
-    <p:spTree>
-      <p:nvGrpSpPr>
-        <p:cNvPr id="1" name=""/>
-        <p:cNvGrpSpPr/>
-        <p:nvPr/>
-      </p:nvGrpSpPr>
-      <p:grpSpPr>
-        <a:xfrm>
-          <a:off x="0" y="0"/>
-          <a:ext cx="0" cy="0"/>
-          <a:chOff x="0" y="0"/>
-          <a:chExt cx="0" cy="0"/>
-        </a:xfrm>
-      </p:grpSpPr>
-      <p:sp>
-        <p:nvSpPr>
-          <p:cNvPr id="14" name="Title 13">
-            <a:extLst>
-              <a:ext uri="{FF2B5EF4-FFF2-40B4-BE49-F238E27FC236}">
-                <a16:creationId xmlns:a16="http://schemas.microsoft.com/office/drawing/2014/main" id="{44F86584-8242-4402-899E-2AAFCE7A7CD7}"/>
-              </a:ext>
-            </a:extLst>
-          </p:cNvPr>
-          <p:cNvSpPr>
-            <a:spLocks noGrp="1"/>
-          </p:cNvSpPr>
-          <p:nvPr>
-            <p:ph type="title"/>
-          </p:nvPr>
-        </p:nvSpPr>
-        <p:spPr/>
-        <p:txBody>
-          <a:bodyPr/>
-          <a:lstStyle/>
-          <a:p>
-            <a:r>
-              <a:rPr lang="en-US" dirty="0"/>
-              <a:t>Definition</a:t>
-            </a:r>
-          </a:p>
-        </p:txBody>
-      </p:sp>
-      <p:sp>
-        <p:nvSpPr>
-          <p:cNvPr id="15" name="Content Placeholder 14">
-            <a:extLst>
-              <a:ext uri="{FF2B5EF4-FFF2-40B4-BE49-F238E27FC236}">
-                <a16:creationId xmlns:a16="http://schemas.microsoft.com/office/drawing/2014/main" id="{C4EDBEE6-3B7E-4F63-95B1-A79193E4D065}"/>
-              </a:ext>
-            </a:extLst>
-          </p:cNvPr>
-          <p:cNvSpPr>
-            <a:spLocks noGrp="1"/>
-          </p:cNvSpPr>
-          <p:nvPr>
-            <p:ph idx="1"/>
-          </p:nvPr>
-        </p:nvSpPr>
-        <p:spPr/>
-        <p:txBody>
-          <a:bodyPr/>
-          <a:lstStyle/>
-          <a:p>
-            <a:r>
-              <a:rPr lang="en-US" dirty="0"/>
-              <a:t>Point of Sales (POS) describes the moment when a merchant accepts payment in exchange for goods</a:t>
-            </a:r>
-          </a:p>
-          <a:p>
-            <a:r>
-              <a:rPr lang="en-US" dirty="0"/>
-              <a:t>POS system handles this transaction</a:t>
-            </a:r>
-          </a:p>
-          <a:p>
-            <a:endParaRPr lang="en-US" dirty="0"/>
-          </a:p>
-          <a:p>
-            <a:r>
-              <a:rPr lang="en-US" dirty="0"/>
-              <a:t>Ex. Customer pays cashier for goods</a:t>
-            </a:r>
-          </a:p>
-          <a:p>
-            <a:r>
-              <a:rPr lang="en-US" dirty="0"/>
-              <a:t>Ex. You make an online order from Amazon</a:t>
-            </a:r>
-          </a:p>
-        </p:txBody>
-      </p:sp>
-    </p:spTree>
-    <p:extLst>
-      <p:ext uri="{BB962C8B-B14F-4D97-AF65-F5344CB8AC3E}">
-        <p14:creationId xmlns:p14="http://schemas.microsoft.com/office/powerpoint/2010/main" val="284766052"/>
-      </p:ext>
-    </p:extLst>
-  </p:cSld>
-  <p:clrMapOvr>
-    <a:masterClrMapping/>
-  </p:clrMapOvr>
-</p:sld>
-</file>
-
-<file path=ppt/slides/slide4.xml><?xml version="1.0" encoding="utf-8"?>
-<p:sld xmlns:a="http://schemas.openxmlformats.org/drawingml/2006/main" xmlns:r="http://schemas.openxmlformats.org/officeDocument/2006/relationships" xmlns:p="http://schemas.openxmlformats.org/presentationml/2006/main">
-  <p:cSld>
-    <p:spTree>
-      <p:nvGrpSpPr>
-        <p:cNvPr id="1" name=""/>
-        <p:cNvGrpSpPr/>
-        <p:nvPr/>
-      </p:nvGrpSpPr>
-      <p:grpSpPr>
-        <a:xfrm>
-          <a:off x="0" y="0"/>
-          <a:ext cx="0" cy="0"/>
-          <a:chOff x="0" y="0"/>
-          <a:chExt cx="0" cy="0"/>
-        </a:xfrm>
-      </p:grpSpPr>
-      <p:sp>
-        <p:nvSpPr>
-          <p:cNvPr id="2" name="Title 1">
-            <a:extLst>
-              <a:ext uri="{FF2B5EF4-FFF2-40B4-BE49-F238E27FC236}">
-                <a16:creationId xmlns:a16="http://schemas.microsoft.com/office/drawing/2014/main" id="{12EF135D-9544-48E4-8437-0050ADB494A6}"/>
-              </a:ext>
-            </a:extLst>
-          </p:cNvPr>
-          <p:cNvSpPr>
-            <a:spLocks noGrp="1"/>
-          </p:cNvSpPr>
-          <p:nvPr>
-            <p:ph type="title"/>
-          </p:nvPr>
-        </p:nvSpPr>
-        <p:spPr/>
-        <p:txBody>
-          <a:bodyPr/>
-          <a:lstStyle/>
-          <a:p>
-            <a:r>
-              <a:rPr lang="en-US" dirty="0"/>
-              <a:t>Our System</a:t>
-            </a:r>
-          </a:p>
-        </p:txBody>
-      </p:sp>
-      <p:sp>
-        <p:nvSpPr>
-          <p:cNvPr id="3" name="Content Placeholder 2">
-            <a:extLst>
-              <a:ext uri="{FF2B5EF4-FFF2-40B4-BE49-F238E27FC236}">
-                <a16:creationId xmlns:a16="http://schemas.microsoft.com/office/drawing/2014/main" id="{86D09454-7923-4B65-B5B6-107AF36D50B0}"/>
-              </a:ext>
-            </a:extLst>
-          </p:cNvPr>
-          <p:cNvSpPr>
-            <a:spLocks noGrp="1"/>
-          </p:cNvSpPr>
-          <p:nvPr>
-            <p:ph idx="1"/>
-          </p:nvPr>
-        </p:nvSpPr>
-        <p:spPr/>
-        <p:txBody>
-          <a:bodyPr/>
-          <a:lstStyle/>
-          <a:p>
-            <a:r>
-              <a:rPr lang="en-US" dirty="0"/>
-              <a:t>Created a </a:t>
-            </a:r>
-            <a:r>
-              <a:rPr lang="en-US" i="1" dirty="0"/>
-              <a:t>general</a:t>
-            </a:r>
-            <a:r>
-              <a:rPr lang="en-US" dirty="0"/>
-              <a:t> POS system used in a store where barcodes are not used</a:t>
-            </a:r>
-          </a:p>
-          <a:p>
-            <a:endParaRPr lang="en-US" dirty="0"/>
-          </a:p>
-          <a:p>
-            <a:r>
-              <a:rPr lang="en-US" dirty="0"/>
-              <a:t>Instead, cashier takes order by selecting item from list</a:t>
-            </a:r>
-          </a:p>
-          <a:p>
-            <a:endParaRPr lang="en-US" dirty="0"/>
-          </a:p>
-          <a:p>
-            <a:r>
-              <a:rPr lang="en-US" dirty="0"/>
-              <a:t>Ex. Tim Hortons, </a:t>
-            </a:r>
-            <a:r>
-              <a:rPr lang="en-US" dirty="0" smtClean="0"/>
-              <a:t>Movie Theaters</a:t>
-            </a:r>
-            <a:endParaRPr lang="en-US" dirty="0"/>
-          </a:p>
-        </p:txBody>
-      </p:sp>
-    </p:spTree>
-    <p:extLst>
-      <p:ext uri="{BB962C8B-B14F-4D97-AF65-F5344CB8AC3E}">
-        <p14:creationId xmlns:p14="http://schemas.microsoft.com/office/powerpoint/2010/main" val="3456466334"/>
-      </p:ext>
-    </p:extLst>
-  </p:cSld>
-  <p:clrMapOvr>
-    <a:masterClrMapping/>
-  </p:clrMapOvr>
-</p:sld>
-</file>
-
-<file path=ppt/slides/slide5.xml><?xml version="1.0" encoding="utf-8"?>
-<p:sld xmlns:a="http://schemas.openxmlformats.org/drawingml/2006/main" xmlns:r="http://schemas.openxmlformats.org/officeDocument/2006/relationships" xmlns:p="http://schemas.openxmlformats.org/presentationml/2006/main">
-  <p:cSld>
-    <p:spTree>
-      <p:nvGrpSpPr>
-        <p:cNvPr id="1" name=""/>
-        <p:cNvGrpSpPr/>
-        <p:nvPr/>
-      </p:nvGrpSpPr>
-      <p:grpSpPr>
-        <a:xfrm>
-          <a:off x="0" y="0"/>
-          <a:ext cx="0" cy="0"/>
-          <a:chOff x="0" y="0"/>
-          <a:chExt cx="0" cy="0"/>
-        </a:xfrm>
-      </p:grpSpPr>
-      <p:sp>
-        <p:nvSpPr>
-          <p:cNvPr id="2" name="Title 1">
-            <a:extLst>
-              <a:ext uri="{FF2B5EF4-FFF2-40B4-BE49-F238E27FC236}">
-                <a16:creationId xmlns:a16="http://schemas.microsoft.com/office/drawing/2014/main" id="{5536EA74-B60F-4D41-B7F0-67C4CAF9D521}"/>
-              </a:ext>
-            </a:extLst>
-          </p:cNvPr>
-          <p:cNvSpPr>
-            <a:spLocks noGrp="1"/>
-          </p:cNvSpPr>
-          <p:nvPr>
-            <p:ph type="title"/>
-          </p:nvPr>
-        </p:nvSpPr>
-        <p:spPr/>
-        <p:txBody>
-          <a:bodyPr/>
-          <a:lstStyle/>
-          <a:p>
-            <a:r>
-              <a:rPr lang="en-US" dirty="0"/>
-              <a:t>Users</a:t>
-            </a:r>
-          </a:p>
-        </p:txBody>
-      </p:sp>
-      <p:sp>
-        <p:nvSpPr>
-          <p:cNvPr id="6" name="Text Placeholder 5">
-            <a:extLst>
-              <a:ext uri="{FF2B5EF4-FFF2-40B4-BE49-F238E27FC236}">
-                <a16:creationId xmlns:a16="http://schemas.microsoft.com/office/drawing/2014/main" id="{E6C21443-513C-4C14-84D2-60D9FFEA9A15}"/>
-              </a:ext>
-            </a:extLst>
-          </p:cNvPr>
-          <p:cNvSpPr>
-            <a:spLocks noGrp="1"/>
-          </p:cNvSpPr>
-          <p:nvPr>
-            <p:ph type="body" idx="1"/>
-          </p:nvPr>
-        </p:nvSpPr>
-        <p:spPr/>
-        <p:txBody>
-          <a:bodyPr/>
-          <a:lstStyle/>
-          <a:p>
-            <a:r>
-              <a:rPr lang="en-US" dirty="0"/>
-              <a:t>Cashier</a:t>
-            </a:r>
-          </a:p>
-        </p:txBody>
-      </p:sp>
-      <p:sp>
-        <p:nvSpPr>
-          <p:cNvPr id="3" name="Content Placeholder 2">
-            <a:extLst>
-              <a:ext uri="{FF2B5EF4-FFF2-40B4-BE49-F238E27FC236}">
-                <a16:creationId xmlns:a16="http://schemas.microsoft.com/office/drawing/2014/main" id="{14319B50-BCE7-417A-BC96-CDE699506ADD}"/>
-              </a:ext>
-            </a:extLst>
-          </p:cNvPr>
-          <p:cNvSpPr>
-            <a:spLocks noGrp="1"/>
-          </p:cNvSpPr>
-          <p:nvPr>
-            <p:ph sz="half" idx="2"/>
-          </p:nvPr>
-        </p:nvSpPr>
-        <p:spPr/>
-        <p:txBody>
-          <a:bodyPr/>
-          <a:lstStyle/>
-          <a:p>
-            <a:pPr marL="0" indent="0">
-              <a:buNone/>
-            </a:pPr>
-            <a:endParaRPr lang="en-US" dirty="0"/>
-          </a:p>
-          <a:p>
-            <a:r>
-              <a:rPr lang="en-US" dirty="0"/>
-              <a:t>Starts a new transaction </a:t>
-            </a:r>
-          </a:p>
-          <a:p>
-            <a:r>
-              <a:rPr lang="en-US" dirty="0"/>
-              <a:t>Adds/removes items from customer’s “virtual cart”</a:t>
-            </a:r>
-          </a:p>
-          <a:p>
-            <a:r>
-              <a:rPr lang="en-US" dirty="0"/>
-              <a:t>Accepts payment to finish transaction</a:t>
-            </a:r>
-          </a:p>
-        </p:txBody>
-      </p:sp>
-      <p:sp>
-        <p:nvSpPr>
-          <p:cNvPr id="7" name="Text Placeholder 6">
-            <a:extLst>
-              <a:ext uri="{FF2B5EF4-FFF2-40B4-BE49-F238E27FC236}">
-                <a16:creationId xmlns:a16="http://schemas.microsoft.com/office/drawing/2014/main" id="{1AA33A14-4CD9-4075-A791-9B103CC737A9}"/>
-              </a:ext>
-            </a:extLst>
-          </p:cNvPr>
-          <p:cNvSpPr>
-            <a:spLocks noGrp="1"/>
-          </p:cNvSpPr>
-          <p:nvPr>
-            <p:ph type="body" sz="quarter" idx="3"/>
-          </p:nvPr>
-        </p:nvSpPr>
-        <p:spPr/>
-        <p:txBody>
-          <a:bodyPr/>
-          <a:lstStyle/>
-          <a:p>
-            <a:r>
-              <a:rPr lang="en-US" dirty="0"/>
-              <a:t>Manager</a:t>
-            </a:r>
-          </a:p>
-        </p:txBody>
-      </p:sp>
-      <p:sp>
-        <p:nvSpPr>
-          <p:cNvPr id="8" name="Content Placeholder 7">
-            <a:extLst>
-              <a:ext uri="{FF2B5EF4-FFF2-40B4-BE49-F238E27FC236}">
-                <a16:creationId xmlns:a16="http://schemas.microsoft.com/office/drawing/2014/main" id="{518B4174-68C6-4BEA-A070-3E7FC2DD64A1}"/>
-              </a:ext>
-            </a:extLst>
-          </p:cNvPr>
-          <p:cNvSpPr>
-            <a:spLocks noGrp="1"/>
-          </p:cNvSpPr>
-          <p:nvPr>
-            <p:ph sz="quarter" idx="4"/>
-          </p:nvPr>
-        </p:nvSpPr>
-        <p:spPr/>
-        <p:txBody>
-          <a:bodyPr/>
-          <a:lstStyle/>
-          <a:p>
-            <a:r>
-              <a:rPr lang="en-US" dirty="0"/>
-              <a:t>Adds/removes cashiers that can login</a:t>
-            </a:r>
-          </a:p>
-          <a:p>
-            <a:r>
-              <a:rPr lang="en-US" dirty="0"/>
-              <a:t>Change list of goods offered by store</a:t>
-            </a:r>
-          </a:p>
-          <a:p>
-            <a:r>
-              <a:rPr lang="en-US" dirty="0"/>
-              <a:t>…</a:t>
-            </a:r>
-          </a:p>
-          <a:p>
-            <a:r>
-              <a:rPr lang="en-US" dirty="0"/>
-              <a:t>Supervises?</a:t>
-            </a:r>
-          </a:p>
-        </p:txBody>
-      </p:sp>
-    </p:spTree>
-    <p:extLst>
-      <p:ext uri="{BB962C8B-B14F-4D97-AF65-F5344CB8AC3E}">
-        <p14:creationId xmlns:p14="http://schemas.microsoft.com/office/powerpoint/2010/main" val="114767895"/>
-      </p:ext>
-    </p:extLst>
-  </p:cSld>
-  <p:clrMapOvr>
-    <a:masterClrMapping/>
-  </p:clrMapOvr>
-</p:sld>
-</file>
-
-<file path=ppt/slides/slide6.xml><?xml version="1.0" encoding="utf-8"?>
-<p:sld xmlns:a="http://schemas.openxmlformats.org/drawingml/2006/main" xmlns:r="http://schemas.openxmlformats.org/officeDocument/2006/relationships" xmlns:p="http://schemas.openxmlformats.org/presentationml/2006/main">
-  <p:cSld>
-    <p:spTree>
-      <p:nvGrpSpPr>
-        <p:cNvPr id="1" name=""/>
-        <p:cNvGrpSpPr/>
-        <p:nvPr/>
-      </p:nvGrpSpPr>
-      <p:grpSpPr>
-        <a:xfrm>
-          <a:off x="0" y="0"/>
-          <a:ext cx="0" cy="0"/>
-          <a:chOff x="0" y="0"/>
-          <a:chExt cx="0" cy="0"/>
-        </a:xfrm>
-      </p:grpSpPr>
-      <p:sp>
-        <p:nvSpPr>
-          <p:cNvPr id="4" name="Title 3"/>
-          <p:cNvSpPr>
-            <a:spLocks noGrp="1"/>
-          </p:cNvSpPr>
-          <p:nvPr>
-            <p:ph type="title"/>
-          </p:nvPr>
-        </p:nvSpPr>
-        <p:spPr/>
-        <p:txBody>
-          <a:bodyPr/>
-          <a:lstStyle/>
-          <a:p>
-            <a:r>
-              <a:rPr lang="en-CA" dirty="0" smtClean="0"/>
-              <a:t>Use Case Diagram</a:t>
-            </a:r>
-            <a:endParaRPr lang="en-CA" dirty="0"/>
-          </a:p>
-        </p:txBody>
-      </p:sp>
-      <p:sp>
-        <p:nvSpPr>
-          <p:cNvPr id="5" name="Content Placeholder 4"/>
-          <p:cNvSpPr>
-            <a:spLocks noGrp="1"/>
-          </p:cNvSpPr>
-          <p:nvPr>
-            <p:ph sz="half" idx="1"/>
-          </p:nvPr>
-        </p:nvSpPr>
-        <p:spPr/>
-        <p:txBody>
-          <a:bodyPr/>
-          <a:lstStyle/>
-          <a:p>
-            <a:r>
-              <a:rPr lang="en-CA" dirty="0" smtClean="0"/>
-              <a:t>Shows essential use cases for cashier and manager</a:t>
-            </a:r>
-            <a:endParaRPr lang="en-CA" dirty="0"/>
-          </a:p>
-        </p:txBody>
-      </p:sp>
-      <p:pic>
-        <p:nvPicPr>
-          <p:cNvPr id="1026" name="Picture 2" descr="https://lh6.googleusercontent.com/EBasbrb2YlriKbbnkKuxf3vvU-yNnF_t_r5217MPZEVQhj0G2Gy-JZ9niIPXR4fhXjvrYz5kZNrKQwtjzZHOzdWViTX9pUQYTSB75YAyeai3y12ACADUxYe0-rlThCeW6A"/>
-          <p:cNvPicPr>
-            <a:picLocks noGrp="1" noChangeAspect="1" noChangeArrowheads="1"/>
-          </p:cNvPicPr>
-          <p:nvPr>
-            <p:ph sz="half" idx="2"/>
-          </p:nvPr>
-        </p:nvPicPr>
-        <p:blipFill>
-          <a:blip r:embed="rId2">
-            <a:extLst>
-              <a:ext uri="{28A0092B-C50C-407E-A947-70E740481C1C}">
-                <a14:useLocalDpi xmlns:a14="http://schemas.microsoft.com/office/drawing/2010/main" val="0"/>
-              </a:ext>
-            </a:extLst>
-          </a:blip>
-          <a:stretch>
-            <a:fillRect/>
-          </a:stretch>
-        </p:blipFill>
-        <p:spPr bwMode="auto">
-          <a:xfrm>
-            <a:off x="6329994" y="1825625"/>
-            <a:ext cx="4866012" cy="4351338"/>
-          </a:xfrm>
-          <a:prstGeom prst="rect">
-            <a:avLst/>
-          </a:prstGeom>
-          <a:noFill/>
-          <a:extLst>
-            <a:ext uri="{909E8E84-426E-40DD-AFC4-6F175D3DCCD1}">
-              <a14:hiddenFill xmlns:a14="http://schemas.microsoft.com/office/drawing/2010/main">
-                <a:solidFill>
-                  <a:srgbClr val="FFFFFF"/>
-                </a:solidFill>
-              </a14:hiddenFill>
-            </a:ext>
-          </a:extLst>
-        </p:spPr>
-      </p:pic>
-    </p:spTree>
-    <p:extLst>
-      <p:ext uri="{BB962C8B-B14F-4D97-AF65-F5344CB8AC3E}">
-        <p14:creationId xmlns:p14="http://schemas.microsoft.com/office/powerpoint/2010/main" val="2594412146"/>
-      </p:ext>
-    </p:extLst>
-  </p:cSld>
-  <p:clrMapOvr>
-    <a:masterClrMapping/>
-  </p:clrMapOvr>
-</p:sld>
-</file>
-
-<file path=ppt/slides/slide7.xml><?xml version="1.0" encoding="utf-8"?>
-<p:sld xmlns:a="http://schemas.openxmlformats.org/drawingml/2006/main" xmlns:r="http://schemas.openxmlformats.org/officeDocument/2006/relationships" xmlns:p="http://schemas.openxmlformats.org/presentationml/2006/main">
-  <p:cSld>
-    <p:spTree>
-      <p:nvGrpSpPr>
-        <p:cNvPr id="1" name=""/>
-        <p:cNvGrpSpPr/>
-        <p:nvPr/>
-      </p:nvGrpSpPr>
-      <p:grpSpPr>
-        <a:xfrm>
-          <a:off x="0" y="0"/>
-          <a:ext cx="0" cy="0"/>
-          <a:chOff x="0" y="0"/>
-          <a:chExt cx="0" cy="0"/>
-        </a:xfrm>
-      </p:grpSpPr>
-      <p:sp>
-        <p:nvSpPr>
-          <p:cNvPr id="4" name="Title 3">
-            <a:extLst>
-              <a:ext uri="{FF2B5EF4-FFF2-40B4-BE49-F238E27FC236}">
-                <a16:creationId xmlns:a16="http://schemas.microsoft.com/office/drawing/2014/main" id="{58ADE175-160B-4848-AA99-8AC008E51001}"/>
-              </a:ext>
-            </a:extLst>
-          </p:cNvPr>
-          <p:cNvSpPr>
-            <a:spLocks noGrp="1"/>
-          </p:cNvSpPr>
-          <p:nvPr>
-            <p:ph type="title"/>
-          </p:nvPr>
-        </p:nvSpPr>
-        <p:spPr/>
-        <p:txBody>
-          <a:bodyPr/>
-          <a:lstStyle/>
-          <a:p>
-            <a:r>
-              <a:rPr lang="en-US" dirty="0"/>
-              <a:t>User’s Perspective</a:t>
-            </a:r>
-          </a:p>
-        </p:txBody>
-      </p:sp>
-      <p:sp>
-        <p:nvSpPr>
-          <p:cNvPr id="6" name="Content Placeholder 5">
-            <a:extLst>
-              <a:ext uri="{FF2B5EF4-FFF2-40B4-BE49-F238E27FC236}">
-                <a16:creationId xmlns:a16="http://schemas.microsoft.com/office/drawing/2014/main" id="{485ED300-0941-426D-9E24-71ABA70D4081}"/>
-              </a:ext>
-            </a:extLst>
-          </p:cNvPr>
-          <p:cNvSpPr>
-            <a:spLocks noGrp="1"/>
-          </p:cNvSpPr>
-          <p:nvPr>
-            <p:ph sz="half" idx="1"/>
-          </p:nvPr>
-        </p:nvSpPr>
-        <p:spPr/>
-        <p:txBody>
-          <a:bodyPr/>
-          <a:lstStyle/>
-          <a:p>
-            <a:r>
-              <a:rPr lang="en-US" dirty="0"/>
-              <a:t>Show Login </a:t>
-            </a:r>
-            <a:r>
-              <a:rPr lang="en-US" dirty="0" smtClean="0"/>
-              <a:t>screen</a:t>
-            </a:r>
-          </a:p>
-          <a:p>
-            <a:endParaRPr lang="en-US" dirty="0"/>
-          </a:p>
-          <a:p>
-            <a:endParaRPr lang="en-US" dirty="0" smtClean="0"/>
-          </a:p>
-          <a:p>
-            <a:pPr marL="0" indent="0">
-              <a:buNone/>
-            </a:pPr>
-            <a:endParaRPr lang="en-US" dirty="0"/>
-          </a:p>
-          <a:p>
-            <a:pPr marL="0" indent="0">
-              <a:buNone/>
-            </a:pPr>
-            <a:endParaRPr lang="en-US" dirty="0"/>
-          </a:p>
-        </p:txBody>
-      </p:sp>
-      <p:sp>
-        <p:nvSpPr>
-          <p:cNvPr id="7" name="Content Placeholder 6">
-            <a:extLst>
-              <a:ext uri="{FF2B5EF4-FFF2-40B4-BE49-F238E27FC236}">
-                <a16:creationId xmlns:a16="http://schemas.microsoft.com/office/drawing/2014/main" id="{F41EB565-6B4D-4B50-AA95-F91194E962FD}"/>
-              </a:ext>
-            </a:extLst>
-          </p:cNvPr>
-          <p:cNvSpPr>
-            <a:spLocks noGrp="1"/>
-          </p:cNvSpPr>
-          <p:nvPr>
-            <p:ph sz="half" idx="2"/>
-          </p:nvPr>
-        </p:nvSpPr>
-        <p:spPr/>
-        <p:txBody>
-          <a:bodyPr/>
-          <a:lstStyle/>
-          <a:p>
-            <a:r>
-              <a:rPr lang="en-US" dirty="0" smtClean="0"/>
-              <a:t>User provides their ID and password and selects Login</a:t>
-            </a:r>
-          </a:p>
-          <a:p>
-            <a:r>
-              <a:rPr lang="en-US" dirty="0" smtClean="0"/>
-              <a:t>Manager selects</a:t>
-            </a:r>
-          </a:p>
-          <a:p>
-            <a:r>
-              <a:rPr lang="en-US" dirty="0" smtClean="0"/>
-              <a:t>Only users with the correct credentials are allowed past this screen</a:t>
-            </a:r>
-            <a:endParaRPr lang="en-US" dirty="0" smtClean="0"/>
-          </a:p>
-          <a:p>
-            <a:endParaRPr lang="en-US" dirty="0"/>
-          </a:p>
-        </p:txBody>
-      </p:sp>
-      <p:pic>
-        <p:nvPicPr>
-          <p:cNvPr id="2" name="Picture 1"/>
-          <p:cNvPicPr>
-            <a:picLocks noChangeAspect="1"/>
-          </p:cNvPicPr>
-          <p:nvPr/>
-        </p:nvPicPr>
-        <p:blipFill>
-          <a:blip r:embed="rId3">
-            <a:extLst>
-              <a:ext uri="{28A0092B-C50C-407E-A947-70E740481C1C}">
-                <a14:useLocalDpi xmlns:a14="http://schemas.microsoft.com/office/drawing/2010/main" val="0"/>
-              </a:ext>
-            </a:extLst>
-          </a:blip>
-          <a:stretch>
-            <a:fillRect/>
-          </a:stretch>
-        </p:blipFill>
-        <p:spPr>
-          <a:xfrm>
-            <a:off x="838200" y="2357438"/>
-            <a:ext cx="5195126" cy="3819525"/>
-          </a:xfrm>
-          <a:prstGeom prst="rect">
-            <a:avLst/>
-          </a:prstGeom>
-        </p:spPr>
-      </p:pic>
-    </p:spTree>
-    <p:extLst>
-      <p:ext uri="{BB962C8B-B14F-4D97-AF65-F5344CB8AC3E}">
-        <p14:creationId xmlns:p14="http://schemas.microsoft.com/office/powerpoint/2010/main" val="3238395273"/>
-      </p:ext>
-    </p:extLst>
-  </p:cSld>
-  <p:clrMapOvr>
-    <a:masterClrMapping/>
-  </p:clrMapOvr>
-</p:sld>
-</file>
-
-<file path=ppt/slides/slide8.xml><?xml version="1.0" encoding="utf-8"?>
-<p:sld xmlns:a="http://schemas.openxmlformats.org/drawingml/2006/main" xmlns:r="http://schemas.openxmlformats.org/officeDocument/2006/relationships" xmlns:p="http://schemas.openxmlformats.org/presentationml/2006/main">
-  <p:cSld>
-    <p:spTree>
-      <p:nvGrpSpPr>
-        <p:cNvPr id="1" name=""/>
-        <p:cNvGrpSpPr/>
-        <p:nvPr/>
-      </p:nvGrpSpPr>
-      <p:grpSpPr>
-        <a:xfrm>
-          <a:off x="0" y="0"/>
-          <a:ext cx="0" cy="0"/>
-          <a:chOff x="0" y="0"/>
-          <a:chExt cx="0" cy="0"/>
-        </a:xfrm>
-      </p:grpSpPr>
-      <p:sp>
-        <p:nvSpPr>
-          <p:cNvPr id="7" name="Title 6">
-            <a:extLst>
-              <a:ext uri="{FF2B5EF4-FFF2-40B4-BE49-F238E27FC236}">
-                <a16:creationId xmlns:a16="http://schemas.microsoft.com/office/drawing/2014/main" id="{03D3DDB0-CE5B-4183-9F02-7A614A6C7087}"/>
-              </a:ext>
-            </a:extLst>
-          </p:cNvPr>
-          <p:cNvSpPr>
-            <a:spLocks noGrp="1"/>
-          </p:cNvSpPr>
-          <p:nvPr>
-            <p:ph type="title"/>
-          </p:nvPr>
-        </p:nvSpPr>
-        <p:spPr/>
-        <p:txBody>
-          <a:bodyPr/>
-          <a:lstStyle/>
-          <a:p>
-            <a:r>
-              <a:rPr lang="en-US" dirty="0"/>
-              <a:t>User’s Perspective Cont.</a:t>
-            </a:r>
-          </a:p>
-        </p:txBody>
-      </p:sp>
-      <p:pic>
-        <p:nvPicPr>
-          <p:cNvPr id="1026" name="Picture 2" descr="https://docs.google.com/drawings/d/scAA0f5HRojiHburaqXWDRSFE/image?w=624&amp;h=468&amp;rev=376&amp;ac=1&amp;parent=1q8mHRy3iaiONjA9iy4fCQ7dNlG8ymQcEBrMDMlYVx0s">
-            <a:extLst>
-              <a:ext uri="{FF2B5EF4-FFF2-40B4-BE49-F238E27FC236}">
-                <a16:creationId xmlns:a16="http://schemas.microsoft.com/office/drawing/2014/main" id="{C7C959B8-E46E-4DED-94E1-A2FCC42B32A5}"/>
-              </a:ext>
-            </a:extLst>
-          </p:cNvPr>
-          <p:cNvPicPr>
-            <a:picLocks noGrp="1" noChangeAspect="1" noChangeArrowheads="1"/>
-          </p:cNvPicPr>
-          <p:nvPr>
-            <p:ph sz="half" idx="1"/>
-          </p:nvPr>
-        </p:nvPicPr>
-        <p:blipFill>
-          <a:blip r:embed="rId3">
-            <a:extLst>
-              <a:ext uri="{28A0092B-C50C-407E-A947-70E740481C1C}">
-                <a14:useLocalDpi xmlns:a14="http://schemas.microsoft.com/office/drawing/2010/main" val="0"/>
-              </a:ext>
-            </a:extLst>
-          </a:blip>
-          <a:stretch>
-            <a:fillRect/>
-          </a:stretch>
-        </p:blipFill>
-        <p:spPr bwMode="auto">
-          <a:xfrm>
-            <a:off x="838200" y="2058194"/>
-            <a:ext cx="5181600" cy="3886200"/>
-          </a:xfrm>
-          <a:prstGeom prst="rect">
-            <a:avLst/>
-          </a:prstGeom>
-          <a:noFill/>
-          <a:extLst>
-            <a:ext uri="{909E8E84-426E-40DD-AFC4-6F175D3DCCD1}">
-              <a14:hiddenFill xmlns:a14="http://schemas.microsoft.com/office/drawing/2010/main">
-                <a:solidFill>
-                  <a:srgbClr val="FFFFFF"/>
-                </a:solidFill>
-              </a14:hiddenFill>
-            </a:ext>
-          </a:extLst>
-        </p:spPr>
-      </p:pic>
-      <p:sp>
-        <p:nvSpPr>
-          <p:cNvPr id="16" name="Content Placeholder 15">
-            <a:extLst>
-              <a:ext uri="{FF2B5EF4-FFF2-40B4-BE49-F238E27FC236}">
-                <a16:creationId xmlns:a16="http://schemas.microsoft.com/office/drawing/2014/main" id="{B258525A-8B0F-4313-8731-C42E11D64F80}"/>
-              </a:ext>
-            </a:extLst>
-          </p:cNvPr>
-          <p:cNvSpPr>
-            <a:spLocks noGrp="1"/>
-          </p:cNvSpPr>
-          <p:nvPr>
-            <p:ph sz="half" idx="2"/>
-          </p:nvPr>
-        </p:nvSpPr>
-        <p:spPr/>
-        <p:txBody>
-          <a:bodyPr/>
-          <a:lstStyle/>
-          <a:p>
-            <a:r>
-              <a:rPr lang="en-US" dirty="0"/>
-              <a:t>Some of what cashier can do…</a:t>
-            </a:r>
-          </a:p>
-          <a:p>
-            <a:pPr lvl="1"/>
-            <a:endParaRPr lang="en-US" dirty="0"/>
-          </a:p>
-          <a:p>
-            <a:pPr lvl="1"/>
-            <a:r>
-              <a:rPr lang="en-US" dirty="0"/>
-              <a:t>Add item by selecting category</a:t>
-            </a:r>
-          </a:p>
-          <a:p>
-            <a:pPr lvl="1"/>
-            <a:r>
-              <a:rPr lang="en-US" dirty="0"/>
-              <a:t>Remove item</a:t>
-            </a:r>
-          </a:p>
-          <a:p>
-            <a:pPr lvl="1"/>
-            <a:r>
-              <a:rPr lang="en-US" dirty="0"/>
-              <a:t>Override price of good</a:t>
-            </a:r>
-          </a:p>
-          <a:p>
-            <a:pPr lvl="1"/>
-            <a:r>
-              <a:rPr lang="en-US" dirty="0"/>
-              <a:t>Save transaction so it can be continued later (</a:t>
-            </a:r>
-            <a:r>
-              <a:rPr lang="en-US" dirty="0" err="1"/>
-              <a:t>ie</a:t>
-            </a:r>
-            <a:r>
-              <a:rPr lang="en-US" dirty="0"/>
-              <a:t>. customer forgets wallet)</a:t>
-            </a:r>
-          </a:p>
-          <a:p>
-            <a:pPr lvl="1"/>
-            <a:r>
-              <a:rPr lang="en-US" dirty="0"/>
-              <a:t>Finalize transaction by taking payment</a:t>
-            </a:r>
-          </a:p>
-          <a:p>
-            <a:pPr marL="457200" lvl="1" indent="0">
-              <a:buNone/>
-            </a:pPr>
-            <a:endParaRPr lang="en-US" dirty="0"/>
-          </a:p>
-        </p:txBody>
-      </p:sp>
-    </p:spTree>
-    <p:extLst>
-      <p:ext uri="{BB962C8B-B14F-4D97-AF65-F5344CB8AC3E}">
-        <p14:creationId xmlns:p14="http://schemas.microsoft.com/office/powerpoint/2010/main" val="1070314347"/>
-      </p:ext>
-    </p:extLst>
-  </p:cSld>
-  <p:clrMapOvr>
-    <a:masterClrMapping/>
-  </p:clrMapOvr>
-</p:sld>
-</file>
-
-<file path=ppt/slides/slide9.xml><?xml version="1.0" encoding="utf-8"?>
-<p:sld xmlns:a="http://schemas.openxmlformats.org/drawingml/2006/main" xmlns:r="http://schemas.openxmlformats.org/officeDocument/2006/relationships" xmlns:p="http://schemas.openxmlformats.org/presentationml/2006/main">
-  <p:cSld>
-    <p:spTree>
-      <p:nvGrpSpPr>
-        <p:cNvPr id="1" name=""/>
-        <p:cNvGrpSpPr/>
-        <p:nvPr/>
-      </p:nvGrpSpPr>
-      <p:grpSpPr>
-        <a:xfrm>
-          <a:off x="0" y="0"/>
-          <a:ext cx="0" cy="0"/>
-          <a:chOff x="0" y="0"/>
-          <a:chExt cx="0" cy="0"/>
-        </a:xfrm>
-      </p:grpSpPr>
-      <p:sp>
-        <p:nvSpPr>
-          <p:cNvPr id="2" name="Title 1">
-            <a:extLst>
-              <a:ext uri="{FF2B5EF4-FFF2-40B4-BE49-F238E27FC236}">
-                <a16:creationId xmlns:a16="http://schemas.microsoft.com/office/drawing/2014/main" id="{8A1E571E-35B6-4FF3-ADE6-065BDE71BF3C}"/>
-              </a:ext>
-            </a:extLst>
-          </p:cNvPr>
-          <p:cNvSpPr>
-            <a:spLocks noGrp="1"/>
-          </p:cNvSpPr>
-          <p:nvPr>
-            <p:ph type="title"/>
-          </p:nvPr>
-        </p:nvSpPr>
-        <p:spPr/>
-        <p:txBody>
-          <a:bodyPr/>
-          <a:lstStyle/>
-          <a:p>
-            <a:r>
-              <a:rPr lang="en-US" dirty="0"/>
-              <a:t>But wait, there’s more!</a:t>
-            </a:r>
-          </a:p>
-        </p:txBody>
-      </p:sp>
-      <p:sp>
-        <p:nvSpPr>
-          <p:cNvPr id="3" name="Content Placeholder 2">
-            <a:extLst>
-              <a:ext uri="{FF2B5EF4-FFF2-40B4-BE49-F238E27FC236}">
-                <a16:creationId xmlns:a16="http://schemas.microsoft.com/office/drawing/2014/main" id="{C7BC2220-5C20-4326-8D24-A88E7516D7D1}"/>
-              </a:ext>
-            </a:extLst>
-          </p:cNvPr>
-          <p:cNvSpPr>
-            <a:spLocks noGrp="1"/>
-          </p:cNvSpPr>
-          <p:nvPr>
-            <p:ph idx="1"/>
-          </p:nvPr>
-        </p:nvSpPr>
-        <p:spPr>
-          <a:xfrm>
-            <a:off x="838200" y="1825626"/>
-            <a:ext cx="10515600" cy="3341178"/>
-          </a:xfrm>
-        </p:spPr>
-        <p:txBody>
-          <a:bodyPr>
-            <a:normAutofit/>
-          </a:bodyPr>
-          <a:lstStyle/>
-          <a:p>
-            <a:r>
-              <a:rPr lang="en-US" dirty="0"/>
-              <a:t>Key info is stored in a Database</a:t>
-            </a:r>
-          </a:p>
-          <a:p>
-            <a:pPr marL="457200" lvl="1" indent="0">
-              <a:buNone/>
-            </a:pPr>
-            <a:endParaRPr lang="en-US" dirty="0"/>
-          </a:p>
-          <a:p>
-            <a:pPr lvl="1"/>
-            <a:r>
-              <a:rPr lang="en-US" dirty="0"/>
-              <a:t>Employee info (Name, credentials, etc.)</a:t>
-            </a:r>
-          </a:p>
-          <a:p>
-            <a:pPr lvl="1"/>
-            <a:endParaRPr lang="en-US" dirty="0"/>
-          </a:p>
-          <a:p>
-            <a:pPr lvl="1"/>
-            <a:r>
-              <a:rPr lang="en-US" dirty="0"/>
-              <a:t>List of goods sold by store</a:t>
-            </a:r>
-          </a:p>
-          <a:p>
-            <a:pPr lvl="1"/>
-            <a:endParaRPr lang="en-US" dirty="0"/>
-          </a:p>
-          <a:p>
-            <a:pPr lvl="1"/>
-            <a:r>
-              <a:rPr lang="en-US" dirty="0"/>
-              <a:t>Saved Transactions</a:t>
-            </a:r>
-          </a:p>
-          <a:p>
-            <a:pPr marL="457200" lvl="1" indent="0">
-              <a:buNone/>
-            </a:pPr>
-            <a:endParaRPr lang="en-US" dirty="0"/>
-          </a:p>
-        </p:txBody>
-      </p:sp>
-      <p:sp>
-        <p:nvSpPr>
-          <p:cNvPr id="4" name="Rectangle 3">
-            <a:extLst>
-              <a:ext uri="{FF2B5EF4-FFF2-40B4-BE49-F238E27FC236}">
-                <a16:creationId xmlns:a16="http://schemas.microsoft.com/office/drawing/2014/main" id="{5D4476AB-5866-4AEE-A6E2-AE8817368A69}"/>
-              </a:ext>
-            </a:extLst>
-          </p:cNvPr>
-          <p:cNvSpPr/>
-          <p:nvPr/>
-        </p:nvSpPr>
-        <p:spPr>
-          <a:xfrm>
-            <a:off x="838200" y="5166804"/>
-            <a:ext cx="7833106" cy="523220"/>
-          </a:xfrm>
-          <a:prstGeom prst="rect">
-            <a:avLst/>
-          </a:prstGeom>
-        </p:spPr>
-        <p:txBody>
-          <a:bodyPr wrap="none">
-            <a:spAutoFit/>
-          </a:bodyPr>
-          <a:lstStyle/>
-          <a:p>
-            <a:pPr marL="457200" indent="-457200">
-              <a:buFont typeface="Arial" panose="020B0604020202020204" pitchFamily="34" charset="0"/>
-              <a:buChar char="•"/>
-            </a:pPr>
-            <a:r>
-              <a:rPr lang="en-US" sz="2800" dirty="0"/>
-              <a:t>Only Managers allowed to access employee info</a:t>
-            </a:r>
-          </a:p>
-        </p:txBody>
-      </p:sp>
-    </p:spTree>
-    <p:extLst>
-      <p:ext uri="{BB962C8B-B14F-4D97-AF65-F5344CB8AC3E}">
-        <p14:creationId xmlns:p14="http://schemas.microsoft.com/office/powerpoint/2010/main" val="283120246"/>
       </p:ext>
     </p:extLst>
   </p:cSld>

--- a/Presentation.pptx
+++ b/Presentation.pptx
@@ -5,7 +5,7 @@
     <p:sldMasterId id="2147483719" r:id="rId1"/>
   </p:sldMasterIdLst>
   <p:notesMasterIdLst>
-    <p:notesMasterId r:id="rId20"/>
+    <p:notesMasterId r:id="rId21"/>
   </p:notesMasterIdLst>
   <p:sldIdLst>
     <p:sldId id="256" r:id="rId2"/>
@@ -23,9 +23,10 @@
     <p:sldId id="282" r:id="rId14"/>
     <p:sldId id="283" r:id="rId15"/>
     <p:sldId id="279" r:id="rId16"/>
-    <p:sldId id="281" r:id="rId17"/>
-    <p:sldId id="265" r:id="rId18"/>
-    <p:sldId id="275" r:id="rId19"/>
+    <p:sldId id="284" r:id="rId17"/>
+    <p:sldId id="281" r:id="rId18"/>
+    <p:sldId id="265" r:id="rId19"/>
+    <p:sldId id="275" r:id="rId20"/>
   </p:sldIdLst>
   <p:sldSz cx="12192000" cy="6858000"/>
   <p:notesSz cx="6858000" cy="9144000"/>
@@ -148,6 +149,7 @@
             <p14:sldId id="282"/>
             <p14:sldId id="283"/>
             <p14:sldId id="279"/>
+            <p14:sldId id="284"/>
             <p14:sldId id="281"/>
             <p14:sldId id="265"/>
             <p14:sldId id="275"/>
@@ -1148,6 +1150,13 @@
         </dgm:presLayoutVars>
       </dgm:prSet>
       <dgm:spPr/>
+      <dgm:t>
+        <a:bodyPr/>
+        <a:lstStyle/>
+        <a:p>
+          <a:endParaRPr lang="en-US"/>
+        </a:p>
+      </dgm:t>
     </dgm:pt>
     <dgm:pt modelId="{532E0CCE-5F82-4BC7-8A25-570F92DBF135}" type="pres">
       <dgm:prSet presAssocID="{475DC371-C2ED-45CB-9D2E-99E22BBBD51B}" presName="composite" presStyleCnt="0"/>
@@ -1162,10 +1171,24 @@
         </dgm:presLayoutVars>
       </dgm:prSet>
       <dgm:spPr/>
+      <dgm:t>
+        <a:bodyPr/>
+        <a:lstStyle/>
+        <a:p>
+          <a:endParaRPr lang="en-US"/>
+        </a:p>
+      </dgm:t>
     </dgm:pt>
     <dgm:pt modelId="{545218EE-7CC9-4DD0-A5A0-F5F4095F5719}" type="pres">
       <dgm:prSet presAssocID="{475DC371-C2ED-45CB-9D2E-99E22BBBD51B}" presName="parSh" presStyleLbl="node1" presStyleIdx="0" presStyleCnt="3"/>
       <dgm:spPr/>
+      <dgm:t>
+        <a:bodyPr/>
+        <a:lstStyle/>
+        <a:p>
+          <a:endParaRPr lang="en-US"/>
+        </a:p>
+      </dgm:t>
     </dgm:pt>
     <dgm:pt modelId="{1CAE543C-F70E-4BFB-AE52-769C5DE70113}" type="pres">
       <dgm:prSet presAssocID="{475DC371-C2ED-45CB-9D2E-99E22BBBD51B}" presName="desTx" presStyleLbl="fgAcc1" presStyleIdx="0" presStyleCnt="3">
@@ -1174,14 +1197,35 @@
         </dgm:presLayoutVars>
       </dgm:prSet>
       <dgm:spPr/>
+      <dgm:t>
+        <a:bodyPr/>
+        <a:lstStyle/>
+        <a:p>
+          <a:endParaRPr lang="en-US"/>
+        </a:p>
+      </dgm:t>
     </dgm:pt>
     <dgm:pt modelId="{0D94B108-C23B-4803-8367-8589429A5171}" type="pres">
       <dgm:prSet presAssocID="{A7EC798D-6C3B-4700-8475-F09E5EB63A24}" presName="sibTrans" presStyleLbl="sibTrans2D1" presStyleIdx="0" presStyleCnt="2"/>
       <dgm:spPr/>
+      <dgm:t>
+        <a:bodyPr/>
+        <a:lstStyle/>
+        <a:p>
+          <a:endParaRPr lang="en-US"/>
+        </a:p>
+      </dgm:t>
     </dgm:pt>
     <dgm:pt modelId="{D41C4003-EEBF-4358-9059-3281A877D6B8}" type="pres">
       <dgm:prSet presAssocID="{A7EC798D-6C3B-4700-8475-F09E5EB63A24}" presName="connTx" presStyleLbl="sibTrans2D1" presStyleIdx="0" presStyleCnt="2"/>
       <dgm:spPr/>
+      <dgm:t>
+        <a:bodyPr/>
+        <a:lstStyle/>
+        <a:p>
+          <a:endParaRPr lang="en-US"/>
+        </a:p>
+      </dgm:t>
     </dgm:pt>
     <dgm:pt modelId="{659E5F93-33AA-4782-A9F0-1381C51FBB2A}" type="pres">
       <dgm:prSet presAssocID="{9A911023-A579-4B28-B6F8-1E1E3CD7F58B}" presName="composite" presStyleCnt="0"/>
@@ -1196,10 +1240,24 @@
         </dgm:presLayoutVars>
       </dgm:prSet>
       <dgm:spPr/>
+      <dgm:t>
+        <a:bodyPr/>
+        <a:lstStyle/>
+        <a:p>
+          <a:endParaRPr lang="en-US"/>
+        </a:p>
+      </dgm:t>
     </dgm:pt>
     <dgm:pt modelId="{330F184D-7C08-41C0-AFBD-07B2B951BA1C}" type="pres">
       <dgm:prSet presAssocID="{9A911023-A579-4B28-B6F8-1E1E3CD7F58B}" presName="parSh" presStyleLbl="node1" presStyleIdx="1" presStyleCnt="3"/>
       <dgm:spPr/>
+      <dgm:t>
+        <a:bodyPr/>
+        <a:lstStyle/>
+        <a:p>
+          <a:endParaRPr lang="en-US"/>
+        </a:p>
+      </dgm:t>
     </dgm:pt>
     <dgm:pt modelId="{4618076C-56B7-4E74-9A85-BAF762EB5878}" type="pres">
       <dgm:prSet presAssocID="{9A911023-A579-4B28-B6F8-1E1E3CD7F58B}" presName="desTx" presStyleLbl="fgAcc1" presStyleIdx="1" presStyleCnt="3">
@@ -1208,14 +1266,35 @@
         </dgm:presLayoutVars>
       </dgm:prSet>
       <dgm:spPr/>
+      <dgm:t>
+        <a:bodyPr/>
+        <a:lstStyle/>
+        <a:p>
+          <a:endParaRPr lang="en-US"/>
+        </a:p>
+      </dgm:t>
     </dgm:pt>
     <dgm:pt modelId="{165B04BF-6059-493C-8028-37B3E56307BA}" type="pres">
       <dgm:prSet presAssocID="{96CF53D4-A2F2-45EE-835A-DA5D1D285800}" presName="sibTrans" presStyleLbl="sibTrans2D1" presStyleIdx="1" presStyleCnt="2"/>
       <dgm:spPr/>
+      <dgm:t>
+        <a:bodyPr/>
+        <a:lstStyle/>
+        <a:p>
+          <a:endParaRPr lang="en-US"/>
+        </a:p>
+      </dgm:t>
     </dgm:pt>
     <dgm:pt modelId="{CD9A26DB-C33A-4B0A-8B12-913EC1457A32}" type="pres">
       <dgm:prSet presAssocID="{96CF53D4-A2F2-45EE-835A-DA5D1D285800}" presName="connTx" presStyleLbl="sibTrans2D1" presStyleIdx="1" presStyleCnt="2"/>
       <dgm:spPr/>
+      <dgm:t>
+        <a:bodyPr/>
+        <a:lstStyle/>
+        <a:p>
+          <a:endParaRPr lang="en-US"/>
+        </a:p>
+      </dgm:t>
     </dgm:pt>
     <dgm:pt modelId="{FFBDD959-C84E-4E56-9C5C-B9912FAE0B94}" type="pres">
       <dgm:prSet presAssocID="{AB8E6DB2-AAB0-4168-BC91-1EC4C24C7430}" presName="composite" presStyleCnt="0"/>
@@ -1230,10 +1309,24 @@
         </dgm:presLayoutVars>
       </dgm:prSet>
       <dgm:spPr/>
+      <dgm:t>
+        <a:bodyPr/>
+        <a:lstStyle/>
+        <a:p>
+          <a:endParaRPr lang="en-US"/>
+        </a:p>
+      </dgm:t>
     </dgm:pt>
     <dgm:pt modelId="{15A9482C-095C-4F2A-91BD-D0C338A0AD79}" type="pres">
       <dgm:prSet presAssocID="{AB8E6DB2-AAB0-4168-BC91-1EC4C24C7430}" presName="parSh" presStyleLbl="node1" presStyleIdx="2" presStyleCnt="3"/>
       <dgm:spPr/>
+      <dgm:t>
+        <a:bodyPr/>
+        <a:lstStyle/>
+        <a:p>
+          <a:endParaRPr lang="en-US"/>
+        </a:p>
+      </dgm:t>
     </dgm:pt>
     <dgm:pt modelId="{0F220211-444E-4403-8D5C-F579CBA0A623}" type="pres">
       <dgm:prSet presAssocID="{AB8E6DB2-AAB0-4168-BC91-1EC4C24C7430}" presName="desTx" presStyleLbl="fgAcc1" presStyleIdx="2" presStyleCnt="3">
@@ -1242,29 +1335,36 @@
         </dgm:presLayoutVars>
       </dgm:prSet>
       <dgm:spPr/>
+      <dgm:t>
+        <a:bodyPr/>
+        <a:lstStyle/>
+        <a:p>
+          <a:endParaRPr lang="en-US"/>
+        </a:p>
+      </dgm:t>
     </dgm:pt>
   </dgm:ptLst>
   <dgm:cxnLst>
+    <dgm:cxn modelId="{C60B9F22-A1EC-4F18-94B2-509C57F684AE}" srcId="{475DC371-C2ED-45CB-9D2E-99E22BBBD51B}" destId="{60BC4E5A-3C84-4B70-8114-7B3A54274060}" srcOrd="0" destOrd="0" parTransId="{4ACD431B-A440-49DC-8CA8-73DDBB5DF0CE}" sibTransId="{304B6B09-19DD-4AD2-AC0B-75EE59A0F566}"/>
+    <dgm:cxn modelId="{E04A7710-BBBB-415D-AC8D-38658EC4A80F}" type="presOf" srcId="{9A911023-A579-4B28-B6F8-1E1E3CD7F58B}" destId="{330F184D-7C08-41C0-AFBD-07B2B951BA1C}" srcOrd="1" destOrd="0" presId="urn:microsoft.com/office/officeart/2005/8/layout/process3"/>
+    <dgm:cxn modelId="{A7E62FC3-DB04-4D6B-A685-CE6C6FE497CD}" srcId="{160016FC-8D37-4F1F-96F3-82561DBB2EAA}" destId="{9A911023-A579-4B28-B6F8-1E1E3CD7F58B}" srcOrd="1" destOrd="0" parTransId="{82800ACA-B6BD-4F0A-9D72-644F333D4705}" sibTransId="{96CF53D4-A2F2-45EE-835A-DA5D1D285800}"/>
+    <dgm:cxn modelId="{4549B75D-71DA-4037-BCDC-31926FD21E39}" type="presOf" srcId="{475DC371-C2ED-45CB-9D2E-99E22BBBD51B}" destId="{545218EE-7CC9-4DD0-A5A0-F5F4095F5719}" srcOrd="1" destOrd="0" presId="urn:microsoft.com/office/officeart/2005/8/layout/process3"/>
+    <dgm:cxn modelId="{97D9AE39-D324-4762-8AD3-634FA5445423}" type="presOf" srcId="{A7EC798D-6C3B-4700-8475-F09E5EB63A24}" destId="{0D94B108-C23B-4803-8367-8589429A5171}" srcOrd="0" destOrd="0" presId="urn:microsoft.com/office/officeart/2005/8/layout/process3"/>
     <dgm:cxn modelId="{7B9B9E00-F005-4FD5-88C3-B9F52A9D7846}" srcId="{160016FC-8D37-4F1F-96F3-82561DBB2EAA}" destId="{AB8E6DB2-AAB0-4168-BC91-1EC4C24C7430}" srcOrd="2" destOrd="0" parTransId="{42E8FFAC-B976-495D-A8D7-2E3ED0362D33}" sibTransId="{190267AC-94F8-43BA-A908-82264349C787}"/>
     <dgm:cxn modelId="{DBE9C604-078E-46B9-BA2D-9D15A8461FB7}" srcId="{9A911023-A579-4B28-B6F8-1E1E3CD7F58B}" destId="{101D0437-D0DC-424E-90EB-0F14C32DD9CA}" srcOrd="0" destOrd="0" parTransId="{E4DB1137-D8C3-49EF-B811-7B40DE0435D1}" sibTransId="{D213A49E-4D61-42BA-9B0F-5D4CB645B65C}"/>
-    <dgm:cxn modelId="{E04A7710-BBBB-415D-AC8D-38658EC4A80F}" type="presOf" srcId="{9A911023-A579-4B28-B6F8-1E1E3CD7F58B}" destId="{330F184D-7C08-41C0-AFBD-07B2B951BA1C}" srcOrd="1" destOrd="0" presId="urn:microsoft.com/office/officeart/2005/8/layout/process3"/>
+    <dgm:cxn modelId="{6EC83FB6-E65E-4F8A-A96D-B330E9D1B5A1}" srcId="{160016FC-8D37-4F1F-96F3-82561DBB2EAA}" destId="{475DC371-C2ED-45CB-9D2E-99E22BBBD51B}" srcOrd="0" destOrd="0" parTransId="{04C98E7F-C407-44A5-B690-F32B4E9D9D96}" sibTransId="{A7EC798D-6C3B-4700-8475-F09E5EB63A24}"/>
+    <dgm:cxn modelId="{DB0E1952-56AA-4E13-AE28-7BBE8D4B4C17}" type="presOf" srcId="{AB8E6DB2-AAB0-4168-BC91-1EC4C24C7430}" destId="{39D7F9FE-7379-4AA2-B944-859DB6DA8BEA}" srcOrd="0" destOrd="0" presId="urn:microsoft.com/office/officeart/2005/8/layout/process3"/>
+    <dgm:cxn modelId="{9177CCC2-ABDF-47F8-A384-A65DF26D37D5}" type="presOf" srcId="{35BBBB64-248A-4B22-B3BF-AEE10CD640AE}" destId="{0F220211-444E-4403-8D5C-F579CBA0A623}" srcOrd="0" destOrd="0" presId="urn:microsoft.com/office/officeart/2005/8/layout/process3"/>
+    <dgm:cxn modelId="{B12FCDD6-D268-4131-80AA-581FAC7866B8}" type="presOf" srcId="{96CF53D4-A2F2-45EE-835A-DA5D1D285800}" destId="{CD9A26DB-C33A-4B0A-8B12-913EC1457A32}" srcOrd="1" destOrd="0" presId="urn:microsoft.com/office/officeart/2005/8/layout/process3"/>
+    <dgm:cxn modelId="{EDCDA49A-8845-4EC8-99E8-42B17DADC253}" srcId="{AB8E6DB2-AAB0-4168-BC91-1EC4C24C7430}" destId="{35BBBB64-248A-4B22-B3BF-AEE10CD640AE}" srcOrd="0" destOrd="0" parTransId="{1F897D15-BE44-4F94-A22D-59C94BEDD891}" sibTransId="{11A4ABA4-DF58-4160-B411-CCDB1E7043CF}"/>
+    <dgm:cxn modelId="{267F3439-6F7A-4657-819B-25D678C858C0}" type="presOf" srcId="{475DC371-C2ED-45CB-9D2E-99E22BBBD51B}" destId="{ADDCD194-B4EC-499D-A518-C65FBD78217C}" srcOrd="0" destOrd="0" presId="urn:microsoft.com/office/officeart/2005/8/layout/process3"/>
     <dgm:cxn modelId="{3FB7B512-2975-4500-A94A-6B0D18C056A5}" type="presOf" srcId="{101D0437-D0DC-424E-90EB-0F14C32DD9CA}" destId="{4618076C-56B7-4E74-9A85-BAF762EB5878}" srcOrd="0" destOrd="0" presId="urn:microsoft.com/office/officeart/2005/8/layout/process3"/>
     <dgm:cxn modelId="{AAB1CE1F-C24B-45B1-8208-DEE71D0721D8}" type="presOf" srcId="{160016FC-8D37-4F1F-96F3-82561DBB2EAA}" destId="{C1FD4A9E-3E36-408E-97C9-5A00CD30DAF4}" srcOrd="0" destOrd="0" presId="urn:microsoft.com/office/officeart/2005/8/layout/process3"/>
-    <dgm:cxn modelId="{C60B9F22-A1EC-4F18-94B2-509C57F684AE}" srcId="{475DC371-C2ED-45CB-9D2E-99E22BBBD51B}" destId="{60BC4E5A-3C84-4B70-8114-7B3A54274060}" srcOrd="0" destOrd="0" parTransId="{4ACD431B-A440-49DC-8CA8-73DDBB5DF0CE}" sibTransId="{304B6B09-19DD-4AD2-AC0B-75EE59A0F566}"/>
-    <dgm:cxn modelId="{267F3439-6F7A-4657-819B-25D678C858C0}" type="presOf" srcId="{475DC371-C2ED-45CB-9D2E-99E22BBBD51B}" destId="{ADDCD194-B4EC-499D-A518-C65FBD78217C}" srcOrd="0" destOrd="0" presId="urn:microsoft.com/office/officeart/2005/8/layout/process3"/>
-    <dgm:cxn modelId="{97D9AE39-D324-4762-8AD3-634FA5445423}" type="presOf" srcId="{A7EC798D-6C3B-4700-8475-F09E5EB63A24}" destId="{0D94B108-C23B-4803-8367-8589429A5171}" srcOrd="0" destOrd="0" presId="urn:microsoft.com/office/officeart/2005/8/layout/process3"/>
-    <dgm:cxn modelId="{4549B75D-71DA-4037-BCDC-31926FD21E39}" type="presOf" srcId="{475DC371-C2ED-45CB-9D2E-99E22BBBD51B}" destId="{545218EE-7CC9-4DD0-A5A0-F5F4095F5719}" srcOrd="1" destOrd="0" presId="urn:microsoft.com/office/officeart/2005/8/layout/process3"/>
-    <dgm:cxn modelId="{DB0E1952-56AA-4E13-AE28-7BBE8D4B4C17}" type="presOf" srcId="{AB8E6DB2-AAB0-4168-BC91-1EC4C24C7430}" destId="{39D7F9FE-7379-4AA2-B944-859DB6DA8BEA}" srcOrd="0" destOrd="0" presId="urn:microsoft.com/office/officeart/2005/8/layout/process3"/>
-    <dgm:cxn modelId="{B6E90392-26D5-41B9-B706-F331C44662D2}" type="presOf" srcId="{96CF53D4-A2F2-45EE-835A-DA5D1D285800}" destId="{165B04BF-6059-493C-8028-37B3E56307BA}" srcOrd="0" destOrd="0" presId="urn:microsoft.com/office/officeart/2005/8/layout/process3"/>
-    <dgm:cxn modelId="{EDCDA49A-8845-4EC8-99E8-42B17DADC253}" srcId="{AB8E6DB2-AAB0-4168-BC91-1EC4C24C7430}" destId="{35BBBB64-248A-4B22-B3BF-AEE10CD640AE}" srcOrd="0" destOrd="0" parTransId="{1F897D15-BE44-4F94-A22D-59C94BEDD891}" sibTransId="{11A4ABA4-DF58-4160-B411-CCDB1E7043CF}"/>
+    <dgm:cxn modelId="{FD80B1E0-8638-4A6C-9019-863D3F18D4B3}" type="presOf" srcId="{AB8E6DB2-AAB0-4168-BC91-1EC4C24C7430}" destId="{15A9482C-095C-4F2A-91BD-D0C338A0AD79}" srcOrd="1" destOrd="0" presId="urn:microsoft.com/office/officeart/2005/8/layout/process3"/>
+    <dgm:cxn modelId="{42FED5C3-085F-4121-9F20-5910DB2F45DC}" type="presOf" srcId="{A7EC798D-6C3B-4700-8475-F09E5EB63A24}" destId="{D41C4003-EEBF-4358-9059-3281A877D6B8}" srcOrd="1" destOrd="0" presId="urn:microsoft.com/office/officeart/2005/8/layout/process3"/>
     <dgm:cxn modelId="{4C16FF9C-D776-42E0-B5A6-74338949D4A8}" type="presOf" srcId="{60BC4E5A-3C84-4B70-8114-7B3A54274060}" destId="{1CAE543C-F70E-4BFB-AE52-769C5DE70113}" srcOrd="0" destOrd="0" presId="urn:microsoft.com/office/officeart/2005/8/layout/process3"/>
     <dgm:cxn modelId="{D1F7C9B0-4629-4B8E-9A5F-841C41A0D7B1}" type="presOf" srcId="{9A911023-A579-4B28-B6F8-1E1E3CD7F58B}" destId="{8DAF0FB8-A127-4961-B458-F265828E2CFA}" srcOrd="0" destOrd="0" presId="urn:microsoft.com/office/officeart/2005/8/layout/process3"/>
-    <dgm:cxn modelId="{6EC83FB6-E65E-4F8A-A96D-B330E9D1B5A1}" srcId="{160016FC-8D37-4F1F-96F3-82561DBB2EAA}" destId="{475DC371-C2ED-45CB-9D2E-99E22BBBD51B}" srcOrd="0" destOrd="0" parTransId="{04C98E7F-C407-44A5-B690-F32B4E9D9D96}" sibTransId="{A7EC798D-6C3B-4700-8475-F09E5EB63A24}"/>
-    <dgm:cxn modelId="{9177CCC2-ABDF-47F8-A384-A65DF26D37D5}" type="presOf" srcId="{35BBBB64-248A-4B22-B3BF-AEE10CD640AE}" destId="{0F220211-444E-4403-8D5C-F579CBA0A623}" srcOrd="0" destOrd="0" presId="urn:microsoft.com/office/officeart/2005/8/layout/process3"/>
-    <dgm:cxn modelId="{A7E62FC3-DB04-4D6B-A685-CE6C6FE497CD}" srcId="{160016FC-8D37-4F1F-96F3-82561DBB2EAA}" destId="{9A911023-A579-4B28-B6F8-1E1E3CD7F58B}" srcOrd="1" destOrd="0" parTransId="{82800ACA-B6BD-4F0A-9D72-644F333D4705}" sibTransId="{96CF53D4-A2F2-45EE-835A-DA5D1D285800}"/>
-    <dgm:cxn modelId="{42FED5C3-085F-4121-9F20-5910DB2F45DC}" type="presOf" srcId="{A7EC798D-6C3B-4700-8475-F09E5EB63A24}" destId="{D41C4003-EEBF-4358-9059-3281A877D6B8}" srcOrd="1" destOrd="0" presId="urn:microsoft.com/office/officeart/2005/8/layout/process3"/>
-    <dgm:cxn modelId="{B12FCDD6-D268-4131-80AA-581FAC7866B8}" type="presOf" srcId="{96CF53D4-A2F2-45EE-835A-DA5D1D285800}" destId="{CD9A26DB-C33A-4B0A-8B12-913EC1457A32}" srcOrd="1" destOrd="0" presId="urn:microsoft.com/office/officeart/2005/8/layout/process3"/>
-    <dgm:cxn modelId="{FD80B1E0-8638-4A6C-9019-863D3F18D4B3}" type="presOf" srcId="{AB8E6DB2-AAB0-4168-BC91-1EC4C24C7430}" destId="{15A9482C-095C-4F2A-91BD-D0C338A0AD79}" srcOrd="1" destOrd="0" presId="urn:microsoft.com/office/officeart/2005/8/layout/process3"/>
+    <dgm:cxn modelId="{B6E90392-26D5-41B9-B706-F331C44662D2}" type="presOf" srcId="{96CF53D4-A2F2-45EE-835A-DA5D1D285800}" destId="{165B04BF-6059-493C-8028-37B3E56307BA}" srcOrd="0" destOrd="0" presId="urn:microsoft.com/office/officeart/2005/8/layout/process3"/>
     <dgm:cxn modelId="{3B07D7AF-9FED-4399-BF21-9785E9266142}" type="presParOf" srcId="{C1FD4A9E-3E36-408E-97C9-5A00CD30DAF4}" destId="{532E0CCE-5F82-4BC7-8A25-570F92DBF135}" srcOrd="0" destOrd="0" presId="urn:microsoft.com/office/officeart/2005/8/layout/process3"/>
     <dgm:cxn modelId="{49CB9E26-5C26-4EA9-A32F-9EEDCCE451D8}" type="presParOf" srcId="{532E0CCE-5F82-4BC7-8A25-570F92DBF135}" destId="{ADDCD194-B4EC-499D-A518-C65FBD78217C}" srcOrd="0" destOrd="0" presId="urn:microsoft.com/office/officeart/2005/8/layout/process3"/>
     <dgm:cxn modelId="{C528CE48-FA3E-4FDC-9059-417D4BE5DD51}" type="presParOf" srcId="{532E0CCE-5F82-4BC7-8A25-570F92DBF135}" destId="{545218EE-7CC9-4DD0-A5A0-F5F4095F5719}" srcOrd="1" destOrd="0" presId="urn:microsoft.com/office/officeart/2005/8/layout/process3"/>
@@ -1359,7 +1459,7 @@
         </a:bodyPr>
         <a:lstStyle/>
         <a:p>
-          <a:pPr marL="0" lvl="0" indent="0" algn="l" defTabSz="533400">
+          <a:pPr lvl="0" algn="l" defTabSz="533400">
             <a:lnSpc>
               <a:spcPct val="90000"/>
             </a:lnSpc>
@@ -1369,7 +1469,6 @@
             <a:spcAft>
               <a:spcPct val="35000"/>
             </a:spcAft>
-            <a:buNone/>
           </a:pPr>
           <a:r>
             <a:rPr lang="en-US" sz="1200" kern="1200" dirty="0"/>
@@ -1448,7 +1547,7 @@
             <a:spcAft>
               <a:spcPct val="15000"/>
             </a:spcAft>
-            <a:buChar char="•"/>
+            <a:buChar char="••"/>
           </a:pPr>
           <a:r>
             <a:rPr lang="en-US" sz="1200" kern="1200" dirty="0"/>
@@ -1511,7 +1610,7 @@
         </a:bodyPr>
         <a:lstStyle/>
         <a:p>
-          <a:pPr marL="0" lvl="0" indent="0" algn="ctr" defTabSz="444500">
+          <a:pPr lvl="0" algn="ctr" defTabSz="444500">
             <a:lnSpc>
               <a:spcPct val="90000"/>
             </a:lnSpc>
@@ -1521,7 +1620,6 @@
             <a:spcAft>
               <a:spcPct val="35000"/>
             </a:spcAft>
-            <a:buNone/>
           </a:pPr>
           <a:endParaRPr lang="en-US" sz="1000" kern="1200"/>
         </a:p>
@@ -1588,7 +1686,7 @@
         </a:bodyPr>
         <a:lstStyle/>
         <a:p>
-          <a:pPr marL="0" lvl="0" indent="0" algn="l" defTabSz="533400">
+          <a:pPr lvl="0" algn="l" defTabSz="533400">
             <a:lnSpc>
               <a:spcPct val="90000"/>
             </a:lnSpc>
@@ -1598,7 +1696,6 @@
             <a:spcAft>
               <a:spcPct val="35000"/>
             </a:spcAft>
-            <a:buNone/>
           </a:pPr>
           <a:r>
             <a:rPr lang="en-US" sz="1200" kern="1200" dirty="0"/>
@@ -1677,7 +1774,7 @@
             <a:spcAft>
               <a:spcPct val="15000"/>
             </a:spcAft>
-            <a:buChar char="•"/>
+            <a:buChar char="••"/>
           </a:pPr>
           <a:r>
             <a:rPr lang="en-US" sz="1200" kern="1200" dirty="0"/>
@@ -1740,7 +1837,7 @@
         </a:bodyPr>
         <a:lstStyle/>
         <a:p>
-          <a:pPr marL="0" lvl="0" indent="0" algn="ctr" defTabSz="444500">
+          <a:pPr lvl="0" algn="ctr" defTabSz="444500">
             <a:lnSpc>
               <a:spcPct val="90000"/>
             </a:lnSpc>
@@ -1750,7 +1847,6 @@
             <a:spcAft>
               <a:spcPct val="35000"/>
             </a:spcAft>
-            <a:buNone/>
           </a:pPr>
           <a:endParaRPr lang="en-US" sz="1000" kern="1200"/>
         </a:p>
@@ -1817,7 +1913,7 @@
         </a:bodyPr>
         <a:lstStyle/>
         <a:p>
-          <a:pPr marL="0" lvl="0" indent="0" algn="l" defTabSz="533400">
+          <a:pPr lvl="0" algn="l" defTabSz="533400">
             <a:lnSpc>
               <a:spcPct val="90000"/>
             </a:lnSpc>
@@ -1827,7 +1923,6 @@
             <a:spcAft>
               <a:spcPct val="35000"/>
             </a:spcAft>
-            <a:buNone/>
           </a:pPr>
           <a:r>
             <a:rPr lang="en-US" sz="1200" kern="1200" dirty="0"/>
@@ -1906,7 +2001,7 @@
             <a:spcAft>
               <a:spcPct val="15000"/>
             </a:spcAft>
-            <a:buChar char="•"/>
+            <a:buChar char="••"/>
           </a:pPr>
           <a:r>
             <a:rPr lang="en-US" sz="1200" kern="1200" dirty="0"/>
@@ -3340,7 +3435,7 @@
           <a:p>
             <a:fld id="{F1CA48F7-AC07-4152-A3F7-1C4CC38024CC}" type="datetimeFigureOut">
               <a:rPr lang="en-US" smtClean="0"/>
-              <a:t>11/29/2018</a:t>
+              <a:t>11/30/2018</a:t>
             </a:fld>
             <a:endParaRPr lang="en-US"/>
           </a:p>
@@ -4066,7 +4161,7 @@
           <a:p>
             <a:fld id="{F8F4E1B7-D88C-4650-A7F4-D7DE5D5171B7}" type="slidenum">
               <a:rPr lang="en-US" smtClean="0"/>
-              <a:t>17</a:t>
+              <a:t>18</a:t>
             </a:fld>
             <a:endParaRPr lang="en-US"/>
           </a:p>
@@ -4216,7 +4311,7 @@
           <a:p>
             <a:fld id="{CC65CFED-55DF-46DC-970E-476D178B4746}" type="datetimeFigureOut">
               <a:rPr lang="en-US" smtClean="0"/>
-              <a:t>11/29/2018</a:t>
+              <a:t>11/30/2018</a:t>
             </a:fld>
             <a:endParaRPr lang="en-US"/>
           </a:p>
@@ -4386,7 +4481,7 @@
           <a:p>
             <a:fld id="{CC65CFED-55DF-46DC-970E-476D178B4746}" type="datetimeFigureOut">
               <a:rPr lang="en-US" smtClean="0"/>
-              <a:t>11/29/2018</a:t>
+              <a:t>11/30/2018</a:t>
             </a:fld>
             <a:endParaRPr lang="en-US"/>
           </a:p>
@@ -4566,7 +4661,7 @@
           <a:p>
             <a:fld id="{CC65CFED-55DF-46DC-970E-476D178B4746}" type="datetimeFigureOut">
               <a:rPr lang="en-US" smtClean="0"/>
-              <a:t>11/29/2018</a:t>
+              <a:t>11/30/2018</a:t>
             </a:fld>
             <a:endParaRPr lang="en-US"/>
           </a:p>
@@ -4736,7 +4831,7 @@
           <a:p>
             <a:fld id="{CC65CFED-55DF-46DC-970E-476D178B4746}" type="datetimeFigureOut">
               <a:rPr lang="en-US" smtClean="0"/>
-              <a:t>11/29/2018</a:t>
+              <a:t>11/30/2018</a:t>
             </a:fld>
             <a:endParaRPr lang="en-US"/>
           </a:p>
@@ -4982,7 +5077,7 @@
           <a:p>
             <a:fld id="{CC65CFED-55DF-46DC-970E-476D178B4746}" type="datetimeFigureOut">
               <a:rPr lang="en-US" smtClean="0"/>
-              <a:t>11/29/2018</a:t>
+              <a:t>11/30/2018</a:t>
             </a:fld>
             <a:endParaRPr lang="en-US"/>
           </a:p>
@@ -5214,7 +5309,7 @@
           <a:p>
             <a:fld id="{CC65CFED-55DF-46DC-970E-476D178B4746}" type="datetimeFigureOut">
               <a:rPr lang="en-US" smtClean="0"/>
-              <a:t>11/29/2018</a:t>
+              <a:t>11/30/2018</a:t>
             </a:fld>
             <a:endParaRPr lang="en-US"/>
           </a:p>
@@ -5581,7 +5676,7 @@
           <a:p>
             <a:fld id="{CC65CFED-55DF-46DC-970E-476D178B4746}" type="datetimeFigureOut">
               <a:rPr lang="en-US" smtClean="0"/>
-              <a:t>11/29/2018</a:t>
+              <a:t>11/30/2018</a:t>
             </a:fld>
             <a:endParaRPr lang="en-US"/>
           </a:p>
@@ -5699,7 +5794,7 @@
           <a:p>
             <a:fld id="{CC65CFED-55DF-46DC-970E-476D178B4746}" type="datetimeFigureOut">
               <a:rPr lang="en-US" smtClean="0"/>
-              <a:t>11/29/2018</a:t>
+              <a:t>11/30/2018</a:t>
             </a:fld>
             <a:endParaRPr lang="en-US"/>
           </a:p>
@@ -5794,7 +5889,7 @@
           <a:p>
             <a:fld id="{CC65CFED-55DF-46DC-970E-476D178B4746}" type="datetimeFigureOut">
               <a:rPr lang="en-US" smtClean="0"/>
-              <a:t>11/29/2018</a:t>
+              <a:t>11/30/2018</a:t>
             </a:fld>
             <a:endParaRPr lang="en-US"/>
           </a:p>
@@ -6071,7 +6166,7 @@
           <a:p>
             <a:fld id="{CC65CFED-55DF-46DC-970E-476D178B4746}" type="datetimeFigureOut">
               <a:rPr lang="en-US" smtClean="0"/>
-              <a:t>11/29/2018</a:t>
+              <a:t>11/30/2018</a:t>
             </a:fld>
             <a:endParaRPr lang="en-US"/>
           </a:p>
@@ -6328,7 +6423,7 @@
           <a:p>
             <a:fld id="{CC65CFED-55DF-46DC-970E-476D178B4746}" type="datetimeFigureOut">
               <a:rPr lang="en-US" smtClean="0"/>
-              <a:t>11/29/2018</a:t>
+              <a:t>11/30/2018</a:t>
             </a:fld>
             <a:endParaRPr lang="en-US"/>
           </a:p>
@@ -6541,7 +6636,7 @@
           <a:p>
             <a:fld id="{CC65CFED-55DF-46DC-970E-476D178B4746}" type="datetimeFigureOut">
               <a:rPr lang="en-US" smtClean="0"/>
-              <a:t>11/29/2018</a:t>
+              <a:t>11/30/2018</a:t>
             </a:fld>
             <a:endParaRPr lang="en-US"/>
           </a:p>
@@ -7565,13 +7660,7 @@
       </p:sp>
       <p:pic>
         <p:nvPicPr>
-          <p:cNvPr id="2060" name="Picture 12" descr="https://lh5.googleusercontent.com/pDTQ-iF2QR3hv9BaeY9KZE-oTEc4ZIrN7Vw8QdKmyYkj3kvvVheyWBlO66NF_wDYyXdACp4v324LUiQSDdJXRrpjj9xXYpPvyxkXA00HcwI5kwGftZwVTAQlwG6zFSBjFg">
-            <a:extLst>
-              <a:ext uri="{FF2B5EF4-FFF2-40B4-BE49-F238E27FC236}">
-                <a16:creationId xmlns:a16="http://schemas.microsoft.com/office/drawing/2014/main" id="{3DD6B756-3FCE-4452-86EA-33A31AB221B7}"/>
-              </a:ext>
-            </a:extLst>
-          </p:cNvPr>
+          <p:cNvPr id="1026" name="Picture 2" descr="https://lh5.googleusercontent.com/xItejB7jdcachv9yXxG_l8HECuQgpW6-uZS71s0pFANT58yAlyne1Q_fvV-ylp63ncWwH1Ag8wkpBrEbuc-AljB6NRk9wGCNXmm8K7WslDfbJULX7Vox1gn4nD2V3Czh2A"/>
           <p:cNvPicPr>
             <a:picLocks noGrp="1" noChangeAspect="1" noChangeArrowheads="1"/>
           </p:cNvPicPr>
@@ -7587,14 +7676,15 @@
               </a:ext>
             </a:extLst>
           </a:blip>
+          <a:srcRect/>
           <a:stretch>
             <a:fillRect/>
           </a:stretch>
         </p:blipFill>
         <p:spPr bwMode="auto">
           <a:xfrm>
-            <a:off x="7063581" y="2913856"/>
-            <a:ext cx="3400425" cy="2867025"/>
+            <a:off x="7276408" y="2505075"/>
+            <a:ext cx="2974772" cy="3684588"/>
           </a:xfrm>
           <a:prstGeom prst="rect">
             <a:avLst/>
@@ -7868,13 +7958,7 @@
       </p:grpSpPr>
       <p:sp>
         <p:nvSpPr>
-          <p:cNvPr id="2" name="Title 1">
-            <a:extLst>
-              <a:ext uri="{FF2B5EF4-FFF2-40B4-BE49-F238E27FC236}">
-                <a16:creationId xmlns:a16="http://schemas.microsoft.com/office/drawing/2014/main" id="{64FA947C-0E26-4D76-9432-05BEFF76D854}"/>
-              </a:ext>
-            </a:extLst>
-          </p:cNvPr>
+          <p:cNvPr id="2" name="Title 1"/>
           <p:cNvSpPr>
             <a:spLocks noGrp="1"/>
           </p:cNvSpPr>
@@ -7888,21 +7972,16 @@
           <a:lstStyle/>
           <a:p>
             <a:r>
-              <a:rPr lang="en-US" dirty="0"/>
-              <a:t>Problems We Overcame</a:t>
-            </a:r>
-          </a:p>
-        </p:txBody>
-      </p:sp>
-      <p:sp>
-        <p:nvSpPr>
-          <p:cNvPr id="3" name="Content Placeholder 2">
-            <a:extLst>
-              <a:ext uri="{FF2B5EF4-FFF2-40B4-BE49-F238E27FC236}">
-                <a16:creationId xmlns:a16="http://schemas.microsoft.com/office/drawing/2014/main" id="{4F6EB389-358C-4E5E-8785-B6BE33CB44B9}"/>
-              </a:ext>
-            </a:extLst>
-          </p:cNvPr>
+              <a:rPr lang="en-CA" dirty="0" smtClean="0"/>
+              <a:t>Work To Be Done</a:t>
+            </a:r>
+            <a:endParaRPr lang="en-CA" dirty="0"/>
+          </a:p>
+        </p:txBody>
+      </p:sp>
+      <p:sp>
+        <p:nvSpPr>
+          <p:cNvPr id="3" name="Content Placeholder 2"/>
           <p:cNvSpPr>
             <a:spLocks noGrp="1"/>
           </p:cNvSpPr>
@@ -7916,37 +7995,36 @@
           <a:lstStyle/>
           <a:p>
             <a:r>
-              <a:rPr lang="en-US" dirty="0"/>
-              <a:t>Slow Start</a:t>
-            </a:r>
-          </a:p>
-          <a:p>
-            <a:endParaRPr lang="en-US" dirty="0"/>
-          </a:p>
-          <a:p>
-            <a:r>
-              <a:rPr lang="en-US" dirty="0"/>
-              <a:t>Conflicting Work Styles</a:t>
-            </a:r>
-          </a:p>
-          <a:p>
-            <a:pPr marL="0" indent="0">
-              <a:buNone/>
-            </a:pPr>
-            <a:endParaRPr lang="en-US" dirty="0"/>
-          </a:p>
-          <a:p>
-            <a:r>
-              <a:rPr lang="en-US" dirty="0"/>
-              <a:t>Different Strengths and Skills</a:t>
-            </a:r>
+              <a:rPr lang="en-CA" dirty="0" smtClean="0"/>
+              <a:t>Most documentation is finished</a:t>
+            </a:r>
+            <a:endParaRPr lang="en-CA" dirty="0"/>
+          </a:p>
+          <a:p>
+            <a:endParaRPr lang="en-CA" dirty="0" smtClean="0"/>
+          </a:p>
+          <a:p>
+            <a:r>
+              <a:rPr lang="en-CA" dirty="0" smtClean="0"/>
+              <a:t>Programming will focus on UI and fixing bugs</a:t>
+            </a:r>
+          </a:p>
+          <a:p>
+            <a:endParaRPr lang="en-CA" dirty="0"/>
+          </a:p>
+          <a:p>
+            <a:r>
+              <a:rPr lang="en-CA" dirty="0" smtClean="0"/>
+              <a:t>Test cases will be executed</a:t>
+            </a:r>
+            <a:endParaRPr lang="en-CA" dirty="0"/>
           </a:p>
         </p:txBody>
       </p:sp>
     </p:spTree>
     <p:extLst>
       <p:ext uri="{BB962C8B-B14F-4D97-AF65-F5344CB8AC3E}">
-        <p14:creationId xmlns:p14="http://schemas.microsoft.com/office/powerpoint/2010/main" val="2688178905"/>
+        <p14:creationId xmlns:p14="http://schemas.microsoft.com/office/powerpoint/2010/main" val="410846120"/>
       </p:ext>
     </p:extLst>
   </p:cSld>
@@ -7975,6 +8053,113 @@
       </p:grpSpPr>
       <p:sp>
         <p:nvSpPr>
+          <p:cNvPr id="2" name="Title 1">
+            <a:extLst>
+              <a:ext uri="{FF2B5EF4-FFF2-40B4-BE49-F238E27FC236}">
+                <a16:creationId xmlns:a16="http://schemas.microsoft.com/office/drawing/2014/main" id="{64FA947C-0E26-4D76-9432-05BEFF76D854}"/>
+              </a:ext>
+            </a:extLst>
+          </p:cNvPr>
+          <p:cNvSpPr>
+            <a:spLocks noGrp="1"/>
+          </p:cNvSpPr>
+          <p:nvPr>
+            <p:ph type="title"/>
+          </p:nvPr>
+        </p:nvSpPr>
+        <p:spPr/>
+        <p:txBody>
+          <a:bodyPr/>
+          <a:lstStyle/>
+          <a:p>
+            <a:r>
+              <a:rPr lang="en-US" dirty="0"/>
+              <a:t>Problems We Overcame</a:t>
+            </a:r>
+          </a:p>
+        </p:txBody>
+      </p:sp>
+      <p:sp>
+        <p:nvSpPr>
+          <p:cNvPr id="3" name="Content Placeholder 2">
+            <a:extLst>
+              <a:ext uri="{FF2B5EF4-FFF2-40B4-BE49-F238E27FC236}">
+                <a16:creationId xmlns:a16="http://schemas.microsoft.com/office/drawing/2014/main" id="{4F6EB389-358C-4E5E-8785-B6BE33CB44B9}"/>
+              </a:ext>
+            </a:extLst>
+          </p:cNvPr>
+          <p:cNvSpPr>
+            <a:spLocks noGrp="1"/>
+          </p:cNvSpPr>
+          <p:nvPr>
+            <p:ph idx="1"/>
+          </p:nvPr>
+        </p:nvSpPr>
+        <p:spPr/>
+        <p:txBody>
+          <a:bodyPr/>
+          <a:lstStyle/>
+          <a:p>
+            <a:r>
+              <a:rPr lang="en-US" dirty="0"/>
+              <a:t>Slow Start</a:t>
+            </a:r>
+          </a:p>
+          <a:p>
+            <a:endParaRPr lang="en-US" dirty="0"/>
+          </a:p>
+          <a:p>
+            <a:r>
+              <a:rPr lang="en-US" dirty="0"/>
+              <a:t>Conflicting Work Styles</a:t>
+            </a:r>
+          </a:p>
+          <a:p>
+            <a:pPr marL="0" indent="0">
+              <a:buNone/>
+            </a:pPr>
+            <a:endParaRPr lang="en-US" dirty="0"/>
+          </a:p>
+          <a:p>
+            <a:r>
+              <a:rPr lang="en-US" dirty="0"/>
+              <a:t>Different Strengths and Skills</a:t>
+            </a:r>
+          </a:p>
+        </p:txBody>
+      </p:sp>
+    </p:spTree>
+    <p:extLst>
+      <p:ext uri="{BB962C8B-B14F-4D97-AF65-F5344CB8AC3E}">
+        <p14:creationId xmlns:p14="http://schemas.microsoft.com/office/powerpoint/2010/main" val="2688178905"/>
+      </p:ext>
+    </p:extLst>
+  </p:cSld>
+  <p:clrMapOvr>
+    <a:masterClrMapping/>
+  </p:clrMapOvr>
+</p:sld>
+</file>
+
+<file path=ppt/slides/slide18.xml><?xml version="1.0" encoding="utf-8"?>
+<p:sld xmlns:a="http://schemas.openxmlformats.org/drawingml/2006/main" xmlns:r="http://schemas.openxmlformats.org/officeDocument/2006/relationships" xmlns:p="http://schemas.openxmlformats.org/presentationml/2006/main">
+  <p:cSld>
+    <p:spTree>
+      <p:nvGrpSpPr>
+        <p:cNvPr id="1" name=""/>
+        <p:cNvGrpSpPr/>
+        <p:nvPr/>
+      </p:nvGrpSpPr>
+      <p:grpSpPr>
+        <a:xfrm>
+          <a:off x="0" y="0"/>
+          <a:ext cx="0" cy="0"/>
+          <a:chOff x="0" y="0"/>
+          <a:chExt cx="0" cy="0"/>
+        </a:xfrm>
+      </p:grpSpPr>
+      <p:sp>
+        <p:nvSpPr>
           <p:cNvPr id="4" name="Title 3">
             <a:extLst>
               <a:ext uri="{FF2B5EF4-FFF2-40B4-BE49-F238E27FC236}">
@@ -8066,7 +8251,7 @@
 </p:sld>
 </file>
 
-<file path=ppt/slides/slide18.xml><?xml version="1.0" encoding="utf-8"?>
+<file path=ppt/slides/slide19.xml><?xml version="1.0" encoding="utf-8"?>
 <p:sld xmlns:a="http://schemas.openxmlformats.org/drawingml/2006/main" xmlns:r="http://schemas.openxmlformats.org/officeDocument/2006/relationships" xmlns:p="http://schemas.openxmlformats.org/presentationml/2006/main">
   <p:cSld>
     <p:spTree>
